--- a/Advanced Javascript Day-2.pptx
+++ b/Advanced Javascript Day-2.pptx
@@ -5,29 +5,28 @@
     <p:sldMasterId id="2147483792" r:id="rId1"/>
   </p:sldMasterIdLst>
   <p:notesMasterIdLst>
-    <p:notesMasterId r:id="rId22"/>
+    <p:notesMasterId r:id="rId21"/>
   </p:notesMasterIdLst>
   <p:sldIdLst>
     <p:sldId id="256" r:id="rId2"/>
     <p:sldId id="260" r:id="rId3"/>
     <p:sldId id="293" r:id="rId4"/>
-    <p:sldId id="299" r:id="rId5"/>
-    <p:sldId id="300" r:id="rId6"/>
-    <p:sldId id="301" r:id="rId7"/>
-    <p:sldId id="302" r:id="rId8"/>
-    <p:sldId id="303" r:id="rId9"/>
-    <p:sldId id="305" r:id="rId10"/>
-    <p:sldId id="306" r:id="rId11"/>
-    <p:sldId id="307" r:id="rId12"/>
-    <p:sldId id="308" r:id="rId13"/>
-    <p:sldId id="309" r:id="rId14"/>
-    <p:sldId id="310" r:id="rId15"/>
-    <p:sldId id="311" r:id="rId16"/>
-    <p:sldId id="304" r:id="rId17"/>
-    <p:sldId id="294" r:id="rId18"/>
-    <p:sldId id="295" r:id="rId19"/>
-    <p:sldId id="296" r:id="rId20"/>
-    <p:sldId id="297" r:id="rId21"/>
+    <p:sldId id="300" r:id="rId5"/>
+    <p:sldId id="301" r:id="rId6"/>
+    <p:sldId id="302" r:id="rId7"/>
+    <p:sldId id="303" r:id="rId8"/>
+    <p:sldId id="305" r:id="rId9"/>
+    <p:sldId id="306" r:id="rId10"/>
+    <p:sldId id="307" r:id="rId11"/>
+    <p:sldId id="308" r:id="rId12"/>
+    <p:sldId id="309" r:id="rId13"/>
+    <p:sldId id="310" r:id="rId14"/>
+    <p:sldId id="311" r:id="rId15"/>
+    <p:sldId id="299" r:id="rId16"/>
+    <p:sldId id="294" r:id="rId17"/>
+    <p:sldId id="295" r:id="rId18"/>
+    <p:sldId id="296" r:id="rId19"/>
+    <p:sldId id="297" r:id="rId20"/>
   </p:sldIdLst>
   <p:sldSz cx="9144000" cy="6858000" type="screen4x3"/>
   <p:notesSz cx="6858000" cy="9144000"/>
@@ -211,7 +210,7 @@
           <a:p>
             <a:fld id="{26151B0D-99E5-4A1B-9DBD-0880C37D7AC7}" type="datetimeFigureOut">
               <a:rPr lang="en-US" smtClean="0"/>
-              <a:t>2/11/2014</a:t>
+              <a:t>2/13/2014</a:t>
             </a:fld>
             <a:endParaRPr lang="en-US"/>
           </a:p>
@@ -773,7 +772,7 @@
             <a:fld id="{30EFA729-0062-401D-B7BF-B91E3DD8EF4A}" type="datetimeFigureOut">
               <a:rPr lang="en-US" smtClean="0"/>
               <a:pPr/>
-              <a:t>2/11/2014</a:t>
+              <a:t>2/13/2014</a:t>
             </a:fld>
             <a:endParaRPr lang="en-US"/>
           </a:p>
@@ -966,7 +965,7 @@
             <a:fld id="{30EFA729-0062-401D-B7BF-B91E3DD8EF4A}" type="datetimeFigureOut">
               <a:rPr lang="en-US" smtClean="0"/>
               <a:pPr/>
-              <a:t>2/11/2014</a:t>
+              <a:t>2/13/2014</a:t>
             </a:fld>
             <a:endParaRPr lang="en-US"/>
           </a:p>
@@ -1153,7 +1152,7 @@
             <a:fld id="{30EFA729-0062-401D-B7BF-B91E3DD8EF4A}" type="datetimeFigureOut">
               <a:rPr lang="en-US" smtClean="0"/>
               <a:pPr/>
-              <a:t>2/11/2014</a:t>
+              <a:t>2/13/2014</a:t>
             </a:fld>
             <a:endParaRPr lang="en-US"/>
           </a:p>
@@ -1418,7 +1417,7 @@
             <a:fld id="{30EFA729-0062-401D-B7BF-B91E3DD8EF4A}" type="datetimeFigureOut">
               <a:rPr lang="en-US" smtClean="0"/>
               <a:pPr/>
-              <a:t>2/11/2014</a:t>
+              <a:t>2/13/2014</a:t>
             </a:fld>
             <a:endParaRPr lang="en-US"/>
           </a:p>
@@ -1843,7 +1842,7 @@
             <a:fld id="{30EFA729-0062-401D-B7BF-B91E3DD8EF4A}" type="datetimeFigureOut">
               <a:rPr lang="en-US" smtClean="0"/>
               <a:pPr/>
-              <a:t>2/11/2014</a:t>
+              <a:t>2/13/2014</a:t>
             </a:fld>
             <a:endParaRPr lang="en-US"/>
           </a:p>
@@ -2087,7 +2086,7 @@
             <a:fld id="{30EFA729-0062-401D-B7BF-B91E3DD8EF4A}" type="datetimeFigureOut">
               <a:rPr lang="en-US" smtClean="0"/>
               <a:pPr/>
-              <a:t>2/11/2014</a:t>
+              <a:t>2/13/2014</a:t>
             </a:fld>
             <a:endParaRPr lang="en-US"/>
           </a:p>
@@ -2325,7 +2324,7 @@
             <a:fld id="{30EFA729-0062-401D-B7BF-B91E3DD8EF4A}" type="datetimeFigureOut">
               <a:rPr lang="en-US" smtClean="0"/>
               <a:pPr/>
-              <a:t>2/11/2014</a:t>
+              <a:t>2/13/2014</a:t>
             </a:fld>
             <a:endParaRPr lang="en-US"/>
           </a:p>
@@ -2522,7 +2521,7 @@
             <a:fld id="{30EFA729-0062-401D-B7BF-B91E3DD8EF4A}" type="datetimeFigureOut">
               <a:rPr lang="en-US" smtClean="0"/>
               <a:pPr/>
-              <a:t>2/11/2014</a:t>
+              <a:t>2/13/2014</a:t>
             </a:fld>
             <a:endParaRPr lang="en-US"/>
           </a:p>
@@ -2622,7 +2621,7 @@
             <a:fld id="{30EFA729-0062-401D-B7BF-B91E3DD8EF4A}" type="datetimeFigureOut">
               <a:rPr lang="en-US" smtClean="0"/>
               <a:pPr/>
-              <a:t>2/11/2014</a:t>
+              <a:t>2/13/2014</a:t>
             </a:fld>
             <a:endParaRPr lang="en-US"/>
           </a:p>
@@ -2760,7 +2759,7 @@
             <a:fld id="{30EFA729-0062-401D-B7BF-B91E3DD8EF4A}" type="datetimeFigureOut">
               <a:rPr lang="en-US" smtClean="0"/>
               <a:pPr/>
-              <a:t>2/11/2014</a:t>
+              <a:t>2/13/2014</a:t>
             </a:fld>
             <a:endParaRPr lang="en-US"/>
           </a:p>
@@ -3280,7 +3279,7 @@
             <a:fld id="{30EFA729-0062-401D-B7BF-B91E3DD8EF4A}" type="datetimeFigureOut">
               <a:rPr lang="en-US" smtClean="0"/>
               <a:pPr/>
-              <a:t>2/11/2014</a:t>
+              <a:t>2/13/2014</a:t>
             </a:fld>
             <a:endParaRPr lang="en-US"/>
           </a:p>
@@ -3377,7 +3376,7 @@
           </a:lstStyle>
           <a:p>
             <a:r>
-              <a:rPr kumimoji="0" lang="en-US" smtClean="0"/>
+              <a:rPr kumimoji="0" lang="en-US" dirty="0" smtClean="0"/>
               <a:t>Click icon to add picture</a:t>
             </a:r>
             <a:endParaRPr kumimoji="0" lang="en-US" dirty="0"/>
@@ -3543,7 +3542,7 @@
             <a:fld id="{30EFA729-0062-401D-B7BF-B91E3DD8EF4A}" type="datetimeFigureOut">
               <a:rPr lang="en-US" smtClean="0"/>
               <a:pPr/>
-              <a:t>2/11/2014</a:t>
+              <a:t>2/13/2014</a:t>
             </a:fld>
             <a:endParaRPr lang="en-US"/>
           </a:p>
@@ -4191,1360 +4190,6 @@
           <p:nvPr>
             <p:extLst>
               <p:ext uri="{D42A27DB-BD31-4B8C-83A1-F6EECF244321}">
-                <p14:modId xmlns:p14="http://schemas.microsoft.com/office/powerpoint/2010/main" val="2276306923"/>
-              </p:ext>
-            </p:extLst>
-          </p:nvPr>
-        </p:nvGraphicFramePr>
-        <p:xfrm>
-          <a:off x="228600" y="1600200"/>
-          <a:ext cx="8763000" cy="4887468"/>
-        </p:xfrm>
-        <a:graphic>
-          <a:graphicData uri="http://schemas.openxmlformats.org/drawingml/2006/table">
-            <a:tbl>
-              <a:tblPr firstRow="1" firstCol="1" bandRow="1">
-                <a:tableStyleId>{5C22544A-7EE6-4342-B048-85BDC9FD1C3A}</a:tableStyleId>
-              </a:tblPr>
-              <a:tblGrid>
-                <a:gridCol w="3608294"/>
-                <a:gridCol w="5154706"/>
-              </a:tblGrid>
-              <a:tr h="224380">
-                <a:tc>
-                  <a:txBody>
-                    <a:bodyPr/>
-                    <a:lstStyle/>
-                    <a:p>
-                      <a:pPr marL="0" marR="0" algn="l">
-                        <a:lnSpc>
-                          <a:spcPct val="115000"/>
-                        </a:lnSpc>
-                        <a:spcBef>
-                          <a:spcPts val="0"/>
-                        </a:spcBef>
-                        <a:spcAft>
-                          <a:spcPts val="1000"/>
-                        </a:spcAft>
-                      </a:pPr>
-                      <a:r>
-                        <a:rPr kumimoji="0" lang="en-US" sz="1000" b="1" i="0" kern="1200" dirty="0" smtClean="0">
-                          <a:solidFill>
-                            <a:schemeClr val="lt1"/>
-                          </a:solidFill>
-                          <a:effectLst/>
-                          <a:latin typeface="+mn-lt"/>
-                          <a:ea typeface="+mn-ea"/>
-                          <a:cs typeface="+mn-cs"/>
-                        </a:rPr>
-                        <a:t>Method</a:t>
-                      </a:r>
-                      <a:endParaRPr lang="en-US" sz="1100" dirty="0">
-                        <a:effectLst/>
-                        <a:latin typeface="Calibri"/>
-                        <a:ea typeface="Calibri"/>
-                        <a:cs typeface="Times New Roman"/>
-                      </a:endParaRPr>
-                    </a:p>
-                  </a:txBody>
-                  <a:tcPr marL="28575" marR="28575" marT="28575" marB="28575"/>
-                </a:tc>
-                <a:tc>
-                  <a:txBody>
-                    <a:bodyPr/>
-                    <a:lstStyle/>
-                    <a:p>
-                      <a:pPr marL="0" marR="0" algn="l">
-                        <a:lnSpc>
-                          <a:spcPct val="115000"/>
-                        </a:lnSpc>
-                        <a:spcBef>
-                          <a:spcPts val="0"/>
-                        </a:spcBef>
-                        <a:spcAft>
-                          <a:spcPts val="1000"/>
-                        </a:spcAft>
-                      </a:pPr>
-                      <a:r>
-                        <a:rPr kumimoji="0" lang="en-US" sz="1000" b="1" i="0" kern="1200" dirty="0" smtClean="0">
-                          <a:solidFill>
-                            <a:schemeClr val="lt1"/>
-                          </a:solidFill>
-                          <a:effectLst/>
-                          <a:latin typeface="+mn-lt"/>
-                          <a:ea typeface="+mn-ea"/>
-                          <a:cs typeface="+mn-cs"/>
-                        </a:rPr>
-                        <a:t>Description</a:t>
-                      </a:r>
-                      <a:endParaRPr lang="en-US" sz="1100" dirty="0">
-                        <a:effectLst/>
-                        <a:latin typeface="Calibri"/>
-                        <a:ea typeface="Calibri"/>
-                        <a:cs typeface="Times New Roman"/>
-                      </a:endParaRPr>
-                    </a:p>
-                  </a:txBody>
-                  <a:tcPr marL="28575" marR="28575" marT="28575" marB="28575"/>
-                </a:tc>
-              </a:tr>
-              <a:tr h="288138">
-                <a:tc>
-                  <a:txBody>
-                    <a:bodyPr/>
-                    <a:lstStyle/>
-                    <a:p>
-                      <a:pPr marL="0" marR="0">
-                        <a:lnSpc>
-                          <a:spcPts val="1265"/>
-                        </a:lnSpc>
-                        <a:spcBef>
-                          <a:spcPts val="0"/>
-                        </a:spcBef>
-                        <a:spcAft>
-                          <a:spcPts val="1000"/>
-                        </a:spcAft>
-                      </a:pPr>
-                      <a:r>
-                        <a:rPr lang="en-US" sz="1000" u="sng" dirty="0" err="1">
-                          <a:solidFill>
-                            <a:srgbClr val="000000"/>
-                          </a:solidFill>
-                          <a:effectLst/>
-                          <a:latin typeface="Verdana"/>
-                          <a:ea typeface="Calibri"/>
-                          <a:cs typeface="Times New Roman"/>
-                          <a:hlinkClick r:id="rId2"/>
-                        </a:rPr>
-                        <a:t>event.namespace</a:t>
-                      </a:r>
-                      <a:endParaRPr lang="en-US" sz="1100" u="sng" dirty="0">
-                        <a:effectLst/>
-                        <a:latin typeface="Calibri"/>
-                        <a:ea typeface="Calibri"/>
-                        <a:cs typeface="Times New Roman"/>
-                      </a:endParaRPr>
-                    </a:p>
-                  </a:txBody>
-                  <a:tcPr marL="47625" marR="47625" marT="66675" marB="66675"/>
-                </a:tc>
-                <a:tc>
-                  <a:txBody>
-                    <a:bodyPr/>
-                    <a:lstStyle/>
-                    <a:p>
-                      <a:pPr marL="0" marR="0">
-                        <a:lnSpc>
-                          <a:spcPts val="1265"/>
-                        </a:lnSpc>
-                        <a:spcBef>
-                          <a:spcPts val="0"/>
-                        </a:spcBef>
-                        <a:spcAft>
-                          <a:spcPts val="1000"/>
-                        </a:spcAft>
-                      </a:pPr>
-                      <a:r>
-                        <a:rPr lang="en-US" sz="1000">
-                          <a:solidFill>
-                            <a:srgbClr val="404040"/>
-                          </a:solidFill>
-                          <a:effectLst/>
-                          <a:latin typeface="Verdana"/>
-                          <a:ea typeface="Calibri"/>
-                          <a:cs typeface="Times New Roman"/>
-                        </a:rPr>
-                        <a:t>Returns the namespace specified when the event was triggered</a:t>
-                      </a:r>
-                      <a:endParaRPr lang="en-US" sz="1100">
-                        <a:effectLst/>
-                        <a:latin typeface="Calibri"/>
-                        <a:ea typeface="Calibri"/>
-                        <a:cs typeface="Times New Roman"/>
-                      </a:endParaRPr>
-                    </a:p>
-                  </a:txBody>
-                  <a:tcPr marL="47625" marR="47625" marT="66675" marB="66675"/>
-                </a:tc>
-              </a:tr>
-              <a:tr h="288138">
-                <a:tc>
-                  <a:txBody>
-                    <a:bodyPr/>
-                    <a:lstStyle/>
-                    <a:p>
-                      <a:pPr marL="0" marR="0">
-                        <a:lnSpc>
-                          <a:spcPts val="1265"/>
-                        </a:lnSpc>
-                        <a:spcBef>
-                          <a:spcPts val="0"/>
-                        </a:spcBef>
-                        <a:spcAft>
-                          <a:spcPts val="1000"/>
-                        </a:spcAft>
-                      </a:pPr>
-                      <a:r>
-                        <a:rPr lang="en-US" sz="1000" u="sng" dirty="0" err="1">
-                          <a:solidFill>
-                            <a:srgbClr val="000000"/>
-                          </a:solidFill>
-                          <a:effectLst/>
-                          <a:latin typeface="Verdana"/>
-                          <a:ea typeface="Calibri"/>
-                          <a:cs typeface="Times New Roman"/>
-                          <a:hlinkClick r:id="rId3"/>
-                        </a:rPr>
-                        <a:t>event.pageX</a:t>
-                      </a:r>
-                      <a:endParaRPr lang="en-US" sz="1100" u="sng" dirty="0">
-                        <a:effectLst/>
-                        <a:latin typeface="Calibri"/>
-                        <a:ea typeface="Calibri"/>
-                        <a:cs typeface="Times New Roman"/>
-                      </a:endParaRPr>
-                    </a:p>
-                  </a:txBody>
-                  <a:tcPr marL="47625" marR="47625" marT="66675" marB="66675"/>
-                </a:tc>
-                <a:tc>
-                  <a:txBody>
-                    <a:bodyPr/>
-                    <a:lstStyle/>
-                    <a:p>
-                      <a:pPr marL="0" marR="0">
-                        <a:lnSpc>
-                          <a:spcPts val="1265"/>
-                        </a:lnSpc>
-                        <a:spcBef>
-                          <a:spcPts val="0"/>
-                        </a:spcBef>
-                        <a:spcAft>
-                          <a:spcPts val="1000"/>
-                        </a:spcAft>
-                      </a:pPr>
-                      <a:r>
-                        <a:rPr lang="en-US" sz="1000">
-                          <a:solidFill>
-                            <a:srgbClr val="404040"/>
-                          </a:solidFill>
-                          <a:effectLst/>
-                          <a:latin typeface="Verdana"/>
-                          <a:ea typeface="Calibri"/>
-                          <a:cs typeface="Times New Roman"/>
-                        </a:rPr>
-                        <a:t>Returns the mouse position relative to the left edge of the document</a:t>
-                      </a:r>
-                      <a:endParaRPr lang="en-US" sz="1100">
-                        <a:effectLst/>
-                        <a:latin typeface="Calibri"/>
-                        <a:ea typeface="Calibri"/>
-                        <a:cs typeface="Times New Roman"/>
-                      </a:endParaRPr>
-                    </a:p>
-                  </a:txBody>
-                  <a:tcPr marL="47625" marR="47625" marT="66675" marB="66675"/>
-                </a:tc>
-              </a:tr>
-              <a:tr h="288138">
-                <a:tc>
-                  <a:txBody>
-                    <a:bodyPr/>
-                    <a:lstStyle/>
-                    <a:p>
-                      <a:pPr marL="0" marR="0">
-                        <a:lnSpc>
-                          <a:spcPts val="1265"/>
-                        </a:lnSpc>
-                        <a:spcBef>
-                          <a:spcPts val="0"/>
-                        </a:spcBef>
-                        <a:spcAft>
-                          <a:spcPts val="1000"/>
-                        </a:spcAft>
-                      </a:pPr>
-                      <a:r>
-                        <a:rPr lang="en-US" sz="1000" u="sng" dirty="0" err="1">
-                          <a:solidFill>
-                            <a:srgbClr val="000000"/>
-                          </a:solidFill>
-                          <a:effectLst/>
-                          <a:latin typeface="Verdana"/>
-                          <a:ea typeface="Calibri"/>
-                          <a:cs typeface="Times New Roman"/>
-                          <a:hlinkClick r:id="rId4"/>
-                        </a:rPr>
-                        <a:t>event.pageY</a:t>
-                      </a:r>
-                      <a:endParaRPr lang="en-US" sz="1100" u="sng" dirty="0">
-                        <a:effectLst/>
-                        <a:latin typeface="Calibri"/>
-                        <a:ea typeface="Calibri"/>
-                        <a:cs typeface="Times New Roman"/>
-                      </a:endParaRPr>
-                    </a:p>
-                  </a:txBody>
-                  <a:tcPr marL="47625" marR="47625" marT="66675" marB="66675"/>
-                </a:tc>
-                <a:tc>
-                  <a:txBody>
-                    <a:bodyPr/>
-                    <a:lstStyle/>
-                    <a:p>
-                      <a:pPr marL="0" marR="0">
-                        <a:lnSpc>
-                          <a:spcPts val="1265"/>
-                        </a:lnSpc>
-                        <a:spcBef>
-                          <a:spcPts val="0"/>
-                        </a:spcBef>
-                        <a:spcAft>
-                          <a:spcPts val="1000"/>
-                        </a:spcAft>
-                      </a:pPr>
-                      <a:r>
-                        <a:rPr lang="en-US" sz="1000">
-                          <a:solidFill>
-                            <a:srgbClr val="404040"/>
-                          </a:solidFill>
-                          <a:effectLst/>
-                          <a:latin typeface="Verdana"/>
-                          <a:ea typeface="Calibri"/>
-                          <a:cs typeface="Times New Roman"/>
-                        </a:rPr>
-                        <a:t>Returns the mouse position relative to the top edge of the document</a:t>
-                      </a:r>
-                      <a:endParaRPr lang="en-US" sz="1100">
-                        <a:effectLst/>
-                        <a:latin typeface="Calibri"/>
-                        <a:ea typeface="Calibri"/>
-                        <a:cs typeface="Times New Roman"/>
-                      </a:endParaRPr>
-                    </a:p>
-                  </a:txBody>
-                  <a:tcPr marL="47625" marR="47625" marT="66675" marB="66675"/>
-                </a:tc>
-              </a:tr>
-              <a:tr h="288138">
-                <a:tc>
-                  <a:txBody>
-                    <a:bodyPr/>
-                    <a:lstStyle/>
-                    <a:p>
-                      <a:pPr marL="0" marR="0">
-                        <a:lnSpc>
-                          <a:spcPts val="1265"/>
-                        </a:lnSpc>
-                        <a:spcBef>
-                          <a:spcPts val="0"/>
-                        </a:spcBef>
-                        <a:spcAft>
-                          <a:spcPts val="1000"/>
-                        </a:spcAft>
-                      </a:pPr>
-                      <a:r>
-                        <a:rPr lang="en-US" sz="1000" u="sng" dirty="0" err="1">
-                          <a:solidFill>
-                            <a:srgbClr val="000000"/>
-                          </a:solidFill>
-                          <a:effectLst/>
-                          <a:latin typeface="Verdana"/>
-                          <a:ea typeface="Calibri"/>
-                          <a:cs typeface="Times New Roman"/>
-                          <a:hlinkClick r:id="rId5"/>
-                        </a:rPr>
-                        <a:t>event.preventDefault</a:t>
-                      </a:r>
-                      <a:r>
-                        <a:rPr lang="en-US" sz="1000" u="sng" dirty="0">
-                          <a:solidFill>
-                            <a:srgbClr val="000000"/>
-                          </a:solidFill>
-                          <a:effectLst/>
-                          <a:latin typeface="Verdana"/>
-                          <a:ea typeface="Calibri"/>
-                          <a:cs typeface="Times New Roman"/>
-                          <a:hlinkClick r:id="rId5"/>
-                        </a:rPr>
-                        <a:t>()</a:t>
-                      </a:r>
-                      <a:endParaRPr lang="en-US" sz="1100" u="sng" dirty="0">
-                        <a:effectLst/>
-                        <a:latin typeface="Calibri"/>
-                        <a:ea typeface="Calibri"/>
-                        <a:cs typeface="Times New Roman"/>
-                      </a:endParaRPr>
-                    </a:p>
-                  </a:txBody>
-                  <a:tcPr marL="47625" marR="47625" marT="66675" marB="66675"/>
-                </a:tc>
-                <a:tc>
-                  <a:txBody>
-                    <a:bodyPr/>
-                    <a:lstStyle/>
-                    <a:p>
-                      <a:pPr marL="0" marR="0">
-                        <a:lnSpc>
-                          <a:spcPts val="1265"/>
-                        </a:lnSpc>
-                        <a:spcBef>
-                          <a:spcPts val="0"/>
-                        </a:spcBef>
-                        <a:spcAft>
-                          <a:spcPts val="1000"/>
-                        </a:spcAft>
-                      </a:pPr>
-                      <a:r>
-                        <a:rPr lang="en-US" sz="1000">
-                          <a:solidFill>
-                            <a:srgbClr val="404040"/>
-                          </a:solidFill>
-                          <a:effectLst/>
-                          <a:latin typeface="Verdana"/>
-                          <a:ea typeface="Calibri"/>
-                          <a:cs typeface="Times New Roman"/>
-                        </a:rPr>
-                        <a:t>Prevents the default action of the event</a:t>
-                      </a:r>
-                      <a:endParaRPr lang="en-US" sz="1100">
-                        <a:effectLst/>
-                        <a:latin typeface="Calibri"/>
-                        <a:ea typeface="Calibri"/>
-                        <a:cs typeface="Times New Roman"/>
-                      </a:endParaRPr>
-                    </a:p>
-                  </a:txBody>
-                  <a:tcPr marL="47625" marR="47625" marT="66675" marB="66675"/>
-                </a:tc>
-              </a:tr>
-              <a:tr h="288138">
-                <a:tc>
-                  <a:txBody>
-                    <a:bodyPr/>
-                    <a:lstStyle/>
-                    <a:p>
-                      <a:pPr marL="0" marR="0">
-                        <a:lnSpc>
-                          <a:spcPts val="1265"/>
-                        </a:lnSpc>
-                        <a:spcBef>
-                          <a:spcPts val="0"/>
-                        </a:spcBef>
-                        <a:spcAft>
-                          <a:spcPts val="1000"/>
-                        </a:spcAft>
-                      </a:pPr>
-                      <a:r>
-                        <a:rPr lang="en-US" sz="1000" u="sng" dirty="0" err="1">
-                          <a:solidFill>
-                            <a:srgbClr val="000000"/>
-                          </a:solidFill>
-                          <a:effectLst/>
-                          <a:latin typeface="Verdana"/>
-                          <a:ea typeface="Calibri"/>
-                          <a:cs typeface="Times New Roman"/>
-                          <a:hlinkClick r:id="rId6"/>
-                        </a:rPr>
-                        <a:t>event.relatedTarget</a:t>
-                      </a:r>
-                      <a:endParaRPr lang="en-US" sz="1100" u="sng" dirty="0">
-                        <a:effectLst/>
-                        <a:latin typeface="Calibri"/>
-                        <a:ea typeface="Calibri"/>
-                        <a:cs typeface="Times New Roman"/>
-                      </a:endParaRPr>
-                    </a:p>
-                  </a:txBody>
-                  <a:tcPr marL="47625" marR="47625" marT="66675" marB="66675"/>
-                </a:tc>
-                <a:tc>
-                  <a:txBody>
-                    <a:bodyPr/>
-                    <a:lstStyle/>
-                    <a:p>
-                      <a:pPr marL="0" marR="0">
-                        <a:lnSpc>
-                          <a:spcPts val="1265"/>
-                        </a:lnSpc>
-                        <a:spcBef>
-                          <a:spcPts val="0"/>
-                        </a:spcBef>
-                        <a:spcAft>
-                          <a:spcPts val="1000"/>
-                        </a:spcAft>
-                      </a:pPr>
-                      <a:r>
-                        <a:rPr lang="en-US" sz="1000">
-                          <a:solidFill>
-                            <a:srgbClr val="404040"/>
-                          </a:solidFill>
-                          <a:effectLst/>
-                          <a:latin typeface="Verdana"/>
-                          <a:ea typeface="Calibri"/>
-                          <a:cs typeface="Times New Roman"/>
-                        </a:rPr>
-                        <a:t>Returns which element being entered or exited on mouse movement.</a:t>
-                      </a:r>
-                      <a:endParaRPr lang="en-US" sz="1100">
-                        <a:effectLst/>
-                        <a:latin typeface="Calibri"/>
-                        <a:ea typeface="Calibri"/>
-                        <a:cs typeface="Times New Roman"/>
-                      </a:endParaRPr>
-                    </a:p>
-                  </a:txBody>
-                  <a:tcPr marL="47625" marR="47625" marT="66675" marB="66675"/>
-                </a:tc>
-              </a:tr>
-              <a:tr h="288138">
-                <a:tc>
-                  <a:txBody>
-                    <a:bodyPr/>
-                    <a:lstStyle/>
-                    <a:p>
-                      <a:pPr marL="0" marR="0">
-                        <a:lnSpc>
-                          <a:spcPts val="1265"/>
-                        </a:lnSpc>
-                        <a:spcBef>
-                          <a:spcPts val="0"/>
-                        </a:spcBef>
-                        <a:spcAft>
-                          <a:spcPts val="1000"/>
-                        </a:spcAft>
-                      </a:pPr>
-                      <a:r>
-                        <a:rPr lang="en-US" sz="1000" u="sng" dirty="0" err="1">
-                          <a:solidFill>
-                            <a:srgbClr val="000000"/>
-                          </a:solidFill>
-                          <a:effectLst/>
-                          <a:latin typeface="Verdana"/>
-                          <a:ea typeface="Calibri"/>
-                          <a:cs typeface="Times New Roman"/>
-                          <a:hlinkClick r:id="rId7"/>
-                        </a:rPr>
-                        <a:t>event.result</a:t>
-                      </a:r>
-                      <a:endParaRPr lang="en-US" sz="1100" u="sng" dirty="0">
-                        <a:effectLst/>
-                        <a:latin typeface="Calibri"/>
-                        <a:ea typeface="Calibri"/>
-                        <a:cs typeface="Times New Roman"/>
-                      </a:endParaRPr>
-                    </a:p>
-                  </a:txBody>
-                  <a:tcPr marL="47625" marR="47625" marT="66675" marB="66675"/>
-                </a:tc>
-                <a:tc>
-                  <a:txBody>
-                    <a:bodyPr/>
-                    <a:lstStyle/>
-                    <a:p>
-                      <a:pPr marL="0" marR="0">
-                        <a:lnSpc>
-                          <a:spcPts val="1265"/>
-                        </a:lnSpc>
-                        <a:spcBef>
-                          <a:spcPts val="0"/>
-                        </a:spcBef>
-                        <a:spcAft>
-                          <a:spcPts val="1000"/>
-                        </a:spcAft>
-                      </a:pPr>
-                      <a:r>
-                        <a:rPr lang="en-US" sz="1000">
-                          <a:solidFill>
-                            <a:srgbClr val="404040"/>
-                          </a:solidFill>
-                          <a:effectLst/>
-                          <a:latin typeface="Verdana"/>
-                          <a:ea typeface="Calibri"/>
-                          <a:cs typeface="Times New Roman"/>
-                        </a:rPr>
-                        <a:t>Contains the last/previous value returned by an event handler triggered by the specified event</a:t>
-                      </a:r>
-                      <a:endParaRPr lang="en-US" sz="1100">
-                        <a:effectLst/>
-                        <a:latin typeface="Calibri"/>
-                        <a:ea typeface="Calibri"/>
-                        <a:cs typeface="Times New Roman"/>
-                      </a:endParaRPr>
-                    </a:p>
-                  </a:txBody>
-                  <a:tcPr marL="47625" marR="47625" marT="66675" marB="66675"/>
-                </a:tc>
-              </a:tr>
-              <a:tr h="288138">
-                <a:tc>
-                  <a:txBody>
-                    <a:bodyPr/>
-                    <a:lstStyle/>
-                    <a:p>
-                      <a:pPr marL="0" marR="0">
-                        <a:lnSpc>
-                          <a:spcPts val="1265"/>
-                        </a:lnSpc>
-                        <a:spcBef>
-                          <a:spcPts val="0"/>
-                        </a:spcBef>
-                        <a:spcAft>
-                          <a:spcPts val="1000"/>
-                        </a:spcAft>
-                      </a:pPr>
-                      <a:r>
-                        <a:rPr lang="en-US" sz="1000" u="sng" dirty="0" err="1">
-                          <a:solidFill>
-                            <a:srgbClr val="000000"/>
-                          </a:solidFill>
-                          <a:effectLst/>
-                          <a:latin typeface="Verdana"/>
-                          <a:ea typeface="Calibri"/>
-                          <a:cs typeface="Times New Roman"/>
-                          <a:hlinkClick r:id="rId8"/>
-                        </a:rPr>
-                        <a:t>event.stopImmediatePropagation</a:t>
-                      </a:r>
-                      <a:r>
-                        <a:rPr lang="en-US" sz="1000" u="sng" dirty="0">
-                          <a:solidFill>
-                            <a:srgbClr val="000000"/>
-                          </a:solidFill>
-                          <a:effectLst/>
-                          <a:latin typeface="Verdana"/>
-                          <a:ea typeface="Calibri"/>
-                          <a:cs typeface="Times New Roman"/>
-                          <a:hlinkClick r:id="rId8"/>
-                        </a:rPr>
-                        <a:t>()</a:t>
-                      </a:r>
-                      <a:endParaRPr lang="en-US" sz="1100" u="sng" dirty="0">
-                        <a:effectLst/>
-                        <a:latin typeface="Calibri"/>
-                        <a:ea typeface="Calibri"/>
-                        <a:cs typeface="Times New Roman"/>
-                      </a:endParaRPr>
-                    </a:p>
-                  </a:txBody>
-                  <a:tcPr marL="47625" marR="47625" marT="66675" marB="66675"/>
-                </a:tc>
-                <a:tc>
-                  <a:txBody>
-                    <a:bodyPr/>
-                    <a:lstStyle/>
-                    <a:p>
-                      <a:pPr marL="0" marR="0">
-                        <a:lnSpc>
-                          <a:spcPts val="1265"/>
-                        </a:lnSpc>
-                        <a:spcBef>
-                          <a:spcPts val="0"/>
-                        </a:spcBef>
-                        <a:spcAft>
-                          <a:spcPts val="1000"/>
-                        </a:spcAft>
-                      </a:pPr>
-                      <a:r>
-                        <a:rPr lang="en-US" sz="1000" dirty="0">
-                          <a:solidFill>
-                            <a:srgbClr val="404040"/>
-                          </a:solidFill>
-                          <a:effectLst/>
-                          <a:latin typeface="Verdana"/>
-                          <a:ea typeface="Calibri"/>
-                          <a:cs typeface="Times New Roman"/>
-                        </a:rPr>
-                        <a:t>Prevents other event handlers from being called</a:t>
-                      </a:r>
-                      <a:endParaRPr lang="en-US" sz="1100" dirty="0">
-                        <a:effectLst/>
-                        <a:latin typeface="Calibri"/>
-                        <a:ea typeface="Calibri"/>
-                        <a:cs typeface="Times New Roman"/>
-                      </a:endParaRPr>
-                    </a:p>
-                  </a:txBody>
-                  <a:tcPr marL="47625" marR="47625" marT="66675" marB="66675"/>
-                </a:tc>
-              </a:tr>
-              <a:tr h="288138">
-                <a:tc>
-                  <a:txBody>
-                    <a:bodyPr/>
-                    <a:lstStyle/>
-                    <a:p>
-                      <a:pPr marL="0" marR="0">
-                        <a:lnSpc>
-                          <a:spcPts val="1265"/>
-                        </a:lnSpc>
-                        <a:spcBef>
-                          <a:spcPts val="0"/>
-                        </a:spcBef>
-                        <a:spcAft>
-                          <a:spcPts val="1000"/>
-                        </a:spcAft>
-                      </a:pPr>
-                      <a:r>
-                        <a:rPr lang="en-US" sz="1000" u="sng" dirty="0" err="1">
-                          <a:solidFill>
-                            <a:srgbClr val="000000"/>
-                          </a:solidFill>
-                          <a:effectLst/>
-                          <a:latin typeface="Verdana"/>
-                          <a:ea typeface="Calibri"/>
-                          <a:cs typeface="Times New Roman"/>
-                          <a:hlinkClick r:id="rId9"/>
-                        </a:rPr>
-                        <a:t>event.stopPropagation</a:t>
-                      </a:r>
-                      <a:r>
-                        <a:rPr lang="en-US" sz="1000" u="sng" dirty="0">
-                          <a:solidFill>
-                            <a:srgbClr val="000000"/>
-                          </a:solidFill>
-                          <a:effectLst/>
-                          <a:latin typeface="Verdana"/>
-                          <a:ea typeface="Calibri"/>
-                          <a:cs typeface="Times New Roman"/>
-                          <a:hlinkClick r:id="rId9"/>
-                        </a:rPr>
-                        <a:t>()</a:t>
-                      </a:r>
-                      <a:endParaRPr lang="en-US" sz="1100" u="sng" dirty="0">
-                        <a:effectLst/>
-                        <a:latin typeface="Calibri"/>
-                        <a:ea typeface="Calibri"/>
-                        <a:cs typeface="Times New Roman"/>
-                      </a:endParaRPr>
-                    </a:p>
-                  </a:txBody>
-                  <a:tcPr marL="47625" marR="47625" marT="66675" marB="66675"/>
-                </a:tc>
-                <a:tc>
-                  <a:txBody>
-                    <a:bodyPr/>
-                    <a:lstStyle/>
-                    <a:p>
-                      <a:pPr marL="0" marR="0">
-                        <a:lnSpc>
-                          <a:spcPts val="1265"/>
-                        </a:lnSpc>
-                        <a:spcBef>
-                          <a:spcPts val="0"/>
-                        </a:spcBef>
-                        <a:spcAft>
-                          <a:spcPts val="1000"/>
-                        </a:spcAft>
-                      </a:pPr>
-                      <a:r>
-                        <a:rPr lang="en-US" sz="1000">
-                          <a:solidFill>
-                            <a:srgbClr val="404040"/>
-                          </a:solidFill>
-                          <a:effectLst/>
-                          <a:latin typeface="Verdana"/>
-                          <a:ea typeface="Calibri"/>
-                          <a:cs typeface="Times New Roman"/>
-                        </a:rPr>
-                        <a:t>Prevents the event from bubbling up the DOM tree, preventing any parent handlers from being notified of the event</a:t>
-                      </a:r>
-                      <a:endParaRPr lang="en-US" sz="1100">
-                        <a:effectLst/>
-                        <a:latin typeface="Calibri"/>
-                        <a:ea typeface="Calibri"/>
-                        <a:cs typeface="Times New Roman"/>
-                      </a:endParaRPr>
-                    </a:p>
-                  </a:txBody>
-                  <a:tcPr marL="47625" marR="47625" marT="66675" marB="66675"/>
-                </a:tc>
-              </a:tr>
-              <a:tr h="288138">
-                <a:tc>
-                  <a:txBody>
-                    <a:bodyPr/>
-                    <a:lstStyle/>
-                    <a:p>
-                      <a:pPr marL="0" marR="0">
-                        <a:lnSpc>
-                          <a:spcPts val="1265"/>
-                        </a:lnSpc>
-                        <a:spcBef>
-                          <a:spcPts val="0"/>
-                        </a:spcBef>
-                        <a:spcAft>
-                          <a:spcPts val="1000"/>
-                        </a:spcAft>
-                      </a:pPr>
-                      <a:r>
-                        <a:rPr lang="en-US" sz="1000" u="sng" dirty="0" err="1">
-                          <a:solidFill>
-                            <a:srgbClr val="000000"/>
-                          </a:solidFill>
-                          <a:effectLst/>
-                          <a:latin typeface="Verdana"/>
-                          <a:ea typeface="Calibri"/>
-                          <a:cs typeface="Times New Roman"/>
-                          <a:hlinkClick r:id="rId10"/>
-                        </a:rPr>
-                        <a:t>event.target</a:t>
-                      </a:r>
-                      <a:endParaRPr lang="en-US" sz="1100" u="sng" dirty="0">
-                        <a:effectLst/>
-                        <a:latin typeface="Calibri"/>
-                        <a:ea typeface="Calibri"/>
-                        <a:cs typeface="Times New Roman"/>
-                      </a:endParaRPr>
-                    </a:p>
-                  </a:txBody>
-                  <a:tcPr marL="47625" marR="47625" marT="66675" marB="66675"/>
-                </a:tc>
-                <a:tc>
-                  <a:txBody>
-                    <a:bodyPr/>
-                    <a:lstStyle/>
-                    <a:p>
-                      <a:pPr marL="0" marR="0">
-                        <a:lnSpc>
-                          <a:spcPts val="1265"/>
-                        </a:lnSpc>
-                        <a:spcBef>
-                          <a:spcPts val="0"/>
-                        </a:spcBef>
-                        <a:spcAft>
-                          <a:spcPts val="1000"/>
-                        </a:spcAft>
-                      </a:pPr>
-                      <a:r>
-                        <a:rPr lang="en-US" sz="1000" dirty="0">
-                          <a:solidFill>
-                            <a:srgbClr val="404040"/>
-                          </a:solidFill>
-                          <a:effectLst/>
-                          <a:latin typeface="Verdana"/>
-                          <a:ea typeface="Calibri"/>
-                          <a:cs typeface="Times New Roman"/>
-                        </a:rPr>
-                        <a:t>Returns which DOM element triggered the event</a:t>
-                      </a:r>
-                      <a:endParaRPr lang="en-US" sz="1100" dirty="0">
-                        <a:effectLst/>
-                        <a:latin typeface="Calibri"/>
-                        <a:ea typeface="Calibri"/>
-                        <a:cs typeface="Times New Roman"/>
-                      </a:endParaRPr>
-                    </a:p>
-                  </a:txBody>
-                  <a:tcPr marL="47625" marR="47625" marT="66675" marB="66675"/>
-                </a:tc>
-              </a:tr>
-              <a:tr h="288138">
-                <a:tc>
-                  <a:txBody>
-                    <a:bodyPr/>
-                    <a:lstStyle/>
-                    <a:p>
-                      <a:pPr marL="0" marR="0">
-                        <a:lnSpc>
-                          <a:spcPts val="1265"/>
-                        </a:lnSpc>
-                        <a:spcBef>
-                          <a:spcPts val="0"/>
-                        </a:spcBef>
-                        <a:spcAft>
-                          <a:spcPts val="1000"/>
-                        </a:spcAft>
-                      </a:pPr>
-                      <a:r>
-                        <a:rPr lang="en-US" sz="1000" u="sng" dirty="0" err="1">
-                          <a:solidFill>
-                            <a:srgbClr val="000000"/>
-                          </a:solidFill>
-                          <a:effectLst/>
-                          <a:latin typeface="Verdana"/>
-                          <a:ea typeface="Calibri"/>
-                          <a:cs typeface="Times New Roman"/>
-                          <a:hlinkClick r:id="rId11"/>
-                        </a:rPr>
-                        <a:t>event.timeStamp</a:t>
-                      </a:r>
-                      <a:endParaRPr lang="en-US" sz="1100" u="sng" dirty="0">
-                        <a:effectLst/>
-                        <a:latin typeface="Calibri"/>
-                        <a:ea typeface="Calibri"/>
-                        <a:cs typeface="Times New Roman"/>
-                      </a:endParaRPr>
-                    </a:p>
-                  </a:txBody>
-                  <a:tcPr marL="47625" marR="47625" marT="66675" marB="66675"/>
-                </a:tc>
-                <a:tc>
-                  <a:txBody>
-                    <a:bodyPr/>
-                    <a:lstStyle/>
-                    <a:p>
-                      <a:pPr marL="0" marR="0">
-                        <a:lnSpc>
-                          <a:spcPts val="1265"/>
-                        </a:lnSpc>
-                        <a:spcBef>
-                          <a:spcPts val="0"/>
-                        </a:spcBef>
-                        <a:spcAft>
-                          <a:spcPts val="1000"/>
-                        </a:spcAft>
-                      </a:pPr>
-                      <a:r>
-                        <a:rPr lang="en-US" sz="1000">
-                          <a:solidFill>
-                            <a:srgbClr val="404040"/>
-                          </a:solidFill>
-                          <a:effectLst/>
-                          <a:latin typeface="Verdana"/>
-                          <a:ea typeface="Calibri"/>
-                          <a:cs typeface="Times New Roman"/>
-                        </a:rPr>
-                        <a:t>Returns the number of milliseconds since January 1, 1970, when the event is triggered</a:t>
-                      </a:r>
-                      <a:endParaRPr lang="en-US" sz="1100">
-                        <a:effectLst/>
-                        <a:latin typeface="Calibri"/>
-                        <a:ea typeface="Calibri"/>
-                        <a:cs typeface="Times New Roman"/>
-                      </a:endParaRPr>
-                    </a:p>
-                  </a:txBody>
-                  <a:tcPr marL="47625" marR="47625" marT="66675" marB="66675"/>
-                </a:tc>
-              </a:tr>
-              <a:tr h="288138">
-                <a:tc>
-                  <a:txBody>
-                    <a:bodyPr/>
-                    <a:lstStyle/>
-                    <a:p>
-                      <a:pPr marL="0" marR="0">
-                        <a:lnSpc>
-                          <a:spcPts val="1265"/>
-                        </a:lnSpc>
-                        <a:spcBef>
-                          <a:spcPts val="0"/>
-                        </a:spcBef>
-                        <a:spcAft>
-                          <a:spcPts val="1000"/>
-                        </a:spcAft>
-                      </a:pPr>
-                      <a:r>
-                        <a:rPr lang="en-US" sz="1000" u="sng" dirty="0" err="1">
-                          <a:solidFill>
-                            <a:srgbClr val="000000"/>
-                          </a:solidFill>
-                          <a:effectLst/>
-                          <a:latin typeface="Verdana"/>
-                          <a:ea typeface="Calibri"/>
-                          <a:cs typeface="Times New Roman"/>
-                          <a:hlinkClick r:id="rId12"/>
-                        </a:rPr>
-                        <a:t>event.type</a:t>
-                      </a:r>
-                      <a:endParaRPr lang="en-US" sz="1100" u="sng" dirty="0">
-                        <a:effectLst/>
-                        <a:latin typeface="Calibri"/>
-                        <a:ea typeface="Calibri"/>
-                        <a:cs typeface="Times New Roman"/>
-                      </a:endParaRPr>
-                    </a:p>
-                  </a:txBody>
-                  <a:tcPr marL="47625" marR="47625" marT="66675" marB="66675"/>
-                </a:tc>
-                <a:tc>
-                  <a:txBody>
-                    <a:bodyPr/>
-                    <a:lstStyle/>
-                    <a:p>
-                      <a:pPr marL="0" marR="0">
-                        <a:lnSpc>
-                          <a:spcPts val="1265"/>
-                        </a:lnSpc>
-                        <a:spcBef>
-                          <a:spcPts val="0"/>
-                        </a:spcBef>
-                        <a:spcAft>
-                          <a:spcPts val="1000"/>
-                        </a:spcAft>
-                      </a:pPr>
-                      <a:r>
-                        <a:rPr lang="en-US" sz="1000">
-                          <a:solidFill>
-                            <a:srgbClr val="404040"/>
-                          </a:solidFill>
-                          <a:effectLst/>
-                          <a:latin typeface="Verdana"/>
-                          <a:ea typeface="Calibri"/>
-                          <a:cs typeface="Times New Roman"/>
-                        </a:rPr>
-                        <a:t>Returns which event type was triggered</a:t>
-                      </a:r>
-                      <a:endParaRPr lang="en-US" sz="1100">
-                        <a:effectLst/>
-                        <a:latin typeface="Calibri"/>
-                        <a:ea typeface="Calibri"/>
-                        <a:cs typeface="Times New Roman"/>
-                      </a:endParaRPr>
-                    </a:p>
-                  </a:txBody>
-                  <a:tcPr marL="47625" marR="47625" marT="66675" marB="66675"/>
-                </a:tc>
-              </a:tr>
-              <a:tr h="288138">
-                <a:tc>
-                  <a:txBody>
-                    <a:bodyPr/>
-                    <a:lstStyle/>
-                    <a:p>
-                      <a:pPr marL="0" marR="0">
-                        <a:lnSpc>
-                          <a:spcPts val="1265"/>
-                        </a:lnSpc>
-                        <a:spcBef>
-                          <a:spcPts val="0"/>
-                        </a:spcBef>
-                        <a:spcAft>
-                          <a:spcPts val="1000"/>
-                        </a:spcAft>
-                      </a:pPr>
-                      <a:r>
-                        <a:rPr lang="en-US" sz="1000" u="sng" dirty="0" err="1">
-                          <a:solidFill>
-                            <a:srgbClr val="000000"/>
-                          </a:solidFill>
-                          <a:effectLst/>
-                          <a:latin typeface="Verdana"/>
-                          <a:ea typeface="Calibri"/>
-                          <a:cs typeface="Times New Roman"/>
-                          <a:hlinkClick r:id="rId13"/>
-                        </a:rPr>
-                        <a:t>event.which</a:t>
-                      </a:r>
-                      <a:endParaRPr lang="en-US" sz="1100" u="sng" dirty="0">
-                        <a:effectLst/>
-                        <a:latin typeface="Calibri"/>
-                        <a:ea typeface="Calibri"/>
-                        <a:cs typeface="Times New Roman"/>
-                      </a:endParaRPr>
-                    </a:p>
-                  </a:txBody>
-                  <a:tcPr marL="47625" marR="47625" marT="66675" marB="66675"/>
-                </a:tc>
-                <a:tc>
-                  <a:txBody>
-                    <a:bodyPr/>
-                    <a:lstStyle/>
-                    <a:p>
-                      <a:pPr marL="0" marR="0">
-                        <a:lnSpc>
-                          <a:spcPts val="1265"/>
-                        </a:lnSpc>
-                        <a:spcBef>
-                          <a:spcPts val="0"/>
-                        </a:spcBef>
-                        <a:spcAft>
-                          <a:spcPts val="1000"/>
-                        </a:spcAft>
-                      </a:pPr>
-                      <a:r>
-                        <a:rPr lang="en-US" sz="1000" dirty="0">
-                          <a:solidFill>
-                            <a:srgbClr val="404040"/>
-                          </a:solidFill>
-                          <a:effectLst/>
-                          <a:latin typeface="Verdana"/>
-                          <a:ea typeface="Calibri"/>
-                          <a:cs typeface="Times New Roman"/>
-                        </a:rPr>
-                        <a:t>Returns which keyboard key or mouse button was pressed for the event</a:t>
-                      </a:r>
-                      <a:endParaRPr lang="en-US" sz="1100" dirty="0">
-                        <a:effectLst/>
-                        <a:latin typeface="Calibri"/>
-                        <a:ea typeface="Calibri"/>
-                        <a:cs typeface="Times New Roman"/>
-                      </a:endParaRPr>
-                    </a:p>
-                  </a:txBody>
-                  <a:tcPr marL="47625" marR="47625" marT="66675" marB="66675"/>
-                </a:tc>
-              </a:tr>
-              <a:tr h="288138">
-                <a:tc>
-                  <a:txBody>
-                    <a:bodyPr/>
-                    <a:lstStyle/>
-                    <a:p>
-                      <a:pPr marL="0" marR="0">
-                        <a:lnSpc>
-                          <a:spcPts val="1265"/>
-                        </a:lnSpc>
-                        <a:spcBef>
-                          <a:spcPts val="0"/>
-                        </a:spcBef>
-                        <a:spcAft>
-                          <a:spcPts val="1000"/>
-                        </a:spcAft>
-                      </a:pPr>
-                      <a:r>
-                        <a:rPr lang="en-US" sz="1000" u="sng" dirty="0">
-                          <a:solidFill>
-                            <a:srgbClr val="000000"/>
-                          </a:solidFill>
-                          <a:effectLst/>
-                          <a:latin typeface="Verdana"/>
-                          <a:ea typeface="Calibri"/>
-                          <a:cs typeface="Times New Roman"/>
-                          <a:hlinkClick r:id="rId14"/>
-                        </a:rPr>
-                        <a:t>focus()</a:t>
-                      </a:r>
-                      <a:endParaRPr lang="en-US" sz="1100" u="sng" dirty="0">
-                        <a:effectLst/>
-                        <a:latin typeface="Calibri"/>
-                        <a:ea typeface="Calibri"/>
-                        <a:cs typeface="Times New Roman"/>
-                      </a:endParaRPr>
-                    </a:p>
-                  </a:txBody>
-                  <a:tcPr marL="47625" marR="47625" marT="66675" marB="66675"/>
-                </a:tc>
-                <a:tc>
-                  <a:txBody>
-                    <a:bodyPr/>
-                    <a:lstStyle/>
-                    <a:p>
-                      <a:pPr marL="0" marR="0">
-                        <a:lnSpc>
-                          <a:spcPts val="1265"/>
-                        </a:lnSpc>
-                        <a:spcBef>
-                          <a:spcPts val="0"/>
-                        </a:spcBef>
-                        <a:spcAft>
-                          <a:spcPts val="1000"/>
-                        </a:spcAft>
-                      </a:pPr>
-                      <a:r>
-                        <a:rPr lang="en-US" sz="1000" dirty="0">
-                          <a:solidFill>
-                            <a:srgbClr val="404040"/>
-                          </a:solidFill>
-                          <a:effectLst/>
-                          <a:latin typeface="Verdana"/>
-                          <a:ea typeface="Calibri"/>
-                          <a:cs typeface="Times New Roman"/>
-                        </a:rPr>
-                        <a:t>Attaches/Triggers the focus event</a:t>
-                      </a:r>
-                      <a:endParaRPr lang="en-US" sz="1100" dirty="0">
-                        <a:effectLst/>
-                        <a:latin typeface="Calibri"/>
-                        <a:ea typeface="Calibri"/>
-                        <a:cs typeface="Times New Roman"/>
-                      </a:endParaRPr>
-                    </a:p>
-                  </a:txBody>
-                  <a:tcPr marL="47625" marR="47625" marT="66675" marB="66675"/>
-                </a:tc>
-              </a:tr>
-              <a:tr h="288138">
-                <a:tc>
-                  <a:txBody>
-                    <a:bodyPr/>
-                    <a:lstStyle/>
-                    <a:p>
-                      <a:pPr marL="0" marR="0">
-                        <a:lnSpc>
-                          <a:spcPts val="1265"/>
-                        </a:lnSpc>
-                        <a:spcBef>
-                          <a:spcPts val="0"/>
-                        </a:spcBef>
-                        <a:spcAft>
-                          <a:spcPts val="1000"/>
-                        </a:spcAft>
-                      </a:pPr>
-                      <a:r>
-                        <a:rPr lang="en-US" sz="1000" u="sng" dirty="0" err="1">
-                          <a:solidFill>
-                            <a:srgbClr val="000000"/>
-                          </a:solidFill>
-                          <a:effectLst/>
-                          <a:latin typeface="Verdana"/>
-                          <a:ea typeface="Calibri"/>
-                          <a:cs typeface="Times New Roman"/>
-                          <a:hlinkClick r:id="rId15"/>
-                        </a:rPr>
-                        <a:t>focusin</a:t>
-                      </a:r>
-                      <a:r>
-                        <a:rPr lang="en-US" sz="1000" u="sng" dirty="0">
-                          <a:solidFill>
-                            <a:srgbClr val="000000"/>
-                          </a:solidFill>
-                          <a:effectLst/>
-                          <a:latin typeface="Verdana"/>
-                          <a:ea typeface="Calibri"/>
-                          <a:cs typeface="Times New Roman"/>
-                          <a:hlinkClick r:id="rId15"/>
-                        </a:rPr>
-                        <a:t>()</a:t>
-                      </a:r>
-                      <a:endParaRPr lang="en-US" sz="1100" u="sng" dirty="0">
-                        <a:effectLst/>
-                        <a:latin typeface="Calibri"/>
-                        <a:ea typeface="Calibri"/>
-                        <a:cs typeface="Times New Roman"/>
-                      </a:endParaRPr>
-                    </a:p>
-                  </a:txBody>
-                  <a:tcPr marL="47625" marR="47625" marT="66675" marB="66675"/>
-                </a:tc>
-                <a:tc>
-                  <a:txBody>
-                    <a:bodyPr/>
-                    <a:lstStyle/>
-                    <a:p>
-                      <a:pPr marL="0" marR="0">
-                        <a:lnSpc>
-                          <a:spcPts val="1265"/>
-                        </a:lnSpc>
-                        <a:spcBef>
-                          <a:spcPts val="0"/>
-                        </a:spcBef>
-                        <a:spcAft>
-                          <a:spcPts val="1000"/>
-                        </a:spcAft>
-                      </a:pPr>
-                      <a:r>
-                        <a:rPr lang="en-US" sz="1000" dirty="0">
-                          <a:solidFill>
-                            <a:srgbClr val="404040"/>
-                          </a:solidFill>
-                          <a:effectLst/>
-                          <a:latin typeface="Verdana"/>
-                          <a:ea typeface="Calibri"/>
-                          <a:cs typeface="Times New Roman"/>
-                        </a:rPr>
-                        <a:t>Attaches an event handler to the </a:t>
-                      </a:r>
-                      <a:r>
-                        <a:rPr lang="en-US" sz="1000" dirty="0" err="1">
-                          <a:solidFill>
-                            <a:srgbClr val="404040"/>
-                          </a:solidFill>
-                          <a:effectLst/>
-                          <a:latin typeface="Verdana"/>
-                          <a:ea typeface="Calibri"/>
-                          <a:cs typeface="Times New Roman"/>
-                        </a:rPr>
-                        <a:t>focusin</a:t>
-                      </a:r>
-                      <a:r>
-                        <a:rPr lang="en-US" sz="1000" dirty="0">
-                          <a:solidFill>
-                            <a:srgbClr val="404040"/>
-                          </a:solidFill>
-                          <a:effectLst/>
-                          <a:latin typeface="Verdana"/>
-                          <a:ea typeface="Calibri"/>
-                          <a:cs typeface="Times New Roman"/>
-                        </a:rPr>
-                        <a:t> event</a:t>
-                      </a:r>
-                      <a:endParaRPr lang="en-US" sz="1100" dirty="0">
-                        <a:effectLst/>
-                        <a:latin typeface="Calibri"/>
-                        <a:ea typeface="Calibri"/>
-                        <a:cs typeface="Times New Roman"/>
-                      </a:endParaRPr>
-                    </a:p>
-                  </a:txBody>
-                  <a:tcPr marL="47625" marR="47625" marT="66675" marB="66675"/>
-                </a:tc>
-              </a:tr>
-            </a:tbl>
-          </a:graphicData>
-        </a:graphic>
-      </p:graphicFrame>
-    </p:spTree>
-    <p:extLst>
-      <p:ext uri="{BB962C8B-B14F-4D97-AF65-F5344CB8AC3E}">
-        <p14:creationId xmlns:p14="http://schemas.microsoft.com/office/powerpoint/2010/main" val="3151253217"/>
-      </p:ext>
-    </p:extLst>
-  </p:cSld>
-  <p:clrMapOvr>
-    <a:masterClrMapping/>
-  </p:clrMapOvr>
-  <p:timing>
-    <p:tnLst>
-      <p:par>
-        <p:cTn id="1" dur="indefinite" restart="never" nodeType="tmRoot"/>
-      </p:par>
-    </p:tnLst>
-  </p:timing>
-</p:sld>
-</file>
-
-<file path=ppt/slides/slide11.xml><?xml version="1.0" encoding="utf-8"?>
-<p:sld xmlns:a="http://schemas.openxmlformats.org/drawingml/2006/main" xmlns:r="http://schemas.openxmlformats.org/officeDocument/2006/relationships" xmlns:p="http://schemas.openxmlformats.org/presentationml/2006/main">
-  <p:cSld>
-    <p:spTree>
-      <p:nvGrpSpPr>
-        <p:cNvPr id="1" name=""/>
-        <p:cNvGrpSpPr/>
-        <p:nvPr/>
-      </p:nvGrpSpPr>
-      <p:grpSpPr>
-        <a:xfrm>
-          <a:off x="0" y="0"/>
-          <a:ext cx="0" cy="0"/>
-          <a:chOff x="0" y="0"/>
-          <a:chExt cx="0" cy="0"/>
-        </a:xfrm>
-      </p:grpSpPr>
-      <p:sp>
-        <p:nvSpPr>
-          <p:cNvPr id="2" name="Title 1"/>
-          <p:cNvSpPr>
-            <a:spLocks noGrp="1"/>
-          </p:cNvSpPr>
-          <p:nvPr>
-            <p:ph type="title"/>
-          </p:nvPr>
-        </p:nvSpPr>
-        <p:spPr/>
-        <p:txBody>
-          <a:bodyPr>
-            <a:normAutofit/>
-          </a:bodyPr>
-          <a:lstStyle/>
-          <a:p>
-            <a:pPr lvl="0"/>
-            <a:r>
-              <a:rPr lang="en-IN" dirty="0"/>
-              <a:t>Jquery</a:t>
-            </a:r>
-          </a:p>
-        </p:txBody>
-      </p:sp>
-      <p:graphicFrame>
-        <p:nvGraphicFramePr>
-          <p:cNvPr id="4" name="Table 3"/>
-          <p:cNvGraphicFramePr>
-            <a:graphicFrameLocks noGrp="1"/>
-          </p:cNvGraphicFramePr>
-          <p:nvPr>
-            <p:extLst>
-              <p:ext uri="{D42A27DB-BD31-4B8C-83A1-F6EECF244321}">
                 <p14:modId xmlns:p14="http://schemas.microsoft.com/office/powerpoint/2010/main" val="2456297312"/>
               </p:ext>
             </p:extLst>
@@ -6796,7 +5441,7 @@
 </p:sld>
 </file>
 
-<file path=ppt/slides/slide12.xml><?xml version="1.0" encoding="utf-8"?>
+<file path=ppt/slides/slide11.xml><?xml version="1.0" encoding="utf-8"?>
 <p:sld xmlns:a="http://schemas.openxmlformats.org/drawingml/2006/main" xmlns:r="http://schemas.openxmlformats.org/officeDocument/2006/relationships" xmlns:p="http://schemas.openxmlformats.org/presentationml/2006/main">
   <p:cSld>
     <p:spTree>
@@ -8240,7 +6885,7 @@
 </p:sld>
 </file>
 
-<file path=ppt/slides/slide13.xml><?xml version="1.0" encoding="utf-8"?>
+<file path=ppt/slides/slide12.xml><?xml version="1.0" encoding="utf-8"?>
 <p:sld xmlns:a="http://schemas.openxmlformats.org/drawingml/2006/main" xmlns:r="http://schemas.openxmlformats.org/officeDocument/2006/relationships" xmlns:p="http://schemas.openxmlformats.org/presentationml/2006/main">
   <p:cSld>
     <p:spTree>
@@ -9202,7 +7847,7 @@
 </p:sld>
 </file>
 
-<file path=ppt/slides/slide14.xml><?xml version="1.0" encoding="utf-8"?>
+<file path=ppt/slides/slide13.xml><?xml version="1.0" encoding="utf-8"?>
 <p:sld xmlns:a="http://schemas.openxmlformats.org/drawingml/2006/main" xmlns:r="http://schemas.openxmlformats.org/officeDocument/2006/relationships" xmlns:p="http://schemas.openxmlformats.org/presentationml/2006/main">
   <p:cSld>
     <p:spTree>
@@ -10137,7 +8782,7 @@
 </p:sld>
 </file>
 
-<file path=ppt/slides/slide15.xml><?xml version="1.0" encoding="utf-8"?>
+<file path=ppt/slides/slide14.xml><?xml version="1.0" encoding="utf-8"?>
 <p:sld xmlns:a="http://schemas.openxmlformats.org/drawingml/2006/main" xmlns:r="http://schemas.openxmlformats.org/officeDocument/2006/relationships" xmlns:p="http://schemas.openxmlformats.org/presentationml/2006/main">
   <p:cSld>
     <p:spTree>
@@ -10941,7 +9586,7 @@
 </p:sld>
 </file>
 
-<file path=ppt/slides/slide16.xml><?xml version="1.0" encoding="utf-8"?>
+<file path=ppt/slides/slide15.xml><?xml version="1.0" encoding="utf-8"?>
 <p:sld xmlns:a="http://schemas.openxmlformats.org/drawingml/2006/main" xmlns:r="http://schemas.openxmlformats.org/officeDocument/2006/relationships" xmlns:p="http://schemas.openxmlformats.org/presentationml/2006/main">
   <p:cSld>
     <p:spTree>
@@ -11017,35 +9662,35 @@
             </a:pPr>
             <a:r>
               <a:rPr lang="en-US" b="1" dirty="0"/>
-              <a:t>HTML/DOM </a:t>
-            </a:r>
-            <a:r>
-              <a:rPr lang="en-US" b="1" dirty="0" smtClean="0"/>
-              <a:t>manipulation:</a:t>
+              <a:t>HTML/DOM manipulation:</a:t>
             </a:r>
           </a:p>
           <a:p>
-            <a:pPr marL="0" lvl="1" indent="0">
-              <a:spcBef>
-                <a:spcPts val="700"/>
-              </a:spcBef>
-              <a:buClr>
-                <a:schemeClr val="accent2"/>
-              </a:buClr>
-              <a:buSzPct val="60000"/>
+            <a:pPr marL="0" indent="0">
               <a:buNone/>
             </a:pPr>
-            <a:endParaRPr lang="en-US" b="1" dirty="0" smtClean="0"/>
+            <a:endParaRPr lang="en-US" dirty="0" smtClean="0"/>
           </a:p>
           <a:p>
-            <a:pPr marL="0" lvl="1" indent="0">
-              <a:spcBef>
-                <a:spcPts val="700"/>
-              </a:spcBef>
-              <a:buClr>
-                <a:schemeClr val="accent2"/>
-              </a:buClr>
-              <a:buSzPct val="60000"/>
+            <a:r>
+              <a:rPr lang="en-US" dirty="0" smtClean="0"/>
+              <a:t>changing </a:t>
+            </a:r>
+            <a:r>
+              <a:rPr lang="en-US" dirty="0" smtClean="0"/>
+              <a:t>html</a:t>
+            </a:r>
+            <a:r>
+              <a:rPr lang="en-US" dirty="0" smtClean="0"/>
+              <a:t>, adding and removing classes, modifying attributes etc</a:t>
+            </a:r>
+            <a:r>
+              <a:rPr lang="en-US" dirty="0" smtClean="0"/>
+              <a:t>….</a:t>
+            </a:r>
+          </a:p>
+          <a:p>
+            <a:pPr marL="0" indent="0">
               <a:buNone/>
             </a:pPr>
             <a:endParaRPr lang="en-US" dirty="0"/>
@@ -11055,7 +9700,7 @@
     </p:spTree>
     <p:extLst>
       <p:ext uri="{BB962C8B-B14F-4D97-AF65-F5344CB8AC3E}">
-        <p14:creationId xmlns:p14="http://schemas.microsoft.com/office/powerpoint/2010/main" val="2240204999"/>
+        <p14:creationId xmlns:p14="http://schemas.microsoft.com/office/powerpoint/2010/main" val="2984974954"/>
       </p:ext>
     </p:extLst>
   </p:cSld>
@@ -11072,7 +9717,7 @@
 </p:sld>
 </file>
 
-<file path=ppt/slides/slide17.xml><?xml version="1.0" encoding="utf-8"?>
+<file path=ppt/slides/slide16.xml><?xml version="1.0" encoding="utf-8"?>
 <p:sld xmlns:a="http://schemas.openxmlformats.org/drawingml/2006/main" xmlns:r="http://schemas.openxmlformats.org/officeDocument/2006/relationships" xmlns:p="http://schemas.openxmlformats.org/presentationml/2006/main">
   <p:cSld>
     <p:spTree>
@@ -11212,7 +9857,7 @@
 </p:sld>
 </file>
 
-<file path=ppt/slides/slide18.xml><?xml version="1.0" encoding="utf-8"?>
+<file path=ppt/slides/slide17.xml><?xml version="1.0" encoding="utf-8"?>
 <p:sld xmlns:a="http://schemas.openxmlformats.org/drawingml/2006/main" xmlns:r="http://schemas.openxmlformats.org/officeDocument/2006/relationships" xmlns:p="http://schemas.openxmlformats.org/presentationml/2006/main">
   <p:cSld>
     <p:spTree>
@@ -11411,7 +10056,7 @@
 </p:sld>
 </file>
 
-<file path=ppt/slides/slide19.xml><?xml version="1.0" encoding="utf-8"?>
+<file path=ppt/slides/slide18.xml><?xml version="1.0" encoding="utf-8"?>
 <p:sld xmlns:a="http://schemas.openxmlformats.org/drawingml/2006/main" xmlns:r="http://schemas.openxmlformats.org/officeDocument/2006/relationships" xmlns:p="http://schemas.openxmlformats.org/presentationml/2006/main">
   <p:cSld>
     <p:spTree>
@@ -11576,126 +10221,7 @@
 </p:sld>
 </file>
 
-<file path=ppt/slides/slide2.xml><?xml version="1.0" encoding="utf-8"?>
-<p:sld xmlns:a="http://schemas.openxmlformats.org/drawingml/2006/main" xmlns:r="http://schemas.openxmlformats.org/officeDocument/2006/relationships" xmlns:p="http://schemas.openxmlformats.org/presentationml/2006/main">
-  <p:cSld>
-    <p:spTree>
-      <p:nvGrpSpPr>
-        <p:cNvPr id="1" name=""/>
-        <p:cNvGrpSpPr/>
-        <p:nvPr/>
-      </p:nvGrpSpPr>
-      <p:grpSpPr>
-        <a:xfrm>
-          <a:off x="0" y="0"/>
-          <a:ext cx="0" cy="0"/>
-          <a:chOff x="0" y="0"/>
-          <a:chExt cx="0" cy="0"/>
-        </a:xfrm>
-      </p:grpSpPr>
-      <p:sp>
-        <p:nvSpPr>
-          <p:cNvPr id="2" name="Title 1"/>
-          <p:cNvSpPr>
-            <a:spLocks noGrp="1"/>
-          </p:cNvSpPr>
-          <p:nvPr>
-            <p:ph type="title"/>
-          </p:nvPr>
-        </p:nvSpPr>
-        <p:spPr/>
-        <p:txBody>
-          <a:bodyPr/>
-          <a:lstStyle/>
-          <a:p>
-            <a:r>
-              <a:rPr lang="en-US" dirty="0" smtClean="0"/>
-              <a:t>Contents</a:t>
-            </a:r>
-            <a:endParaRPr lang="en-US" dirty="0"/>
-          </a:p>
-        </p:txBody>
-      </p:sp>
-      <p:sp>
-        <p:nvSpPr>
-          <p:cNvPr id="3" name="Content Placeholder 2"/>
-          <p:cNvSpPr>
-            <a:spLocks noGrp="1"/>
-          </p:cNvSpPr>
-          <p:nvPr>
-            <p:ph sz="quarter" idx="1"/>
-          </p:nvPr>
-        </p:nvSpPr>
-        <p:spPr/>
-        <p:txBody>
-          <a:bodyPr>
-            <a:normAutofit/>
-          </a:bodyPr>
-          <a:lstStyle/>
-          <a:p>
-            <a:pPr lvl="0"/>
-            <a:r>
-              <a:rPr lang="en-IN" dirty="0" smtClean="0"/>
-              <a:t>Jquery</a:t>
-            </a:r>
-          </a:p>
-          <a:p>
-            <a:r>
-              <a:rPr lang="en-IN" dirty="0"/>
-              <a:t>Jquery Plug-in </a:t>
-            </a:r>
-            <a:r>
-              <a:rPr lang="en-IN" dirty="0" smtClean="0"/>
-              <a:t>Implementation</a:t>
-            </a:r>
-            <a:endParaRPr lang="en-US" dirty="0"/>
-          </a:p>
-          <a:p>
-            <a:pPr lvl="0"/>
-            <a:r>
-              <a:rPr lang="en-IN" dirty="0"/>
-              <a:t>Jquery Widget Implementation</a:t>
-            </a:r>
-            <a:endParaRPr lang="en-US" dirty="0"/>
-          </a:p>
-          <a:p>
-            <a:pPr lvl="0"/>
-            <a:r>
-              <a:rPr lang="en-IN" dirty="0" smtClean="0"/>
-              <a:t>Jquery </a:t>
-            </a:r>
-            <a:r>
-              <a:rPr lang="en-IN" dirty="0"/>
-              <a:t>Plug-In Vs. Jquery Widget</a:t>
-            </a:r>
-            <a:endParaRPr lang="en-US" dirty="0"/>
-          </a:p>
-          <a:p>
-            <a:endParaRPr lang="en-US" dirty="0"/>
-          </a:p>
-        </p:txBody>
-      </p:sp>
-    </p:spTree>
-    <p:extLst>
-      <p:ext uri="{BB962C8B-B14F-4D97-AF65-F5344CB8AC3E}">
-        <p14:creationId xmlns:p14="http://schemas.microsoft.com/office/powerpoint/2010/main" val="2270295392"/>
-      </p:ext>
-    </p:extLst>
-  </p:cSld>
-  <p:clrMapOvr>
-    <a:masterClrMapping/>
-  </p:clrMapOvr>
-  <p:timing>
-    <p:tnLst>
-      <p:par>
-        <p:cTn id="1" dur="indefinite" restart="never" nodeType="tmRoot"/>
-      </p:par>
-    </p:tnLst>
-  </p:timing>
-</p:sld>
-</file>
-
-<file path=ppt/slides/slide20.xml><?xml version="1.0" encoding="utf-8"?>
+<file path=ppt/slides/slide19.xml><?xml version="1.0" encoding="utf-8"?>
 <p:sld xmlns:a="http://schemas.openxmlformats.org/drawingml/2006/main" xmlns:r="http://schemas.openxmlformats.org/officeDocument/2006/relationships" xmlns:p="http://schemas.openxmlformats.org/presentationml/2006/main">
   <p:cSld>
     <p:spTree>
@@ -11803,6 +10329,125 @@
     <p:extLst>
       <p:ext uri="{BB962C8B-B14F-4D97-AF65-F5344CB8AC3E}">
         <p14:creationId xmlns:p14="http://schemas.microsoft.com/office/powerpoint/2010/main" val="3991184505"/>
+      </p:ext>
+    </p:extLst>
+  </p:cSld>
+  <p:clrMapOvr>
+    <a:masterClrMapping/>
+  </p:clrMapOvr>
+  <p:timing>
+    <p:tnLst>
+      <p:par>
+        <p:cTn id="1" dur="indefinite" restart="never" nodeType="tmRoot"/>
+      </p:par>
+    </p:tnLst>
+  </p:timing>
+</p:sld>
+</file>
+
+<file path=ppt/slides/slide2.xml><?xml version="1.0" encoding="utf-8"?>
+<p:sld xmlns:a="http://schemas.openxmlformats.org/drawingml/2006/main" xmlns:r="http://schemas.openxmlformats.org/officeDocument/2006/relationships" xmlns:p="http://schemas.openxmlformats.org/presentationml/2006/main">
+  <p:cSld>
+    <p:spTree>
+      <p:nvGrpSpPr>
+        <p:cNvPr id="1" name=""/>
+        <p:cNvGrpSpPr/>
+        <p:nvPr/>
+      </p:nvGrpSpPr>
+      <p:grpSpPr>
+        <a:xfrm>
+          <a:off x="0" y="0"/>
+          <a:ext cx="0" cy="0"/>
+          <a:chOff x="0" y="0"/>
+          <a:chExt cx="0" cy="0"/>
+        </a:xfrm>
+      </p:grpSpPr>
+      <p:sp>
+        <p:nvSpPr>
+          <p:cNvPr id="2" name="Title 1"/>
+          <p:cNvSpPr>
+            <a:spLocks noGrp="1"/>
+          </p:cNvSpPr>
+          <p:nvPr>
+            <p:ph type="title"/>
+          </p:nvPr>
+        </p:nvSpPr>
+        <p:spPr/>
+        <p:txBody>
+          <a:bodyPr/>
+          <a:lstStyle/>
+          <a:p>
+            <a:r>
+              <a:rPr lang="en-US" dirty="0" smtClean="0"/>
+              <a:t>Contents</a:t>
+            </a:r>
+            <a:endParaRPr lang="en-US" dirty="0"/>
+          </a:p>
+        </p:txBody>
+      </p:sp>
+      <p:sp>
+        <p:nvSpPr>
+          <p:cNvPr id="3" name="Content Placeholder 2"/>
+          <p:cNvSpPr>
+            <a:spLocks noGrp="1"/>
+          </p:cNvSpPr>
+          <p:nvPr>
+            <p:ph sz="quarter" idx="1"/>
+          </p:nvPr>
+        </p:nvSpPr>
+        <p:spPr/>
+        <p:txBody>
+          <a:bodyPr>
+            <a:normAutofit/>
+          </a:bodyPr>
+          <a:lstStyle/>
+          <a:p>
+            <a:pPr lvl="0"/>
+            <a:r>
+              <a:rPr lang="en-IN" dirty="0" smtClean="0"/>
+              <a:t>Jquery</a:t>
+            </a:r>
+          </a:p>
+          <a:p>
+            <a:r>
+              <a:rPr lang="en-IN" dirty="0"/>
+              <a:t>Jquery Plug-in </a:t>
+            </a:r>
+            <a:r>
+              <a:rPr lang="en-IN" dirty="0" smtClean="0"/>
+              <a:t>Implementation</a:t>
+            </a:r>
+            <a:endParaRPr lang="en-US" dirty="0"/>
+          </a:p>
+          <a:p>
+            <a:pPr lvl="0"/>
+            <a:r>
+              <a:rPr lang="en-IN" dirty="0"/>
+              <a:t>Jquery Widget Implementation</a:t>
+            </a:r>
+            <a:endParaRPr lang="en-US" dirty="0"/>
+          </a:p>
+          <a:p>
+            <a:pPr lvl="0"/>
+            <a:r>
+              <a:rPr lang="en-IN" dirty="0" smtClean="0"/>
+              <a:t>Jquery </a:t>
+            </a:r>
+            <a:r>
+              <a:rPr lang="en-IN" dirty="0"/>
+              <a:t>Plug-In Vs. Jquery Widget</a:t>
+            </a:r>
+            <a:endParaRPr lang="en-US" dirty="0"/>
+          </a:p>
+          <a:p>
+            <a:endParaRPr lang="en-US" dirty="0"/>
+          </a:p>
+        </p:txBody>
+      </p:sp>
+    </p:spTree>
+    <p:extLst>
+      <p:ext uri="{BB962C8B-B14F-4D97-AF65-F5344CB8AC3E}">
+        <p14:creationId xmlns:p14="http://schemas.microsoft.com/office/powerpoint/2010/main" val="2270295392"/>
       </p:ext>
     </p:extLst>
   </p:cSld>
@@ -12063,120 +10708,6 @@
               <a:buNone/>
             </a:pPr>
             <a:r>
-              <a:rPr lang="en-US" b="1" dirty="0"/>
-              <a:t>HTML/DOM manipulation:</a:t>
-            </a:r>
-          </a:p>
-          <a:p>
-            <a:pPr marL="0" indent="0">
-              <a:buNone/>
-            </a:pPr>
-            <a:endParaRPr lang="en-US" dirty="0" smtClean="0"/>
-          </a:p>
-          <a:p>
-            <a:r>
-              <a:rPr lang="en-US" dirty="0" smtClean="0"/>
-              <a:t>changing of html, adding and removing classes, modifying attributes etc….</a:t>
-            </a:r>
-            <a:endParaRPr lang="en-US" dirty="0"/>
-          </a:p>
-        </p:txBody>
-      </p:sp>
-    </p:spTree>
-    <p:extLst>
-      <p:ext uri="{BB962C8B-B14F-4D97-AF65-F5344CB8AC3E}">
-        <p14:creationId xmlns:p14="http://schemas.microsoft.com/office/powerpoint/2010/main" val="2984974954"/>
-      </p:ext>
-    </p:extLst>
-  </p:cSld>
-  <p:clrMapOvr>
-    <a:masterClrMapping/>
-  </p:clrMapOvr>
-  <p:timing>
-    <p:tnLst>
-      <p:par>
-        <p:cTn id="1" dur="indefinite" restart="never" nodeType="tmRoot"/>
-      </p:par>
-    </p:tnLst>
-  </p:timing>
-</p:sld>
-</file>
-
-<file path=ppt/slides/slide5.xml><?xml version="1.0" encoding="utf-8"?>
-<p:sld xmlns:a="http://schemas.openxmlformats.org/drawingml/2006/main" xmlns:r="http://schemas.openxmlformats.org/officeDocument/2006/relationships" xmlns:p="http://schemas.openxmlformats.org/presentationml/2006/main">
-  <p:cSld>
-    <p:spTree>
-      <p:nvGrpSpPr>
-        <p:cNvPr id="1" name=""/>
-        <p:cNvGrpSpPr/>
-        <p:nvPr/>
-      </p:nvGrpSpPr>
-      <p:grpSpPr>
-        <a:xfrm>
-          <a:off x="0" y="0"/>
-          <a:ext cx="0" cy="0"/>
-          <a:chOff x="0" y="0"/>
-          <a:chExt cx="0" cy="0"/>
-        </a:xfrm>
-      </p:grpSpPr>
-      <p:sp>
-        <p:nvSpPr>
-          <p:cNvPr id="2" name="Title 1"/>
-          <p:cNvSpPr>
-            <a:spLocks noGrp="1"/>
-          </p:cNvSpPr>
-          <p:nvPr>
-            <p:ph type="title"/>
-          </p:nvPr>
-        </p:nvSpPr>
-        <p:spPr/>
-        <p:txBody>
-          <a:bodyPr>
-            <a:normAutofit/>
-          </a:bodyPr>
-          <a:lstStyle/>
-          <a:p>
-            <a:pPr lvl="0"/>
-            <a:r>
-              <a:rPr lang="en-IN" dirty="0"/>
-              <a:t>Jquery</a:t>
-            </a:r>
-          </a:p>
-        </p:txBody>
-      </p:sp>
-      <p:sp>
-        <p:nvSpPr>
-          <p:cNvPr id="3" name="Content Placeholder 2"/>
-          <p:cNvSpPr>
-            <a:spLocks noGrp="1"/>
-          </p:cNvSpPr>
-          <p:nvPr>
-            <p:ph sz="quarter" idx="1"/>
-          </p:nvPr>
-        </p:nvSpPr>
-        <p:spPr>
-          <a:xfrm>
-            <a:off x="609600" y="1752600"/>
-            <a:ext cx="8153400" cy="4495800"/>
-          </a:xfrm>
-        </p:spPr>
-        <p:txBody>
-          <a:bodyPr>
-            <a:normAutofit/>
-          </a:bodyPr>
-          <a:lstStyle/>
-          <a:p>
-            <a:pPr marL="0" lvl="1" indent="0">
-              <a:spcBef>
-                <a:spcPts val="700"/>
-              </a:spcBef>
-              <a:buClr>
-                <a:schemeClr val="accent2"/>
-              </a:buClr>
-              <a:buSzPct val="60000"/>
-              <a:buNone/>
-            </a:pPr>
-            <a:r>
               <a:rPr lang="en-US" b="1" dirty="0" smtClean="0"/>
               <a:t>Selectors:</a:t>
             </a:r>
@@ -14222,7 +12753,7 @@
 </p:sld>
 </file>
 
-<file path=ppt/slides/slide6.xml><?xml version="1.0" encoding="utf-8"?>
+<file path=ppt/slides/slide5.xml><?xml version="1.0" encoding="utf-8"?>
 <p:sld xmlns:a="http://schemas.openxmlformats.org/drawingml/2006/main" xmlns:r="http://schemas.openxmlformats.org/officeDocument/2006/relationships" xmlns:p="http://schemas.openxmlformats.org/presentationml/2006/main">
   <p:cSld>
     <p:spTree>
@@ -16428,7 +14959,7 @@
 </p:sld>
 </file>
 
-<file path=ppt/slides/slide7.xml><?xml version="1.0" encoding="utf-8"?>
+<file path=ppt/slides/slide6.xml><?xml version="1.0" encoding="utf-8"?>
 <p:sld xmlns:a="http://schemas.openxmlformats.org/drawingml/2006/main" xmlns:r="http://schemas.openxmlformats.org/officeDocument/2006/relationships" xmlns:p="http://schemas.openxmlformats.org/presentationml/2006/main">
   <p:cSld>
     <p:spTree>
@@ -18905,7 +17436,7 @@
 </p:sld>
 </file>
 
-<file path=ppt/slides/slide8.xml><?xml version="1.0" encoding="utf-8"?>
+<file path=ppt/slides/slide7.xml><?xml version="1.0" encoding="utf-8"?>
 <p:sld xmlns:a="http://schemas.openxmlformats.org/drawingml/2006/main" xmlns:r="http://schemas.openxmlformats.org/officeDocument/2006/relationships" xmlns:p="http://schemas.openxmlformats.org/presentationml/2006/main">
   <p:cSld>
     <p:spTree>
@@ -21074,7 +19605,7 @@
 </p:sld>
 </file>
 
-<file path=ppt/slides/slide9.xml><?xml version="1.0" encoding="utf-8"?>
+<file path=ppt/slides/slide8.xml><?xml version="1.0" encoding="utf-8"?>
 <p:sld xmlns:a="http://schemas.openxmlformats.org/drawingml/2006/main" xmlns:r="http://schemas.openxmlformats.org/officeDocument/2006/relationships" xmlns:p="http://schemas.openxmlformats.org/presentationml/2006/main">
   <p:cSld>
     <p:spTree>
@@ -21184,7 +19715,7 @@
         </p:nvGraphicFramePr>
         <p:xfrm>
           <a:off x="228600" y="2347624"/>
-          <a:ext cx="8763000" cy="4455668"/>
+          <a:ext cx="8763000" cy="4474210"/>
         </p:xfrm>
         <a:graphic>
           <a:graphicData uri="http://schemas.openxmlformats.org/drawingml/2006/table">
@@ -22306,6 +20837,1360 @@
     <p:extLst>
       <p:ext uri="{BB962C8B-B14F-4D97-AF65-F5344CB8AC3E}">
         <p14:creationId xmlns:p14="http://schemas.microsoft.com/office/powerpoint/2010/main" val="1274713384"/>
+      </p:ext>
+    </p:extLst>
+  </p:cSld>
+  <p:clrMapOvr>
+    <a:masterClrMapping/>
+  </p:clrMapOvr>
+  <p:timing>
+    <p:tnLst>
+      <p:par>
+        <p:cTn id="1" dur="indefinite" restart="never" nodeType="tmRoot"/>
+      </p:par>
+    </p:tnLst>
+  </p:timing>
+</p:sld>
+</file>
+
+<file path=ppt/slides/slide9.xml><?xml version="1.0" encoding="utf-8"?>
+<p:sld xmlns:a="http://schemas.openxmlformats.org/drawingml/2006/main" xmlns:r="http://schemas.openxmlformats.org/officeDocument/2006/relationships" xmlns:p="http://schemas.openxmlformats.org/presentationml/2006/main">
+  <p:cSld>
+    <p:spTree>
+      <p:nvGrpSpPr>
+        <p:cNvPr id="1" name=""/>
+        <p:cNvGrpSpPr/>
+        <p:nvPr/>
+      </p:nvGrpSpPr>
+      <p:grpSpPr>
+        <a:xfrm>
+          <a:off x="0" y="0"/>
+          <a:ext cx="0" cy="0"/>
+          <a:chOff x="0" y="0"/>
+          <a:chExt cx="0" cy="0"/>
+        </a:xfrm>
+      </p:grpSpPr>
+      <p:sp>
+        <p:nvSpPr>
+          <p:cNvPr id="2" name="Title 1"/>
+          <p:cNvSpPr>
+            <a:spLocks noGrp="1"/>
+          </p:cNvSpPr>
+          <p:nvPr>
+            <p:ph type="title"/>
+          </p:nvPr>
+        </p:nvSpPr>
+        <p:spPr/>
+        <p:txBody>
+          <a:bodyPr>
+            <a:normAutofit/>
+          </a:bodyPr>
+          <a:lstStyle/>
+          <a:p>
+            <a:pPr lvl="0"/>
+            <a:r>
+              <a:rPr lang="en-IN" dirty="0"/>
+              <a:t>Jquery</a:t>
+            </a:r>
+          </a:p>
+        </p:txBody>
+      </p:sp>
+      <p:graphicFrame>
+        <p:nvGraphicFramePr>
+          <p:cNvPr id="4" name="Table 3"/>
+          <p:cNvGraphicFramePr>
+            <a:graphicFrameLocks noGrp="1"/>
+          </p:cNvGraphicFramePr>
+          <p:nvPr>
+            <p:extLst>
+              <p:ext uri="{D42A27DB-BD31-4B8C-83A1-F6EECF244321}">
+                <p14:modId xmlns:p14="http://schemas.microsoft.com/office/powerpoint/2010/main" val="2276306923"/>
+              </p:ext>
+            </p:extLst>
+          </p:nvPr>
+        </p:nvGraphicFramePr>
+        <p:xfrm>
+          <a:off x="228600" y="1600200"/>
+          <a:ext cx="8763000" cy="4906010"/>
+        </p:xfrm>
+        <a:graphic>
+          <a:graphicData uri="http://schemas.openxmlformats.org/drawingml/2006/table">
+            <a:tbl>
+              <a:tblPr firstRow="1" firstCol="1" bandRow="1">
+                <a:tableStyleId>{5C22544A-7EE6-4342-B048-85BDC9FD1C3A}</a:tableStyleId>
+              </a:tblPr>
+              <a:tblGrid>
+                <a:gridCol w="3608294"/>
+                <a:gridCol w="5154706"/>
+              </a:tblGrid>
+              <a:tr h="224380">
+                <a:tc>
+                  <a:txBody>
+                    <a:bodyPr/>
+                    <a:lstStyle/>
+                    <a:p>
+                      <a:pPr marL="0" marR="0" algn="l">
+                        <a:lnSpc>
+                          <a:spcPct val="115000"/>
+                        </a:lnSpc>
+                        <a:spcBef>
+                          <a:spcPts val="0"/>
+                        </a:spcBef>
+                        <a:spcAft>
+                          <a:spcPts val="1000"/>
+                        </a:spcAft>
+                      </a:pPr>
+                      <a:r>
+                        <a:rPr kumimoji="0" lang="en-US" sz="1000" b="1" i="0" kern="1200" dirty="0" smtClean="0">
+                          <a:solidFill>
+                            <a:schemeClr val="lt1"/>
+                          </a:solidFill>
+                          <a:effectLst/>
+                          <a:latin typeface="+mn-lt"/>
+                          <a:ea typeface="+mn-ea"/>
+                          <a:cs typeface="+mn-cs"/>
+                        </a:rPr>
+                        <a:t>Method</a:t>
+                      </a:r>
+                      <a:endParaRPr lang="en-US" sz="1100" dirty="0">
+                        <a:effectLst/>
+                        <a:latin typeface="Calibri"/>
+                        <a:ea typeface="Calibri"/>
+                        <a:cs typeface="Times New Roman"/>
+                      </a:endParaRPr>
+                    </a:p>
+                  </a:txBody>
+                  <a:tcPr marL="28575" marR="28575" marT="28575" marB="28575"/>
+                </a:tc>
+                <a:tc>
+                  <a:txBody>
+                    <a:bodyPr/>
+                    <a:lstStyle/>
+                    <a:p>
+                      <a:pPr marL="0" marR="0" algn="l">
+                        <a:lnSpc>
+                          <a:spcPct val="115000"/>
+                        </a:lnSpc>
+                        <a:spcBef>
+                          <a:spcPts val="0"/>
+                        </a:spcBef>
+                        <a:spcAft>
+                          <a:spcPts val="1000"/>
+                        </a:spcAft>
+                      </a:pPr>
+                      <a:r>
+                        <a:rPr kumimoji="0" lang="en-US" sz="1000" b="1" i="0" kern="1200" dirty="0" smtClean="0">
+                          <a:solidFill>
+                            <a:schemeClr val="lt1"/>
+                          </a:solidFill>
+                          <a:effectLst/>
+                          <a:latin typeface="+mn-lt"/>
+                          <a:ea typeface="+mn-ea"/>
+                          <a:cs typeface="+mn-cs"/>
+                        </a:rPr>
+                        <a:t>Description</a:t>
+                      </a:r>
+                      <a:endParaRPr lang="en-US" sz="1100" dirty="0">
+                        <a:effectLst/>
+                        <a:latin typeface="Calibri"/>
+                        <a:ea typeface="Calibri"/>
+                        <a:cs typeface="Times New Roman"/>
+                      </a:endParaRPr>
+                    </a:p>
+                  </a:txBody>
+                  <a:tcPr marL="28575" marR="28575" marT="28575" marB="28575"/>
+                </a:tc>
+              </a:tr>
+              <a:tr h="288138">
+                <a:tc>
+                  <a:txBody>
+                    <a:bodyPr/>
+                    <a:lstStyle/>
+                    <a:p>
+                      <a:pPr marL="0" marR="0">
+                        <a:lnSpc>
+                          <a:spcPts val="1265"/>
+                        </a:lnSpc>
+                        <a:spcBef>
+                          <a:spcPts val="0"/>
+                        </a:spcBef>
+                        <a:spcAft>
+                          <a:spcPts val="1000"/>
+                        </a:spcAft>
+                      </a:pPr>
+                      <a:r>
+                        <a:rPr lang="en-US" sz="1000" u="sng" dirty="0" err="1">
+                          <a:solidFill>
+                            <a:srgbClr val="000000"/>
+                          </a:solidFill>
+                          <a:effectLst/>
+                          <a:latin typeface="Verdana"/>
+                          <a:ea typeface="Calibri"/>
+                          <a:cs typeface="Times New Roman"/>
+                          <a:hlinkClick r:id="rId2"/>
+                        </a:rPr>
+                        <a:t>event.namespace</a:t>
+                      </a:r>
+                      <a:endParaRPr lang="en-US" sz="1100" u="sng" dirty="0">
+                        <a:effectLst/>
+                        <a:latin typeface="Calibri"/>
+                        <a:ea typeface="Calibri"/>
+                        <a:cs typeface="Times New Roman"/>
+                      </a:endParaRPr>
+                    </a:p>
+                  </a:txBody>
+                  <a:tcPr marL="47625" marR="47625" marT="66675" marB="66675"/>
+                </a:tc>
+                <a:tc>
+                  <a:txBody>
+                    <a:bodyPr/>
+                    <a:lstStyle/>
+                    <a:p>
+                      <a:pPr marL="0" marR="0">
+                        <a:lnSpc>
+                          <a:spcPts val="1265"/>
+                        </a:lnSpc>
+                        <a:spcBef>
+                          <a:spcPts val="0"/>
+                        </a:spcBef>
+                        <a:spcAft>
+                          <a:spcPts val="1000"/>
+                        </a:spcAft>
+                      </a:pPr>
+                      <a:r>
+                        <a:rPr lang="en-US" sz="1000">
+                          <a:solidFill>
+                            <a:srgbClr val="404040"/>
+                          </a:solidFill>
+                          <a:effectLst/>
+                          <a:latin typeface="Verdana"/>
+                          <a:ea typeface="Calibri"/>
+                          <a:cs typeface="Times New Roman"/>
+                        </a:rPr>
+                        <a:t>Returns the namespace specified when the event was triggered</a:t>
+                      </a:r>
+                      <a:endParaRPr lang="en-US" sz="1100">
+                        <a:effectLst/>
+                        <a:latin typeface="Calibri"/>
+                        <a:ea typeface="Calibri"/>
+                        <a:cs typeface="Times New Roman"/>
+                      </a:endParaRPr>
+                    </a:p>
+                  </a:txBody>
+                  <a:tcPr marL="47625" marR="47625" marT="66675" marB="66675"/>
+                </a:tc>
+              </a:tr>
+              <a:tr h="288138">
+                <a:tc>
+                  <a:txBody>
+                    <a:bodyPr/>
+                    <a:lstStyle/>
+                    <a:p>
+                      <a:pPr marL="0" marR="0">
+                        <a:lnSpc>
+                          <a:spcPts val="1265"/>
+                        </a:lnSpc>
+                        <a:spcBef>
+                          <a:spcPts val="0"/>
+                        </a:spcBef>
+                        <a:spcAft>
+                          <a:spcPts val="1000"/>
+                        </a:spcAft>
+                      </a:pPr>
+                      <a:r>
+                        <a:rPr lang="en-US" sz="1000" u="sng" dirty="0" err="1">
+                          <a:solidFill>
+                            <a:srgbClr val="000000"/>
+                          </a:solidFill>
+                          <a:effectLst/>
+                          <a:latin typeface="Verdana"/>
+                          <a:ea typeface="Calibri"/>
+                          <a:cs typeface="Times New Roman"/>
+                          <a:hlinkClick r:id="rId3"/>
+                        </a:rPr>
+                        <a:t>event.pageX</a:t>
+                      </a:r>
+                      <a:endParaRPr lang="en-US" sz="1100" u="sng" dirty="0">
+                        <a:effectLst/>
+                        <a:latin typeface="Calibri"/>
+                        <a:ea typeface="Calibri"/>
+                        <a:cs typeface="Times New Roman"/>
+                      </a:endParaRPr>
+                    </a:p>
+                  </a:txBody>
+                  <a:tcPr marL="47625" marR="47625" marT="66675" marB="66675"/>
+                </a:tc>
+                <a:tc>
+                  <a:txBody>
+                    <a:bodyPr/>
+                    <a:lstStyle/>
+                    <a:p>
+                      <a:pPr marL="0" marR="0">
+                        <a:lnSpc>
+                          <a:spcPts val="1265"/>
+                        </a:lnSpc>
+                        <a:spcBef>
+                          <a:spcPts val="0"/>
+                        </a:spcBef>
+                        <a:spcAft>
+                          <a:spcPts val="1000"/>
+                        </a:spcAft>
+                      </a:pPr>
+                      <a:r>
+                        <a:rPr lang="en-US" sz="1000">
+                          <a:solidFill>
+                            <a:srgbClr val="404040"/>
+                          </a:solidFill>
+                          <a:effectLst/>
+                          <a:latin typeface="Verdana"/>
+                          <a:ea typeface="Calibri"/>
+                          <a:cs typeface="Times New Roman"/>
+                        </a:rPr>
+                        <a:t>Returns the mouse position relative to the left edge of the document</a:t>
+                      </a:r>
+                      <a:endParaRPr lang="en-US" sz="1100">
+                        <a:effectLst/>
+                        <a:latin typeface="Calibri"/>
+                        <a:ea typeface="Calibri"/>
+                        <a:cs typeface="Times New Roman"/>
+                      </a:endParaRPr>
+                    </a:p>
+                  </a:txBody>
+                  <a:tcPr marL="47625" marR="47625" marT="66675" marB="66675"/>
+                </a:tc>
+              </a:tr>
+              <a:tr h="288138">
+                <a:tc>
+                  <a:txBody>
+                    <a:bodyPr/>
+                    <a:lstStyle/>
+                    <a:p>
+                      <a:pPr marL="0" marR="0">
+                        <a:lnSpc>
+                          <a:spcPts val="1265"/>
+                        </a:lnSpc>
+                        <a:spcBef>
+                          <a:spcPts val="0"/>
+                        </a:spcBef>
+                        <a:spcAft>
+                          <a:spcPts val="1000"/>
+                        </a:spcAft>
+                      </a:pPr>
+                      <a:r>
+                        <a:rPr lang="en-US" sz="1000" u="sng" dirty="0" err="1">
+                          <a:solidFill>
+                            <a:srgbClr val="000000"/>
+                          </a:solidFill>
+                          <a:effectLst/>
+                          <a:latin typeface="Verdana"/>
+                          <a:ea typeface="Calibri"/>
+                          <a:cs typeface="Times New Roman"/>
+                          <a:hlinkClick r:id="rId4"/>
+                        </a:rPr>
+                        <a:t>event.pageY</a:t>
+                      </a:r>
+                      <a:endParaRPr lang="en-US" sz="1100" u="sng" dirty="0">
+                        <a:effectLst/>
+                        <a:latin typeface="Calibri"/>
+                        <a:ea typeface="Calibri"/>
+                        <a:cs typeface="Times New Roman"/>
+                      </a:endParaRPr>
+                    </a:p>
+                  </a:txBody>
+                  <a:tcPr marL="47625" marR="47625" marT="66675" marB="66675"/>
+                </a:tc>
+                <a:tc>
+                  <a:txBody>
+                    <a:bodyPr/>
+                    <a:lstStyle/>
+                    <a:p>
+                      <a:pPr marL="0" marR="0">
+                        <a:lnSpc>
+                          <a:spcPts val="1265"/>
+                        </a:lnSpc>
+                        <a:spcBef>
+                          <a:spcPts val="0"/>
+                        </a:spcBef>
+                        <a:spcAft>
+                          <a:spcPts val="1000"/>
+                        </a:spcAft>
+                      </a:pPr>
+                      <a:r>
+                        <a:rPr lang="en-US" sz="1000">
+                          <a:solidFill>
+                            <a:srgbClr val="404040"/>
+                          </a:solidFill>
+                          <a:effectLst/>
+                          <a:latin typeface="Verdana"/>
+                          <a:ea typeface="Calibri"/>
+                          <a:cs typeface="Times New Roman"/>
+                        </a:rPr>
+                        <a:t>Returns the mouse position relative to the top edge of the document</a:t>
+                      </a:r>
+                      <a:endParaRPr lang="en-US" sz="1100">
+                        <a:effectLst/>
+                        <a:latin typeface="Calibri"/>
+                        <a:ea typeface="Calibri"/>
+                        <a:cs typeface="Times New Roman"/>
+                      </a:endParaRPr>
+                    </a:p>
+                  </a:txBody>
+                  <a:tcPr marL="47625" marR="47625" marT="66675" marB="66675"/>
+                </a:tc>
+              </a:tr>
+              <a:tr h="288138">
+                <a:tc>
+                  <a:txBody>
+                    <a:bodyPr/>
+                    <a:lstStyle/>
+                    <a:p>
+                      <a:pPr marL="0" marR="0">
+                        <a:lnSpc>
+                          <a:spcPts val="1265"/>
+                        </a:lnSpc>
+                        <a:spcBef>
+                          <a:spcPts val="0"/>
+                        </a:spcBef>
+                        <a:spcAft>
+                          <a:spcPts val="1000"/>
+                        </a:spcAft>
+                      </a:pPr>
+                      <a:r>
+                        <a:rPr lang="en-US" sz="1000" u="sng" dirty="0" err="1">
+                          <a:solidFill>
+                            <a:srgbClr val="000000"/>
+                          </a:solidFill>
+                          <a:effectLst/>
+                          <a:latin typeface="Verdana"/>
+                          <a:ea typeface="Calibri"/>
+                          <a:cs typeface="Times New Roman"/>
+                          <a:hlinkClick r:id="rId5"/>
+                        </a:rPr>
+                        <a:t>event.preventDefault</a:t>
+                      </a:r>
+                      <a:r>
+                        <a:rPr lang="en-US" sz="1000" u="sng" dirty="0">
+                          <a:solidFill>
+                            <a:srgbClr val="000000"/>
+                          </a:solidFill>
+                          <a:effectLst/>
+                          <a:latin typeface="Verdana"/>
+                          <a:ea typeface="Calibri"/>
+                          <a:cs typeface="Times New Roman"/>
+                          <a:hlinkClick r:id="rId5"/>
+                        </a:rPr>
+                        <a:t>()</a:t>
+                      </a:r>
+                      <a:endParaRPr lang="en-US" sz="1100" u="sng" dirty="0">
+                        <a:effectLst/>
+                        <a:latin typeface="Calibri"/>
+                        <a:ea typeface="Calibri"/>
+                        <a:cs typeface="Times New Roman"/>
+                      </a:endParaRPr>
+                    </a:p>
+                  </a:txBody>
+                  <a:tcPr marL="47625" marR="47625" marT="66675" marB="66675"/>
+                </a:tc>
+                <a:tc>
+                  <a:txBody>
+                    <a:bodyPr/>
+                    <a:lstStyle/>
+                    <a:p>
+                      <a:pPr marL="0" marR="0">
+                        <a:lnSpc>
+                          <a:spcPts val="1265"/>
+                        </a:lnSpc>
+                        <a:spcBef>
+                          <a:spcPts val="0"/>
+                        </a:spcBef>
+                        <a:spcAft>
+                          <a:spcPts val="1000"/>
+                        </a:spcAft>
+                      </a:pPr>
+                      <a:r>
+                        <a:rPr lang="en-US" sz="1000">
+                          <a:solidFill>
+                            <a:srgbClr val="404040"/>
+                          </a:solidFill>
+                          <a:effectLst/>
+                          <a:latin typeface="Verdana"/>
+                          <a:ea typeface="Calibri"/>
+                          <a:cs typeface="Times New Roman"/>
+                        </a:rPr>
+                        <a:t>Prevents the default action of the event</a:t>
+                      </a:r>
+                      <a:endParaRPr lang="en-US" sz="1100">
+                        <a:effectLst/>
+                        <a:latin typeface="Calibri"/>
+                        <a:ea typeface="Calibri"/>
+                        <a:cs typeface="Times New Roman"/>
+                      </a:endParaRPr>
+                    </a:p>
+                  </a:txBody>
+                  <a:tcPr marL="47625" marR="47625" marT="66675" marB="66675"/>
+                </a:tc>
+              </a:tr>
+              <a:tr h="288138">
+                <a:tc>
+                  <a:txBody>
+                    <a:bodyPr/>
+                    <a:lstStyle/>
+                    <a:p>
+                      <a:pPr marL="0" marR="0">
+                        <a:lnSpc>
+                          <a:spcPts val="1265"/>
+                        </a:lnSpc>
+                        <a:spcBef>
+                          <a:spcPts val="0"/>
+                        </a:spcBef>
+                        <a:spcAft>
+                          <a:spcPts val="1000"/>
+                        </a:spcAft>
+                      </a:pPr>
+                      <a:r>
+                        <a:rPr lang="en-US" sz="1000" u="sng" dirty="0" err="1">
+                          <a:solidFill>
+                            <a:srgbClr val="000000"/>
+                          </a:solidFill>
+                          <a:effectLst/>
+                          <a:latin typeface="Verdana"/>
+                          <a:ea typeface="Calibri"/>
+                          <a:cs typeface="Times New Roman"/>
+                          <a:hlinkClick r:id="rId6"/>
+                        </a:rPr>
+                        <a:t>event.relatedTarget</a:t>
+                      </a:r>
+                      <a:endParaRPr lang="en-US" sz="1100" u="sng" dirty="0">
+                        <a:effectLst/>
+                        <a:latin typeface="Calibri"/>
+                        <a:ea typeface="Calibri"/>
+                        <a:cs typeface="Times New Roman"/>
+                      </a:endParaRPr>
+                    </a:p>
+                  </a:txBody>
+                  <a:tcPr marL="47625" marR="47625" marT="66675" marB="66675"/>
+                </a:tc>
+                <a:tc>
+                  <a:txBody>
+                    <a:bodyPr/>
+                    <a:lstStyle/>
+                    <a:p>
+                      <a:pPr marL="0" marR="0">
+                        <a:lnSpc>
+                          <a:spcPts val="1265"/>
+                        </a:lnSpc>
+                        <a:spcBef>
+                          <a:spcPts val="0"/>
+                        </a:spcBef>
+                        <a:spcAft>
+                          <a:spcPts val="1000"/>
+                        </a:spcAft>
+                      </a:pPr>
+                      <a:r>
+                        <a:rPr lang="en-US" sz="1000">
+                          <a:solidFill>
+                            <a:srgbClr val="404040"/>
+                          </a:solidFill>
+                          <a:effectLst/>
+                          <a:latin typeface="Verdana"/>
+                          <a:ea typeface="Calibri"/>
+                          <a:cs typeface="Times New Roman"/>
+                        </a:rPr>
+                        <a:t>Returns which element being entered or exited on mouse movement.</a:t>
+                      </a:r>
+                      <a:endParaRPr lang="en-US" sz="1100">
+                        <a:effectLst/>
+                        <a:latin typeface="Calibri"/>
+                        <a:ea typeface="Calibri"/>
+                        <a:cs typeface="Times New Roman"/>
+                      </a:endParaRPr>
+                    </a:p>
+                  </a:txBody>
+                  <a:tcPr marL="47625" marR="47625" marT="66675" marB="66675"/>
+                </a:tc>
+              </a:tr>
+              <a:tr h="288138">
+                <a:tc>
+                  <a:txBody>
+                    <a:bodyPr/>
+                    <a:lstStyle/>
+                    <a:p>
+                      <a:pPr marL="0" marR="0">
+                        <a:lnSpc>
+                          <a:spcPts val="1265"/>
+                        </a:lnSpc>
+                        <a:spcBef>
+                          <a:spcPts val="0"/>
+                        </a:spcBef>
+                        <a:spcAft>
+                          <a:spcPts val="1000"/>
+                        </a:spcAft>
+                      </a:pPr>
+                      <a:r>
+                        <a:rPr lang="en-US" sz="1000" u="sng" dirty="0" err="1">
+                          <a:solidFill>
+                            <a:srgbClr val="000000"/>
+                          </a:solidFill>
+                          <a:effectLst/>
+                          <a:latin typeface="Verdana"/>
+                          <a:ea typeface="Calibri"/>
+                          <a:cs typeface="Times New Roman"/>
+                          <a:hlinkClick r:id="rId7"/>
+                        </a:rPr>
+                        <a:t>event.result</a:t>
+                      </a:r>
+                      <a:endParaRPr lang="en-US" sz="1100" u="sng" dirty="0">
+                        <a:effectLst/>
+                        <a:latin typeface="Calibri"/>
+                        <a:ea typeface="Calibri"/>
+                        <a:cs typeface="Times New Roman"/>
+                      </a:endParaRPr>
+                    </a:p>
+                  </a:txBody>
+                  <a:tcPr marL="47625" marR="47625" marT="66675" marB="66675"/>
+                </a:tc>
+                <a:tc>
+                  <a:txBody>
+                    <a:bodyPr/>
+                    <a:lstStyle/>
+                    <a:p>
+                      <a:pPr marL="0" marR="0">
+                        <a:lnSpc>
+                          <a:spcPts val="1265"/>
+                        </a:lnSpc>
+                        <a:spcBef>
+                          <a:spcPts val="0"/>
+                        </a:spcBef>
+                        <a:spcAft>
+                          <a:spcPts val="1000"/>
+                        </a:spcAft>
+                      </a:pPr>
+                      <a:r>
+                        <a:rPr lang="en-US" sz="1000">
+                          <a:solidFill>
+                            <a:srgbClr val="404040"/>
+                          </a:solidFill>
+                          <a:effectLst/>
+                          <a:latin typeface="Verdana"/>
+                          <a:ea typeface="Calibri"/>
+                          <a:cs typeface="Times New Roman"/>
+                        </a:rPr>
+                        <a:t>Contains the last/previous value returned by an event handler triggered by the specified event</a:t>
+                      </a:r>
+                      <a:endParaRPr lang="en-US" sz="1100">
+                        <a:effectLst/>
+                        <a:latin typeface="Calibri"/>
+                        <a:ea typeface="Calibri"/>
+                        <a:cs typeface="Times New Roman"/>
+                      </a:endParaRPr>
+                    </a:p>
+                  </a:txBody>
+                  <a:tcPr marL="47625" marR="47625" marT="66675" marB="66675"/>
+                </a:tc>
+              </a:tr>
+              <a:tr h="288138">
+                <a:tc>
+                  <a:txBody>
+                    <a:bodyPr/>
+                    <a:lstStyle/>
+                    <a:p>
+                      <a:pPr marL="0" marR="0">
+                        <a:lnSpc>
+                          <a:spcPts val="1265"/>
+                        </a:lnSpc>
+                        <a:spcBef>
+                          <a:spcPts val="0"/>
+                        </a:spcBef>
+                        <a:spcAft>
+                          <a:spcPts val="1000"/>
+                        </a:spcAft>
+                      </a:pPr>
+                      <a:r>
+                        <a:rPr lang="en-US" sz="1000" u="sng" dirty="0" err="1">
+                          <a:solidFill>
+                            <a:srgbClr val="000000"/>
+                          </a:solidFill>
+                          <a:effectLst/>
+                          <a:latin typeface="Verdana"/>
+                          <a:ea typeface="Calibri"/>
+                          <a:cs typeface="Times New Roman"/>
+                          <a:hlinkClick r:id="rId8"/>
+                        </a:rPr>
+                        <a:t>event.stopImmediatePropagation</a:t>
+                      </a:r>
+                      <a:r>
+                        <a:rPr lang="en-US" sz="1000" u="sng" dirty="0">
+                          <a:solidFill>
+                            <a:srgbClr val="000000"/>
+                          </a:solidFill>
+                          <a:effectLst/>
+                          <a:latin typeface="Verdana"/>
+                          <a:ea typeface="Calibri"/>
+                          <a:cs typeface="Times New Roman"/>
+                          <a:hlinkClick r:id="rId8"/>
+                        </a:rPr>
+                        <a:t>()</a:t>
+                      </a:r>
+                      <a:endParaRPr lang="en-US" sz="1100" u="sng" dirty="0">
+                        <a:effectLst/>
+                        <a:latin typeface="Calibri"/>
+                        <a:ea typeface="Calibri"/>
+                        <a:cs typeface="Times New Roman"/>
+                      </a:endParaRPr>
+                    </a:p>
+                  </a:txBody>
+                  <a:tcPr marL="47625" marR="47625" marT="66675" marB="66675"/>
+                </a:tc>
+                <a:tc>
+                  <a:txBody>
+                    <a:bodyPr/>
+                    <a:lstStyle/>
+                    <a:p>
+                      <a:pPr marL="0" marR="0">
+                        <a:lnSpc>
+                          <a:spcPts val="1265"/>
+                        </a:lnSpc>
+                        <a:spcBef>
+                          <a:spcPts val="0"/>
+                        </a:spcBef>
+                        <a:spcAft>
+                          <a:spcPts val="1000"/>
+                        </a:spcAft>
+                      </a:pPr>
+                      <a:r>
+                        <a:rPr lang="en-US" sz="1000" dirty="0">
+                          <a:solidFill>
+                            <a:srgbClr val="404040"/>
+                          </a:solidFill>
+                          <a:effectLst/>
+                          <a:latin typeface="Verdana"/>
+                          <a:ea typeface="Calibri"/>
+                          <a:cs typeface="Times New Roman"/>
+                        </a:rPr>
+                        <a:t>Prevents other event handlers from being called</a:t>
+                      </a:r>
+                      <a:endParaRPr lang="en-US" sz="1100" dirty="0">
+                        <a:effectLst/>
+                        <a:latin typeface="Calibri"/>
+                        <a:ea typeface="Calibri"/>
+                        <a:cs typeface="Times New Roman"/>
+                      </a:endParaRPr>
+                    </a:p>
+                  </a:txBody>
+                  <a:tcPr marL="47625" marR="47625" marT="66675" marB="66675"/>
+                </a:tc>
+              </a:tr>
+              <a:tr h="288138">
+                <a:tc>
+                  <a:txBody>
+                    <a:bodyPr/>
+                    <a:lstStyle/>
+                    <a:p>
+                      <a:pPr marL="0" marR="0">
+                        <a:lnSpc>
+                          <a:spcPts val="1265"/>
+                        </a:lnSpc>
+                        <a:spcBef>
+                          <a:spcPts val="0"/>
+                        </a:spcBef>
+                        <a:spcAft>
+                          <a:spcPts val="1000"/>
+                        </a:spcAft>
+                      </a:pPr>
+                      <a:r>
+                        <a:rPr lang="en-US" sz="1000" u="sng" dirty="0" err="1">
+                          <a:solidFill>
+                            <a:srgbClr val="000000"/>
+                          </a:solidFill>
+                          <a:effectLst/>
+                          <a:latin typeface="Verdana"/>
+                          <a:ea typeface="Calibri"/>
+                          <a:cs typeface="Times New Roman"/>
+                          <a:hlinkClick r:id="rId9"/>
+                        </a:rPr>
+                        <a:t>event.stopPropagation</a:t>
+                      </a:r>
+                      <a:r>
+                        <a:rPr lang="en-US" sz="1000" u="sng" dirty="0">
+                          <a:solidFill>
+                            <a:srgbClr val="000000"/>
+                          </a:solidFill>
+                          <a:effectLst/>
+                          <a:latin typeface="Verdana"/>
+                          <a:ea typeface="Calibri"/>
+                          <a:cs typeface="Times New Roman"/>
+                          <a:hlinkClick r:id="rId9"/>
+                        </a:rPr>
+                        <a:t>()</a:t>
+                      </a:r>
+                      <a:endParaRPr lang="en-US" sz="1100" u="sng" dirty="0">
+                        <a:effectLst/>
+                        <a:latin typeface="Calibri"/>
+                        <a:ea typeface="Calibri"/>
+                        <a:cs typeface="Times New Roman"/>
+                      </a:endParaRPr>
+                    </a:p>
+                  </a:txBody>
+                  <a:tcPr marL="47625" marR="47625" marT="66675" marB="66675"/>
+                </a:tc>
+                <a:tc>
+                  <a:txBody>
+                    <a:bodyPr/>
+                    <a:lstStyle/>
+                    <a:p>
+                      <a:pPr marL="0" marR="0">
+                        <a:lnSpc>
+                          <a:spcPts val="1265"/>
+                        </a:lnSpc>
+                        <a:spcBef>
+                          <a:spcPts val="0"/>
+                        </a:spcBef>
+                        <a:spcAft>
+                          <a:spcPts val="1000"/>
+                        </a:spcAft>
+                      </a:pPr>
+                      <a:r>
+                        <a:rPr lang="en-US" sz="1000">
+                          <a:solidFill>
+                            <a:srgbClr val="404040"/>
+                          </a:solidFill>
+                          <a:effectLst/>
+                          <a:latin typeface="Verdana"/>
+                          <a:ea typeface="Calibri"/>
+                          <a:cs typeface="Times New Roman"/>
+                        </a:rPr>
+                        <a:t>Prevents the event from bubbling up the DOM tree, preventing any parent handlers from being notified of the event</a:t>
+                      </a:r>
+                      <a:endParaRPr lang="en-US" sz="1100">
+                        <a:effectLst/>
+                        <a:latin typeface="Calibri"/>
+                        <a:ea typeface="Calibri"/>
+                        <a:cs typeface="Times New Roman"/>
+                      </a:endParaRPr>
+                    </a:p>
+                  </a:txBody>
+                  <a:tcPr marL="47625" marR="47625" marT="66675" marB="66675"/>
+                </a:tc>
+              </a:tr>
+              <a:tr h="288138">
+                <a:tc>
+                  <a:txBody>
+                    <a:bodyPr/>
+                    <a:lstStyle/>
+                    <a:p>
+                      <a:pPr marL="0" marR="0">
+                        <a:lnSpc>
+                          <a:spcPts val="1265"/>
+                        </a:lnSpc>
+                        <a:spcBef>
+                          <a:spcPts val="0"/>
+                        </a:spcBef>
+                        <a:spcAft>
+                          <a:spcPts val="1000"/>
+                        </a:spcAft>
+                      </a:pPr>
+                      <a:r>
+                        <a:rPr lang="en-US" sz="1000" u="sng" dirty="0" err="1">
+                          <a:solidFill>
+                            <a:srgbClr val="000000"/>
+                          </a:solidFill>
+                          <a:effectLst/>
+                          <a:latin typeface="Verdana"/>
+                          <a:ea typeface="Calibri"/>
+                          <a:cs typeface="Times New Roman"/>
+                          <a:hlinkClick r:id="rId10"/>
+                        </a:rPr>
+                        <a:t>event.target</a:t>
+                      </a:r>
+                      <a:endParaRPr lang="en-US" sz="1100" u="sng" dirty="0">
+                        <a:effectLst/>
+                        <a:latin typeface="Calibri"/>
+                        <a:ea typeface="Calibri"/>
+                        <a:cs typeface="Times New Roman"/>
+                      </a:endParaRPr>
+                    </a:p>
+                  </a:txBody>
+                  <a:tcPr marL="47625" marR="47625" marT="66675" marB="66675"/>
+                </a:tc>
+                <a:tc>
+                  <a:txBody>
+                    <a:bodyPr/>
+                    <a:lstStyle/>
+                    <a:p>
+                      <a:pPr marL="0" marR="0">
+                        <a:lnSpc>
+                          <a:spcPts val="1265"/>
+                        </a:lnSpc>
+                        <a:spcBef>
+                          <a:spcPts val="0"/>
+                        </a:spcBef>
+                        <a:spcAft>
+                          <a:spcPts val="1000"/>
+                        </a:spcAft>
+                      </a:pPr>
+                      <a:r>
+                        <a:rPr lang="en-US" sz="1000" dirty="0">
+                          <a:solidFill>
+                            <a:srgbClr val="404040"/>
+                          </a:solidFill>
+                          <a:effectLst/>
+                          <a:latin typeface="Verdana"/>
+                          <a:ea typeface="Calibri"/>
+                          <a:cs typeface="Times New Roman"/>
+                        </a:rPr>
+                        <a:t>Returns which DOM element triggered the event</a:t>
+                      </a:r>
+                      <a:endParaRPr lang="en-US" sz="1100" dirty="0">
+                        <a:effectLst/>
+                        <a:latin typeface="Calibri"/>
+                        <a:ea typeface="Calibri"/>
+                        <a:cs typeface="Times New Roman"/>
+                      </a:endParaRPr>
+                    </a:p>
+                  </a:txBody>
+                  <a:tcPr marL="47625" marR="47625" marT="66675" marB="66675"/>
+                </a:tc>
+              </a:tr>
+              <a:tr h="288138">
+                <a:tc>
+                  <a:txBody>
+                    <a:bodyPr/>
+                    <a:lstStyle/>
+                    <a:p>
+                      <a:pPr marL="0" marR="0">
+                        <a:lnSpc>
+                          <a:spcPts val="1265"/>
+                        </a:lnSpc>
+                        <a:spcBef>
+                          <a:spcPts val="0"/>
+                        </a:spcBef>
+                        <a:spcAft>
+                          <a:spcPts val="1000"/>
+                        </a:spcAft>
+                      </a:pPr>
+                      <a:r>
+                        <a:rPr lang="en-US" sz="1000" u="sng" dirty="0" err="1">
+                          <a:solidFill>
+                            <a:srgbClr val="000000"/>
+                          </a:solidFill>
+                          <a:effectLst/>
+                          <a:latin typeface="Verdana"/>
+                          <a:ea typeface="Calibri"/>
+                          <a:cs typeface="Times New Roman"/>
+                          <a:hlinkClick r:id="rId11"/>
+                        </a:rPr>
+                        <a:t>event.timeStamp</a:t>
+                      </a:r>
+                      <a:endParaRPr lang="en-US" sz="1100" u="sng" dirty="0">
+                        <a:effectLst/>
+                        <a:latin typeface="Calibri"/>
+                        <a:ea typeface="Calibri"/>
+                        <a:cs typeface="Times New Roman"/>
+                      </a:endParaRPr>
+                    </a:p>
+                  </a:txBody>
+                  <a:tcPr marL="47625" marR="47625" marT="66675" marB="66675"/>
+                </a:tc>
+                <a:tc>
+                  <a:txBody>
+                    <a:bodyPr/>
+                    <a:lstStyle/>
+                    <a:p>
+                      <a:pPr marL="0" marR="0">
+                        <a:lnSpc>
+                          <a:spcPts val="1265"/>
+                        </a:lnSpc>
+                        <a:spcBef>
+                          <a:spcPts val="0"/>
+                        </a:spcBef>
+                        <a:spcAft>
+                          <a:spcPts val="1000"/>
+                        </a:spcAft>
+                      </a:pPr>
+                      <a:r>
+                        <a:rPr lang="en-US" sz="1000">
+                          <a:solidFill>
+                            <a:srgbClr val="404040"/>
+                          </a:solidFill>
+                          <a:effectLst/>
+                          <a:latin typeface="Verdana"/>
+                          <a:ea typeface="Calibri"/>
+                          <a:cs typeface="Times New Roman"/>
+                        </a:rPr>
+                        <a:t>Returns the number of milliseconds since January 1, 1970, when the event is triggered</a:t>
+                      </a:r>
+                      <a:endParaRPr lang="en-US" sz="1100">
+                        <a:effectLst/>
+                        <a:latin typeface="Calibri"/>
+                        <a:ea typeface="Calibri"/>
+                        <a:cs typeface="Times New Roman"/>
+                      </a:endParaRPr>
+                    </a:p>
+                  </a:txBody>
+                  <a:tcPr marL="47625" marR="47625" marT="66675" marB="66675"/>
+                </a:tc>
+              </a:tr>
+              <a:tr h="288138">
+                <a:tc>
+                  <a:txBody>
+                    <a:bodyPr/>
+                    <a:lstStyle/>
+                    <a:p>
+                      <a:pPr marL="0" marR="0">
+                        <a:lnSpc>
+                          <a:spcPts val="1265"/>
+                        </a:lnSpc>
+                        <a:spcBef>
+                          <a:spcPts val="0"/>
+                        </a:spcBef>
+                        <a:spcAft>
+                          <a:spcPts val="1000"/>
+                        </a:spcAft>
+                      </a:pPr>
+                      <a:r>
+                        <a:rPr lang="en-US" sz="1000" u="sng" dirty="0" err="1">
+                          <a:solidFill>
+                            <a:srgbClr val="000000"/>
+                          </a:solidFill>
+                          <a:effectLst/>
+                          <a:latin typeface="Verdana"/>
+                          <a:ea typeface="Calibri"/>
+                          <a:cs typeface="Times New Roman"/>
+                          <a:hlinkClick r:id="rId12"/>
+                        </a:rPr>
+                        <a:t>event.type</a:t>
+                      </a:r>
+                      <a:endParaRPr lang="en-US" sz="1100" u="sng" dirty="0">
+                        <a:effectLst/>
+                        <a:latin typeface="Calibri"/>
+                        <a:ea typeface="Calibri"/>
+                        <a:cs typeface="Times New Roman"/>
+                      </a:endParaRPr>
+                    </a:p>
+                  </a:txBody>
+                  <a:tcPr marL="47625" marR="47625" marT="66675" marB="66675"/>
+                </a:tc>
+                <a:tc>
+                  <a:txBody>
+                    <a:bodyPr/>
+                    <a:lstStyle/>
+                    <a:p>
+                      <a:pPr marL="0" marR="0">
+                        <a:lnSpc>
+                          <a:spcPts val="1265"/>
+                        </a:lnSpc>
+                        <a:spcBef>
+                          <a:spcPts val="0"/>
+                        </a:spcBef>
+                        <a:spcAft>
+                          <a:spcPts val="1000"/>
+                        </a:spcAft>
+                      </a:pPr>
+                      <a:r>
+                        <a:rPr lang="en-US" sz="1000">
+                          <a:solidFill>
+                            <a:srgbClr val="404040"/>
+                          </a:solidFill>
+                          <a:effectLst/>
+                          <a:latin typeface="Verdana"/>
+                          <a:ea typeface="Calibri"/>
+                          <a:cs typeface="Times New Roman"/>
+                        </a:rPr>
+                        <a:t>Returns which event type was triggered</a:t>
+                      </a:r>
+                      <a:endParaRPr lang="en-US" sz="1100">
+                        <a:effectLst/>
+                        <a:latin typeface="Calibri"/>
+                        <a:ea typeface="Calibri"/>
+                        <a:cs typeface="Times New Roman"/>
+                      </a:endParaRPr>
+                    </a:p>
+                  </a:txBody>
+                  <a:tcPr marL="47625" marR="47625" marT="66675" marB="66675"/>
+                </a:tc>
+              </a:tr>
+              <a:tr h="288138">
+                <a:tc>
+                  <a:txBody>
+                    <a:bodyPr/>
+                    <a:lstStyle/>
+                    <a:p>
+                      <a:pPr marL="0" marR="0">
+                        <a:lnSpc>
+                          <a:spcPts val="1265"/>
+                        </a:lnSpc>
+                        <a:spcBef>
+                          <a:spcPts val="0"/>
+                        </a:spcBef>
+                        <a:spcAft>
+                          <a:spcPts val="1000"/>
+                        </a:spcAft>
+                      </a:pPr>
+                      <a:r>
+                        <a:rPr lang="en-US" sz="1000" u="sng" dirty="0" err="1">
+                          <a:solidFill>
+                            <a:srgbClr val="000000"/>
+                          </a:solidFill>
+                          <a:effectLst/>
+                          <a:latin typeface="Verdana"/>
+                          <a:ea typeface="Calibri"/>
+                          <a:cs typeface="Times New Roman"/>
+                          <a:hlinkClick r:id="rId13"/>
+                        </a:rPr>
+                        <a:t>event.which</a:t>
+                      </a:r>
+                      <a:endParaRPr lang="en-US" sz="1100" u="sng" dirty="0">
+                        <a:effectLst/>
+                        <a:latin typeface="Calibri"/>
+                        <a:ea typeface="Calibri"/>
+                        <a:cs typeface="Times New Roman"/>
+                      </a:endParaRPr>
+                    </a:p>
+                  </a:txBody>
+                  <a:tcPr marL="47625" marR="47625" marT="66675" marB="66675"/>
+                </a:tc>
+                <a:tc>
+                  <a:txBody>
+                    <a:bodyPr/>
+                    <a:lstStyle/>
+                    <a:p>
+                      <a:pPr marL="0" marR="0">
+                        <a:lnSpc>
+                          <a:spcPts val="1265"/>
+                        </a:lnSpc>
+                        <a:spcBef>
+                          <a:spcPts val="0"/>
+                        </a:spcBef>
+                        <a:spcAft>
+                          <a:spcPts val="1000"/>
+                        </a:spcAft>
+                      </a:pPr>
+                      <a:r>
+                        <a:rPr lang="en-US" sz="1000" dirty="0">
+                          <a:solidFill>
+                            <a:srgbClr val="404040"/>
+                          </a:solidFill>
+                          <a:effectLst/>
+                          <a:latin typeface="Verdana"/>
+                          <a:ea typeface="Calibri"/>
+                          <a:cs typeface="Times New Roman"/>
+                        </a:rPr>
+                        <a:t>Returns which keyboard key or mouse button was pressed for the event</a:t>
+                      </a:r>
+                      <a:endParaRPr lang="en-US" sz="1100" dirty="0">
+                        <a:effectLst/>
+                        <a:latin typeface="Calibri"/>
+                        <a:ea typeface="Calibri"/>
+                        <a:cs typeface="Times New Roman"/>
+                      </a:endParaRPr>
+                    </a:p>
+                  </a:txBody>
+                  <a:tcPr marL="47625" marR="47625" marT="66675" marB="66675"/>
+                </a:tc>
+              </a:tr>
+              <a:tr h="288138">
+                <a:tc>
+                  <a:txBody>
+                    <a:bodyPr/>
+                    <a:lstStyle/>
+                    <a:p>
+                      <a:pPr marL="0" marR="0">
+                        <a:lnSpc>
+                          <a:spcPts val="1265"/>
+                        </a:lnSpc>
+                        <a:spcBef>
+                          <a:spcPts val="0"/>
+                        </a:spcBef>
+                        <a:spcAft>
+                          <a:spcPts val="1000"/>
+                        </a:spcAft>
+                      </a:pPr>
+                      <a:r>
+                        <a:rPr lang="en-US" sz="1000" u="sng" dirty="0">
+                          <a:solidFill>
+                            <a:srgbClr val="000000"/>
+                          </a:solidFill>
+                          <a:effectLst/>
+                          <a:latin typeface="Verdana"/>
+                          <a:ea typeface="Calibri"/>
+                          <a:cs typeface="Times New Roman"/>
+                          <a:hlinkClick r:id="rId14"/>
+                        </a:rPr>
+                        <a:t>focus()</a:t>
+                      </a:r>
+                      <a:endParaRPr lang="en-US" sz="1100" u="sng" dirty="0">
+                        <a:effectLst/>
+                        <a:latin typeface="Calibri"/>
+                        <a:ea typeface="Calibri"/>
+                        <a:cs typeface="Times New Roman"/>
+                      </a:endParaRPr>
+                    </a:p>
+                  </a:txBody>
+                  <a:tcPr marL="47625" marR="47625" marT="66675" marB="66675"/>
+                </a:tc>
+                <a:tc>
+                  <a:txBody>
+                    <a:bodyPr/>
+                    <a:lstStyle/>
+                    <a:p>
+                      <a:pPr marL="0" marR="0">
+                        <a:lnSpc>
+                          <a:spcPts val="1265"/>
+                        </a:lnSpc>
+                        <a:spcBef>
+                          <a:spcPts val="0"/>
+                        </a:spcBef>
+                        <a:spcAft>
+                          <a:spcPts val="1000"/>
+                        </a:spcAft>
+                      </a:pPr>
+                      <a:r>
+                        <a:rPr lang="en-US" sz="1000" dirty="0">
+                          <a:solidFill>
+                            <a:srgbClr val="404040"/>
+                          </a:solidFill>
+                          <a:effectLst/>
+                          <a:latin typeface="Verdana"/>
+                          <a:ea typeface="Calibri"/>
+                          <a:cs typeface="Times New Roman"/>
+                        </a:rPr>
+                        <a:t>Attaches/Triggers the focus event</a:t>
+                      </a:r>
+                      <a:endParaRPr lang="en-US" sz="1100" dirty="0">
+                        <a:effectLst/>
+                        <a:latin typeface="Calibri"/>
+                        <a:ea typeface="Calibri"/>
+                        <a:cs typeface="Times New Roman"/>
+                      </a:endParaRPr>
+                    </a:p>
+                  </a:txBody>
+                  <a:tcPr marL="47625" marR="47625" marT="66675" marB="66675"/>
+                </a:tc>
+              </a:tr>
+              <a:tr h="288138">
+                <a:tc>
+                  <a:txBody>
+                    <a:bodyPr/>
+                    <a:lstStyle/>
+                    <a:p>
+                      <a:pPr marL="0" marR="0">
+                        <a:lnSpc>
+                          <a:spcPts val="1265"/>
+                        </a:lnSpc>
+                        <a:spcBef>
+                          <a:spcPts val="0"/>
+                        </a:spcBef>
+                        <a:spcAft>
+                          <a:spcPts val="1000"/>
+                        </a:spcAft>
+                      </a:pPr>
+                      <a:r>
+                        <a:rPr lang="en-US" sz="1000" u="sng" dirty="0" err="1">
+                          <a:solidFill>
+                            <a:srgbClr val="000000"/>
+                          </a:solidFill>
+                          <a:effectLst/>
+                          <a:latin typeface="Verdana"/>
+                          <a:ea typeface="Calibri"/>
+                          <a:cs typeface="Times New Roman"/>
+                          <a:hlinkClick r:id="rId15"/>
+                        </a:rPr>
+                        <a:t>focusin</a:t>
+                      </a:r>
+                      <a:r>
+                        <a:rPr lang="en-US" sz="1000" u="sng" dirty="0">
+                          <a:solidFill>
+                            <a:srgbClr val="000000"/>
+                          </a:solidFill>
+                          <a:effectLst/>
+                          <a:latin typeface="Verdana"/>
+                          <a:ea typeface="Calibri"/>
+                          <a:cs typeface="Times New Roman"/>
+                          <a:hlinkClick r:id="rId15"/>
+                        </a:rPr>
+                        <a:t>()</a:t>
+                      </a:r>
+                      <a:endParaRPr lang="en-US" sz="1100" u="sng" dirty="0">
+                        <a:effectLst/>
+                        <a:latin typeface="Calibri"/>
+                        <a:ea typeface="Calibri"/>
+                        <a:cs typeface="Times New Roman"/>
+                      </a:endParaRPr>
+                    </a:p>
+                  </a:txBody>
+                  <a:tcPr marL="47625" marR="47625" marT="66675" marB="66675"/>
+                </a:tc>
+                <a:tc>
+                  <a:txBody>
+                    <a:bodyPr/>
+                    <a:lstStyle/>
+                    <a:p>
+                      <a:pPr marL="0" marR="0">
+                        <a:lnSpc>
+                          <a:spcPts val="1265"/>
+                        </a:lnSpc>
+                        <a:spcBef>
+                          <a:spcPts val="0"/>
+                        </a:spcBef>
+                        <a:spcAft>
+                          <a:spcPts val="1000"/>
+                        </a:spcAft>
+                      </a:pPr>
+                      <a:r>
+                        <a:rPr lang="en-US" sz="1000" dirty="0">
+                          <a:solidFill>
+                            <a:srgbClr val="404040"/>
+                          </a:solidFill>
+                          <a:effectLst/>
+                          <a:latin typeface="Verdana"/>
+                          <a:ea typeface="Calibri"/>
+                          <a:cs typeface="Times New Roman"/>
+                        </a:rPr>
+                        <a:t>Attaches an event handler to the </a:t>
+                      </a:r>
+                      <a:r>
+                        <a:rPr lang="en-US" sz="1000" dirty="0" err="1">
+                          <a:solidFill>
+                            <a:srgbClr val="404040"/>
+                          </a:solidFill>
+                          <a:effectLst/>
+                          <a:latin typeface="Verdana"/>
+                          <a:ea typeface="Calibri"/>
+                          <a:cs typeface="Times New Roman"/>
+                        </a:rPr>
+                        <a:t>focusin</a:t>
+                      </a:r>
+                      <a:r>
+                        <a:rPr lang="en-US" sz="1000" dirty="0">
+                          <a:solidFill>
+                            <a:srgbClr val="404040"/>
+                          </a:solidFill>
+                          <a:effectLst/>
+                          <a:latin typeface="Verdana"/>
+                          <a:ea typeface="Calibri"/>
+                          <a:cs typeface="Times New Roman"/>
+                        </a:rPr>
+                        <a:t> event</a:t>
+                      </a:r>
+                      <a:endParaRPr lang="en-US" sz="1100" dirty="0">
+                        <a:effectLst/>
+                        <a:latin typeface="Calibri"/>
+                        <a:ea typeface="Calibri"/>
+                        <a:cs typeface="Times New Roman"/>
+                      </a:endParaRPr>
+                    </a:p>
+                  </a:txBody>
+                  <a:tcPr marL="47625" marR="47625" marT="66675" marB="66675"/>
+                </a:tc>
+              </a:tr>
+            </a:tbl>
+          </a:graphicData>
+        </a:graphic>
+      </p:graphicFrame>
+    </p:spTree>
+    <p:extLst>
+      <p:ext uri="{BB962C8B-B14F-4D97-AF65-F5344CB8AC3E}">
+        <p14:creationId xmlns:p14="http://schemas.microsoft.com/office/powerpoint/2010/main" val="3151253217"/>
       </p:ext>
     </p:extLst>
   </p:cSld>

--- a/Advanced Javascript Day-2.pptx
+++ b/Advanced Javascript Day-2.pptx
@@ -5,7 +5,7 @@
     <p:sldMasterId id="2147483792" r:id="rId1"/>
   </p:sldMasterIdLst>
   <p:notesMasterIdLst>
-    <p:notesMasterId r:id="rId21"/>
+    <p:notesMasterId r:id="rId26"/>
   </p:notesMasterIdLst>
   <p:sldIdLst>
     <p:sldId id="256" r:id="rId2"/>
@@ -23,10 +23,15 @@
     <p:sldId id="310" r:id="rId14"/>
     <p:sldId id="311" r:id="rId15"/>
     <p:sldId id="299" r:id="rId16"/>
-    <p:sldId id="294" r:id="rId17"/>
-    <p:sldId id="295" r:id="rId18"/>
-    <p:sldId id="296" r:id="rId19"/>
-    <p:sldId id="297" r:id="rId20"/>
+    <p:sldId id="312" r:id="rId17"/>
+    <p:sldId id="313" r:id="rId18"/>
+    <p:sldId id="314" r:id="rId19"/>
+    <p:sldId id="315" r:id="rId20"/>
+    <p:sldId id="316" r:id="rId21"/>
+    <p:sldId id="294" r:id="rId22"/>
+    <p:sldId id="295" r:id="rId23"/>
+    <p:sldId id="296" r:id="rId24"/>
+    <p:sldId id="297" r:id="rId25"/>
   </p:sldIdLst>
   <p:sldSz cx="9144000" cy="6858000" type="screen4x3"/>
   <p:notesSz cx="6858000" cy="9144000"/>
@@ -9662,13 +9667,12 @@
             </a:pPr>
             <a:r>
               <a:rPr lang="en-US" b="1" dirty="0"/>
-              <a:t>HTML/DOM manipulation:</a:t>
+              <a:t>HTML/DOM manipulation</a:t>
             </a:r>
-          </a:p>
-          <a:p>
-            <a:pPr marL="0" indent="0">
-              <a:buNone/>
-            </a:pPr>
+            <a:r>
+              <a:rPr lang="en-US" b="1" dirty="0" smtClean="0"/>
+              <a:t>:</a:t>
+            </a:r>
             <a:endParaRPr lang="en-US" dirty="0" smtClean="0"/>
           </a:p>
           <a:p>
@@ -9718,6 +9722,772 @@
 </file>
 
 <file path=ppt/slides/slide16.xml><?xml version="1.0" encoding="utf-8"?>
+<p:sld xmlns:a="http://schemas.openxmlformats.org/drawingml/2006/main" xmlns:r="http://schemas.openxmlformats.org/officeDocument/2006/relationships" xmlns:p="http://schemas.openxmlformats.org/presentationml/2006/main">
+  <p:cSld>
+    <p:spTree>
+      <p:nvGrpSpPr>
+        <p:cNvPr id="1" name=""/>
+        <p:cNvGrpSpPr/>
+        <p:nvPr/>
+      </p:nvGrpSpPr>
+      <p:grpSpPr>
+        <a:xfrm>
+          <a:off x="0" y="0"/>
+          <a:ext cx="0" cy="0"/>
+          <a:chOff x="0" y="0"/>
+          <a:chExt cx="0" cy="0"/>
+        </a:xfrm>
+      </p:grpSpPr>
+      <p:sp>
+        <p:nvSpPr>
+          <p:cNvPr id="2" name="Title 1"/>
+          <p:cNvSpPr>
+            <a:spLocks noGrp="1"/>
+          </p:cNvSpPr>
+          <p:nvPr>
+            <p:ph type="title"/>
+          </p:nvPr>
+        </p:nvSpPr>
+        <p:spPr/>
+        <p:txBody>
+          <a:bodyPr>
+            <a:normAutofit/>
+          </a:bodyPr>
+          <a:lstStyle/>
+          <a:p>
+            <a:pPr lvl="0"/>
+            <a:r>
+              <a:rPr lang="en-IN" dirty="0"/>
+              <a:t>Jquery</a:t>
+            </a:r>
+          </a:p>
+        </p:txBody>
+      </p:sp>
+      <p:sp>
+        <p:nvSpPr>
+          <p:cNvPr id="3" name="Content Placeholder 2"/>
+          <p:cNvSpPr>
+            <a:spLocks noGrp="1"/>
+          </p:cNvSpPr>
+          <p:nvPr>
+            <p:ph sz="quarter" idx="1"/>
+          </p:nvPr>
+        </p:nvSpPr>
+        <p:spPr>
+          <a:xfrm>
+            <a:off x="609600" y="1752600"/>
+            <a:ext cx="8153400" cy="4495800"/>
+          </a:xfrm>
+        </p:spPr>
+        <p:txBody>
+          <a:bodyPr>
+            <a:normAutofit/>
+          </a:bodyPr>
+          <a:lstStyle/>
+          <a:p>
+            <a:pPr marL="0" lvl="1" indent="0">
+              <a:spcBef>
+                <a:spcPts val="700"/>
+              </a:spcBef>
+              <a:buClr>
+                <a:schemeClr val="accent2"/>
+              </a:buClr>
+              <a:buSzPct val="60000"/>
+              <a:buNone/>
+            </a:pPr>
+            <a:r>
+              <a:rPr lang="en-US" b="1" dirty="0"/>
+              <a:t>CSS </a:t>
+            </a:r>
+            <a:r>
+              <a:rPr lang="en-US" b="1" dirty="0" smtClean="0"/>
+              <a:t>manipulation</a:t>
+            </a:r>
+            <a:r>
+              <a:rPr lang="en-US" b="1" dirty="0" smtClean="0"/>
+              <a:t>:</a:t>
+            </a:r>
+            <a:endParaRPr lang="en-US" dirty="0" smtClean="0"/>
+          </a:p>
+          <a:p>
+            <a:r>
+              <a:rPr lang="en-US" dirty="0" smtClean="0"/>
+              <a:t>Changing colors, font sizes etc……</a:t>
+            </a:r>
+            <a:endParaRPr lang="en-US" dirty="0"/>
+          </a:p>
+        </p:txBody>
+      </p:sp>
+    </p:spTree>
+    <p:extLst>
+      <p:ext uri="{BB962C8B-B14F-4D97-AF65-F5344CB8AC3E}">
+        <p14:creationId xmlns:p14="http://schemas.microsoft.com/office/powerpoint/2010/main" val="4021993604"/>
+      </p:ext>
+    </p:extLst>
+  </p:cSld>
+  <p:clrMapOvr>
+    <a:masterClrMapping/>
+  </p:clrMapOvr>
+  <p:timing>
+    <p:tnLst>
+      <p:par>
+        <p:cTn id="1" dur="indefinite" restart="never" nodeType="tmRoot"/>
+      </p:par>
+    </p:tnLst>
+  </p:timing>
+</p:sld>
+</file>
+
+<file path=ppt/slides/slide17.xml><?xml version="1.0" encoding="utf-8"?>
+<p:sld xmlns:a="http://schemas.openxmlformats.org/drawingml/2006/main" xmlns:r="http://schemas.openxmlformats.org/officeDocument/2006/relationships" xmlns:p="http://schemas.openxmlformats.org/presentationml/2006/main">
+  <p:cSld>
+    <p:spTree>
+      <p:nvGrpSpPr>
+        <p:cNvPr id="1" name=""/>
+        <p:cNvGrpSpPr/>
+        <p:nvPr/>
+      </p:nvGrpSpPr>
+      <p:grpSpPr>
+        <a:xfrm>
+          <a:off x="0" y="0"/>
+          <a:ext cx="0" cy="0"/>
+          <a:chOff x="0" y="0"/>
+          <a:chExt cx="0" cy="0"/>
+        </a:xfrm>
+      </p:grpSpPr>
+      <p:sp>
+        <p:nvSpPr>
+          <p:cNvPr id="2" name="Title 1"/>
+          <p:cNvSpPr>
+            <a:spLocks noGrp="1"/>
+          </p:cNvSpPr>
+          <p:nvPr>
+            <p:ph type="title"/>
+          </p:nvPr>
+        </p:nvSpPr>
+        <p:spPr/>
+        <p:txBody>
+          <a:bodyPr>
+            <a:normAutofit/>
+          </a:bodyPr>
+          <a:lstStyle/>
+          <a:p>
+            <a:pPr lvl="0"/>
+            <a:r>
+              <a:rPr lang="en-IN" dirty="0"/>
+              <a:t>Jquery</a:t>
+            </a:r>
+          </a:p>
+        </p:txBody>
+      </p:sp>
+      <p:sp>
+        <p:nvSpPr>
+          <p:cNvPr id="3" name="Content Placeholder 2"/>
+          <p:cNvSpPr>
+            <a:spLocks noGrp="1"/>
+          </p:cNvSpPr>
+          <p:nvPr>
+            <p:ph sz="quarter" idx="1"/>
+          </p:nvPr>
+        </p:nvSpPr>
+        <p:spPr>
+          <a:xfrm>
+            <a:off x="609600" y="1752600"/>
+            <a:ext cx="8153400" cy="4495800"/>
+          </a:xfrm>
+        </p:spPr>
+        <p:txBody>
+          <a:bodyPr>
+            <a:normAutofit/>
+          </a:bodyPr>
+          <a:lstStyle/>
+          <a:p>
+            <a:pPr marL="0" lvl="1" indent="0">
+              <a:spcBef>
+                <a:spcPts val="700"/>
+              </a:spcBef>
+              <a:buClr>
+                <a:schemeClr val="accent2"/>
+              </a:buClr>
+              <a:buSzPct val="60000"/>
+              <a:buNone/>
+            </a:pPr>
+            <a:r>
+              <a:rPr lang="en-US" b="1" dirty="0"/>
+              <a:t>HTML event </a:t>
+            </a:r>
+            <a:r>
+              <a:rPr lang="en-US" b="1" dirty="0" smtClean="0"/>
+              <a:t>methods:</a:t>
+            </a:r>
+            <a:endParaRPr lang="en-US" b="1" dirty="0" smtClean="0"/>
+          </a:p>
+          <a:p>
+            <a:r>
+              <a:rPr lang="en-US" dirty="0" smtClean="0"/>
+              <a:t>changing </a:t>
+            </a:r>
+            <a:r>
+              <a:rPr lang="en-US" dirty="0" smtClean="0"/>
+              <a:t>html</a:t>
+            </a:r>
+            <a:r>
+              <a:rPr lang="en-US" dirty="0" smtClean="0"/>
+              <a:t>, adding and removing classes, modifying attributes etc</a:t>
+            </a:r>
+            <a:r>
+              <a:rPr lang="en-US" dirty="0" smtClean="0"/>
+              <a:t>….</a:t>
+            </a:r>
+          </a:p>
+          <a:p>
+            <a:pPr marL="0" indent="0">
+              <a:buNone/>
+            </a:pPr>
+            <a:endParaRPr lang="en-US" dirty="0"/>
+          </a:p>
+        </p:txBody>
+      </p:sp>
+    </p:spTree>
+    <p:extLst>
+      <p:ext uri="{BB962C8B-B14F-4D97-AF65-F5344CB8AC3E}">
+        <p14:creationId xmlns:p14="http://schemas.microsoft.com/office/powerpoint/2010/main" val="1801952133"/>
+      </p:ext>
+    </p:extLst>
+  </p:cSld>
+  <p:clrMapOvr>
+    <a:masterClrMapping/>
+  </p:clrMapOvr>
+  <p:timing>
+    <p:tnLst>
+      <p:par>
+        <p:cTn id="1" dur="indefinite" restart="never" nodeType="tmRoot"/>
+      </p:par>
+    </p:tnLst>
+  </p:timing>
+</p:sld>
+</file>
+
+<file path=ppt/slides/slide18.xml><?xml version="1.0" encoding="utf-8"?>
+<p:sld xmlns:a="http://schemas.openxmlformats.org/drawingml/2006/main" xmlns:r="http://schemas.openxmlformats.org/officeDocument/2006/relationships" xmlns:p="http://schemas.openxmlformats.org/presentationml/2006/main">
+  <p:cSld>
+    <p:spTree>
+      <p:nvGrpSpPr>
+        <p:cNvPr id="1" name=""/>
+        <p:cNvGrpSpPr/>
+        <p:nvPr/>
+      </p:nvGrpSpPr>
+      <p:grpSpPr>
+        <a:xfrm>
+          <a:off x="0" y="0"/>
+          <a:ext cx="0" cy="0"/>
+          <a:chOff x="0" y="0"/>
+          <a:chExt cx="0" cy="0"/>
+        </a:xfrm>
+      </p:grpSpPr>
+      <p:sp>
+        <p:nvSpPr>
+          <p:cNvPr id="2" name="Title 1"/>
+          <p:cNvSpPr>
+            <a:spLocks noGrp="1"/>
+          </p:cNvSpPr>
+          <p:nvPr>
+            <p:ph type="title"/>
+          </p:nvPr>
+        </p:nvSpPr>
+        <p:spPr/>
+        <p:txBody>
+          <a:bodyPr>
+            <a:normAutofit/>
+          </a:bodyPr>
+          <a:lstStyle/>
+          <a:p>
+            <a:pPr lvl="0"/>
+            <a:r>
+              <a:rPr lang="en-IN" dirty="0"/>
+              <a:t>Jquery</a:t>
+            </a:r>
+          </a:p>
+        </p:txBody>
+      </p:sp>
+      <p:sp>
+        <p:nvSpPr>
+          <p:cNvPr id="3" name="Content Placeholder 2"/>
+          <p:cNvSpPr>
+            <a:spLocks noGrp="1"/>
+          </p:cNvSpPr>
+          <p:nvPr>
+            <p:ph sz="quarter" idx="1"/>
+          </p:nvPr>
+        </p:nvSpPr>
+        <p:spPr>
+          <a:xfrm>
+            <a:off x="609600" y="1752600"/>
+            <a:ext cx="8153400" cy="4495800"/>
+          </a:xfrm>
+        </p:spPr>
+        <p:txBody>
+          <a:bodyPr>
+            <a:normAutofit/>
+          </a:bodyPr>
+          <a:lstStyle/>
+          <a:p>
+            <a:pPr marL="0" lvl="1" indent="0">
+              <a:spcBef>
+                <a:spcPts val="700"/>
+              </a:spcBef>
+              <a:buClr>
+                <a:schemeClr val="accent2"/>
+              </a:buClr>
+              <a:buSzPct val="60000"/>
+              <a:buNone/>
+            </a:pPr>
+            <a:r>
+              <a:rPr lang="en-US" b="1" dirty="0"/>
+              <a:t>Effects and </a:t>
+            </a:r>
+            <a:r>
+              <a:rPr lang="en-US" b="1" dirty="0" smtClean="0"/>
+              <a:t>animations</a:t>
+            </a:r>
+            <a:r>
+              <a:rPr lang="en-US" b="1" dirty="0" smtClean="0"/>
+              <a:t>:</a:t>
+            </a:r>
+            <a:endParaRPr lang="en-US" dirty="0" smtClean="0"/>
+          </a:p>
+          <a:p>
+            <a:r>
+              <a:rPr lang="en-US" dirty="0" smtClean="0"/>
+              <a:t>changing </a:t>
+            </a:r>
+            <a:r>
+              <a:rPr lang="en-US" dirty="0" smtClean="0"/>
+              <a:t>html</a:t>
+            </a:r>
+            <a:r>
+              <a:rPr lang="en-US" dirty="0" smtClean="0"/>
+              <a:t>, adding and removing classes, modifying attributes etc</a:t>
+            </a:r>
+            <a:r>
+              <a:rPr lang="en-US" dirty="0" smtClean="0"/>
+              <a:t>….</a:t>
+            </a:r>
+          </a:p>
+          <a:p>
+            <a:pPr marL="0" indent="0">
+              <a:buNone/>
+            </a:pPr>
+            <a:endParaRPr lang="en-US" dirty="0"/>
+          </a:p>
+        </p:txBody>
+      </p:sp>
+    </p:spTree>
+    <p:extLst>
+      <p:ext uri="{BB962C8B-B14F-4D97-AF65-F5344CB8AC3E}">
+        <p14:creationId xmlns:p14="http://schemas.microsoft.com/office/powerpoint/2010/main" val="3772761739"/>
+      </p:ext>
+    </p:extLst>
+  </p:cSld>
+  <p:clrMapOvr>
+    <a:masterClrMapping/>
+  </p:clrMapOvr>
+  <p:timing>
+    <p:tnLst>
+      <p:par>
+        <p:cTn id="1" dur="indefinite" restart="never" nodeType="tmRoot"/>
+      </p:par>
+    </p:tnLst>
+  </p:timing>
+</p:sld>
+</file>
+
+<file path=ppt/slides/slide19.xml><?xml version="1.0" encoding="utf-8"?>
+<p:sld xmlns:a="http://schemas.openxmlformats.org/drawingml/2006/main" xmlns:r="http://schemas.openxmlformats.org/officeDocument/2006/relationships" xmlns:p="http://schemas.openxmlformats.org/presentationml/2006/main">
+  <p:cSld>
+    <p:spTree>
+      <p:nvGrpSpPr>
+        <p:cNvPr id="1" name=""/>
+        <p:cNvGrpSpPr/>
+        <p:nvPr/>
+      </p:nvGrpSpPr>
+      <p:grpSpPr>
+        <a:xfrm>
+          <a:off x="0" y="0"/>
+          <a:ext cx="0" cy="0"/>
+          <a:chOff x="0" y="0"/>
+          <a:chExt cx="0" cy="0"/>
+        </a:xfrm>
+      </p:grpSpPr>
+      <p:sp>
+        <p:nvSpPr>
+          <p:cNvPr id="2" name="Title 1"/>
+          <p:cNvSpPr>
+            <a:spLocks noGrp="1"/>
+          </p:cNvSpPr>
+          <p:nvPr>
+            <p:ph type="title"/>
+          </p:nvPr>
+        </p:nvSpPr>
+        <p:spPr/>
+        <p:txBody>
+          <a:bodyPr>
+            <a:normAutofit/>
+          </a:bodyPr>
+          <a:lstStyle/>
+          <a:p>
+            <a:pPr lvl="0"/>
+            <a:r>
+              <a:rPr lang="en-IN" dirty="0"/>
+              <a:t>Jquery</a:t>
+            </a:r>
+          </a:p>
+        </p:txBody>
+      </p:sp>
+      <p:sp>
+        <p:nvSpPr>
+          <p:cNvPr id="3" name="Content Placeholder 2"/>
+          <p:cNvSpPr>
+            <a:spLocks noGrp="1"/>
+          </p:cNvSpPr>
+          <p:nvPr>
+            <p:ph sz="quarter" idx="1"/>
+          </p:nvPr>
+        </p:nvSpPr>
+        <p:spPr>
+          <a:xfrm>
+            <a:off x="609600" y="1752600"/>
+            <a:ext cx="8153400" cy="4495800"/>
+          </a:xfrm>
+        </p:spPr>
+        <p:txBody>
+          <a:bodyPr>
+            <a:normAutofit/>
+          </a:bodyPr>
+          <a:lstStyle/>
+          <a:p>
+            <a:pPr marL="0" lvl="1" indent="0">
+              <a:spcBef>
+                <a:spcPts val="700"/>
+              </a:spcBef>
+              <a:buClr>
+                <a:schemeClr val="accent2"/>
+              </a:buClr>
+              <a:buSzPct val="60000"/>
+              <a:buNone/>
+            </a:pPr>
+            <a:r>
+              <a:rPr lang="en-US" b="1" dirty="0" smtClean="0"/>
+              <a:t>AJAX</a:t>
+            </a:r>
+            <a:r>
+              <a:rPr lang="en-US" b="1" dirty="0" smtClean="0"/>
+              <a:t>:</a:t>
+            </a:r>
+            <a:endParaRPr lang="en-US" b="1" dirty="0"/>
+          </a:p>
+          <a:p>
+            <a:pPr marL="0" indent="0">
+              <a:buNone/>
+            </a:pPr>
+            <a:endParaRPr lang="en-US" dirty="0" smtClean="0"/>
+          </a:p>
+          <a:p>
+            <a:r>
+              <a:rPr lang="en-US" dirty="0" smtClean="0"/>
+              <a:t>changing </a:t>
+            </a:r>
+            <a:r>
+              <a:rPr lang="en-US" dirty="0" smtClean="0"/>
+              <a:t>html</a:t>
+            </a:r>
+            <a:r>
+              <a:rPr lang="en-US" dirty="0" smtClean="0"/>
+              <a:t>, adding and removing classes, modifying attributes etc</a:t>
+            </a:r>
+            <a:r>
+              <a:rPr lang="en-US" dirty="0" smtClean="0"/>
+              <a:t>….</a:t>
+            </a:r>
+          </a:p>
+          <a:p>
+            <a:pPr marL="0" indent="0">
+              <a:buNone/>
+            </a:pPr>
+            <a:endParaRPr lang="en-US" dirty="0"/>
+          </a:p>
+        </p:txBody>
+      </p:sp>
+    </p:spTree>
+    <p:extLst>
+      <p:ext uri="{BB962C8B-B14F-4D97-AF65-F5344CB8AC3E}">
+        <p14:creationId xmlns:p14="http://schemas.microsoft.com/office/powerpoint/2010/main" val="2227863129"/>
+      </p:ext>
+    </p:extLst>
+  </p:cSld>
+  <p:clrMapOvr>
+    <a:masterClrMapping/>
+  </p:clrMapOvr>
+  <p:timing>
+    <p:tnLst>
+      <p:par>
+        <p:cTn id="1" dur="indefinite" restart="never" nodeType="tmRoot"/>
+      </p:par>
+    </p:tnLst>
+  </p:timing>
+</p:sld>
+</file>
+
+<file path=ppt/slides/slide2.xml><?xml version="1.0" encoding="utf-8"?>
+<p:sld xmlns:a="http://schemas.openxmlformats.org/drawingml/2006/main" xmlns:r="http://schemas.openxmlformats.org/officeDocument/2006/relationships" xmlns:p="http://schemas.openxmlformats.org/presentationml/2006/main">
+  <p:cSld>
+    <p:spTree>
+      <p:nvGrpSpPr>
+        <p:cNvPr id="1" name=""/>
+        <p:cNvGrpSpPr/>
+        <p:nvPr/>
+      </p:nvGrpSpPr>
+      <p:grpSpPr>
+        <a:xfrm>
+          <a:off x="0" y="0"/>
+          <a:ext cx="0" cy="0"/>
+          <a:chOff x="0" y="0"/>
+          <a:chExt cx="0" cy="0"/>
+        </a:xfrm>
+      </p:grpSpPr>
+      <p:sp>
+        <p:nvSpPr>
+          <p:cNvPr id="2" name="Title 1"/>
+          <p:cNvSpPr>
+            <a:spLocks noGrp="1"/>
+          </p:cNvSpPr>
+          <p:nvPr>
+            <p:ph type="title"/>
+          </p:nvPr>
+        </p:nvSpPr>
+        <p:spPr/>
+        <p:txBody>
+          <a:bodyPr/>
+          <a:lstStyle/>
+          <a:p>
+            <a:r>
+              <a:rPr lang="en-US" dirty="0" smtClean="0"/>
+              <a:t>Contents</a:t>
+            </a:r>
+            <a:endParaRPr lang="en-US" dirty="0"/>
+          </a:p>
+        </p:txBody>
+      </p:sp>
+      <p:sp>
+        <p:nvSpPr>
+          <p:cNvPr id="3" name="Content Placeholder 2"/>
+          <p:cNvSpPr>
+            <a:spLocks noGrp="1"/>
+          </p:cNvSpPr>
+          <p:nvPr>
+            <p:ph sz="quarter" idx="1"/>
+          </p:nvPr>
+        </p:nvSpPr>
+        <p:spPr/>
+        <p:txBody>
+          <a:bodyPr>
+            <a:normAutofit/>
+          </a:bodyPr>
+          <a:lstStyle/>
+          <a:p>
+            <a:pPr lvl="0"/>
+            <a:r>
+              <a:rPr lang="en-IN" dirty="0" smtClean="0"/>
+              <a:t>Jquery</a:t>
+            </a:r>
+          </a:p>
+          <a:p>
+            <a:r>
+              <a:rPr lang="en-IN" dirty="0"/>
+              <a:t>Jquery Plug-in </a:t>
+            </a:r>
+            <a:r>
+              <a:rPr lang="en-IN" dirty="0" smtClean="0"/>
+              <a:t>Implementation</a:t>
+            </a:r>
+            <a:endParaRPr lang="en-US" dirty="0"/>
+          </a:p>
+          <a:p>
+            <a:pPr lvl="0"/>
+            <a:r>
+              <a:rPr lang="en-IN" dirty="0"/>
+              <a:t>Jquery Widget Implementation</a:t>
+            </a:r>
+            <a:endParaRPr lang="en-US" dirty="0"/>
+          </a:p>
+          <a:p>
+            <a:pPr lvl="0"/>
+            <a:r>
+              <a:rPr lang="en-IN" dirty="0" smtClean="0"/>
+              <a:t>Jquery </a:t>
+            </a:r>
+            <a:r>
+              <a:rPr lang="en-IN" dirty="0"/>
+              <a:t>Plug-In Vs. Jquery Widget</a:t>
+            </a:r>
+            <a:endParaRPr lang="en-US" dirty="0"/>
+          </a:p>
+          <a:p>
+            <a:endParaRPr lang="en-US" dirty="0"/>
+          </a:p>
+        </p:txBody>
+      </p:sp>
+    </p:spTree>
+    <p:extLst>
+      <p:ext uri="{BB962C8B-B14F-4D97-AF65-F5344CB8AC3E}">
+        <p14:creationId xmlns:p14="http://schemas.microsoft.com/office/powerpoint/2010/main" val="2270295392"/>
+      </p:ext>
+    </p:extLst>
+  </p:cSld>
+  <p:clrMapOvr>
+    <a:masterClrMapping/>
+  </p:clrMapOvr>
+  <p:timing>
+    <p:tnLst>
+      <p:par>
+        <p:cTn id="1" dur="indefinite" restart="never" nodeType="tmRoot"/>
+      </p:par>
+    </p:tnLst>
+  </p:timing>
+</p:sld>
+</file>
+
+<file path=ppt/slides/slide20.xml><?xml version="1.0" encoding="utf-8"?>
+<p:sld xmlns:a="http://schemas.openxmlformats.org/drawingml/2006/main" xmlns:r="http://schemas.openxmlformats.org/officeDocument/2006/relationships" xmlns:p="http://schemas.openxmlformats.org/presentationml/2006/main">
+  <p:cSld>
+    <p:spTree>
+      <p:nvGrpSpPr>
+        <p:cNvPr id="1" name=""/>
+        <p:cNvGrpSpPr/>
+        <p:nvPr/>
+      </p:nvGrpSpPr>
+      <p:grpSpPr>
+        <a:xfrm>
+          <a:off x="0" y="0"/>
+          <a:ext cx="0" cy="0"/>
+          <a:chOff x="0" y="0"/>
+          <a:chExt cx="0" cy="0"/>
+        </a:xfrm>
+      </p:grpSpPr>
+      <p:sp>
+        <p:nvSpPr>
+          <p:cNvPr id="2" name="Title 1"/>
+          <p:cNvSpPr>
+            <a:spLocks noGrp="1"/>
+          </p:cNvSpPr>
+          <p:nvPr>
+            <p:ph type="title"/>
+          </p:nvPr>
+        </p:nvSpPr>
+        <p:spPr/>
+        <p:txBody>
+          <a:bodyPr>
+            <a:normAutofit/>
+          </a:bodyPr>
+          <a:lstStyle/>
+          <a:p>
+            <a:pPr lvl="0"/>
+            <a:r>
+              <a:rPr lang="en-IN" dirty="0"/>
+              <a:t>Jquery</a:t>
+            </a:r>
+          </a:p>
+        </p:txBody>
+      </p:sp>
+      <p:sp>
+        <p:nvSpPr>
+          <p:cNvPr id="3" name="Content Placeholder 2"/>
+          <p:cNvSpPr>
+            <a:spLocks noGrp="1"/>
+          </p:cNvSpPr>
+          <p:nvPr>
+            <p:ph sz="quarter" idx="1"/>
+          </p:nvPr>
+        </p:nvSpPr>
+        <p:spPr>
+          <a:xfrm>
+            <a:off x="609600" y="1752600"/>
+            <a:ext cx="8153400" cy="4495800"/>
+          </a:xfrm>
+        </p:spPr>
+        <p:txBody>
+          <a:bodyPr>
+            <a:normAutofit/>
+          </a:bodyPr>
+          <a:lstStyle/>
+          <a:p>
+            <a:pPr marL="0" lvl="1" indent="0">
+              <a:spcBef>
+                <a:spcPts val="700"/>
+              </a:spcBef>
+              <a:buClr>
+                <a:schemeClr val="accent2"/>
+              </a:buClr>
+              <a:buSzPct val="60000"/>
+              <a:buNone/>
+            </a:pPr>
+            <a:r>
+              <a:rPr lang="en-US" b="1" dirty="0" smtClean="0"/>
+              <a:t>Utilities</a:t>
+            </a:r>
+            <a:r>
+              <a:rPr lang="en-US" b="1" dirty="0" smtClean="0"/>
+              <a:t>:</a:t>
+            </a:r>
+            <a:endParaRPr lang="en-US" dirty="0" smtClean="0"/>
+          </a:p>
+          <a:p>
+            <a:r>
+              <a:rPr lang="en-US" dirty="0" smtClean="0"/>
+              <a:t>changing </a:t>
+            </a:r>
+            <a:r>
+              <a:rPr lang="en-US" dirty="0" smtClean="0"/>
+              <a:t>html</a:t>
+            </a:r>
+            <a:r>
+              <a:rPr lang="en-US" dirty="0" smtClean="0"/>
+              <a:t>, adding and removing classes, modifying attributes etc</a:t>
+            </a:r>
+            <a:r>
+              <a:rPr lang="en-US" dirty="0" smtClean="0"/>
+              <a:t>….</a:t>
+            </a:r>
+          </a:p>
+          <a:p>
+            <a:pPr marL="0" indent="0">
+              <a:buNone/>
+            </a:pPr>
+            <a:endParaRPr lang="en-US" dirty="0"/>
+          </a:p>
+        </p:txBody>
+      </p:sp>
+    </p:spTree>
+    <p:extLst>
+      <p:ext uri="{BB962C8B-B14F-4D97-AF65-F5344CB8AC3E}">
+        <p14:creationId xmlns:p14="http://schemas.microsoft.com/office/powerpoint/2010/main" val="98502439"/>
+      </p:ext>
+    </p:extLst>
+  </p:cSld>
+  <p:clrMapOvr>
+    <a:masterClrMapping/>
+  </p:clrMapOvr>
+  <p:timing>
+    <p:tnLst>
+      <p:par>
+        <p:cTn id="1" dur="indefinite" restart="never" nodeType="tmRoot"/>
+      </p:par>
+    </p:tnLst>
+  </p:timing>
+</p:sld>
+</file>
+
+<file path=ppt/slides/slide21.xml><?xml version="1.0" encoding="utf-8"?>
 <p:sld xmlns:a="http://schemas.openxmlformats.org/drawingml/2006/main" xmlns:r="http://schemas.openxmlformats.org/officeDocument/2006/relationships" xmlns:p="http://schemas.openxmlformats.org/presentationml/2006/main">
   <p:cSld>
     <p:spTree>
@@ -9857,7 +10627,7 @@
 </p:sld>
 </file>
 
-<file path=ppt/slides/slide17.xml><?xml version="1.0" encoding="utf-8"?>
+<file path=ppt/slides/slide22.xml><?xml version="1.0" encoding="utf-8"?>
 <p:sld xmlns:a="http://schemas.openxmlformats.org/drawingml/2006/main" xmlns:r="http://schemas.openxmlformats.org/officeDocument/2006/relationships" xmlns:p="http://schemas.openxmlformats.org/presentationml/2006/main">
   <p:cSld>
     <p:spTree>
@@ -10056,7 +10826,7 @@
 </p:sld>
 </file>
 
-<file path=ppt/slides/slide18.xml><?xml version="1.0" encoding="utf-8"?>
+<file path=ppt/slides/slide23.xml><?xml version="1.0" encoding="utf-8"?>
 <p:sld xmlns:a="http://schemas.openxmlformats.org/drawingml/2006/main" xmlns:r="http://schemas.openxmlformats.org/officeDocument/2006/relationships" xmlns:p="http://schemas.openxmlformats.org/presentationml/2006/main">
   <p:cSld>
     <p:spTree>
@@ -10221,7 +10991,7 @@
 </p:sld>
 </file>
 
-<file path=ppt/slides/slide19.xml><?xml version="1.0" encoding="utf-8"?>
+<file path=ppt/slides/slide24.xml><?xml version="1.0" encoding="utf-8"?>
 <p:sld xmlns:a="http://schemas.openxmlformats.org/drawingml/2006/main" xmlns:r="http://schemas.openxmlformats.org/officeDocument/2006/relationships" xmlns:p="http://schemas.openxmlformats.org/presentationml/2006/main">
   <p:cSld>
     <p:spTree>
@@ -10329,125 +11099,6 @@
     <p:extLst>
       <p:ext uri="{BB962C8B-B14F-4D97-AF65-F5344CB8AC3E}">
         <p14:creationId xmlns:p14="http://schemas.microsoft.com/office/powerpoint/2010/main" val="3991184505"/>
-      </p:ext>
-    </p:extLst>
-  </p:cSld>
-  <p:clrMapOvr>
-    <a:masterClrMapping/>
-  </p:clrMapOvr>
-  <p:timing>
-    <p:tnLst>
-      <p:par>
-        <p:cTn id="1" dur="indefinite" restart="never" nodeType="tmRoot"/>
-      </p:par>
-    </p:tnLst>
-  </p:timing>
-</p:sld>
-</file>
-
-<file path=ppt/slides/slide2.xml><?xml version="1.0" encoding="utf-8"?>
-<p:sld xmlns:a="http://schemas.openxmlformats.org/drawingml/2006/main" xmlns:r="http://schemas.openxmlformats.org/officeDocument/2006/relationships" xmlns:p="http://schemas.openxmlformats.org/presentationml/2006/main">
-  <p:cSld>
-    <p:spTree>
-      <p:nvGrpSpPr>
-        <p:cNvPr id="1" name=""/>
-        <p:cNvGrpSpPr/>
-        <p:nvPr/>
-      </p:nvGrpSpPr>
-      <p:grpSpPr>
-        <a:xfrm>
-          <a:off x="0" y="0"/>
-          <a:ext cx="0" cy="0"/>
-          <a:chOff x="0" y="0"/>
-          <a:chExt cx="0" cy="0"/>
-        </a:xfrm>
-      </p:grpSpPr>
-      <p:sp>
-        <p:nvSpPr>
-          <p:cNvPr id="2" name="Title 1"/>
-          <p:cNvSpPr>
-            <a:spLocks noGrp="1"/>
-          </p:cNvSpPr>
-          <p:nvPr>
-            <p:ph type="title"/>
-          </p:nvPr>
-        </p:nvSpPr>
-        <p:spPr/>
-        <p:txBody>
-          <a:bodyPr/>
-          <a:lstStyle/>
-          <a:p>
-            <a:r>
-              <a:rPr lang="en-US" dirty="0" smtClean="0"/>
-              <a:t>Contents</a:t>
-            </a:r>
-            <a:endParaRPr lang="en-US" dirty="0"/>
-          </a:p>
-        </p:txBody>
-      </p:sp>
-      <p:sp>
-        <p:nvSpPr>
-          <p:cNvPr id="3" name="Content Placeholder 2"/>
-          <p:cNvSpPr>
-            <a:spLocks noGrp="1"/>
-          </p:cNvSpPr>
-          <p:nvPr>
-            <p:ph sz="quarter" idx="1"/>
-          </p:nvPr>
-        </p:nvSpPr>
-        <p:spPr/>
-        <p:txBody>
-          <a:bodyPr>
-            <a:normAutofit/>
-          </a:bodyPr>
-          <a:lstStyle/>
-          <a:p>
-            <a:pPr lvl="0"/>
-            <a:r>
-              <a:rPr lang="en-IN" dirty="0" smtClean="0"/>
-              <a:t>Jquery</a:t>
-            </a:r>
-          </a:p>
-          <a:p>
-            <a:r>
-              <a:rPr lang="en-IN" dirty="0"/>
-              <a:t>Jquery Plug-in </a:t>
-            </a:r>
-            <a:r>
-              <a:rPr lang="en-IN" dirty="0" smtClean="0"/>
-              <a:t>Implementation</a:t>
-            </a:r>
-            <a:endParaRPr lang="en-US" dirty="0"/>
-          </a:p>
-          <a:p>
-            <a:pPr lvl="0"/>
-            <a:r>
-              <a:rPr lang="en-IN" dirty="0"/>
-              <a:t>Jquery Widget Implementation</a:t>
-            </a:r>
-            <a:endParaRPr lang="en-US" dirty="0"/>
-          </a:p>
-          <a:p>
-            <a:pPr lvl="0"/>
-            <a:r>
-              <a:rPr lang="en-IN" dirty="0" smtClean="0"/>
-              <a:t>Jquery </a:t>
-            </a:r>
-            <a:r>
-              <a:rPr lang="en-IN" dirty="0"/>
-              <a:t>Plug-In Vs. Jquery Widget</a:t>
-            </a:r>
-            <a:endParaRPr lang="en-US" dirty="0"/>
-          </a:p>
-          <a:p>
-            <a:endParaRPr lang="en-US" dirty="0"/>
-          </a:p>
-        </p:txBody>
-      </p:sp>
-    </p:spTree>
-    <p:extLst>
-      <p:ext uri="{BB962C8B-B14F-4D97-AF65-F5344CB8AC3E}">
-        <p14:creationId xmlns:p14="http://schemas.microsoft.com/office/powerpoint/2010/main" val="2270295392"/>
       </p:ext>
     </p:extLst>
   </p:cSld>

--- a/Advanced Javascript Day-2.pptx
+++ b/Advanced Javascript Day-2.pptx
@@ -5,7 +5,7 @@
     <p:sldMasterId id="2147483792" r:id="rId1"/>
   </p:sldMasterIdLst>
   <p:notesMasterIdLst>
-    <p:notesMasterId r:id="rId26"/>
+    <p:notesMasterId r:id="rId24"/>
   </p:notesMasterIdLst>
   <p:sldIdLst>
     <p:sldId id="256" r:id="rId2"/>
@@ -24,14 +24,12 @@
     <p:sldId id="311" r:id="rId15"/>
     <p:sldId id="299" r:id="rId16"/>
     <p:sldId id="312" r:id="rId17"/>
-    <p:sldId id="313" r:id="rId18"/>
-    <p:sldId id="314" r:id="rId19"/>
-    <p:sldId id="315" r:id="rId20"/>
-    <p:sldId id="316" r:id="rId21"/>
-    <p:sldId id="294" r:id="rId22"/>
-    <p:sldId id="295" r:id="rId23"/>
-    <p:sldId id="296" r:id="rId24"/>
-    <p:sldId id="297" r:id="rId25"/>
+    <p:sldId id="315" r:id="rId18"/>
+    <p:sldId id="316" r:id="rId19"/>
+    <p:sldId id="294" r:id="rId20"/>
+    <p:sldId id="295" r:id="rId21"/>
+    <p:sldId id="296" r:id="rId22"/>
+    <p:sldId id="297" r:id="rId23"/>
   </p:sldIdLst>
   <p:sldSz cx="9144000" cy="6858000" type="screen4x3"/>
   <p:notesSz cx="6858000" cy="9144000"/>
@@ -9913,31 +9911,35 @@
               <a:buNone/>
             </a:pPr>
             <a:r>
-              <a:rPr lang="en-US" b="1" dirty="0"/>
-              <a:t>HTML event </a:t>
+              <a:rPr lang="en-US" b="1" dirty="0" smtClean="0"/>
+              <a:t>AJAX</a:t>
             </a:r>
             <a:r>
               <a:rPr lang="en-US" b="1" dirty="0" smtClean="0"/>
-              <a:t>methods:</a:t>
+              <a:t>:</a:t>
             </a:r>
-            <a:endParaRPr lang="en-US" b="1" dirty="0" smtClean="0"/>
+            <a:endParaRPr lang="en-US" dirty="0" smtClean="0"/>
           </a:p>
           <a:p>
             <a:r>
               <a:rPr lang="en-US" dirty="0" smtClean="0"/>
-              <a:t>changing </a:t>
+              <a:t>Asynchronous </a:t>
             </a:r>
             <a:r>
-              <a:rPr lang="en-US" dirty="0" smtClean="0"/>
-              <a:t>html</a:t>
+              <a:rPr lang="en-US" dirty="0"/>
+              <a:t>JavaScript and XML.</a:t>
             </a:r>
+          </a:p>
+          <a:p>
             <a:r>
-              <a:rPr lang="en-US" dirty="0" smtClean="0"/>
-              <a:t>, adding and removing classes, modifying attributes etc</a:t>
+              <a:rPr lang="en-US" dirty="0"/>
+              <a:t>AJAX is not a new programming language, but a new way to use existing standards.</a:t>
             </a:r>
+          </a:p>
+          <a:p>
             <a:r>
-              <a:rPr lang="en-US" dirty="0" smtClean="0"/>
-              <a:t>….</a:t>
+              <a:rPr lang="en-US" dirty="0"/>
+              <a:t>AJAX is the art of exchanging data with a server, and updating parts of a web page - without reloading the whole page.</a:t>
             </a:r>
           </a:p>
           <a:p>
@@ -9951,7 +9953,7 @@
     </p:spTree>
     <p:extLst>
       <p:ext uri="{BB962C8B-B14F-4D97-AF65-F5344CB8AC3E}">
-        <p14:creationId xmlns:p14="http://schemas.microsoft.com/office/powerpoint/2010/main" val="1801952133"/>
+        <p14:creationId xmlns:p14="http://schemas.microsoft.com/office/powerpoint/2010/main" val="2227863129"/>
       </p:ext>
     </p:extLst>
   </p:cSld>
@@ -10043,395 +10045,6 @@
               <a:buNone/>
             </a:pPr>
             <a:r>
-              <a:rPr lang="en-US" b="1" dirty="0"/>
-              <a:t>Effects and </a:t>
-            </a:r>
-            <a:r>
-              <a:rPr lang="en-US" b="1" dirty="0" smtClean="0"/>
-              <a:t>animations</a:t>
-            </a:r>
-            <a:r>
-              <a:rPr lang="en-US" b="1" dirty="0" smtClean="0"/>
-              <a:t>:</a:t>
-            </a:r>
-            <a:endParaRPr lang="en-US" dirty="0" smtClean="0"/>
-          </a:p>
-          <a:p>
-            <a:r>
-              <a:rPr lang="en-US" dirty="0" smtClean="0"/>
-              <a:t>changing </a:t>
-            </a:r>
-            <a:r>
-              <a:rPr lang="en-US" dirty="0" smtClean="0"/>
-              <a:t>html</a:t>
-            </a:r>
-            <a:r>
-              <a:rPr lang="en-US" dirty="0" smtClean="0"/>
-              <a:t>, adding and removing classes, modifying attributes etc</a:t>
-            </a:r>
-            <a:r>
-              <a:rPr lang="en-US" dirty="0" smtClean="0"/>
-              <a:t>….</a:t>
-            </a:r>
-          </a:p>
-          <a:p>
-            <a:pPr marL="0" indent="0">
-              <a:buNone/>
-            </a:pPr>
-            <a:endParaRPr lang="en-US" dirty="0"/>
-          </a:p>
-        </p:txBody>
-      </p:sp>
-    </p:spTree>
-    <p:extLst>
-      <p:ext uri="{BB962C8B-B14F-4D97-AF65-F5344CB8AC3E}">
-        <p14:creationId xmlns:p14="http://schemas.microsoft.com/office/powerpoint/2010/main" val="3772761739"/>
-      </p:ext>
-    </p:extLst>
-  </p:cSld>
-  <p:clrMapOvr>
-    <a:masterClrMapping/>
-  </p:clrMapOvr>
-  <p:timing>
-    <p:tnLst>
-      <p:par>
-        <p:cTn id="1" dur="indefinite" restart="never" nodeType="tmRoot"/>
-      </p:par>
-    </p:tnLst>
-  </p:timing>
-</p:sld>
-</file>
-
-<file path=ppt/slides/slide19.xml><?xml version="1.0" encoding="utf-8"?>
-<p:sld xmlns:a="http://schemas.openxmlformats.org/drawingml/2006/main" xmlns:r="http://schemas.openxmlformats.org/officeDocument/2006/relationships" xmlns:p="http://schemas.openxmlformats.org/presentationml/2006/main">
-  <p:cSld>
-    <p:spTree>
-      <p:nvGrpSpPr>
-        <p:cNvPr id="1" name=""/>
-        <p:cNvGrpSpPr/>
-        <p:nvPr/>
-      </p:nvGrpSpPr>
-      <p:grpSpPr>
-        <a:xfrm>
-          <a:off x="0" y="0"/>
-          <a:ext cx="0" cy="0"/>
-          <a:chOff x="0" y="0"/>
-          <a:chExt cx="0" cy="0"/>
-        </a:xfrm>
-      </p:grpSpPr>
-      <p:sp>
-        <p:nvSpPr>
-          <p:cNvPr id="2" name="Title 1"/>
-          <p:cNvSpPr>
-            <a:spLocks noGrp="1"/>
-          </p:cNvSpPr>
-          <p:nvPr>
-            <p:ph type="title"/>
-          </p:nvPr>
-        </p:nvSpPr>
-        <p:spPr/>
-        <p:txBody>
-          <a:bodyPr>
-            <a:normAutofit/>
-          </a:bodyPr>
-          <a:lstStyle/>
-          <a:p>
-            <a:pPr lvl="0"/>
-            <a:r>
-              <a:rPr lang="en-IN" dirty="0"/>
-              <a:t>Jquery</a:t>
-            </a:r>
-          </a:p>
-        </p:txBody>
-      </p:sp>
-      <p:sp>
-        <p:nvSpPr>
-          <p:cNvPr id="3" name="Content Placeholder 2"/>
-          <p:cNvSpPr>
-            <a:spLocks noGrp="1"/>
-          </p:cNvSpPr>
-          <p:nvPr>
-            <p:ph sz="quarter" idx="1"/>
-          </p:nvPr>
-        </p:nvSpPr>
-        <p:spPr>
-          <a:xfrm>
-            <a:off x="609600" y="1752600"/>
-            <a:ext cx="8153400" cy="4495800"/>
-          </a:xfrm>
-        </p:spPr>
-        <p:txBody>
-          <a:bodyPr>
-            <a:normAutofit/>
-          </a:bodyPr>
-          <a:lstStyle/>
-          <a:p>
-            <a:pPr marL="0" lvl="1" indent="0">
-              <a:spcBef>
-                <a:spcPts val="700"/>
-              </a:spcBef>
-              <a:buClr>
-                <a:schemeClr val="accent2"/>
-              </a:buClr>
-              <a:buSzPct val="60000"/>
-              <a:buNone/>
-            </a:pPr>
-            <a:r>
-              <a:rPr lang="en-US" b="1" dirty="0" smtClean="0"/>
-              <a:t>AJAX</a:t>
-            </a:r>
-            <a:r>
-              <a:rPr lang="en-US" b="1" dirty="0" smtClean="0"/>
-              <a:t>:</a:t>
-            </a:r>
-            <a:endParaRPr lang="en-US" b="1" dirty="0"/>
-          </a:p>
-          <a:p>
-            <a:pPr marL="0" indent="0">
-              <a:buNone/>
-            </a:pPr>
-            <a:endParaRPr lang="en-US" dirty="0" smtClean="0"/>
-          </a:p>
-          <a:p>
-            <a:r>
-              <a:rPr lang="en-US" dirty="0" smtClean="0"/>
-              <a:t>changing </a:t>
-            </a:r>
-            <a:r>
-              <a:rPr lang="en-US" dirty="0" smtClean="0"/>
-              <a:t>html</a:t>
-            </a:r>
-            <a:r>
-              <a:rPr lang="en-US" dirty="0" smtClean="0"/>
-              <a:t>, adding and removing classes, modifying attributes etc</a:t>
-            </a:r>
-            <a:r>
-              <a:rPr lang="en-US" dirty="0" smtClean="0"/>
-              <a:t>….</a:t>
-            </a:r>
-          </a:p>
-          <a:p>
-            <a:pPr marL="0" indent="0">
-              <a:buNone/>
-            </a:pPr>
-            <a:endParaRPr lang="en-US" dirty="0"/>
-          </a:p>
-        </p:txBody>
-      </p:sp>
-    </p:spTree>
-    <p:extLst>
-      <p:ext uri="{BB962C8B-B14F-4D97-AF65-F5344CB8AC3E}">
-        <p14:creationId xmlns:p14="http://schemas.microsoft.com/office/powerpoint/2010/main" val="2227863129"/>
-      </p:ext>
-    </p:extLst>
-  </p:cSld>
-  <p:clrMapOvr>
-    <a:masterClrMapping/>
-  </p:clrMapOvr>
-  <p:timing>
-    <p:tnLst>
-      <p:par>
-        <p:cTn id="1" dur="indefinite" restart="never" nodeType="tmRoot"/>
-      </p:par>
-    </p:tnLst>
-  </p:timing>
-</p:sld>
-</file>
-
-<file path=ppt/slides/slide2.xml><?xml version="1.0" encoding="utf-8"?>
-<p:sld xmlns:a="http://schemas.openxmlformats.org/drawingml/2006/main" xmlns:r="http://schemas.openxmlformats.org/officeDocument/2006/relationships" xmlns:p="http://schemas.openxmlformats.org/presentationml/2006/main">
-  <p:cSld>
-    <p:spTree>
-      <p:nvGrpSpPr>
-        <p:cNvPr id="1" name=""/>
-        <p:cNvGrpSpPr/>
-        <p:nvPr/>
-      </p:nvGrpSpPr>
-      <p:grpSpPr>
-        <a:xfrm>
-          <a:off x="0" y="0"/>
-          <a:ext cx="0" cy="0"/>
-          <a:chOff x="0" y="0"/>
-          <a:chExt cx="0" cy="0"/>
-        </a:xfrm>
-      </p:grpSpPr>
-      <p:sp>
-        <p:nvSpPr>
-          <p:cNvPr id="2" name="Title 1"/>
-          <p:cNvSpPr>
-            <a:spLocks noGrp="1"/>
-          </p:cNvSpPr>
-          <p:nvPr>
-            <p:ph type="title"/>
-          </p:nvPr>
-        </p:nvSpPr>
-        <p:spPr/>
-        <p:txBody>
-          <a:bodyPr/>
-          <a:lstStyle/>
-          <a:p>
-            <a:r>
-              <a:rPr lang="en-US" dirty="0" smtClean="0"/>
-              <a:t>Contents</a:t>
-            </a:r>
-            <a:endParaRPr lang="en-US" dirty="0"/>
-          </a:p>
-        </p:txBody>
-      </p:sp>
-      <p:sp>
-        <p:nvSpPr>
-          <p:cNvPr id="3" name="Content Placeholder 2"/>
-          <p:cNvSpPr>
-            <a:spLocks noGrp="1"/>
-          </p:cNvSpPr>
-          <p:nvPr>
-            <p:ph sz="quarter" idx="1"/>
-          </p:nvPr>
-        </p:nvSpPr>
-        <p:spPr/>
-        <p:txBody>
-          <a:bodyPr>
-            <a:normAutofit/>
-          </a:bodyPr>
-          <a:lstStyle/>
-          <a:p>
-            <a:pPr lvl="0"/>
-            <a:r>
-              <a:rPr lang="en-IN" dirty="0" smtClean="0"/>
-              <a:t>Jquery</a:t>
-            </a:r>
-          </a:p>
-          <a:p>
-            <a:r>
-              <a:rPr lang="en-IN" dirty="0"/>
-              <a:t>Jquery Plug-in </a:t>
-            </a:r>
-            <a:r>
-              <a:rPr lang="en-IN" dirty="0" smtClean="0"/>
-              <a:t>Implementation</a:t>
-            </a:r>
-            <a:endParaRPr lang="en-US" dirty="0"/>
-          </a:p>
-          <a:p>
-            <a:pPr lvl="0"/>
-            <a:r>
-              <a:rPr lang="en-IN" dirty="0"/>
-              <a:t>Jquery Widget Implementation</a:t>
-            </a:r>
-            <a:endParaRPr lang="en-US" dirty="0"/>
-          </a:p>
-          <a:p>
-            <a:pPr lvl="0"/>
-            <a:r>
-              <a:rPr lang="en-IN" dirty="0" smtClean="0"/>
-              <a:t>Jquery </a:t>
-            </a:r>
-            <a:r>
-              <a:rPr lang="en-IN" dirty="0"/>
-              <a:t>Plug-In Vs. Jquery Widget</a:t>
-            </a:r>
-            <a:endParaRPr lang="en-US" dirty="0"/>
-          </a:p>
-          <a:p>
-            <a:endParaRPr lang="en-US" dirty="0"/>
-          </a:p>
-        </p:txBody>
-      </p:sp>
-    </p:spTree>
-    <p:extLst>
-      <p:ext uri="{BB962C8B-B14F-4D97-AF65-F5344CB8AC3E}">
-        <p14:creationId xmlns:p14="http://schemas.microsoft.com/office/powerpoint/2010/main" val="2270295392"/>
-      </p:ext>
-    </p:extLst>
-  </p:cSld>
-  <p:clrMapOvr>
-    <a:masterClrMapping/>
-  </p:clrMapOvr>
-  <p:timing>
-    <p:tnLst>
-      <p:par>
-        <p:cTn id="1" dur="indefinite" restart="never" nodeType="tmRoot"/>
-      </p:par>
-    </p:tnLst>
-  </p:timing>
-</p:sld>
-</file>
-
-<file path=ppt/slides/slide20.xml><?xml version="1.0" encoding="utf-8"?>
-<p:sld xmlns:a="http://schemas.openxmlformats.org/drawingml/2006/main" xmlns:r="http://schemas.openxmlformats.org/officeDocument/2006/relationships" xmlns:p="http://schemas.openxmlformats.org/presentationml/2006/main">
-  <p:cSld>
-    <p:spTree>
-      <p:nvGrpSpPr>
-        <p:cNvPr id="1" name=""/>
-        <p:cNvGrpSpPr/>
-        <p:nvPr/>
-      </p:nvGrpSpPr>
-      <p:grpSpPr>
-        <a:xfrm>
-          <a:off x="0" y="0"/>
-          <a:ext cx="0" cy="0"/>
-          <a:chOff x="0" y="0"/>
-          <a:chExt cx="0" cy="0"/>
-        </a:xfrm>
-      </p:grpSpPr>
-      <p:sp>
-        <p:nvSpPr>
-          <p:cNvPr id="2" name="Title 1"/>
-          <p:cNvSpPr>
-            <a:spLocks noGrp="1"/>
-          </p:cNvSpPr>
-          <p:nvPr>
-            <p:ph type="title"/>
-          </p:nvPr>
-        </p:nvSpPr>
-        <p:spPr/>
-        <p:txBody>
-          <a:bodyPr>
-            <a:normAutofit/>
-          </a:bodyPr>
-          <a:lstStyle/>
-          <a:p>
-            <a:pPr lvl="0"/>
-            <a:r>
-              <a:rPr lang="en-IN" dirty="0"/>
-              <a:t>Jquery</a:t>
-            </a:r>
-          </a:p>
-        </p:txBody>
-      </p:sp>
-      <p:sp>
-        <p:nvSpPr>
-          <p:cNvPr id="3" name="Content Placeholder 2"/>
-          <p:cNvSpPr>
-            <a:spLocks noGrp="1"/>
-          </p:cNvSpPr>
-          <p:nvPr>
-            <p:ph sz="quarter" idx="1"/>
-          </p:nvPr>
-        </p:nvSpPr>
-        <p:spPr>
-          <a:xfrm>
-            <a:off x="609600" y="1752600"/>
-            <a:ext cx="8153400" cy="4495800"/>
-          </a:xfrm>
-        </p:spPr>
-        <p:txBody>
-          <a:bodyPr>
-            <a:normAutofit/>
-          </a:bodyPr>
-          <a:lstStyle/>
-          <a:p>
-            <a:pPr marL="0" lvl="1" indent="0">
-              <a:spcBef>
-                <a:spcPts val="700"/>
-              </a:spcBef>
-              <a:buClr>
-                <a:schemeClr val="accent2"/>
-              </a:buClr>
-              <a:buSzPct val="60000"/>
-              <a:buNone/>
-            </a:pPr>
-            <a:r>
               <a:rPr lang="en-US" b="1" dirty="0" smtClean="0"/>
               <a:t>Utilities</a:t>
             </a:r>
@@ -10444,19 +10057,7 @@
           <a:p>
             <a:r>
               <a:rPr lang="en-US" dirty="0" smtClean="0"/>
-              <a:t>changing </a:t>
-            </a:r>
-            <a:r>
-              <a:rPr lang="en-US" dirty="0" smtClean="0"/>
-              <a:t>html</a:t>
-            </a:r>
-            <a:r>
-              <a:rPr lang="en-US" dirty="0" smtClean="0"/>
-              <a:t>, adding and removing classes, modifying attributes etc</a:t>
-            </a:r>
-            <a:r>
-              <a:rPr lang="en-US" dirty="0" smtClean="0"/>
-              <a:t>….</a:t>
+              <a:t>changing html, adding and removing classes, modifying attributes etc….</a:t>
             </a:r>
           </a:p>
           <a:p>
@@ -10487,7 +10088,7 @@
 </p:sld>
 </file>
 
-<file path=ppt/slides/slide21.xml><?xml version="1.0" encoding="utf-8"?>
+<file path=ppt/slides/slide19.xml><?xml version="1.0" encoding="utf-8"?>
 <p:sld xmlns:a="http://schemas.openxmlformats.org/drawingml/2006/main" xmlns:r="http://schemas.openxmlformats.org/officeDocument/2006/relationships" xmlns:p="http://schemas.openxmlformats.org/presentationml/2006/main">
   <p:cSld>
     <p:spTree>
@@ -10627,7 +10228,126 @@
 </p:sld>
 </file>
 
-<file path=ppt/slides/slide22.xml><?xml version="1.0" encoding="utf-8"?>
+<file path=ppt/slides/slide2.xml><?xml version="1.0" encoding="utf-8"?>
+<p:sld xmlns:a="http://schemas.openxmlformats.org/drawingml/2006/main" xmlns:r="http://schemas.openxmlformats.org/officeDocument/2006/relationships" xmlns:p="http://schemas.openxmlformats.org/presentationml/2006/main">
+  <p:cSld>
+    <p:spTree>
+      <p:nvGrpSpPr>
+        <p:cNvPr id="1" name=""/>
+        <p:cNvGrpSpPr/>
+        <p:nvPr/>
+      </p:nvGrpSpPr>
+      <p:grpSpPr>
+        <a:xfrm>
+          <a:off x="0" y="0"/>
+          <a:ext cx="0" cy="0"/>
+          <a:chOff x="0" y="0"/>
+          <a:chExt cx="0" cy="0"/>
+        </a:xfrm>
+      </p:grpSpPr>
+      <p:sp>
+        <p:nvSpPr>
+          <p:cNvPr id="2" name="Title 1"/>
+          <p:cNvSpPr>
+            <a:spLocks noGrp="1"/>
+          </p:cNvSpPr>
+          <p:nvPr>
+            <p:ph type="title"/>
+          </p:nvPr>
+        </p:nvSpPr>
+        <p:spPr/>
+        <p:txBody>
+          <a:bodyPr/>
+          <a:lstStyle/>
+          <a:p>
+            <a:r>
+              <a:rPr lang="en-US" dirty="0" smtClean="0"/>
+              <a:t>Contents</a:t>
+            </a:r>
+            <a:endParaRPr lang="en-US" dirty="0"/>
+          </a:p>
+        </p:txBody>
+      </p:sp>
+      <p:sp>
+        <p:nvSpPr>
+          <p:cNvPr id="3" name="Content Placeholder 2"/>
+          <p:cNvSpPr>
+            <a:spLocks noGrp="1"/>
+          </p:cNvSpPr>
+          <p:nvPr>
+            <p:ph sz="quarter" idx="1"/>
+          </p:nvPr>
+        </p:nvSpPr>
+        <p:spPr/>
+        <p:txBody>
+          <a:bodyPr>
+            <a:normAutofit/>
+          </a:bodyPr>
+          <a:lstStyle/>
+          <a:p>
+            <a:pPr lvl="0"/>
+            <a:r>
+              <a:rPr lang="en-IN" dirty="0" smtClean="0"/>
+              <a:t>Jquery</a:t>
+            </a:r>
+          </a:p>
+          <a:p>
+            <a:r>
+              <a:rPr lang="en-IN" dirty="0"/>
+              <a:t>Jquery Plug-in </a:t>
+            </a:r>
+            <a:r>
+              <a:rPr lang="en-IN" dirty="0" smtClean="0"/>
+              <a:t>Implementation</a:t>
+            </a:r>
+            <a:endParaRPr lang="en-US" dirty="0"/>
+          </a:p>
+          <a:p>
+            <a:pPr lvl="0"/>
+            <a:r>
+              <a:rPr lang="en-IN" dirty="0"/>
+              <a:t>Jquery Widget Implementation</a:t>
+            </a:r>
+            <a:endParaRPr lang="en-US" dirty="0"/>
+          </a:p>
+          <a:p>
+            <a:pPr lvl="0"/>
+            <a:r>
+              <a:rPr lang="en-IN" dirty="0" smtClean="0"/>
+              <a:t>Jquery </a:t>
+            </a:r>
+            <a:r>
+              <a:rPr lang="en-IN" dirty="0"/>
+              <a:t>Plug-In Vs. Jquery Widget</a:t>
+            </a:r>
+            <a:endParaRPr lang="en-US" dirty="0"/>
+          </a:p>
+          <a:p>
+            <a:endParaRPr lang="en-US" dirty="0"/>
+          </a:p>
+        </p:txBody>
+      </p:sp>
+    </p:spTree>
+    <p:extLst>
+      <p:ext uri="{BB962C8B-B14F-4D97-AF65-F5344CB8AC3E}">
+        <p14:creationId xmlns:p14="http://schemas.microsoft.com/office/powerpoint/2010/main" val="2270295392"/>
+      </p:ext>
+    </p:extLst>
+  </p:cSld>
+  <p:clrMapOvr>
+    <a:masterClrMapping/>
+  </p:clrMapOvr>
+  <p:timing>
+    <p:tnLst>
+      <p:par>
+        <p:cTn id="1" dur="indefinite" restart="never" nodeType="tmRoot"/>
+      </p:par>
+    </p:tnLst>
+  </p:timing>
+</p:sld>
+</file>
+
+<file path=ppt/slides/slide20.xml><?xml version="1.0" encoding="utf-8"?>
 <p:sld xmlns:a="http://schemas.openxmlformats.org/drawingml/2006/main" xmlns:r="http://schemas.openxmlformats.org/officeDocument/2006/relationships" xmlns:p="http://schemas.openxmlformats.org/presentationml/2006/main">
   <p:cSld>
     <p:spTree>
@@ -10826,7 +10546,7 @@
 </p:sld>
 </file>
 
-<file path=ppt/slides/slide23.xml><?xml version="1.0" encoding="utf-8"?>
+<file path=ppt/slides/slide21.xml><?xml version="1.0" encoding="utf-8"?>
 <p:sld xmlns:a="http://schemas.openxmlformats.org/drawingml/2006/main" xmlns:r="http://schemas.openxmlformats.org/officeDocument/2006/relationships" xmlns:p="http://schemas.openxmlformats.org/presentationml/2006/main">
   <p:cSld>
     <p:spTree>
@@ -10991,7 +10711,7 @@
 </p:sld>
 </file>
 
-<file path=ppt/slides/slide24.xml><?xml version="1.0" encoding="utf-8"?>
+<file path=ppt/slides/slide22.xml><?xml version="1.0" encoding="utf-8"?>
 <p:sld xmlns:a="http://schemas.openxmlformats.org/drawingml/2006/main" xmlns:r="http://schemas.openxmlformats.org/officeDocument/2006/relationships" xmlns:p="http://schemas.openxmlformats.org/presentationml/2006/main">
   <p:cSld>
     <p:spTree>
@@ -11175,7 +10895,7 @@
         </p:spPr>
         <p:txBody>
           <a:bodyPr>
-            <a:normAutofit fontScale="92500" lnSpcReduction="20000"/>
+            <a:normAutofit lnSpcReduction="10000"/>
           </a:bodyPr>
           <a:lstStyle/>
           <a:p>
@@ -11227,20 +10947,17 @@
             <a:pPr lvl="1"/>
             <a:r>
               <a:rPr lang="en-US" dirty="0"/>
-              <a:t>CSS manipulation</a:t>
+              <a:t>CSS </a:t>
+            </a:r>
+            <a:r>
+              <a:rPr lang="en-US" dirty="0" smtClean="0"/>
+              <a:t>manipulation</a:t>
             </a:r>
           </a:p>
           <a:p>
             <a:pPr lvl="1"/>
             <a:r>
-              <a:rPr lang="en-US" dirty="0"/>
-              <a:t>HTML event methods</a:t>
-            </a:r>
-          </a:p>
-          <a:p>
-            <a:pPr lvl="1"/>
-            <a:r>
-              <a:rPr lang="en-US" dirty="0"/>
+              <a:rPr lang="en-US" dirty="0" smtClean="0"/>
               <a:t>Effects and animations</a:t>
             </a:r>
           </a:p>
@@ -11250,6 +10967,7 @@
               <a:rPr lang="en-US" dirty="0" smtClean="0"/>
               <a:t>AJAX</a:t>
             </a:r>
+            <a:endParaRPr lang="en-US" dirty="0" smtClean="0"/>
           </a:p>
           <a:p>
             <a:pPr lvl="1"/>
@@ -13047,7 +12765,7 @@
                         </a:spcAft>
                       </a:pPr>
                       <a:r>
-                        <a:rPr lang="en-US" sz="1000" u="sng">
+                        <a:rPr lang="en-US" sz="1000" u="sng" dirty="0">
                           <a:solidFill>
                             <a:srgbClr val="000000"/>
                           </a:solidFill>
@@ -13059,7 +12777,7 @@
                         </a:rPr>
                         <a:t>:first-of-type</a:t>
                       </a:r>
-                      <a:endParaRPr lang="en-US" sz="1100">
+                      <a:endParaRPr lang="en-US" sz="1100" dirty="0">
                         <a:effectLst/>
                         <a:latin typeface="Calibri"/>
                         <a:ea typeface="Calibri"/>
@@ -13164,7 +12882,7 @@
                         </a:spcAft>
                       </a:pPr>
                       <a:r>
-                        <a:rPr lang="en-US" sz="1000" u="sng">
+                        <a:rPr lang="en-US" sz="1000" u="sng" dirty="0">
                           <a:solidFill>
                             <a:srgbClr val="000000"/>
                           </a:solidFill>
@@ -13176,7 +12894,7 @@
                         </a:rPr>
                         <a:t>:last-child</a:t>
                       </a:r>
-                      <a:endParaRPr lang="en-US" sz="1100">
+                      <a:endParaRPr lang="en-US" sz="1100" dirty="0">
                         <a:effectLst/>
                         <a:latin typeface="Calibri"/>
                         <a:ea typeface="Calibri"/>

--- a/Advanced Javascript Day-2.pptx
+++ b/Advanced Javascript Day-2.pptx
@@ -5,7 +5,7 @@
     <p:sldMasterId id="2147483792" r:id="rId1"/>
   </p:sldMasterIdLst>
   <p:notesMasterIdLst>
-    <p:notesMasterId r:id="rId24"/>
+    <p:notesMasterId r:id="rId26"/>
   </p:notesMasterIdLst>
   <p:sldIdLst>
     <p:sldId id="256" r:id="rId2"/>
@@ -25,11 +25,13 @@
     <p:sldId id="299" r:id="rId16"/>
     <p:sldId id="312" r:id="rId17"/>
     <p:sldId id="315" r:id="rId18"/>
-    <p:sldId id="316" r:id="rId19"/>
-    <p:sldId id="294" r:id="rId20"/>
-    <p:sldId id="295" r:id="rId21"/>
-    <p:sldId id="296" r:id="rId22"/>
-    <p:sldId id="297" r:id="rId23"/>
+    <p:sldId id="320" r:id="rId19"/>
+    <p:sldId id="316" r:id="rId20"/>
+    <p:sldId id="318" r:id="rId21"/>
+    <p:sldId id="294" r:id="rId22"/>
+    <p:sldId id="295" r:id="rId23"/>
+    <p:sldId id="296" r:id="rId24"/>
+    <p:sldId id="297" r:id="rId25"/>
   </p:sldIdLst>
   <p:sldSz cx="9144000" cy="6858000" type="screen4x3"/>
   <p:notesSz cx="6858000" cy="9144000"/>
@@ -213,7 +215,7 @@
           <a:p>
             <a:fld id="{26151B0D-99E5-4A1B-9DBD-0880C37D7AC7}" type="datetimeFigureOut">
               <a:rPr lang="en-US" smtClean="0"/>
-              <a:t>2/13/2014</a:t>
+              <a:t>2/17/2014</a:t>
             </a:fld>
             <a:endParaRPr lang="en-US"/>
           </a:p>
@@ -775,7 +777,7 @@
             <a:fld id="{30EFA729-0062-401D-B7BF-B91E3DD8EF4A}" type="datetimeFigureOut">
               <a:rPr lang="en-US" smtClean="0"/>
               <a:pPr/>
-              <a:t>2/13/2014</a:t>
+              <a:t>2/17/2014</a:t>
             </a:fld>
             <a:endParaRPr lang="en-US"/>
           </a:p>
@@ -968,7 +970,7 @@
             <a:fld id="{30EFA729-0062-401D-B7BF-B91E3DD8EF4A}" type="datetimeFigureOut">
               <a:rPr lang="en-US" smtClean="0"/>
               <a:pPr/>
-              <a:t>2/13/2014</a:t>
+              <a:t>2/17/2014</a:t>
             </a:fld>
             <a:endParaRPr lang="en-US"/>
           </a:p>
@@ -1155,7 +1157,7 @@
             <a:fld id="{30EFA729-0062-401D-B7BF-B91E3DD8EF4A}" type="datetimeFigureOut">
               <a:rPr lang="en-US" smtClean="0"/>
               <a:pPr/>
-              <a:t>2/13/2014</a:t>
+              <a:t>2/17/2014</a:t>
             </a:fld>
             <a:endParaRPr lang="en-US"/>
           </a:p>
@@ -1420,7 +1422,7 @@
             <a:fld id="{30EFA729-0062-401D-B7BF-B91E3DD8EF4A}" type="datetimeFigureOut">
               <a:rPr lang="en-US" smtClean="0"/>
               <a:pPr/>
-              <a:t>2/13/2014</a:t>
+              <a:t>2/17/2014</a:t>
             </a:fld>
             <a:endParaRPr lang="en-US"/>
           </a:p>
@@ -1845,7 +1847,7 @@
             <a:fld id="{30EFA729-0062-401D-B7BF-B91E3DD8EF4A}" type="datetimeFigureOut">
               <a:rPr lang="en-US" smtClean="0"/>
               <a:pPr/>
-              <a:t>2/13/2014</a:t>
+              <a:t>2/17/2014</a:t>
             </a:fld>
             <a:endParaRPr lang="en-US"/>
           </a:p>
@@ -2089,7 +2091,7 @@
             <a:fld id="{30EFA729-0062-401D-B7BF-B91E3DD8EF4A}" type="datetimeFigureOut">
               <a:rPr lang="en-US" smtClean="0"/>
               <a:pPr/>
-              <a:t>2/13/2014</a:t>
+              <a:t>2/17/2014</a:t>
             </a:fld>
             <a:endParaRPr lang="en-US"/>
           </a:p>
@@ -2327,7 +2329,7 @@
             <a:fld id="{30EFA729-0062-401D-B7BF-B91E3DD8EF4A}" type="datetimeFigureOut">
               <a:rPr lang="en-US" smtClean="0"/>
               <a:pPr/>
-              <a:t>2/13/2014</a:t>
+              <a:t>2/17/2014</a:t>
             </a:fld>
             <a:endParaRPr lang="en-US"/>
           </a:p>
@@ -2524,7 +2526,7 @@
             <a:fld id="{30EFA729-0062-401D-B7BF-B91E3DD8EF4A}" type="datetimeFigureOut">
               <a:rPr lang="en-US" smtClean="0"/>
               <a:pPr/>
-              <a:t>2/13/2014</a:t>
+              <a:t>2/17/2014</a:t>
             </a:fld>
             <a:endParaRPr lang="en-US"/>
           </a:p>
@@ -2624,7 +2626,7 @@
             <a:fld id="{30EFA729-0062-401D-B7BF-B91E3DD8EF4A}" type="datetimeFigureOut">
               <a:rPr lang="en-US" smtClean="0"/>
               <a:pPr/>
-              <a:t>2/13/2014</a:t>
+              <a:t>2/17/2014</a:t>
             </a:fld>
             <a:endParaRPr lang="en-US"/>
           </a:p>
@@ -2762,7 +2764,7 @@
             <a:fld id="{30EFA729-0062-401D-B7BF-B91E3DD8EF4A}" type="datetimeFigureOut">
               <a:rPr lang="en-US" smtClean="0"/>
               <a:pPr/>
-              <a:t>2/13/2014</a:t>
+              <a:t>2/17/2014</a:t>
             </a:fld>
             <a:endParaRPr lang="en-US"/>
           </a:p>
@@ -3282,7 +3284,7 @@
             <a:fld id="{30EFA729-0062-401D-B7BF-B91E3DD8EF4A}" type="datetimeFigureOut">
               <a:rPr lang="en-US" smtClean="0"/>
               <a:pPr/>
-              <a:t>2/13/2014</a:t>
+              <a:t>2/17/2014</a:t>
             </a:fld>
             <a:endParaRPr lang="en-US"/>
           </a:p>
@@ -3545,7 +3547,7 @@
             <a:fld id="{30EFA729-0062-401D-B7BF-B91E3DD8EF4A}" type="datetimeFigureOut">
               <a:rPr lang="en-US" smtClean="0"/>
               <a:pPr/>
-              <a:t>2/13/2014</a:t>
+              <a:t>2/17/2014</a:t>
             </a:fld>
             <a:endParaRPr lang="en-US"/>
           </a:p>
@@ -9676,19 +9678,7 @@
           <a:p>
             <a:r>
               <a:rPr lang="en-US" dirty="0" smtClean="0"/>
-              <a:t>changing </a:t>
-            </a:r>
-            <a:r>
-              <a:rPr lang="en-US" dirty="0" smtClean="0"/>
-              <a:t>html</a:t>
-            </a:r>
-            <a:r>
-              <a:rPr lang="en-US" dirty="0" smtClean="0"/>
-              <a:t>, adding and removing classes, modifying attributes etc</a:t>
-            </a:r>
-            <a:r>
-              <a:rPr lang="en-US" dirty="0" smtClean="0"/>
-              <a:t>….</a:t>
+              <a:t>changing html, adding and removing classes, modifying attributes etc….</a:t>
             </a:r>
           </a:p>
           <a:p>
@@ -9799,11 +9789,7 @@
             </a:r>
             <a:r>
               <a:rPr lang="en-US" b="1" dirty="0" smtClean="0"/>
-              <a:t>manipulation</a:t>
-            </a:r>
-            <a:r>
-              <a:rPr lang="en-US" b="1" dirty="0" smtClean="0"/>
-              <a:t>:</a:t>
+              <a:t>manipulation:</a:t>
             </a:r>
             <a:endParaRPr lang="en-US" dirty="0" smtClean="0"/>
           </a:p>
@@ -9912,11 +9898,7 @@
             </a:pPr>
             <a:r>
               <a:rPr lang="en-US" b="1" dirty="0" smtClean="0"/>
-              <a:t>AJAX</a:t>
-            </a:r>
-            <a:r>
-              <a:rPr lang="en-US" b="1" dirty="0" smtClean="0"/>
-              <a:t>:</a:t>
+              <a:t>AJAX:</a:t>
             </a:r>
             <a:endParaRPr lang="en-US" dirty="0" smtClean="0"/>
           </a:p>
@@ -10034,44 +10016,31 @@
           </a:bodyPr>
           <a:lstStyle/>
           <a:p>
-            <a:pPr marL="0" lvl="1" indent="0">
-              <a:spcBef>
-                <a:spcPts val="700"/>
-              </a:spcBef>
-              <a:buClr>
-                <a:schemeClr val="accent2"/>
-              </a:buClr>
-              <a:buSzPct val="60000"/>
+            <a:pPr marL="0" indent="0">
               <a:buNone/>
             </a:pPr>
             <a:r>
               <a:rPr lang="en-US" b="1" dirty="0" smtClean="0"/>
-              <a:t>Utilities</a:t>
+              <a:t>Promise Object:</a:t>
             </a:r>
-            <a:r>
-              <a:rPr lang="en-US" b="1" dirty="0" smtClean="0"/>
-              <a:t>:</a:t>
-            </a:r>
-            <a:endParaRPr lang="en-US" dirty="0" smtClean="0"/>
+            <a:endParaRPr lang="en-US" b="1" dirty="0"/>
           </a:p>
           <a:p>
             <a:r>
               <a:rPr lang="en-US" dirty="0" smtClean="0"/>
-              <a:t>changing html, adding and removing classes, modifying attributes etc….</a:t>
+              <a:t>Return </a:t>
             </a:r>
-          </a:p>
-          <a:p>
-            <a:pPr marL="0" indent="0">
-              <a:buNone/>
-            </a:pPr>
-            <a:endParaRPr lang="en-US" dirty="0"/>
+            <a:r>
+              <a:rPr lang="en-US" dirty="0"/>
+              <a:t>a Promise object to observe when all actions of a certain type bound to the collection, queued or not, have finished.</a:t>
+            </a:r>
           </a:p>
         </p:txBody>
       </p:sp>
     </p:spTree>
     <p:extLst>
       <p:ext uri="{BB962C8B-B14F-4D97-AF65-F5344CB8AC3E}">
-        <p14:creationId xmlns:p14="http://schemas.microsoft.com/office/powerpoint/2010/main" val="98502439"/>
+        <p14:creationId xmlns:p14="http://schemas.microsoft.com/office/powerpoint/2010/main" val="1643471531"/>
       </p:ext>
     </p:extLst>
   </p:cSld>
@@ -10089,6 +10058,2049 @@
 </file>
 
 <file path=ppt/slides/slide19.xml><?xml version="1.0" encoding="utf-8"?>
+<p:sld xmlns:a="http://schemas.openxmlformats.org/drawingml/2006/main" xmlns:r="http://schemas.openxmlformats.org/officeDocument/2006/relationships" xmlns:p="http://schemas.openxmlformats.org/presentationml/2006/main">
+  <p:cSld>
+    <p:spTree>
+      <p:nvGrpSpPr>
+        <p:cNvPr id="1" name=""/>
+        <p:cNvGrpSpPr/>
+        <p:nvPr/>
+      </p:nvGrpSpPr>
+      <p:grpSpPr>
+        <a:xfrm>
+          <a:off x="0" y="0"/>
+          <a:ext cx="0" cy="0"/>
+          <a:chOff x="0" y="0"/>
+          <a:chExt cx="0" cy="0"/>
+        </a:xfrm>
+      </p:grpSpPr>
+      <p:sp>
+        <p:nvSpPr>
+          <p:cNvPr id="2" name="Title 1"/>
+          <p:cNvSpPr>
+            <a:spLocks noGrp="1"/>
+          </p:cNvSpPr>
+          <p:nvPr>
+            <p:ph type="title"/>
+          </p:nvPr>
+        </p:nvSpPr>
+        <p:spPr/>
+        <p:txBody>
+          <a:bodyPr>
+            <a:normAutofit/>
+          </a:bodyPr>
+          <a:lstStyle/>
+          <a:p>
+            <a:pPr lvl="0"/>
+            <a:r>
+              <a:rPr lang="en-IN" dirty="0"/>
+              <a:t>Jquery</a:t>
+            </a:r>
+          </a:p>
+        </p:txBody>
+      </p:sp>
+      <p:sp>
+        <p:nvSpPr>
+          <p:cNvPr id="3" name="Content Placeholder 2"/>
+          <p:cNvSpPr>
+            <a:spLocks noGrp="1"/>
+          </p:cNvSpPr>
+          <p:nvPr>
+            <p:ph sz="quarter" idx="1"/>
+          </p:nvPr>
+        </p:nvSpPr>
+        <p:spPr>
+          <a:xfrm>
+            <a:off x="609600" y="1752600"/>
+            <a:ext cx="8153400" cy="4495800"/>
+          </a:xfrm>
+        </p:spPr>
+        <p:txBody>
+          <a:bodyPr>
+            <a:normAutofit/>
+          </a:bodyPr>
+          <a:lstStyle/>
+          <a:p>
+            <a:pPr marL="0" indent="0">
+              <a:buNone/>
+            </a:pPr>
+            <a:r>
+              <a:rPr lang="en-US" b="1" dirty="0"/>
+              <a:t>Deferred </a:t>
+            </a:r>
+            <a:r>
+              <a:rPr lang="en-US" b="1" dirty="0" smtClean="0"/>
+              <a:t>Object:</a:t>
+            </a:r>
+            <a:endParaRPr lang="en-US" b="1" dirty="0"/>
+          </a:p>
+          <a:p>
+            <a:r>
+              <a:rPr lang="en-US" dirty="0"/>
+              <a:t>It can register multiple callbacks into callback queues, invoke callback queues, and relay the success or failure state of any synchronous or asynchronous function.</a:t>
+            </a:r>
+            <a:endParaRPr lang="en-US" dirty="0"/>
+          </a:p>
+        </p:txBody>
+      </p:sp>
+    </p:spTree>
+    <p:extLst>
+      <p:ext uri="{BB962C8B-B14F-4D97-AF65-F5344CB8AC3E}">
+        <p14:creationId xmlns:p14="http://schemas.microsoft.com/office/powerpoint/2010/main" val="859670407"/>
+      </p:ext>
+    </p:extLst>
+  </p:cSld>
+  <p:clrMapOvr>
+    <a:masterClrMapping/>
+  </p:clrMapOvr>
+  <p:timing>
+    <p:tnLst>
+      <p:par>
+        <p:cTn id="1" dur="indefinite" restart="never" nodeType="tmRoot"/>
+      </p:par>
+    </p:tnLst>
+  </p:timing>
+</p:sld>
+</file>
+
+<file path=ppt/slides/slide2.xml><?xml version="1.0" encoding="utf-8"?>
+<p:sld xmlns:a="http://schemas.openxmlformats.org/drawingml/2006/main" xmlns:r="http://schemas.openxmlformats.org/officeDocument/2006/relationships" xmlns:p="http://schemas.openxmlformats.org/presentationml/2006/main">
+  <p:cSld>
+    <p:spTree>
+      <p:nvGrpSpPr>
+        <p:cNvPr id="1" name=""/>
+        <p:cNvGrpSpPr/>
+        <p:nvPr/>
+      </p:nvGrpSpPr>
+      <p:grpSpPr>
+        <a:xfrm>
+          <a:off x="0" y="0"/>
+          <a:ext cx="0" cy="0"/>
+          <a:chOff x="0" y="0"/>
+          <a:chExt cx="0" cy="0"/>
+        </a:xfrm>
+      </p:grpSpPr>
+      <p:sp>
+        <p:nvSpPr>
+          <p:cNvPr id="2" name="Title 1"/>
+          <p:cNvSpPr>
+            <a:spLocks noGrp="1"/>
+          </p:cNvSpPr>
+          <p:nvPr>
+            <p:ph type="title"/>
+          </p:nvPr>
+        </p:nvSpPr>
+        <p:spPr/>
+        <p:txBody>
+          <a:bodyPr/>
+          <a:lstStyle/>
+          <a:p>
+            <a:r>
+              <a:rPr lang="en-US" dirty="0" smtClean="0"/>
+              <a:t>Contents</a:t>
+            </a:r>
+            <a:endParaRPr lang="en-US" dirty="0"/>
+          </a:p>
+        </p:txBody>
+      </p:sp>
+      <p:sp>
+        <p:nvSpPr>
+          <p:cNvPr id="3" name="Content Placeholder 2"/>
+          <p:cNvSpPr>
+            <a:spLocks noGrp="1"/>
+          </p:cNvSpPr>
+          <p:nvPr>
+            <p:ph sz="quarter" idx="1"/>
+          </p:nvPr>
+        </p:nvSpPr>
+        <p:spPr/>
+        <p:txBody>
+          <a:bodyPr>
+            <a:normAutofit/>
+          </a:bodyPr>
+          <a:lstStyle/>
+          <a:p>
+            <a:pPr lvl="0"/>
+            <a:r>
+              <a:rPr lang="en-IN" dirty="0" smtClean="0"/>
+              <a:t>Jquery</a:t>
+            </a:r>
+          </a:p>
+          <a:p>
+            <a:r>
+              <a:rPr lang="en-IN" dirty="0"/>
+              <a:t>Jquery Plug-in </a:t>
+            </a:r>
+            <a:r>
+              <a:rPr lang="en-IN" dirty="0" smtClean="0"/>
+              <a:t>Implementation</a:t>
+            </a:r>
+            <a:endParaRPr lang="en-US" dirty="0"/>
+          </a:p>
+          <a:p>
+            <a:pPr lvl="0"/>
+            <a:r>
+              <a:rPr lang="en-IN" dirty="0"/>
+              <a:t>Jquery Widget Implementation</a:t>
+            </a:r>
+            <a:endParaRPr lang="en-US" dirty="0"/>
+          </a:p>
+          <a:p>
+            <a:pPr lvl="0"/>
+            <a:r>
+              <a:rPr lang="en-IN" dirty="0" smtClean="0"/>
+              <a:t>Jquery </a:t>
+            </a:r>
+            <a:r>
+              <a:rPr lang="en-IN" dirty="0"/>
+              <a:t>Plug-In Vs. Jquery Widget</a:t>
+            </a:r>
+            <a:endParaRPr lang="en-US" dirty="0"/>
+          </a:p>
+          <a:p>
+            <a:endParaRPr lang="en-US" dirty="0"/>
+          </a:p>
+        </p:txBody>
+      </p:sp>
+    </p:spTree>
+    <p:extLst>
+      <p:ext uri="{BB962C8B-B14F-4D97-AF65-F5344CB8AC3E}">
+        <p14:creationId xmlns:p14="http://schemas.microsoft.com/office/powerpoint/2010/main" val="2270295392"/>
+      </p:ext>
+    </p:extLst>
+  </p:cSld>
+  <p:clrMapOvr>
+    <a:masterClrMapping/>
+  </p:clrMapOvr>
+  <p:timing>
+    <p:tnLst>
+      <p:par>
+        <p:cTn id="1" dur="indefinite" restart="never" nodeType="tmRoot"/>
+      </p:par>
+    </p:tnLst>
+  </p:timing>
+</p:sld>
+</file>
+
+<file path=ppt/slides/slide20.xml><?xml version="1.0" encoding="utf-8"?>
+<p:sld xmlns:a="http://schemas.openxmlformats.org/drawingml/2006/main" xmlns:r="http://schemas.openxmlformats.org/officeDocument/2006/relationships" xmlns:p="http://schemas.openxmlformats.org/presentationml/2006/main">
+  <p:cSld>
+    <p:spTree>
+      <p:nvGrpSpPr>
+        <p:cNvPr id="1" name=""/>
+        <p:cNvGrpSpPr/>
+        <p:nvPr/>
+      </p:nvGrpSpPr>
+      <p:grpSpPr>
+        <a:xfrm>
+          <a:off x="0" y="0"/>
+          <a:ext cx="0" cy="0"/>
+          <a:chOff x="0" y="0"/>
+          <a:chExt cx="0" cy="0"/>
+        </a:xfrm>
+      </p:grpSpPr>
+      <p:sp>
+        <p:nvSpPr>
+          <p:cNvPr id="2" name="Title 1"/>
+          <p:cNvSpPr>
+            <a:spLocks noGrp="1"/>
+          </p:cNvSpPr>
+          <p:nvPr>
+            <p:ph type="title"/>
+          </p:nvPr>
+        </p:nvSpPr>
+        <p:spPr/>
+        <p:txBody>
+          <a:bodyPr>
+            <a:normAutofit/>
+          </a:bodyPr>
+          <a:lstStyle/>
+          <a:p>
+            <a:pPr lvl="0"/>
+            <a:r>
+              <a:rPr lang="en-IN" dirty="0"/>
+              <a:t>Jquery</a:t>
+            </a:r>
+          </a:p>
+        </p:txBody>
+      </p:sp>
+      <p:graphicFrame>
+        <p:nvGraphicFramePr>
+          <p:cNvPr id="4" name="Table 3"/>
+          <p:cNvGraphicFramePr>
+            <a:graphicFrameLocks noGrp="1"/>
+          </p:cNvGraphicFramePr>
+          <p:nvPr>
+            <p:extLst>
+              <p:ext uri="{D42A27DB-BD31-4B8C-83A1-F6EECF244321}">
+                <p14:modId xmlns:p14="http://schemas.microsoft.com/office/powerpoint/2010/main" val="933136991"/>
+              </p:ext>
+            </p:extLst>
+          </p:nvPr>
+        </p:nvGraphicFramePr>
+        <p:xfrm>
+          <a:off x="228600" y="2042734"/>
+          <a:ext cx="8763000" cy="4662865"/>
+        </p:xfrm>
+        <a:graphic>
+          <a:graphicData uri="http://schemas.openxmlformats.org/drawingml/2006/table">
+            <a:tbl>
+              <a:tblPr firstRow="1" firstCol="1" bandRow="1">
+                <a:tableStyleId>{5C22544A-7EE6-4342-B048-85BDC9FD1C3A}</a:tableStyleId>
+              </a:tblPr>
+              <a:tblGrid>
+                <a:gridCol w="2514600"/>
+                <a:gridCol w="6248400"/>
+              </a:tblGrid>
+              <a:tr h="238174">
+                <a:tc>
+                  <a:txBody>
+                    <a:bodyPr/>
+                    <a:lstStyle/>
+                    <a:p>
+                      <a:pPr marL="0" marR="0" algn="l">
+                        <a:lnSpc>
+                          <a:spcPct val="115000"/>
+                        </a:lnSpc>
+                        <a:spcBef>
+                          <a:spcPts val="0"/>
+                        </a:spcBef>
+                        <a:spcAft>
+                          <a:spcPts val="1000"/>
+                        </a:spcAft>
+                      </a:pPr>
+                      <a:r>
+                        <a:rPr kumimoji="0" lang="en-US" sz="1000" b="1" i="0" kern="1200" dirty="0" smtClean="0">
+                          <a:solidFill>
+                            <a:schemeClr val="lt1"/>
+                          </a:solidFill>
+                          <a:effectLst/>
+                          <a:latin typeface="+mn-lt"/>
+                          <a:ea typeface="+mn-ea"/>
+                          <a:cs typeface="+mn-cs"/>
+                        </a:rPr>
+                        <a:t>Method</a:t>
+                      </a:r>
+                      <a:endParaRPr lang="en-US" sz="1100" dirty="0">
+                        <a:effectLst/>
+                        <a:latin typeface="Calibri"/>
+                        <a:ea typeface="Calibri"/>
+                        <a:cs typeface="Times New Roman"/>
+                      </a:endParaRPr>
+                    </a:p>
+                  </a:txBody>
+                  <a:tcPr marL="28575" marR="28575" marT="28575" marB="28575"/>
+                </a:tc>
+                <a:tc>
+                  <a:txBody>
+                    <a:bodyPr/>
+                    <a:lstStyle/>
+                    <a:p>
+                      <a:pPr marL="0" marR="0" algn="l">
+                        <a:lnSpc>
+                          <a:spcPct val="115000"/>
+                        </a:lnSpc>
+                        <a:spcBef>
+                          <a:spcPts val="0"/>
+                        </a:spcBef>
+                        <a:spcAft>
+                          <a:spcPts val="1000"/>
+                        </a:spcAft>
+                      </a:pPr>
+                      <a:r>
+                        <a:rPr kumimoji="0" lang="en-US" sz="1000" b="1" i="0" kern="1200" dirty="0" smtClean="0">
+                          <a:solidFill>
+                            <a:schemeClr val="lt1"/>
+                          </a:solidFill>
+                          <a:effectLst/>
+                          <a:latin typeface="+mn-lt"/>
+                          <a:ea typeface="+mn-ea"/>
+                          <a:cs typeface="+mn-cs"/>
+                        </a:rPr>
+                        <a:t>Description</a:t>
+                      </a:r>
+                      <a:endParaRPr lang="en-US" sz="1100" dirty="0">
+                        <a:effectLst/>
+                        <a:latin typeface="Calibri"/>
+                        <a:ea typeface="Calibri"/>
+                        <a:cs typeface="Times New Roman"/>
+                      </a:endParaRPr>
+                    </a:p>
+                  </a:txBody>
+                  <a:tcPr marL="28575" marR="28575" marT="28575" marB="28575"/>
+                </a:tc>
+              </a:tr>
+              <a:tr h="305851">
+                <a:tc>
+                  <a:txBody>
+                    <a:bodyPr/>
+                    <a:lstStyle/>
+                    <a:p>
+                      <a:r>
+                        <a:rPr kumimoji="0" lang="en-US" sz="1000" b="1" u="sng" kern="1200" dirty="0" err="1" smtClean="0">
+                          <a:solidFill>
+                            <a:srgbClr val="000000"/>
+                          </a:solidFill>
+                          <a:effectLst/>
+                          <a:latin typeface="Verdana"/>
+                          <a:ea typeface="Calibri"/>
+                          <a:cs typeface="Times New Roman"/>
+                          <a:hlinkClick r:id="rId2" tooltip="Permalink to deferred.always()"/>
+                        </a:rPr>
+                        <a:t>deferred.always</a:t>
+                      </a:r>
+                      <a:r>
+                        <a:rPr kumimoji="0" lang="en-US" sz="1000" b="1" u="sng" kern="1200" dirty="0" smtClean="0">
+                          <a:solidFill>
+                            <a:srgbClr val="000000"/>
+                          </a:solidFill>
+                          <a:effectLst/>
+                          <a:latin typeface="Verdana"/>
+                          <a:ea typeface="Calibri"/>
+                          <a:cs typeface="Times New Roman"/>
+                          <a:hlinkClick r:id="rId2" tooltip="Permalink to deferred.always()"/>
+                        </a:rPr>
+                        <a:t>()</a:t>
+                      </a:r>
+                      <a:endParaRPr kumimoji="0" lang="en-US" sz="1000" b="1" u="sng" kern="1200" dirty="0">
+                        <a:solidFill>
+                          <a:srgbClr val="000000"/>
+                        </a:solidFill>
+                        <a:effectLst/>
+                        <a:latin typeface="Verdana"/>
+                        <a:ea typeface="Calibri"/>
+                        <a:cs typeface="Times New Roman"/>
+                      </a:endParaRPr>
+                    </a:p>
+                  </a:txBody>
+                  <a:tcPr marL="47625" marR="47625" marT="66675" marB="66675"/>
+                </a:tc>
+                <a:tc>
+                  <a:txBody>
+                    <a:bodyPr/>
+                    <a:lstStyle/>
+                    <a:p>
+                      <a:pPr marL="0" marR="0">
+                        <a:lnSpc>
+                          <a:spcPts val="1265"/>
+                        </a:lnSpc>
+                        <a:spcBef>
+                          <a:spcPts val="0"/>
+                        </a:spcBef>
+                        <a:spcAft>
+                          <a:spcPts val="1000"/>
+                        </a:spcAft>
+                      </a:pPr>
+                      <a:r>
+                        <a:rPr kumimoji="0" lang="en-US" sz="1000" kern="1200" dirty="0" smtClean="0">
+                          <a:solidFill>
+                            <a:srgbClr val="404040"/>
+                          </a:solidFill>
+                          <a:effectLst/>
+                          <a:latin typeface="Verdana"/>
+                          <a:ea typeface="Calibri"/>
+                          <a:cs typeface="Times New Roman"/>
+                        </a:rPr>
+                        <a:t>Add handlers to be called when the Deferred object is either resolved or rejected.</a:t>
+                      </a:r>
+                      <a:endParaRPr kumimoji="0" lang="en-US" sz="1000" kern="1200" dirty="0">
+                        <a:solidFill>
+                          <a:srgbClr val="404040"/>
+                        </a:solidFill>
+                        <a:effectLst/>
+                        <a:latin typeface="Verdana"/>
+                        <a:ea typeface="Calibri"/>
+                        <a:cs typeface="Times New Roman"/>
+                      </a:endParaRPr>
+                    </a:p>
+                  </a:txBody>
+                  <a:tcPr marL="47625" marR="47625" marT="66675" marB="66675"/>
+                </a:tc>
+              </a:tr>
+              <a:tr h="305851">
+                <a:tc>
+                  <a:txBody>
+                    <a:bodyPr/>
+                    <a:lstStyle/>
+                    <a:p>
+                      <a:pPr marL="0" marR="0" indent="0" algn="l" defTabSz="914400" rtl="0" eaLnBrk="1" fontAlgn="auto" latinLnBrk="0" hangingPunct="1">
+                        <a:lnSpc>
+                          <a:spcPts val="1265"/>
+                        </a:lnSpc>
+                        <a:spcBef>
+                          <a:spcPts val="0"/>
+                        </a:spcBef>
+                        <a:spcAft>
+                          <a:spcPts val="1000"/>
+                        </a:spcAft>
+                        <a:buClrTx/>
+                        <a:buSzTx/>
+                        <a:buFontTx/>
+                        <a:buNone/>
+                        <a:tabLst/>
+                        <a:defRPr/>
+                      </a:pPr>
+                      <a:r>
+                        <a:rPr kumimoji="0" lang="en-US" sz="1000" b="1" u="sng" kern="1200" dirty="0" err="1" smtClean="0">
+                          <a:solidFill>
+                            <a:srgbClr val="000000"/>
+                          </a:solidFill>
+                          <a:effectLst/>
+                          <a:latin typeface="Verdana"/>
+                          <a:ea typeface="Calibri"/>
+                          <a:cs typeface="Times New Roman"/>
+                          <a:hlinkClick r:id="rId3" tooltip="Permalink to deferred.done()"/>
+                        </a:rPr>
+                        <a:t>deferred.done</a:t>
+                      </a:r>
+                      <a:r>
+                        <a:rPr kumimoji="0" lang="en-US" sz="1000" b="1" u="sng" kern="1200" dirty="0" smtClean="0">
+                          <a:solidFill>
+                            <a:srgbClr val="000000"/>
+                          </a:solidFill>
+                          <a:effectLst/>
+                          <a:latin typeface="Verdana"/>
+                          <a:ea typeface="Calibri"/>
+                          <a:cs typeface="Times New Roman"/>
+                          <a:hlinkClick r:id="rId3" tooltip="Permalink to deferred.done()"/>
+                        </a:rPr>
+                        <a:t>()</a:t>
+                      </a:r>
+                      <a:endParaRPr kumimoji="0" lang="en-US" sz="1000" b="1" u="sng" kern="1200" dirty="0" smtClean="0">
+                        <a:solidFill>
+                          <a:srgbClr val="000000"/>
+                        </a:solidFill>
+                        <a:effectLst/>
+                        <a:latin typeface="Verdana"/>
+                        <a:ea typeface="Calibri"/>
+                        <a:cs typeface="Times New Roman"/>
+                      </a:endParaRPr>
+                    </a:p>
+                  </a:txBody>
+                  <a:tcPr marL="47625" marR="47625" marT="66675" marB="66675"/>
+                </a:tc>
+                <a:tc>
+                  <a:txBody>
+                    <a:bodyPr/>
+                    <a:lstStyle/>
+                    <a:p>
+                      <a:pPr marL="0" marR="0">
+                        <a:lnSpc>
+                          <a:spcPts val="1265"/>
+                        </a:lnSpc>
+                        <a:spcBef>
+                          <a:spcPts val="0"/>
+                        </a:spcBef>
+                        <a:spcAft>
+                          <a:spcPts val="1000"/>
+                        </a:spcAft>
+                      </a:pPr>
+                      <a:r>
+                        <a:rPr kumimoji="0" lang="en-US" sz="1000" kern="1200" dirty="0" smtClean="0">
+                          <a:solidFill>
+                            <a:srgbClr val="404040"/>
+                          </a:solidFill>
+                          <a:effectLst/>
+                          <a:latin typeface="Verdana"/>
+                          <a:ea typeface="Calibri"/>
+                          <a:cs typeface="Times New Roman"/>
+                        </a:rPr>
+                        <a:t>Add handlers to be called when the Deferred object is resolved.</a:t>
+                      </a:r>
+                      <a:endParaRPr kumimoji="0" lang="en-US" sz="1000" kern="1200" dirty="0">
+                        <a:solidFill>
+                          <a:srgbClr val="404040"/>
+                        </a:solidFill>
+                        <a:effectLst/>
+                        <a:latin typeface="Verdana"/>
+                        <a:ea typeface="Calibri"/>
+                        <a:cs typeface="Times New Roman"/>
+                      </a:endParaRPr>
+                    </a:p>
+                  </a:txBody>
+                  <a:tcPr marL="47625" marR="47625" marT="66675" marB="66675"/>
+                </a:tc>
+              </a:tr>
+              <a:tr h="305851">
+                <a:tc>
+                  <a:txBody>
+                    <a:bodyPr/>
+                    <a:lstStyle/>
+                    <a:p>
+                      <a:pPr marL="0" marR="0" indent="0" algn="l" defTabSz="914400" rtl="0" eaLnBrk="1" fontAlgn="auto" latinLnBrk="0" hangingPunct="1">
+                        <a:lnSpc>
+                          <a:spcPts val="1265"/>
+                        </a:lnSpc>
+                        <a:spcBef>
+                          <a:spcPts val="0"/>
+                        </a:spcBef>
+                        <a:spcAft>
+                          <a:spcPts val="1000"/>
+                        </a:spcAft>
+                        <a:buClrTx/>
+                        <a:buSzTx/>
+                        <a:buFontTx/>
+                        <a:buNone/>
+                        <a:tabLst/>
+                        <a:defRPr/>
+                      </a:pPr>
+                      <a:r>
+                        <a:rPr kumimoji="0" lang="en-US" sz="1000" b="1" u="sng" kern="1200" dirty="0" err="1" smtClean="0">
+                          <a:solidFill>
+                            <a:srgbClr val="000000"/>
+                          </a:solidFill>
+                          <a:effectLst/>
+                          <a:latin typeface="Verdana"/>
+                          <a:ea typeface="Calibri"/>
+                          <a:cs typeface="Times New Roman"/>
+                          <a:hlinkClick r:id="rId4" tooltip="Permalink to deferred.fail()"/>
+                        </a:rPr>
+                        <a:t>deferred.fail</a:t>
+                      </a:r>
+                      <a:r>
+                        <a:rPr kumimoji="0" lang="en-US" sz="1000" b="1" u="sng" kern="1200" dirty="0" smtClean="0">
+                          <a:solidFill>
+                            <a:srgbClr val="000000"/>
+                          </a:solidFill>
+                          <a:effectLst/>
+                          <a:latin typeface="Verdana"/>
+                          <a:ea typeface="Calibri"/>
+                          <a:cs typeface="Times New Roman"/>
+                          <a:hlinkClick r:id="rId4" tooltip="Permalink to deferred.fail()"/>
+                        </a:rPr>
+                        <a:t>()</a:t>
+                      </a:r>
+                      <a:endParaRPr kumimoji="0" lang="en-US" sz="1000" b="1" u="sng" kern="1200" dirty="0" smtClean="0">
+                        <a:solidFill>
+                          <a:srgbClr val="000000"/>
+                        </a:solidFill>
+                        <a:effectLst/>
+                        <a:latin typeface="Verdana"/>
+                        <a:ea typeface="Calibri"/>
+                        <a:cs typeface="Times New Roman"/>
+                      </a:endParaRPr>
+                    </a:p>
+                  </a:txBody>
+                  <a:tcPr marL="47625" marR="47625" marT="66675" marB="66675"/>
+                </a:tc>
+                <a:tc>
+                  <a:txBody>
+                    <a:bodyPr/>
+                    <a:lstStyle/>
+                    <a:p>
+                      <a:pPr marL="0" marR="0">
+                        <a:lnSpc>
+                          <a:spcPts val="1265"/>
+                        </a:lnSpc>
+                        <a:spcBef>
+                          <a:spcPts val="0"/>
+                        </a:spcBef>
+                        <a:spcAft>
+                          <a:spcPts val="1000"/>
+                        </a:spcAft>
+                      </a:pPr>
+                      <a:r>
+                        <a:rPr kumimoji="0" lang="en-US" sz="1000" kern="1200" dirty="0" smtClean="0">
+                          <a:solidFill>
+                            <a:srgbClr val="404040"/>
+                          </a:solidFill>
+                          <a:effectLst/>
+                          <a:latin typeface="Verdana"/>
+                          <a:ea typeface="Calibri"/>
+                          <a:cs typeface="Times New Roman"/>
+                        </a:rPr>
+                        <a:t>Add handlers to be called when the Deferred object is rejected.</a:t>
+                      </a:r>
+                      <a:endParaRPr kumimoji="0" lang="en-US" sz="1000" kern="1200" dirty="0">
+                        <a:solidFill>
+                          <a:srgbClr val="404040"/>
+                        </a:solidFill>
+                        <a:effectLst/>
+                        <a:latin typeface="Verdana"/>
+                        <a:ea typeface="Calibri"/>
+                        <a:cs typeface="Times New Roman"/>
+                      </a:endParaRPr>
+                    </a:p>
+                  </a:txBody>
+                  <a:tcPr marL="47625" marR="47625" marT="66675" marB="66675"/>
+                </a:tc>
+              </a:tr>
+              <a:tr h="305851">
+                <a:tc>
+                  <a:txBody>
+                    <a:bodyPr/>
+                    <a:lstStyle/>
+                    <a:p>
+                      <a:pPr marL="0" marR="0" indent="0" algn="l" defTabSz="914400" rtl="0" eaLnBrk="1" fontAlgn="auto" latinLnBrk="0" hangingPunct="1">
+                        <a:lnSpc>
+                          <a:spcPts val="1265"/>
+                        </a:lnSpc>
+                        <a:spcBef>
+                          <a:spcPts val="0"/>
+                        </a:spcBef>
+                        <a:spcAft>
+                          <a:spcPts val="1000"/>
+                        </a:spcAft>
+                        <a:buClrTx/>
+                        <a:buSzTx/>
+                        <a:buFontTx/>
+                        <a:buNone/>
+                        <a:tabLst/>
+                        <a:defRPr/>
+                      </a:pPr>
+                      <a:r>
+                        <a:rPr kumimoji="0" lang="en-US" sz="1000" b="1" u="sng" kern="1200" dirty="0" err="1" smtClean="0">
+                          <a:solidFill>
+                            <a:srgbClr val="000000"/>
+                          </a:solidFill>
+                          <a:effectLst/>
+                          <a:latin typeface="Verdana"/>
+                          <a:ea typeface="Calibri"/>
+                          <a:cs typeface="Times New Roman"/>
+                          <a:hlinkClick r:id="rId5" tooltip="Permalink to deferred.notify()"/>
+                        </a:rPr>
+                        <a:t>deferred.notify</a:t>
+                      </a:r>
+                      <a:r>
+                        <a:rPr kumimoji="0" lang="en-US" sz="1000" b="1" u="sng" kern="1200" dirty="0" smtClean="0">
+                          <a:solidFill>
+                            <a:srgbClr val="000000"/>
+                          </a:solidFill>
+                          <a:effectLst/>
+                          <a:latin typeface="Verdana"/>
+                          <a:ea typeface="Calibri"/>
+                          <a:cs typeface="Times New Roman"/>
+                          <a:hlinkClick r:id="rId5" tooltip="Permalink to deferred.notify()"/>
+                        </a:rPr>
+                        <a:t>()</a:t>
+                      </a:r>
+                      <a:endParaRPr kumimoji="0" lang="en-US" sz="1000" b="1" u="sng" kern="1200" dirty="0" smtClean="0">
+                        <a:solidFill>
+                          <a:srgbClr val="000000"/>
+                        </a:solidFill>
+                        <a:effectLst/>
+                        <a:latin typeface="Verdana"/>
+                        <a:ea typeface="Calibri"/>
+                        <a:cs typeface="Times New Roman"/>
+                      </a:endParaRPr>
+                    </a:p>
+                  </a:txBody>
+                  <a:tcPr marL="47625" marR="47625" marT="66675" marB="66675"/>
+                </a:tc>
+                <a:tc>
+                  <a:txBody>
+                    <a:bodyPr/>
+                    <a:lstStyle/>
+                    <a:p>
+                      <a:pPr marL="0" marR="0">
+                        <a:lnSpc>
+                          <a:spcPts val="1265"/>
+                        </a:lnSpc>
+                        <a:spcBef>
+                          <a:spcPts val="0"/>
+                        </a:spcBef>
+                        <a:spcAft>
+                          <a:spcPts val="1000"/>
+                        </a:spcAft>
+                      </a:pPr>
+                      <a:r>
+                        <a:rPr kumimoji="0" lang="en-US" sz="1000" kern="1200" dirty="0" smtClean="0">
+                          <a:solidFill>
+                            <a:srgbClr val="404040"/>
+                          </a:solidFill>
+                          <a:effectLst/>
+                          <a:latin typeface="Verdana"/>
+                          <a:ea typeface="Calibri"/>
+                          <a:cs typeface="Times New Roman"/>
+                        </a:rPr>
+                        <a:t>Call the progress Callbacks on a Deferred object with the given </a:t>
+                      </a:r>
+                      <a:r>
+                        <a:rPr kumimoji="0" lang="en-US" sz="1000" kern="1200" dirty="0" err="1" smtClean="0">
+                          <a:solidFill>
+                            <a:srgbClr val="404040"/>
+                          </a:solidFill>
+                          <a:effectLst/>
+                          <a:latin typeface="Verdana"/>
+                          <a:ea typeface="Calibri"/>
+                          <a:cs typeface="Times New Roman"/>
+                        </a:rPr>
+                        <a:t>args</a:t>
+                      </a:r>
+                      <a:r>
+                        <a:rPr kumimoji="0" lang="en-US" sz="1000" kern="1200" dirty="0" smtClean="0">
+                          <a:solidFill>
+                            <a:srgbClr val="404040"/>
+                          </a:solidFill>
+                          <a:effectLst/>
+                          <a:latin typeface="Verdana"/>
+                          <a:ea typeface="Calibri"/>
+                          <a:cs typeface="Times New Roman"/>
+                        </a:rPr>
+                        <a:t>.</a:t>
+                      </a:r>
+                      <a:endParaRPr kumimoji="0" lang="en-US" sz="1000" kern="1200" dirty="0">
+                        <a:solidFill>
+                          <a:srgbClr val="404040"/>
+                        </a:solidFill>
+                        <a:effectLst/>
+                        <a:latin typeface="Verdana"/>
+                        <a:ea typeface="Calibri"/>
+                        <a:cs typeface="Times New Roman"/>
+                      </a:endParaRPr>
+                    </a:p>
+                  </a:txBody>
+                  <a:tcPr marL="47625" marR="47625" marT="66675" marB="66675"/>
+                </a:tc>
+              </a:tr>
+              <a:tr h="305851">
+                <a:tc>
+                  <a:txBody>
+                    <a:bodyPr/>
+                    <a:lstStyle/>
+                    <a:p>
+                      <a:pPr marL="0" marR="0" indent="0" algn="l" defTabSz="914400" rtl="0" eaLnBrk="1" fontAlgn="auto" latinLnBrk="0" hangingPunct="1">
+                        <a:lnSpc>
+                          <a:spcPts val="1265"/>
+                        </a:lnSpc>
+                        <a:spcBef>
+                          <a:spcPts val="0"/>
+                        </a:spcBef>
+                        <a:spcAft>
+                          <a:spcPts val="1000"/>
+                        </a:spcAft>
+                        <a:buClrTx/>
+                        <a:buSzTx/>
+                        <a:buFontTx/>
+                        <a:buNone/>
+                        <a:tabLst/>
+                        <a:defRPr/>
+                      </a:pPr>
+                      <a:r>
+                        <a:rPr kumimoji="0" lang="en-US" sz="1000" b="1" u="sng" kern="1200" dirty="0" err="1" smtClean="0">
+                          <a:solidFill>
+                            <a:srgbClr val="000000"/>
+                          </a:solidFill>
+                          <a:effectLst/>
+                          <a:latin typeface="Verdana"/>
+                          <a:ea typeface="Calibri"/>
+                          <a:cs typeface="Times New Roman"/>
+                          <a:hlinkClick r:id="rId6" tooltip="Permalink to deferred.notifyWith()"/>
+                        </a:rPr>
+                        <a:t>deferred.notifyWith</a:t>
+                      </a:r>
+                      <a:r>
+                        <a:rPr kumimoji="0" lang="en-US" sz="1000" b="1" u="sng" kern="1200" dirty="0" smtClean="0">
+                          <a:solidFill>
+                            <a:srgbClr val="000000"/>
+                          </a:solidFill>
+                          <a:effectLst/>
+                          <a:latin typeface="Verdana"/>
+                          <a:ea typeface="Calibri"/>
+                          <a:cs typeface="Times New Roman"/>
+                          <a:hlinkClick r:id="rId6" tooltip="Permalink to deferred.notifyWith()"/>
+                        </a:rPr>
+                        <a:t>()</a:t>
+                      </a:r>
+                      <a:endParaRPr kumimoji="0" lang="en-US" sz="1000" b="1" u="sng" kern="1200" dirty="0" smtClean="0">
+                        <a:solidFill>
+                          <a:srgbClr val="000000"/>
+                        </a:solidFill>
+                        <a:effectLst/>
+                        <a:latin typeface="Verdana"/>
+                        <a:ea typeface="Calibri"/>
+                        <a:cs typeface="Times New Roman"/>
+                      </a:endParaRPr>
+                    </a:p>
+                  </a:txBody>
+                  <a:tcPr marL="47625" marR="47625" marT="66675" marB="66675"/>
+                </a:tc>
+                <a:tc>
+                  <a:txBody>
+                    <a:bodyPr/>
+                    <a:lstStyle/>
+                    <a:p>
+                      <a:pPr marL="0" marR="0">
+                        <a:lnSpc>
+                          <a:spcPts val="1265"/>
+                        </a:lnSpc>
+                        <a:spcBef>
+                          <a:spcPts val="0"/>
+                        </a:spcBef>
+                        <a:spcAft>
+                          <a:spcPts val="1000"/>
+                        </a:spcAft>
+                      </a:pPr>
+                      <a:r>
+                        <a:rPr kumimoji="0" lang="en-US" sz="1000" kern="1200" dirty="0" smtClean="0">
+                          <a:solidFill>
+                            <a:srgbClr val="404040"/>
+                          </a:solidFill>
+                          <a:effectLst/>
+                          <a:latin typeface="Verdana"/>
+                          <a:ea typeface="Calibri"/>
+                          <a:cs typeface="Times New Roman"/>
+                        </a:rPr>
+                        <a:t>Call the progress Callbacks on a Deferred object with the given context and </a:t>
+                      </a:r>
+                      <a:r>
+                        <a:rPr kumimoji="0" lang="en-US" sz="1000" kern="1200" dirty="0" err="1" smtClean="0">
+                          <a:solidFill>
+                            <a:srgbClr val="404040"/>
+                          </a:solidFill>
+                          <a:effectLst/>
+                          <a:latin typeface="Verdana"/>
+                          <a:ea typeface="Calibri"/>
+                          <a:cs typeface="Times New Roman"/>
+                        </a:rPr>
+                        <a:t>args</a:t>
+                      </a:r>
+                      <a:r>
+                        <a:rPr kumimoji="0" lang="en-US" sz="1000" kern="1200" dirty="0" smtClean="0">
+                          <a:solidFill>
+                            <a:srgbClr val="404040"/>
+                          </a:solidFill>
+                          <a:effectLst/>
+                          <a:latin typeface="Verdana"/>
+                          <a:ea typeface="Calibri"/>
+                          <a:cs typeface="Times New Roman"/>
+                        </a:rPr>
+                        <a:t>.</a:t>
+                      </a:r>
+                      <a:endParaRPr kumimoji="0" lang="en-US" sz="1000" kern="1200" dirty="0">
+                        <a:solidFill>
+                          <a:srgbClr val="404040"/>
+                        </a:solidFill>
+                        <a:effectLst/>
+                        <a:latin typeface="Verdana"/>
+                        <a:ea typeface="Calibri"/>
+                        <a:cs typeface="Times New Roman"/>
+                      </a:endParaRPr>
+                    </a:p>
+                  </a:txBody>
+                  <a:tcPr marL="47625" marR="47625" marT="66675" marB="66675"/>
+                </a:tc>
+              </a:tr>
+              <a:tr h="305851">
+                <a:tc>
+                  <a:txBody>
+                    <a:bodyPr/>
+                    <a:lstStyle/>
+                    <a:p>
+                      <a:pPr marL="0" marR="0" indent="0" algn="l" defTabSz="914400" rtl="0" eaLnBrk="1" fontAlgn="auto" latinLnBrk="0" hangingPunct="1">
+                        <a:lnSpc>
+                          <a:spcPts val="1265"/>
+                        </a:lnSpc>
+                        <a:spcBef>
+                          <a:spcPts val="0"/>
+                        </a:spcBef>
+                        <a:spcAft>
+                          <a:spcPts val="1000"/>
+                        </a:spcAft>
+                        <a:buClrTx/>
+                        <a:buSzTx/>
+                        <a:buFontTx/>
+                        <a:buNone/>
+                        <a:tabLst/>
+                        <a:defRPr/>
+                      </a:pPr>
+                      <a:r>
+                        <a:rPr kumimoji="0" lang="en-US" sz="1000" b="1" u="sng" kern="1200" dirty="0" err="1" smtClean="0">
+                          <a:solidFill>
+                            <a:srgbClr val="000000"/>
+                          </a:solidFill>
+                          <a:effectLst/>
+                          <a:latin typeface="Verdana"/>
+                          <a:ea typeface="Calibri"/>
+                          <a:cs typeface="Times New Roman"/>
+                          <a:hlinkClick r:id="rId7" tooltip="Permalink to deferred.progress()"/>
+                        </a:rPr>
+                        <a:t>deferred.progress</a:t>
+                      </a:r>
+                      <a:r>
+                        <a:rPr kumimoji="0" lang="en-US" sz="1000" b="1" u="sng" kern="1200" dirty="0" smtClean="0">
+                          <a:solidFill>
+                            <a:srgbClr val="000000"/>
+                          </a:solidFill>
+                          <a:effectLst/>
+                          <a:latin typeface="Verdana"/>
+                          <a:ea typeface="Calibri"/>
+                          <a:cs typeface="Times New Roman"/>
+                          <a:hlinkClick r:id="rId7" tooltip="Permalink to deferred.progress()"/>
+                        </a:rPr>
+                        <a:t>()</a:t>
+                      </a:r>
+                      <a:endParaRPr kumimoji="0" lang="en-US" sz="1000" b="1" u="sng" kern="1200" dirty="0" smtClean="0">
+                        <a:solidFill>
+                          <a:srgbClr val="000000"/>
+                        </a:solidFill>
+                        <a:effectLst/>
+                        <a:latin typeface="Verdana"/>
+                        <a:ea typeface="Calibri"/>
+                        <a:cs typeface="Times New Roman"/>
+                      </a:endParaRPr>
+                    </a:p>
+                  </a:txBody>
+                  <a:tcPr marL="47625" marR="47625" marT="66675" marB="66675"/>
+                </a:tc>
+                <a:tc>
+                  <a:txBody>
+                    <a:bodyPr/>
+                    <a:lstStyle/>
+                    <a:p>
+                      <a:pPr marL="0" marR="0">
+                        <a:lnSpc>
+                          <a:spcPts val="1265"/>
+                        </a:lnSpc>
+                        <a:spcBef>
+                          <a:spcPts val="0"/>
+                        </a:spcBef>
+                        <a:spcAft>
+                          <a:spcPts val="1000"/>
+                        </a:spcAft>
+                      </a:pPr>
+                      <a:r>
+                        <a:rPr kumimoji="0" lang="en-US" sz="1000" kern="1200" dirty="0" smtClean="0">
+                          <a:solidFill>
+                            <a:srgbClr val="404040"/>
+                          </a:solidFill>
+                          <a:effectLst/>
+                          <a:latin typeface="Verdana"/>
+                          <a:ea typeface="Calibri"/>
+                          <a:cs typeface="Times New Roman"/>
+                        </a:rPr>
+                        <a:t>Add handlers to be called when the Deferred object generates progress notifications.</a:t>
+                      </a:r>
+                      <a:endParaRPr kumimoji="0" lang="en-US" sz="1000" kern="1200" dirty="0">
+                        <a:solidFill>
+                          <a:srgbClr val="404040"/>
+                        </a:solidFill>
+                        <a:effectLst/>
+                        <a:latin typeface="Verdana"/>
+                        <a:ea typeface="Calibri"/>
+                        <a:cs typeface="Times New Roman"/>
+                      </a:endParaRPr>
+                    </a:p>
+                  </a:txBody>
+                  <a:tcPr marL="47625" marR="47625" marT="66675" marB="66675"/>
+                </a:tc>
+              </a:tr>
+              <a:tr h="305851">
+                <a:tc>
+                  <a:txBody>
+                    <a:bodyPr/>
+                    <a:lstStyle/>
+                    <a:p>
+                      <a:pPr marL="0" marR="0" indent="0" algn="l" defTabSz="914400" rtl="0" eaLnBrk="1" fontAlgn="auto" latinLnBrk="0" hangingPunct="1">
+                        <a:lnSpc>
+                          <a:spcPts val="1265"/>
+                        </a:lnSpc>
+                        <a:spcBef>
+                          <a:spcPts val="0"/>
+                        </a:spcBef>
+                        <a:spcAft>
+                          <a:spcPts val="1000"/>
+                        </a:spcAft>
+                        <a:buClrTx/>
+                        <a:buSzTx/>
+                        <a:buFontTx/>
+                        <a:buNone/>
+                        <a:tabLst/>
+                        <a:defRPr/>
+                      </a:pPr>
+                      <a:r>
+                        <a:rPr kumimoji="0" lang="en-US" sz="1000" b="1" u="sng" kern="1200" dirty="0" err="1" smtClean="0">
+                          <a:solidFill>
+                            <a:srgbClr val="000000"/>
+                          </a:solidFill>
+                          <a:effectLst/>
+                          <a:latin typeface="Verdana"/>
+                          <a:ea typeface="Calibri"/>
+                          <a:cs typeface="Times New Roman"/>
+                          <a:hlinkClick r:id="rId8" tooltip="Permalink to deferred.promise()"/>
+                        </a:rPr>
+                        <a:t>deferred.promise</a:t>
+                      </a:r>
+                      <a:r>
+                        <a:rPr kumimoji="0" lang="en-US" sz="1000" b="1" u="sng" kern="1200" dirty="0" smtClean="0">
+                          <a:solidFill>
+                            <a:srgbClr val="000000"/>
+                          </a:solidFill>
+                          <a:effectLst/>
+                          <a:latin typeface="Verdana"/>
+                          <a:ea typeface="Calibri"/>
+                          <a:cs typeface="Times New Roman"/>
+                          <a:hlinkClick r:id="rId8" tooltip="Permalink to deferred.promise()"/>
+                        </a:rPr>
+                        <a:t>()</a:t>
+                      </a:r>
+                      <a:endParaRPr kumimoji="0" lang="en-US" sz="1000" b="1" u="sng" kern="1200" dirty="0" smtClean="0">
+                        <a:solidFill>
+                          <a:srgbClr val="000000"/>
+                        </a:solidFill>
+                        <a:effectLst/>
+                        <a:latin typeface="Verdana"/>
+                        <a:ea typeface="Calibri"/>
+                        <a:cs typeface="Times New Roman"/>
+                      </a:endParaRPr>
+                    </a:p>
+                  </a:txBody>
+                  <a:tcPr marL="47625" marR="47625" marT="66675" marB="66675"/>
+                </a:tc>
+                <a:tc>
+                  <a:txBody>
+                    <a:bodyPr/>
+                    <a:lstStyle/>
+                    <a:p>
+                      <a:pPr marL="0" marR="0">
+                        <a:lnSpc>
+                          <a:spcPts val="1265"/>
+                        </a:lnSpc>
+                        <a:spcBef>
+                          <a:spcPts val="0"/>
+                        </a:spcBef>
+                        <a:spcAft>
+                          <a:spcPts val="1000"/>
+                        </a:spcAft>
+                      </a:pPr>
+                      <a:r>
+                        <a:rPr kumimoji="0" lang="en-US" sz="1000" kern="1200" dirty="0" smtClean="0">
+                          <a:solidFill>
+                            <a:srgbClr val="404040"/>
+                          </a:solidFill>
+                          <a:effectLst/>
+                          <a:latin typeface="Verdana"/>
+                          <a:ea typeface="Calibri"/>
+                          <a:cs typeface="Times New Roman"/>
+                        </a:rPr>
+                        <a:t>Return a </a:t>
+                      </a:r>
+                      <a:r>
+                        <a:rPr kumimoji="0" lang="en-US" sz="1000" kern="1200" dirty="0" err="1" smtClean="0">
+                          <a:solidFill>
+                            <a:srgbClr val="404040"/>
+                          </a:solidFill>
+                          <a:effectLst/>
+                          <a:latin typeface="Verdana"/>
+                          <a:ea typeface="Calibri"/>
+                          <a:cs typeface="Times New Roman"/>
+                        </a:rPr>
+                        <a:t>Deferred’s</a:t>
+                      </a:r>
+                      <a:r>
+                        <a:rPr kumimoji="0" lang="en-US" sz="1000" kern="1200" dirty="0" smtClean="0">
+                          <a:solidFill>
+                            <a:srgbClr val="404040"/>
+                          </a:solidFill>
+                          <a:effectLst/>
+                          <a:latin typeface="Verdana"/>
+                          <a:ea typeface="Calibri"/>
+                          <a:cs typeface="Times New Roman"/>
+                        </a:rPr>
+                        <a:t> Promise object.</a:t>
+                      </a:r>
+                      <a:endParaRPr kumimoji="0" lang="en-US" sz="1000" kern="1200" dirty="0">
+                        <a:solidFill>
+                          <a:srgbClr val="404040"/>
+                        </a:solidFill>
+                        <a:effectLst/>
+                        <a:latin typeface="Verdana"/>
+                        <a:ea typeface="Calibri"/>
+                        <a:cs typeface="Times New Roman"/>
+                      </a:endParaRPr>
+                    </a:p>
+                  </a:txBody>
+                  <a:tcPr marL="47625" marR="47625" marT="66675" marB="66675"/>
+                </a:tc>
+              </a:tr>
+              <a:tr h="305851">
+                <a:tc>
+                  <a:txBody>
+                    <a:bodyPr/>
+                    <a:lstStyle/>
+                    <a:p>
+                      <a:pPr marL="0" marR="0" indent="0" algn="l" defTabSz="914400" rtl="0" eaLnBrk="1" fontAlgn="auto" latinLnBrk="0" hangingPunct="1">
+                        <a:lnSpc>
+                          <a:spcPts val="1265"/>
+                        </a:lnSpc>
+                        <a:spcBef>
+                          <a:spcPts val="0"/>
+                        </a:spcBef>
+                        <a:spcAft>
+                          <a:spcPts val="1000"/>
+                        </a:spcAft>
+                        <a:buClrTx/>
+                        <a:buSzTx/>
+                        <a:buFontTx/>
+                        <a:buNone/>
+                        <a:tabLst/>
+                        <a:defRPr/>
+                      </a:pPr>
+                      <a:r>
+                        <a:rPr kumimoji="0" lang="en-US" sz="1000" b="1" u="sng" kern="1200" dirty="0" err="1" smtClean="0">
+                          <a:solidFill>
+                            <a:srgbClr val="000000"/>
+                          </a:solidFill>
+                          <a:effectLst/>
+                          <a:latin typeface="Verdana"/>
+                          <a:ea typeface="Calibri"/>
+                          <a:cs typeface="Times New Roman"/>
+                          <a:hlinkClick r:id="rId9" tooltip="Permalink to deferred.reject()"/>
+                        </a:rPr>
+                        <a:t>deferred.reject</a:t>
+                      </a:r>
+                      <a:r>
+                        <a:rPr kumimoji="0" lang="en-US" sz="1000" b="1" u="sng" kern="1200" dirty="0" smtClean="0">
+                          <a:solidFill>
+                            <a:srgbClr val="000000"/>
+                          </a:solidFill>
+                          <a:effectLst/>
+                          <a:latin typeface="Verdana"/>
+                          <a:ea typeface="Calibri"/>
+                          <a:cs typeface="Times New Roman"/>
+                          <a:hlinkClick r:id="rId9" tooltip="Permalink to deferred.reject()"/>
+                        </a:rPr>
+                        <a:t>()</a:t>
+                      </a:r>
+                      <a:endParaRPr kumimoji="0" lang="en-US" sz="1000" b="1" u="sng" kern="1200" dirty="0" smtClean="0">
+                        <a:solidFill>
+                          <a:srgbClr val="000000"/>
+                        </a:solidFill>
+                        <a:effectLst/>
+                        <a:latin typeface="Verdana"/>
+                        <a:ea typeface="Calibri"/>
+                        <a:cs typeface="Times New Roman"/>
+                      </a:endParaRPr>
+                    </a:p>
+                  </a:txBody>
+                  <a:tcPr marL="47625" marR="47625" marT="66675" marB="66675"/>
+                </a:tc>
+                <a:tc>
+                  <a:txBody>
+                    <a:bodyPr/>
+                    <a:lstStyle/>
+                    <a:p>
+                      <a:pPr marL="0" marR="0">
+                        <a:lnSpc>
+                          <a:spcPts val="1265"/>
+                        </a:lnSpc>
+                        <a:spcBef>
+                          <a:spcPts val="0"/>
+                        </a:spcBef>
+                        <a:spcAft>
+                          <a:spcPts val="1000"/>
+                        </a:spcAft>
+                      </a:pPr>
+                      <a:r>
+                        <a:rPr kumimoji="0" lang="en-US" sz="1000" kern="1200" dirty="0" smtClean="0">
+                          <a:solidFill>
+                            <a:srgbClr val="404040"/>
+                          </a:solidFill>
+                          <a:effectLst/>
+                          <a:latin typeface="Verdana"/>
+                          <a:ea typeface="Calibri"/>
+                          <a:cs typeface="Times New Roman"/>
+                        </a:rPr>
+                        <a:t>Reject a Deferred object and call any fail Callbacks with the given </a:t>
+                      </a:r>
+                      <a:r>
+                        <a:rPr kumimoji="0" lang="en-US" sz="1000" kern="1200" dirty="0" err="1" smtClean="0">
+                          <a:solidFill>
+                            <a:srgbClr val="404040"/>
+                          </a:solidFill>
+                          <a:effectLst/>
+                          <a:latin typeface="Verdana"/>
+                          <a:ea typeface="Calibri"/>
+                          <a:cs typeface="Times New Roman"/>
+                        </a:rPr>
+                        <a:t>args</a:t>
+                      </a:r>
+                      <a:r>
+                        <a:rPr kumimoji="0" lang="en-US" sz="1000" kern="1200" dirty="0" smtClean="0">
+                          <a:solidFill>
+                            <a:srgbClr val="404040"/>
+                          </a:solidFill>
+                          <a:effectLst/>
+                          <a:latin typeface="Verdana"/>
+                          <a:ea typeface="Calibri"/>
+                          <a:cs typeface="Times New Roman"/>
+                        </a:rPr>
+                        <a:t>.</a:t>
+                      </a:r>
+                      <a:endParaRPr kumimoji="0" lang="en-US" sz="1000" kern="1200" dirty="0">
+                        <a:solidFill>
+                          <a:srgbClr val="404040"/>
+                        </a:solidFill>
+                        <a:effectLst/>
+                        <a:latin typeface="Verdana"/>
+                        <a:ea typeface="Calibri"/>
+                        <a:cs typeface="Times New Roman"/>
+                      </a:endParaRPr>
+                    </a:p>
+                  </a:txBody>
+                  <a:tcPr marL="47625" marR="47625" marT="66675" marB="66675"/>
+                </a:tc>
+              </a:tr>
+              <a:tr h="305851">
+                <a:tc>
+                  <a:txBody>
+                    <a:bodyPr/>
+                    <a:lstStyle/>
+                    <a:p>
+                      <a:pPr marL="0" marR="0" indent="0" algn="l" defTabSz="914400" rtl="0" eaLnBrk="1" fontAlgn="auto" latinLnBrk="0" hangingPunct="1">
+                        <a:lnSpc>
+                          <a:spcPts val="1265"/>
+                        </a:lnSpc>
+                        <a:spcBef>
+                          <a:spcPts val="0"/>
+                        </a:spcBef>
+                        <a:spcAft>
+                          <a:spcPts val="1000"/>
+                        </a:spcAft>
+                        <a:buClrTx/>
+                        <a:buSzTx/>
+                        <a:buFontTx/>
+                        <a:buNone/>
+                        <a:tabLst/>
+                        <a:defRPr/>
+                      </a:pPr>
+                      <a:r>
+                        <a:rPr kumimoji="0" lang="en-US" sz="1000" b="1" u="sng" kern="1200" dirty="0" err="1" smtClean="0">
+                          <a:solidFill>
+                            <a:srgbClr val="000000"/>
+                          </a:solidFill>
+                          <a:effectLst/>
+                          <a:latin typeface="Verdana"/>
+                          <a:ea typeface="Calibri"/>
+                          <a:cs typeface="Times New Roman"/>
+                          <a:hlinkClick r:id="rId10" tooltip="Permalink to deferred.rejectWith()"/>
+                        </a:rPr>
+                        <a:t>deferred.rejectWith</a:t>
+                      </a:r>
+                      <a:r>
+                        <a:rPr kumimoji="0" lang="en-US" sz="1000" b="1" u="sng" kern="1200" dirty="0" smtClean="0">
+                          <a:solidFill>
+                            <a:srgbClr val="000000"/>
+                          </a:solidFill>
+                          <a:effectLst/>
+                          <a:latin typeface="Verdana"/>
+                          <a:ea typeface="Calibri"/>
+                          <a:cs typeface="Times New Roman"/>
+                          <a:hlinkClick r:id="rId10" tooltip="Permalink to deferred.rejectWith()"/>
+                        </a:rPr>
+                        <a:t>()</a:t>
+                      </a:r>
+                      <a:endParaRPr kumimoji="0" lang="en-US" sz="1000" b="1" u="sng" kern="1200" dirty="0" smtClean="0">
+                        <a:solidFill>
+                          <a:srgbClr val="000000"/>
+                        </a:solidFill>
+                        <a:effectLst/>
+                        <a:latin typeface="Verdana"/>
+                        <a:ea typeface="Calibri"/>
+                        <a:cs typeface="Times New Roman"/>
+                      </a:endParaRPr>
+                    </a:p>
+                  </a:txBody>
+                  <a:tcPr marL="47625" marR="47625" marT="66675" marB="66675"/>
+                </a:tc>
+                <a:tc>
+                  <a:txBody>
+                    <a:bodyPr/>
+                    <a:lstStyle/>
+                    <a:p>
+                      <a:pPr marL="0" marR="0">
+                        <a:lnSpc>
+                          <a:spcPts val="1265"/>
+                        </a:lnSpc>
+                        <a:spcBef>
+                          <a:spcPts val="0"/>
+                        </a:spcBef>
+                        <a:spcAft>
+                          <a:spcPts val="1000"/>
+                        </a:spcAft>
+                      </a:pPr>
+                      <a:r>
+                        <a:rPr kumimoji="0" lang="en-US" sz="1000" kern="1200" dirty="0" smtClean="0">
+                          <a:solidFill>
+                            <a:srgbClr val="404040"/>
+                          </a:solidFill>
+                          <a:effectLst/>
+                          <a:latin typeface="Verdana"/>
+                          <a:ea typeface="Calibri"/>
+                          <a:cs typeface="Times New Roman"/>
+                        </a:rPr>
+                        <a:t>Reject a Deferred object and call any fail Callbacks with the given context and </a:t>
+                      </a:r>
+                      <a:r>
+                        <a:rPr kumimoji="0" lang="en-US" sz="1000" kern="1200" dirty="0" err="1" smtClean="0">
+                          <a:solidFill>
+                            <a:srgbClr val="404040"/>
+                          </a:solidFill>
+                          <a:effectLst/>
+                          <a:latin typeface="Verdana"/>
+                          <a:ea typeface="Calibri"/>
+                          <a:cs typeface="Times New Roman"/>
+                        </a:rPr>
+                        <a:t>args</a:t>
+                      </a:r>
+                      <a:r>
+                        <a:rPr kumimoji="0" lang="en-US" sz="1000" kern="1200" dirty="0" smtClean="0">
+                          <a:solidFill>
+                            <a:srgbClr val="404040"/>
+                          </a:solidFill>
+                          <a:effectLst/>
+                          <a:latin typeface="Verdana"/>
+                          <a:ea typeface="Calibri"/>
+                          <a:cs typeface="Times New Roman"/>
+                        </a:rPr>
+                        <a:t>.</a:t>
+                      </a:r>
+                      <a:endParaRPr kumimoji="0" lang="en-US" sz="1000" kern="1200" dirty="0">
+                        <a:solidFill>
+                          <a:srgbClr val="404040"/>
+                        </a:solidFill>
+                        <a:effectLst/>
+                        <a:latin typeface="Verdana"/>
+                        <a:ea typeface="Calibri"/>
+                        <a:cs typeface="Times New Roman"/>
+                      </a:endParaRPr>
+                    </a:p>
+                  </a:txBody>
+                  <a:tcPr marL="47625" marR="47625" marT="66675" marB="66675"/>
+                </a:tc>
+              </a:tr>
+              <a:tr h="305851">
+                <a:tc>
+                  <a:txBody>
+                    <a:bodyPr/>
+                    <a:lstStyle/>
+                    <a:p>
+                      <a:pPr marL="0" marR="0" indent="0" algn="l" defTabSz="914400" rtl="0" eaLnBrk="1" fontAlgn="auto" latinLnBrk="0" hangingPunct="1">
+                        <a:lnSpc>
+                          <a:spcPts val="1265"/>
+                        </a:lnSpc>
+                        <a:spcBef>
+                          <a:spcPts val="0"/>
+                        </a:spcBef>
+                        <a:spcAft>
+                          <a:spcPts val="1000"/>
+                        </a:spcAft>
+                        <a:buClrTx/>
+                        <a:buSzTx/>
+                        <a:buFontTx/>
+                        <a:buNone/>
+                        <a:tabLst/>
+                        <a:defRPr/>
+                      </a:pPr>
+                      <a:r>
+                        <a:rPr kumimoji="0" lang="en-US" sz="1000" b="1" u="sng" kern="1200" dirty="0" err="1" smtClean="0">
+                          <a:solidFill>
+                            <a:srgbClr val="000000"/>
+                          </a:solidFill>
+                          <a:effectLst/>
+                          <a:latin typeface="Verdana"/>
+                          <a:ea typeface="Calibri"/>
+                          <a:cs typeface="Times New Roman"/>
+                          <a:hlinkClick r:id="rId11" tooltip="Permalink to deferred.resolve()"/>
+                        </a:rPr>
+                        <a:t>deferred.resolve</a:t>
+                      </a:r>
+                      <a:r>
+                        <a:rPr kumimoji="0" lang="en-US" sz="1000" b="1" u="sng" kern="1200" dirty="0" smtClean="0">
+                          <a:solidFill>
+                            <a:srgbClr val="000000"/>
+                          </a:solidFill>
+                          <a:effectLst/>
+                          <a:latin typeface="Verdana"/>
+                          <a:ea typeface="Calibri"/>
+                          <a:cs typeface="Times New Roman"/>
+                          <a:hlinkClick r:id="rId11" tooltip="Permalink to deferred.resolve()"/>
+                        </a:rPr>
+                        <a:t>()</a:t>
+                      </a:r>
+                      <a:endParaRPr kumimoji="0" lang="en-US" sz="1000" b="1" u="sng" kern="1200" dirty="0" smtClean="0">
+                        <a:solidFill>
+                          <a:srgbClr val="000000"/>
+                        </a:solidFill>
+                        <a:effectLst/>
+                        <a:latin typeface="Verdana"/>
+                        <a:ea typeface="Calibri"/>
+                        <a:cs typeface="Times New Roman"/>
+                      </a:endParaRPr>
+                    </a:p>
+                  </a:txBody>
+                  <a:tcPr marL="47625" marR="47625" marT="66675" marB="66675"/>
+                </a:tc>
+                <a:tc>
+                  <a:txBody>
+                    <a:bodyPr/>
+                    <a:lstStyle/>
+                    <a:p>
+                      <a:pPr marL="0" marR="0">
+                        <a:lnSpc>
+                          <a:spcPts val="1265"/>
+                        </a:lnSpc>
+                        <a:spcBef>
+                          <a:spcPts val="0"/>
+                        </a:spcBef>
+                        <a:spcAft>
+                          <a:spcPts val="1000"/>
+                        </a:spcAft>
+                      </a:pPr>
+                      <a:r>
+                        <a:rPr kumimoji="0" lang="en-US" sz="1000" kern="1200" dirty="0" smtClean="0">
+                          <a:solidFill>
+                            <a:srgbClr val="404040"/>
+                          </a:solidFill>
+                          <a:effectLst/>
+                          <a:latin typeface="Verdana"/>
+                          <a:ea typeface="Calibri"/>
+                          <a:cs typeface="Times New Roman"/>
+                        </a:rPr>
+                        <a:t>Resolve a Deferred object and call any done Callbacks with the given </a:t>
+                      </a:r>
+                      <a:r>
+                        <a:rPr kumimoji="0" lang="en-US" sz="1000" kern="1200" dirty="0" err="1" smtClean="0">
+                          <a:solidFill>
+                            <a:srgbClr val="404040"/>
+                          </a:solidFill>
+                          <a:effectLst/>
+                          <a:latin typeface="Verdana"/>
+                          <a:ea typeface="Calibri"/>
+                          <a:cs typeface="Times New Roman"/>
+                        </a:rPr>
+                        <a:t>args</a:t>
+                      </a:r>
+                      <a:r>
+                        <a:rPr kumimoji="0" lang="en-US" sz="1000" kern="1200" dirty="0" smtClean="0">
+                          <a:solidFill>
+                            <a:srgbClr val="404040"/>
+                          </a:solidFill>
+                          <a:effectLst/>
+                          <a:latin typeface="Verdana"/>
+                          <a:ea typeface="Calibri"/>
+                          <a:cs typeface="Times New Roman"/>
+                        </a:rPr>
+                        <a:t>.</a:t>
+                      </a:r>
+                      <a:endParaRPr kumimoji="0" lang="en-US" sz="1000" kern="1200" dirty="0">
+                        <a:solidFill>
+                          <a:srgbClr val="404040"/>
+                        </a:solidFill>
+                        <a:effectLst/>
+                        <a:latin typeface="Verdana"/>
+                        <a:ea typeface="Calibri"/>
+                        <a:cs typeface="Times New Roman"/>
+                      </a:endParaRPr>
+                    </a:p>
+                  </a:txBody>
+                  <a:tcPr marL="47625" marR="47625" marT="66675" marB="66675"/>
+                </a:tc>
+              </a:tr>
+              <a:tr h="305851">
+                <a:tc>
+                  <a:txBody>
+                    <a:bodyPr/>
+                    <a:lstStyle/>
+                    <a:p>
+                      <a:pPr marL="0" marR="0" indent="0" algn="l" defTabSz="914400" rtl="0" eaLnBrk="1" fontAlgn="auto" latinLnBrk="0" hangingPunct="1">
+                        <a:lnSpc>
+                          <a:spcPts val="1265"/>
+                        </a:lnSpc>
+                        <a:spcBef>
+                          <a:spcPts val="0"/>
+                        </a:spcBef>
+                        <a:spcAft>
+                          <a:spcPts val="1000"/>
+                        </a:spcAft>
+                        <a:buClrTx/>
+                        <a:buSzTx/>
+                        <a:buFontTx/>
+                        <a:buNone/>
+                        <a:tabLst/>
+                        <a:defRPr/>
+                      </a:pPr>
+                      <a:r>
+                        <a:rPr kumimoji="0" lang="en-US" sz="1000" b="1" u="sng" kern="1200" dirty="0" err="1" smtClean="0">
+                          <a:solidFill>
+                            <a:srgbClr val="000000"/>
+                          </a:solidFill>
+                          <a:effectLst/>
+                          <a:latin typeface="Verdana"/>
+                          <a:ea typeface="Calibri"/>
+                          <a:cs typeface="Times New Roman"/>
+                          <a:hlinkClick r:id="rId12" tooltip="Permalink to deferred.resolveWith()"/>
+                        </a:rPr>
+                        <a:t>deferred.resolveWith</a:t>
+                      </a:r>
+                      <a:r>
+                        <a:rPr kumimoji="0" lang="en-US" sz="1000" b="1" u="sng" kern="1200" dirty="0" smtClean="0">
+                          <a:solidFill>
+                            <a:srgbClr val="000000"/>
+                          </a:solidFill>
+                          <a:effectLst/>
+                          <a:latin typeface="Verdana"/>
+                          <a:ea typeface="Calibri"/>
+                          <a:cs typeface="Times New Roman"/>
+                          <a:hlinkClick r:id="rId12" tooltip="Permalink to deferred.resolveWith()"/>
+                        </a:rPr>
+                        <a:t>()</a:t>
+                      </a:r>
+                      <a:endParaRPr kumimoji="0" lang="en-US" sz="1000" b="1" u="sng" kern="1200" dirty="0" smtClean="0">
+                        <a:solidFill>
+                          <a:srgbClr val="000000"/>
+                        </a:solidFill>
+                        <a:effectLst/>
+                        <a:latin typeface="Verdana"/>
+                        <a:ea typeface="Calibri"/>
+                        <a:cs typeface="Times New Roman"/>
+                      </a:endParaRPr>
+                    </a:p>
+                  </a:txBody>
+                  <a:tcPr marL="47625" marR="47625" marT="66675" marB="66675"/>
+                </a:tc>
+                <a:tc>
+                  <a:txBody>
+                    <a:bodyPr/>
+                    <a:lstStyle/>
+                    <a:p>
+                      <a:pPr marL="0" marR="0">
+                        <a:lnSpc>
+                          <a:spcPts val="1265"/>
+                        </a:lnSpc>
+                        <a:spcBef>
+                          <a:spcPts val="0"/>
+                        </a:spcBef>
+                        <a:spcAft>
+                          <a:spcPts val="1000"/>
+                        </a:spcAft>
+                      </a:pPr>
+                      <a:r>
+                        <a:rPr kumimoji="0" lang="en-US" sz="1000" kern="1200" dirty="0" smtClean="0">
+                          <a:solidFill>
+                            <a:srgbClr val="404040"/>
+                          </a:solidFill>
+                          <a:effectLst/>
+                          <a:latin typeface="Verdana"/>
+                          <a:ea typeface="Calibri"/>
+                          <a:cs typeface="Times New Roman"/>
+                        </a:rPr>
+                        <a:t>Resolve a Deferred object and call any done Callbacks with the given context and </a:t>
+                      </a:r>
+                      <a:r>
+                        <a:rPr kumimoji="0" lang="en-US" sz="1000" kern="1200" dirty="0" err="1" smtClean="0">
+                          <a:solidFill>
+                            <a:srgbClr val="404040"/>
+                          </a:solidFill>
+                          <a:effectLst/>
+                          <a:latin typeface="Verdana"/>
+                          <a:ea typeface="Calibri"/>
+                          <a:cs typeface="Times New Roman"/>
+                        </a:rPr>
+                        <a:t>args</a:t>
+                      </a:r>
+                      <a:r>
+                        <a:rPr kumimoji="0" lang="en-US" sz="1000" kern="1200" dirty="0" smtClean="0">
+                          <a:solidFill>
+                            <a:srgbClr val="404040"/>
+                          </a:solidFill>
+                          <a:effectLst/>
+                          <a:latin typeface="Verdana"/>
+                          <a:ea typeface="Calibri"/>
+                          <a:cs typeface="Times New Roman"/>
+                        </a:rPr>
+                        <a:t>.</a:t>
+                      </a:r>
+                      <a:endParaRPr kumimoji="0" lang="en-US" sz="1000" kern="1200" dirty="0">
+                        <a:solidFill>
+                          <a:srgbClr val="404040"/>
+                        </a:solidFill>
+                        <a:effectLst/>
+                        <a:latin typeface="Verdana"/>
+                        <a:ea typeface="Calibri"/>
+                        <a:cs typeface="Times New Roman"/>
+                      </a:endParaRPr>
+                    </a:p>
+                  </a:txBody>
+                  <a:tcPr marL="47625" marR="47625" marT="66675" marB="66675"/>
+                </a:tc>
+              </a:tr>
+              <a:tr h="305851">
+                <a:tc>
+                  <a:txBody>
+                    <a:bodyPr/>
+                    <a:lstStyle/>
+                    <a:p>
+                      <a:pPr marL="0" marR="0" indent="0" algn="l" defTabSz="914400" rtl="0" eaLnBrk="1" fontAlgn="auto" latinLnBrk="0" hangingPunct="1">
+                        <a:lnSpc>
+                          <a:spcPts val="1265"/>
+                        </a:lnSpc>
+                        <a:spcBef>
+                          <a:spcPts val="0"/>
+                        </a:spcBef>
+                        <a:spcAft>
+                          <a:spcPts val="1000"/>
+                        </a:spcAft>
+                        <a:buClrTx/>
+                        <a:buSzTx/>
+                        <a:buFontTx/>
+                        <a:buNone/>
+                        <a:tabLst/>
+                        <a:defRPr/>
+                      </a:pPr>
+                      <a:r>
+                        <a:rPr kumimoji="0" lang="en-US" sz="1000" b="1" u="sng" kern="1200" dirty="0" err="1" smtClean="0">
+                          <a:solidFill>
+                            <a:srgbClr val="000000"/>
+                          </a:solidFill>
+                          <a:effectLst/>
+                          <a:latin typeface="Verdana"/>
+                          <a:ea typeface="Calibri"/>
+                          <a:cs typeface="Times New Roman"/>
+                          <a:hlinkClick r:id="rId13" tooltip="Permalink to deferred.state()"/>
+                        </a:rPr>
+                        <a:t>deferred.state</a:t>
+                      </a:r>
+                      <a:r>
+                        <a:rPr kumimoji="0" lang="en-US" sz="1000" b="1" u="sng" kern="1200" dirty="0" smtClean="0">
+                          <a:solidFill>
+                            <a:srgbClr val="000000"/>
+                          </a:solidFill>
+                          <a:effectLst/>
+                          <a:latin typeface="Verdana"/>
+                          <a:ea typeface="Calibri"/>
+                          <a:cs typeface="Times New Roman"/>
+                          <a:hlinkClick r:id="rId13" tooltip="Permalink to deferred.state()"/>
+                        </a:rPr>
+                        <a:t>()</a:t>
+                      </a:r>
+                      <a:endParaRPr kumimoji="0" lang="en-US" sz="1000" b="1" u="sng" kern="1200" dirty="0" smtClean="0">
+                        <a:solidFill>
+                          <a:srgbClr val="000000"/>
+                        </a:solidFill>
+                        <a:effectLst/>
+                        <a:latin typeface="Verdana"/>
+                        <a:ea typeface="Calibri"/>
+                        <a:cs typeface="Times New Roman"/>
+                      </a:endParaRPr>
+                    </a:p>
+                  </a:txBody>
+                  <a:tcPr marL="47625" marR="47625" marT="66675" marB="66675"/>
+                </a:tc>
+                <a:tc>
+                  <a:txBody>
+                    <a:bodyPr/>
+                    <a:lstStyle/>
+                    <a:p>
+                      <a:pPr marL="0" marR="0">
+                        <a:lnSpc>
+                          <a:spcPts val="1265"/>
+                        </a:lnSpc>
+                        <a:spcBef>
+                          <a:spcPts val="0"/>
+                        </a:spcBef>
+                        <a:spcAft>
+                          <a:spcPts val="1000"/>
+                        </a:spcAft>
+                      </a:pPr>
+                      <a:r>
+                        <a:rPr kumimoji="0" lang="en-US" sz="1000" kern="1200" dirty="0" smtClean="0">
+                          <a:solidFill>
+                            <a:srgbClr val="404040"/>
+                          </a:solidFill>
+                          <a:effectLst/>
+                          <a:latin typeface="Verdana"/>
+                          <a:ea typeface="Calibri"/>
+                          <a:cs typeface="Times New Roman"/>
+                        </a:rPr>
+                        <a:t>Determine the current state of a Deferred object.</a:t>
+                      </a:r>
+                      <a:endParaRPr kumimoji="0" lang="en-US" sz="1000" kern="1200" dirty="0">
+                        <a:solidFill>
+                          <a:srgbClr val="404040"/>
+                        </a:solidFill>
+                        <a:effectLst/>
+                        <a:latin typeface="Verdana"/>
+                        <a:ea typeface="Calibri"/>
+                        <a:cs typeface="Times New Roman"/>
+                      </a:endParaRPr>
+                    </a:p>
+                  </a:txBody>
+                  <a:tcPr marL="47625" marR="47625" marT="66675" marB="66675"/>
+                </a:tc>
+              </a:tr>
+              <a:tr h="305851">
+                <a:tc>
+                  <a:txBody>
+                    <a:bodyPr/>
+                    <a:lstStyle/>
+                    <a:p>
+                      <a:pPr marL="0" marR="0" indent="0" algn="l" defTabSz="914400" rtl="0" eaLnBrk="1" fontAlgn="auto" latinLnBrk="0" hangingPunct="1">
+                        <a:lnSpc>
+                          <a:spcPts val="1265"/>
+                        </a:lnSpc>
+                        <a:spcBef>
+                          <a:spcPts val="0"/>
+                        </a:spcBef>
+                        <a:spcAft>
+                          <a:spcPts val="1000"/>
+                        </a:spcAft>
+                        <a:buClrTx/>
+                        <a:buSzTx/>
+                        <a:buFontTx/>
+                        <a:buNone/>
+                        <a:tabLst/>
+                        <a:defRPr/>
+                      </a:pPr>
+                      <a:r>
+                        <a:rPr kumimoji="0" lang="en-US" sz="1000" b="1" u="sng" kern="1200" dirty="0" err="1" smtClean="0">
+                          <a:solidFill>
+                            <a:srgbClr val="000000"/>
+                          </a:solidFill>
+                          <a:effectLst/>
+                          <a:latin typeface="Verdana"/>
+                          <a:ea typeface="Calibri"/>
+                          <a:cs typeface="Times New Roman"/>
+                          <a:hlinkClick r:id="rId14" tooltip="Permalink to deferred.then()"/>
+                        </a:rPr>
+                        <a:t>deferred.then</a:t>
+                      </a:r>
+                      <a:r>
+                        <a:rPr kumimoji="0" lang="en-US" sz="1000" b="1" u="sng" kern="1200" dirty="0" smtClean="0">
+                          <a:solidFill>
+                            <a:srgbClr val="000000"/>
+                          </a:solidFill>
+                          <a:effectLst/>
+                          <a:latin typeface="Verdana"/>
+                          <a:ea typeface="Calibri"/>
+                          <a:cs typeface="Times New Roman"/>
+                          <a:hlinkClick r:id="rId14" tooltip="Permalink to deferred.then()"/>
+                        </a:rPr>
+                        <a:t>()</a:t>
+                      </a:r>
+                      <a:endParaRPr kumimoji="0" lang="en-US" sz="1000" b="1" u="sng" kern="1200" dirty="0" smtClean="0">
+                        <a:solidFill>
+                          <a:srgbClr val="000000"/>
+                        </a:solidFill>
+                        <a:effectLst/>
+                        <a:latin typeface="Verdana"/>
+                        <a:ea typeface="Calibri"/>
+                        <a:cs typeface="Times New Roman"/>
+                      </a:endParaRPr>
+                    </a:p>
+                  </a:txBody>
+                  <a:tcPr marL="47625" marR="47625" marT="66675" marB="66675"/>
+                </a:tc>
+                <a:tc>
+                  <a:txBody>
+                    <a:bodyPr/>
+                    <a:lstStyle/>
+                    <a:p>
+                      <a:pPr marL="0" marR="0">
+                        <a:lnSpc>
+                          <a:spcPts val="1265"/>
+                        </a:lnSpc>
+                        <a:spcBef>
+                          <a:spcPts val="0"/>
+                        </a:spcBef>
+                        <a:spcAft>
+                          <a:spcPts val="1000"/>
+                        </a:spcAft>
+                      </a:pPr>
+                      <a:r>
+                        <a:rPr kumimoji="0" lang="en-US" sz="1000" kern="1200" dirty="0" smtClean="0">
+                          <a:solidFill>
+                            <a:srgbClr val="404040"/>
+                          </a:solidFill>
+                          <a:effectLst/>
+                          <a:latin typeface="Verdana"/>
+                          <a:ea typeface="Calibri"/>
+                          <a:cs typeface="Times New Roman"/>
+                        </a:rPr>
+                        <a:t>Add handlers to be called when the Deferred object is resolved, rejected, or still in progress.</a:t>
+                      </a:r>
+                      <a:endParaRPr kumimoji="0" lang="en-US" sz="1000" kern="1200" dirty="0">
+                        <a:solidFill>
+                          <a:srgbClr val="404040"/>
+                        </a:solidFill>
+                        <a:effectLst/>
+                        <a:latin typeface="Verdana"/>
+                        <a:ea typeface="Calibri"/>
+                        <a:cs typeface="Times New Roman"/>
+                      </a:endParaRPr>
+                    </a:p>
+                  </a:txBody>
+                  <a:tcPr marL="47625" marR="47625" marT="66675" marB="66675"/>
+                </a:tc>
+              </a:tr>
+              <a:tr h="433958">
+                <a:tc>
+                  <a:txBody>
+                    <a:bodyPr/>
+                    <a:lstStyle/>
+                    <a:p>
+                      <a:pPr marL="0" marR="0" indent="0" algn="l" defTabSz="914400" rtl="0" eaLnBrk="1" fontAlgn="auto" latinLnBrk="0" hangingPunct="1">
+                        <a:lnSpc>
+                          <a:spcPts val="1265"/>
+                        </a:lnSpc>
+                        <a:spcBef>
+                          <a:spcPts val="0"/>
+                        </a:spcBef>
+                        <a:spcAft>
+                          <a:spcPts val="1000"/>
+                        </a:spcAft>
+                        <a:buClrTx/>
+                        <a:buSzTx/>
+                        <a:buFontTx/>
+                        <a:buNone/>
+                        <a:tabLst/>
+                        <a:defRPr/>
+                      </a:pPr>
+                      <a:r>
+                        <a:rPr kumimoji="0" lang="en-US" sz="1000" b="1" u="sng" kern="1200" dirty="0" err="1" smtClean="0">
+                          <a:solidFill>
+                            <a:srgbClr val="000000"/>
+                          </a:solidFill>
+                          <a:effectLst/>
+                          <a:latin typeface="Verdana"/>
+                          <a:ea typeface="Calibri"/>
+                          <a:cs typeface="Times New Roman"/>
+                          <a:hlinkClick r:id="rId15" tooltip="Permalink to jQuery.when()"/>
+                        </a:rPr>
+                        <a:t>jQuery.when</a:t>
+                      </a:r>
+                      <a:r>
+                        <a:rPr kumimoji="0" lang="en-US" sz="1000" b="1" u="sng" kern="1200" dirty="0" smtClean="0">
+                          <a:solidFill>
+                            <a:srgbClr val="000000"/>
+                          </a:solidFill>
+                          <a:effectLst/>
+                          <a:latin typeface="Verdana"/>
+                          <a:ea typeface="Calibri"/>
+                          <a:cs typeface="Times New Roman"/>
+                          <a:hlinkClick r:id="rId15" tooltip="Permalink to jQuery.when()"/>
+                        </a:rPr>
+                        <a:t>()</a:t>
+                      </a:r>
+                      <a:endParaRPr kumimoji="0" lang="en-US" sz="1000" b="1" u="sng" kern="1200" dirty="0" smtClean="0">
+                        <a:solidFill>
+                          <a:srgbClr val="000000"/>
+                        </a:solidFill>
+                        <a:effectLst/>
+                        <a:latin typeface="Verdana"/>
+                        <a:ea typeface="Calibri"/>
+                        <a:cs typeface="Times New Roman"/>
+                      </a:endParaRPr>
+                    </a:p>
+                  </a:txBody>
+                  <a:tcPr marL="47625" marR="47625" marT="66675" marB="66675"/>
+                </a:tc>
+                <a:tc>
+                  <a:txBody>
+                    <a:bodyPr/>
+                    <a:lstStyle/>
+                    <a:p>
+                      <a:pPr marL="0" marR="0">
+                        <a:lnSpc>
+                          <a:spcPts val="1265"/>
+                        </a:lnSpc>
+                        <a:spcBef>
+                          <a:spcPts val="0"/>
+                        </a:spcBef>
+                        <a:spcAft>
+                          <a:spcPts val="1000"/>
+                        </a:spcAft>
+                      </a:pPr>
+                      <a:r>
+                        <a:rPr kumimoji="0" lang="en-US" sz="1000" kern="1200" dirty="0" smtClean="0">
+                          <a:solidFill>
+                            <a:srgbClr val="404040"/>
+                          </a:solidFill>
+                          <a:effectLst/>
+                          <a:latin typeface="Verdana"/>
+                          <a:ea typeface="Calibri"/>
+                          <a:cs typeface="Times New Roman"/>
+                        </a:rPr>
+                        <a:t>Provides a way to execute callback functions based on one or more objects, usually Deferred objects that represent asynchronous events.</a:t>
+                      </a:r>
+                      <a:endParaRPr kumimoji="0" lang="en-US" sz="1000" kern="1200" dirty="0">
+                        <a:solidFill>
+                          <a:srgbClr val="404040"/>
+                        </a:solidFill>
+                        <a:effectLst/>
+                        <a:latin typeface="Verdana"/>
+                        <a:ea typeface="Calibri"/>
+                        <a:cs typeface="Times New Roman"/>
+                      </a:endParaRPr>
+                    </a:p>
+                  </a:txBody>
+                  <a:tcPr marL="47625" marR="47625" marT="66675" marB="66675"/>
+                </a:tc>
+              </a:tr>
+            </a:tbl>
+          </a:graphicData>
+        </a:graphic>
+      </p:graphicFrame>
+      <p:sp>
+        <p:nvSpPr>
+          <p:cNvPr id="5" name="Content Placeholder 2"/>
+          <p:cNvSpPr>
+            <a:spLocks noGrp="1"/>
+          </p:cNvSpPr>
+          <p:nvPr>
+            <p:ph sz="quarter" idx="1"/>
+          </p:nvPr>
+        </p:nvSpPr>
+        <p:spPr>
+          <a:xfrm>
+            <a:off x="228600" y="1524000"/>
+            <a:ext cx="8915400" cy="381000"/>
+          </a:xfrm>
+        </p:spPr>
+        <p:txBody>
+          <a:bodyPr>
+            <a:normAutofit fontScale="77500" lnSpcReduction="20000"/>
+          </a:bodyPr>
+          <a:lstStyle/>
+          <a:p>
+            <a:pPr marL="0" indent="0">
+              <a:buNone/>
+            </a:pPr>
+            <a:r>
+              <a:rPr lang="en-US" b="1" dirty="0" smtClean="0"/>
+              <a:t>Deferred Object Methods:</a:t>
+            </a:r>
+            <a:endParaRPr lang="en-US" dirty="0" smtClean="0"/>
+          </a:p>
+          <a:p>
+            <a:pPr marL="365760" lvl="1" indent="0">
+              <a:buNone/>
+            </a:pPr>
+            <a:endParaRPr lang="en-US" dirty="0"/>
+          </a:p>
+        </p:txBody>
+      </p:sp>
+    </p:spTree>
+    <p:extLst>
+      <p:ext uri="{BB962C8B-B14F-4D97-AF65-F5344CB8AC3E}">
+        <p14:creationId xmlns:p14="http://schemas.microsoft.com/office/powerpoint/2010/main" val="3476849033"/>
+      </p:ext>
+    </p:extLst>
+  </p:cSld>
+  <p:clrMapOvr>
+    <a:masterClrMapping/>
+  </p:clrMapOvr>
+  <p:timing>
+    <p:tnLst>
+      <p:par>
+        <p:cTn id="1" dur="indefinite" restart="never" nodeType="tmRoot"/>
+      </p:par>
+    </p:tnLst>
+  </p:timing>
+</p:sld>
+</file>
+
+<file path=ppt/slides/slide21.xml><?xml version="1.0" encoding="utf-8"?>
 <p:sld xmlns:a="http://schemas.openxmlformats.org/drawingml/2006/main" xmlns:r="http://schemas.openxmlformats.org/officeDocument/2006/relationships" xmlns:p="http://schemas.openxmlformats.org/presentationml/2006/main">
   <p:cSld>
     <p:spTree>
@@ -10228,126 +12240,7 @@
 </p:sld>
 </file>
 
-<file path=ppt/slides/slide2.xml><?xml version="1.0" encoding="utf-8"?>
-<p:sld xmlns:a="http://schemas.openxmlformats.org/drawingml/2006/main" xmlns:r="http://schemas.openxmlformats.org/officeDocument/2006/relationships" xmlns:p="http://schemas.openxmlformats.org/presentationml/2006/main">
-  <p:cSld>
-    <p:spTree>
-      <p:nvGrpSpPr>
-        <p:cNvPr id="1" name=""/>
-        <p:cNvGrpSpPr/>
-        <p:nvPr/>
-      </p:nvGrpSpPr>
-      <p:grpSpPr>
-        <a:xfrm>
-          <a:off x="0" y="0"/>
-          <a:ext cx="0" cy="0"/>
-          <a:chOff x="0" y="0"/>
-          <a:chExt cx="0" cy="0"/>
-        </a:xfrm>
-      </p:grpSpPr>
-      <p:sp>
-        <p:nvSpPr>
-          <p:cNvPr id="2" name="Title 1"/>
-          <p:cNvSpPr>
-            <a:spLocks noGrp="1"/>
-          </p:cNvSpPr>
-          <p:nvPr>
-            <p:ph type="title"/>
-          </p:nvPr>
-        </p:nvSpPr>
-        <p:spPr/>
-        <p:txBody>
-          <a:bodyPr/>
-          <a:lstStyle/>
-          <a:p>
-            <a:r>
-              <a:rPr lang="en-US" dirty="0" smtClean="0"/>
-              <a:t>Contents</a:t>
-            </a:r>
-            <a:endParaRPr lang="en-US" dirty="0"/>
-          </a:p>
-        </p:txBody>
-      </p:sp>
-      <p:sp>
-        <p:nvSpPr>
-          <p:cNvPr id="3" name="Content Placeholder 2"/>
-          <p:cNvSpPr>
-            <a:spLocks noGrp="1"/>
-          </p:cNvSpPr>
-          <p:nvPr>
-            <p:ph sz="quarter" idx="1"/>
-          </p:nvPr>
-        </p:nvSpPr>
-        <p:spPr/>
-        <p:txBody>
-          <a:bodyPr>
-            <a:normAutofit/>
-          </a:bodyPr>
-          <a:lstStyle/>
-          <a:p>
-            <a:pPr lvl="0"/>
-            <a:r>
-              <a:rPr lang="en-IN" dirty="0" smtClean="0"/>
-              <a:t>Jquery</a:t>
-            </a:r>
-          </a:p>
-          <a:p>
-            <a:r>
-              <a:rPr lang="en-IN" dirty="0"/>
-              <a:t>Jquery Plug-in </a:t>
-            </a:r>
-            <a:r>
-              <a:rPr lang="en-IN" dirty="0" smtClean="0"/>
-              <a:t>Implementation</a:t>
-            </a:r>
-            <a:endParaRPr lang="en-US" dirty="0"/>
-          </a:p>
-          <a:p>
-            <a:pPr lvl="0"/>
-            <a:r>
-              <a:rPr lang="en-IN" dirty="0"/>
-              <a:t>Jquery Widget Implementation</a:t>
-            </a:r>
-            <a:endParaRPr lang="en-US" dirty="0"/>
-          </a:p>
-          <a:p>
-            <a:pPr lvl="0"/>
-            <a:r>
-              <a:rPr lang="en-IN" dirty="0" smtClean="0"/>
-              <a:t>Jquery </a:t>
-            </a:r>
-            <a:r>
-              <a:rPr lang="en-IN" dirty="0"/>
-              <a:t>Plug-In Vs. Jquery Widget</a:t>
-            </a:r>
-            <a:endParaRPr lang="en-US" dirty="0"/>
-          </a:p>
-          <a:p>
-            <a:endParaRPr lang="en-US" dirty="0"/>
-          </a:p>
-        </p:txBody>
-      </p:sp>
-    </p:spTree>
-    <p:extLst>
-      <p:ext uri="{BB962C8B-B14F-4D97-AF65-F5344CB8AC3E}">
-        <p14:creationId xmlns:p14="http://schemas.microsoft.com/office/powerpoint/2010/main" val="2270295392"/>
-      </p:ext>
-    </p:extLst>
-  </p:cSld>
-  <p:clrMapOvr>
-    <a:masterClrMapping/>
-  </p:clrMapOvr>
-  <p:timing>
-    <p:tnLst>
-      <p:par>
-        <p:cTn id="1" dur="indefinite" restart="never" nodeType="tmRoot"/>
-      </p:par>
-    </p:tnLst>
-  </p:timing>
-</p:sld>
-</file>
-
-<file path=ppt/slides/slide20.xml><?xml version="1.0" encoding="utf-8"?>
+<file path=ppt/slides/slide22.xml><?xml version="1.0" encoding="utf-8"?>
 <p:sld xmlns:a="http://schemas.openxmlformats.org/drawingml/2006/main" xmlns:r="http://schemas.openxmlformats.org/officeDocument/2006/relationships" xmlns:p="http://schemas.openxmlformats.org/presentationml/2006/main">
   <p:cSld>
     <p:spTree>
@@ -10546,7 +12439,7 @@
 </p:sld>
 </file>
 
-<file path=ppt/slides/slide21.xml><?xml version="1.0" encoding="utf-8"?>
+<file path=ppt/slides/slide23.xml><?xml version="1.0" encoding="utf-8"?>
 <p:sld xmlns:a="http://schemas.openxmlformats.org/drawingml/2006/main" xmlns:r="http://schemas.openxmlformats.org/officeDocument/2006/relationships" xmlns:p="http://schemas.openxmlformats.org/presentationml/2006/main">
   <p:cSld>
     <p:spTree>
@@ -10711,7 +12604,7 @@
 </p:sld>
 </file>
 
-<file path=ppt/slides/slide22.xml><?xml version="1.0" encoding="utf-8"?>
+<file path=ppt/slides/slide24.xml><?xml version="1.0" encoding="utf-8"?>
 <p:sld xmlns:a="http://schemas.openxmlformats.org/drawingml/2006/main" xmlns:r="http://schemas.openxmlformats.org/officeDocument/2006/relationships" xmlns:p="http://schemas.openxmlformats.org/presentationml/2006/main">
   <p:cSld>
     <p:spTree>
@@ -10967,7 +12860,6 @@
               <a:rPr lang="en-US" dirty="0" smtClean="0"/>
               <a:t>AJAX</a:t>
             </a:r>
-            <a:endParaRPr lang="en-US" dirty="0" smtClean="0"/>
           </a:p>
           <a:p>
             <a:pPr lvl="1"/>

--- a/Advanced Javascript Day-2.pptx
+++ b/Advanced Javascript Day-2.pptx
@@ -207,7 +207,7 @@
           <a:p>
             <a:fld id="{26151B0D-99E5-4A1B-9DBD-0880C37D7AC7}" type="datetimeFigureOut">
               <a:rPr lang="en-US" smtClean="0"/>
-              <a:t>2/19/2014</a:t>
+              <a:t>2/20/2014</a:t>
             </a:fld>
             <a:endParaRPr lang="en-US"/>
           </a:p>
@@ -769,7 +769,7 @@
             <a:fld id="{30EFA729-0062-401D-B7BF-B91E3DD8EF4A}" type="datetimeFigureOut">
               <a:rPr lang="en-US" smtClean="0"/>
               <a:pPr/>
-              <a:t>2/19/2014</a:t>
+              <a:t>2/20/2014</a:t>
             </a:fld>
             <a:endParaRPr lang="en-US"/>
           </a:p>
@@ -965,7 +965,7 @@
             <a:fld id="{30EFA729-0062-401D-B7BF-B91E3DD8EF4A}" type="datetimeFigureOut">
               <a:rPr lang="en-US" smtClean="0"/>
               <a:pPr/>
-              <a:t>2/19/2014</a:t>
+              <a:t>2/20/2014</a:t>
             </a:fld>
             <a:endParaRPr lang="en-US"/>
           </a:p>
@@ -1155,7 +1155,7 @@
             <a:fld id="{30EFA729-0062-401D-B7BF-B91E3DD8EF4A}" type="datetimeFigureOut">
               <a:rPr lang="en-US" smtClean="0"/>
               <a:pPr/>
-              <a:t>2/19/2014</a:t>
+              <a:t>2/20/2014</a:t>
             </a:fld>
             <a:endParaRPr lang="en-US"/>
           </a:p>
@@ -1423,7 +1423,7 @@
             <a:fld id="{30EFA729-0062-401D-B7BF-B91E3DD8EF4A}" type="datetimeFigureOut">
               <a:rPr lang="en-US" smtClean="0"/>
               <a:pPr/>
-              <a:t>2/19/2014</a:t>
+              <a:t>2/20/2014</a:t>
             </a:fld>
             <a:endParaRPr lang="en-US"/>
           </a:p>
@@ -1851,7 +1851,7 @@
             <a:fld id="{30EFA729-0062-401D-B7BF-B91E3DD8EF4A}" type="datetimeFigureOut">
               <a:rPr lang="en-US" smtClean="0"/>
               <a:pPr/>
-              <a:t>2/19/2014</a:t>
+              <a:t>2/20/2014</a:t>
             </a:fld>
             <a:endParaRPr lang="en-US"/>
           </a:p>
@@ -2098,7 +2098,7 @@
             <a:fld id="{30EFA729-0062-401D-B7BF-B91E3DD8EF4A}" type="datetimeFigureOut">
               <a:rPr lang="en-US" smtClean="0"/>
               <a:pPr/>
-              <a:t>2/19/2014</a:t>
+              <a:t>2/20/2014</a:t>
             </a:fld>
             <a:endParaRPr lang="en-US"/>
           </a:p>
@@ -2339,7 +2339,7 @@
             <a:fld id="{30EFA729-0062-401D-B7BF-B91E3DD8EF4A}" type="datetimeFigureOut">
               <a:rPr lang="en-US" smtClean="0"/>
               <a:pPr/>
-              <a:t>2/19/2014</a:t>
+              <a:t>2/20/2014</a:t>
             </a:fld>
             <a:endParaRPr lang="en-US"/>
           </a:p>
@@ -2539,7 +2539,7 @@
             <a:fld id="{30EFA729-0062-401D-B7BF-B91E3DD8EF4A}" type="datetimeFigureOut">
               <a:rPr lang="en-US" smtClean="0"/>
               <a:pPr/>
-              <a:t>2/19/2014</a:t>
+              <a:t>2/20/2014</a:t>
             </a:fld>
             <a:endParaRPr lang="en-US"/>
           </a:p>
@@ -2642,7 +2642,7 @@
             <a:fld id="{30EFA729-0062-401D-B7BF-B91E3DD8EF4A}" type="datetimeFigureOut">
               <a:rPr lang="en-US" smtClean="0"/>
               <a:pPr/>
-              <a:t>2/19/2014</a:t>
+              <a:t>2/20/2014</a:t>
             </a:fld>
             <a:endParaRPr lang="en-US"/>
           </a:p>
@@ -2783,7 +2783,7 @@
             <a:fld id="{30EFA729-0062-401D-B7BF-B91E3DD8EF4A}" type="datetimeFigureOut">
               <a:rPr lang="en-US" smtClean="0"/>
               <a:pPr/>
-              <a:t>2/19/2014</a:t>
+              <a:t>2/20/2014</a:t>
             </a:fld>
             <a:endParaRPr lang="en-US"/>
           </a:p>
@@ -3306,7 +3306,7 @@
             <a:fld id="{30EFA729-0062-401D-B7BF-B91E3DD8EF4A}" type="datetimeFigureOut">
               <a:rPr lang="en-US" smtClean="0"/>
               <a:pPr/>
-              <a:t>2/19/2014</a:t>
+              <a:t>2/20/2014</a:t>
             </a:fld>
             <a:endParaRPr lang="en-US"/>
           </a:p>
@@ -3572,7 +3572,7 @@
             <a:fld id="{30EFA729-0062-401D-B7BF-B91E3DD8EF4A}" type="datetimeFigureOut">
               <a:rPr lang="en-US" smtClean="0"/>
               <a:pPr/>
-              <a:t>2/19/2014</a:t>
+              <a:t>2/20/2014</a:t>
             </a:fld>
             <a:endParaRPr lang="en-US"/>
           </a:p>
@@ -5989,7 +5989,129 @@
   <p:timing>
     <p:tnLst>
       <p:par>
-        <p:cTn id="1" dur="indefinite" restart="never" nodeType="tmRoot"/>
+        <p:cTn id="1" dur="indefinite" restart="never" nodeType="tmRoot">
+          <p:childTnLst>
+            <p:seq concurrent="1" nextAc="seek">
+              <p:cTn id="2" dur="indefinite" nodeType="mainSeq">
+                <p:childTnLst>
+                  <p:par>
+                    <p:cTn id="3" fill="hold">
+                      <p:stCondLst>
+                        <p:cond delay="indefinite"/>
+                      </p:stCondLst>
+                      <p:childTnLst>
+                        <p:par>
+                          <p:cTn id="4" fill="hold">
+                            <p:stCondLst>
+                              <p:cond delay="0"/>
+                            </p:stCondLst>
+                            <p:childTnLst>
+                              <p:par>
+                                <p:cTn id="5" presetID="42" presetClass="entr" presetSubtype="0" fill="hold" nodeType="clickEffect">
+                                  <p:stCondLst>
+                                    <p:cond delay="0"/>
+                                  </p:stCondLst>
+                                  <p:childTnLst>
+                                    <p:set>
+                                      <p:cBhvr>
+                                        <p:cTn id="6" dur="1" fill="hold">
+                                          <p:stCondLst>
+                                            <p:cond delay="0"/>
+                                          </p:stCondLst>
+                                        </p:cTn>
+                                        <p:tgtEl>
+                                          <p:spTgt spid="4"/>
+                                        </p:tgtEl>
+                                        <p:attrNameLst>
+                                          <p:attrName>style.visibility</p:attrName>
+                                        </p:attrNameLst>
+                                      </p:cBhvr>
+                                      <p:to>
+                                        <p:strVal val="visible"/>
+                                      </p:to>
+                                    </p:set>
+                                    <p:animEffect transition="in" filter="fade">
+                                      <p:cBhvr>
+                                        <p:cTn id="7" dur="1000"/>
+                                        <p:tgtEl>
+                                          <p:spTgt spid="4"/>
+                                        </p:tgtEl>
+                                      </p:cBhvr>
+                                    </p:animEffect>
+                                    <p:anim calcmode="lin" valueType="num">
+                                      <p:cBhvr>
+                                        <p:cTn id="8" dur="1000" fill="hold"/>
+                                        <p:tgtEl>
+                                          <p:spTgt spid="4"/>
+                                        </p:tgtEl>
+                                        <p:attrNameLst>
+                                          <p:attrName>ppt_x</p:attrName>
+                                        </p:attrNameLst>
+                                      </p:cBhvr>
+                                      <p:tavLst>
+                                        <p:tav tm="0">
+                                          <p:val>
+                                            <p:strVal val="#ppt_x"/>
+                                          </p:val>
+                                        </p:tav>
+                                        <p:tav tm="100000">
+                                          <p:val>
+                                            <p:strVal val="#ppt_x"/>
+                                          </p:val>
+                                        </p:tav>
+                                      </p:tavLst>
+                                    </p:anim>
+                                    <p:anim calcmode="lin" valueType="num">
+                                      <p:cBhvr>
+                                        <p:cTn id="9" dur="1000" fill="hold"/>
+                                        <p:tgtEl>
+                                          <p:spTgt spid="4"/>
+                                        </p:tgtEl>
+                                        <p:attrNameLst>
+                                          <p:attrName>ppt_y</p:attrName>
+                                        </p:attrNameLst>
+                                      </p:cBhvr>
+                                      <p:tavLst>
+                                        <p:tav tm="0">
+                                          <p:val>
+                                            <p:strVal val="#ppt_y+.1"/>
+                                          </p:val>
+                                        </p:tav>
+                                        <p:tav tm="100000">
+                                          <p:val>
+                                            <p:strVal val="#ppt_y"/>
+                                          </p:val>
+                                        </p:tav>
+                                      </p:tavLst>
+                                    </p:anim>
+                                  </p:childTnLst>
+                                </p:cTn>
+                              </p:par>
+                            </p:childTnLst>
+                          </p:cTn>
+                        </p:par>
+                      </p:childTnLst>
+                    </p:cTn>
+                  </p:par>
+                </p:childTnLst>
+              </p:cTn>
+              <p:prevCondLst>
+                <p:cond evt="onPrev" delay="0">
+                  <p:tgtEl>
+                    <p:sldTgt/>
+                  </p:tgtEl>
+                </p:cond>
+              </p:prevCondLst>
+              <p:nextCondLst>
+                <p:cond evt="onNext" delay="0">
+                  <p:tgtEl>
+                    <p:sldTgt/>
+                  </p:tgtEl>
+                </p:cond>
+              </p:nextCondLst>
+            </p:seq>
+          </p:childTnLst>
+        </p:cTn>
       </p:par>
     </p:tnLst>
   </p:timing>
@@ -6132,7 +6254,375 @@
   <p:timing>
     <p:tnLst>
       <p:par>
-        <p:cTn id="1" dur="indefinite" restart="never" nodeType="tmRoot"/>
+        <p:cTn id="1" dur="indefinite" restart="never" nodeType="tmRoot">
+          <p:childTnLst>
+            <p:seq concurrent="1" nextAc="seek">
+              <p:cTn id="2" dur="indefinite" nodeType="mainSeq">
+                <p:childTnLst>
+                  <p:par>
+                    <p:cTn id="3" fill="hold">
+                      <p:stCondLst>
+                        <p:cond delay="indefinite"/>
+                      </p:stCondLst>
+                      <p:childTnLst>
+                        <p:par>
+                          <p:cTn id="4" fill="hold">
+                            <p:stCondLst>
+                              <p:cond delay="0"/>
+                            </p:stCondLst>
+                            <p:childTnLst>
+                              <p:par>
+                                <p:cTn id="5" presetID="42" presetClass="entr" presetSubtype="0" fill="hold" nodeType="clickEffect">
+                                  <p:stCondLst>
+                                    <p:cond delay="0"/>
+                                  </p:stCondLst>
+                                  <p:childTnLst>
+                                    <p:set>
+                                      <p:cBhvr>
+                                        <p:cTn id="6" dur="1" fill="hold">
+                                          <p:stCondLst>
+                                            <p:cond delay="0"/>
+                                          </p:stCondLst>
+                                        </p:cTn>
+                                        <p:tgtEl>
+                                          <p:spTgt spid="3">
+                                            <p:txEl>
+                                              <p:pRg st="1" end="1"/>
+                                            </p:txEl>
+                                          </p:spTgt>
+                                        </p:tgtEl>
+                                        <p:attrNameLst>
+                                          <p:attrName>style.visibility</p:attrName>
+                                        </p:attrNameLst>
+                                      </p:cBhvr>
+                                      <p:to>
+                                        <p:strVal val="visible"/>
+                                      </p:to>
+                                    </p:set>
+                                    <p:animEffect transition="in" filter="fade">
+                                      <p:cBhvr>
+                                        <p:cTn id="7" dur="1000"/>
+                                        <p:tgtEl>
+                                          <p:spTgt spid="3">
+                                            <p:txEl>
+                                              <p:pRg st="1" end="1"/>
+                                            </p:txEl>
+                                          </p:spTgt>
+                                        </p:tgtEl>
+                                      </p:cBhvr>
+                                    </p:animEffect>
+                                    <p:anim calcmode="lin" valueType="num">
+                                      <p:cBhvr>
+                                        <p:cTn id="8" dur="1000" fill="hold"/>
+                                        <p:tgtEl>
+                                          <p:spTgt spid="3">
+                                            <p:txEl>
+                                              <p:pRg st="1" end="1"/>
+                                            </p:txEl>
+                                          </p:spTgt>
+                                        </p:tgtEl>
+                                        <p:attrNameLst>
+                                          <p:attrName>ppt_x</p:attrName>
+                                        </p:attrNameLst>
+                                      </p:cBhvr>
+                                      <p:tavLst>
+                                        <p:tav tm="0">
+                                          <p:val>
+                                            <p:strVal val="#ppt_x"/>
+                                          </p:val>
+                                        </p:tav>
+                                        <p:tav tm="100000">
+                                          <p:val>
+                                            <p:strVal val="#ppt_x"/>
+                                          </p:val>
+                                        </p:tav>
+                                      </p:tavLst>
+                                    </p:anim>
+                                    <p:anim calcmode="lin" valueType="num">
+                                      <p:cBhvr>
+                                        <p:cTn id="9" dur="1000" fill="hold"/>
+                                        <p:tgtEl>
+                                          <p:spTgt spid="3">
+                                            <p:txEl>
+                                              <p:pRg st="1" end="1"/>
+                                            </p:txEl>
+                                          </p:spTgt>
+                                        </p:tgtEl>
+                                        <p:attrNameLst>
+                                          <p:attrName>ppt_y</p:attrName>
+                                        </p:attrNameLst>
+                                      </p:cBhvr>
+                                      <p:tavLst>
+                                        <p:tav tm="0">
+                                          <p:val>
+                                            <p:strVal val="#ppt_y+.1"/>
+                                          </p:val>
+                                        </p:tav>
+                                        <p:tav tm="100000">
+                                          <p:val>
+                                            <p:strVal val="#ppt_y"/>
+                                          </p:val>
+                                        </p:tav>
+                                      </p:tavLst>
+                                    </p:anim>
+                                  </p:childTnLst>
+                                </p:cTn>
+                              </p:par>
+                            </p:childTnLst>
+                          </p:cTn>
+                        </p:par>
+                      </p:childTnLst>
+                    </p:cTn>
+                  </p:par>
+                  <p:par>
+                    <p:cTn id="10" fill="hold">
+                      <p:stCondLst>
+                        <p:cond delay="indefinite"/>
+                      </p:stCondLst>
+                      <p:childTnLst>
+                        <p:par>
+                          <p:cTn id="11" fill="hold">
+                            <p:stCondLst>
+                              <p:cond delay="0"/>
+                            </p:stCondLst>
+                            <p:childTnLst>
+                              <p:par>
+                                <p:cTn id="12" presetID="42" presetClass="entr" presetSubtype="0" fill="hold" nodeType="clickEffect">
+                                  <p:stCondLst>
+                                    <p:cond delay="0"/>
+                                  </p:stCondLst>
+                                  <p:childTnLst>
+                                    <p:set>
+                                      <p:cBhvr>
+                                        <p:cTn id="13" dur="1" fill="hold">
+                                          <p:stCondLst>
+                                            <p:cond delay="0"/>
+                                          </p:stCondLst>
+                                        </p:cTn>
+                                        <p:tgtEl>
+                                          <p:spTgt spid="3">
+                                            <p:txEl>
+                                              <p:pRg st="2" end="2"/>
+                                            </p:txEl>
+                                          </p:spTgt>
+                                        </p:tgtEl>
+                                        <p:attrNameLst>
+                                          <p:attrName>style.visibility</p:attrName>
+                                        </p:attrNameLst>
+                                      </p:cBhvr>
+                                      <p:to>
+                                        <p:strVal val="visible"/>
+                                      </p:to>
+                                    </p:set>
+                                    <p:animEffect transition="in" filter="fade">
+                                      <p:cBhvr>
+                                        <p:cTn id="14" dur="1000"/>
+                                        <p:tgtEl>
+                                          <p:spTgt spid="3">
+                                            <p:txEl>
+                                              <p:pRg st="2" end="2"/>
+                                            </p:txEl>
+                                          </p:spTgt>
+                                        </p:tgtEl>
+                                      </p:cBhvr>
+                                    </p:animEffect>
+                                    <p:anim calcmode="lin" valueType="num">
+                                      <p:cBhvr>
+                                        <p:cTn id="15" dur="1000" fill="hold"/>
+                                        <p:tgtEl>
+                                          <p:spTgt spid="3">
+                                            <p:txEl>
+                                              <p:pRg st="2" end="2"/>
+                                            </p:txEl>
+                                          </p:spTgt>
+                                        </p:tgtEl>
+                                        <p:attrNameLst>
+                                          <p:attrName>ppt_x</p:attrName>
+                                        </p:attrNameLst>
+                                      </p:cBhvr>
+                                      <p:tavLst>
+                                        <p:tav tm="0">
+                                          <p:val>
+                                            <p:strVal val="#ppt_x"/>
+                                          </p:val>
+                                        </p:tav>
+                                        <p:tav tm="100000">
+                                          <p:val>
+                                            <p:strVal val="#ppt_x"/>
+                                          </p:val>
+                                        </p:tav>
+                                      </p:tavLst>
+                                    </p:anim>
+                                    <p:anim calcmode="lin" valueType="num">
+                                      <p:cBhvr>
+                                        <p:cTn id="16" dur="1000" fill="hold"/>
+                                        <p:tgtEl>
+                                          <p:spTgt spid="3">
+                                            <p:txEl>
+                                              <p:pRg st="2" end="2"/>
+                                            </p:txEl>
+                                          </p:spTgt>
+                                        </p:tgtEl>
+                                        <p:attrNameLst>
+                                          <p:attrName>ppt_y</p:attrName>
+                                        </p:attrNameLst>
+                                      </p:cBhvr>
+                                      <p:tavLst>
+                                        <p:tav tm="0">
+                                          <p:val>
+                                            <p:strVal val="#ppt_y+.1"/>
+                                          </p:val>
+                                        </p:tav>
+                                        <p:tav tm="100000">
+                                          <p:val>
+                                            <p:strVal val="#ppt_y"/>
+                                          </p:val>
+                                        </p:tav>
+                                      </p:tavLst>
+                                    </p:anim>
+                                  </p:childTnLst>
+                                </p:cTn>
+                              </p:par>
+                            </p:childTnLst>
+                          </p:cTn>
+                        </p:par>
+                      </p:childTnLst>
+                    </p:cTn>
+                  </p:par>
+                  <p:par>
+                    <p:cTn id="17" fill="hold">
+                      <p:stCondLst>
+                        <p:cond delay="indefinite"/>
+                      </p:stCondLst>
+                      <p:childTnLst>
+                        <p:par>
+                          <p:cTn id="18" fill="hold">
+                            <p:stCondLst>
+                              <p:cond delay="0"/>
+                            </p:stCondLst>
+                            <p:childTnLst>
+                              <p:par>
+                                <p:cTn id="19" presetID="42" presetClass="entr" presetSubtype="0" fill="hold" nodeType="clickEffect">
+                                  <p:stCondLst>
+                                    <p:cond delay="0"/>
+                                  </p:stCondLst>
+                                  <p:childTnLst>
+                                    <p:set>
+                                      <p:cBhvr>
+                                        <p:cTn id="20" dur="1" fill="hold">
+                                          <p:stCondLst>
+                                            <p:cond delay="0"/>
+                                          </p:stCondLst>
+                                        </p:cTn>
+                                        <p:tgtEl>
+                                          <p:spTgt spid="3">
+                                            <p:txEl>
+                                              <p:pRg st="3" end="3"/>
+                                            </p:txEl>
+                                          </p:spTgt>
+                                        </p:tgtEl>
+                                        <p:attrNameLst>
+                                          <p:attrName>style.visibility</p:attrName>
+                                        </p:attrNameLst>
+                                      </p:cBhvr>
+                                      <p:to>
+                                        <p:strVal val="visible"/>
+                                      </p:to>
+                                    </p:set>
+                                    <p:animEffect transition="in" filter="fade">
+                                      <p:cBhvr>
+                                        <p:cTn id="21" dur="1000"/>
+                                        <p:tgtEl>
+                                          <p:spTgt spid="3">
+                                            <p:txEl>
+                                              <p:pRg st="3" end="3"/>
+                                            </p:txEl>
+                                          </p:spTgt>
+                                        </p:tgtEl>
+                                      </p:cBhvr>
+                                    </p:animEffect>
+                                    <p:anim calcmode="lin" valueType="num">
+                                      <p:cBhvr>
+                                        <p:cTn id="22" dur="1000" fill="hold"/>
+                                        <p:tgtEl>
+                                          <p:spTgt spid="3">
+                                            <p:txEl>
+                                              <p:pRg st="3" end="3"/>
+                                            </p:txEl>
+                                          </p:spTgt>
+                                        </p:tgtEl>
+                                        <p:attrNameLst>
+                                          <p:attrName>ppt_x</p:attrName>
+                                        </p:attrNameLst>
+                                      </p:cBhvr>
+                                      <p:tavLst>
+                                        <p:tav tm="0">
+                                          <p:val>
+                                            <p:strVal val="#ppt_x"/>
+                                          </p:val>
+                                        </p:tav>
+                                        <p:tav tm="100000">
+                                          <p:val>
+                                            <p:strVal val="#ppt_x"/>
+                                          </p:val>
+                                        </p:tav>
+                                      </p:tavLst>
+                                    </p:anim>
+                                    <p:anim calcmode="lin" valueType="num">
+                                      <p:cBhvr>
+                                        <p:cTn id="23" dur="1000" fill="hold"/>
+                                        <p:tgtEl>
+                                          <p:spTgt spid="3">
+                                            <p:txEl>
+                                              <p:pRg st="3" end="3"/>
+                                            </p:txEl>
+                                          </p:spTgt>
+                                        </p:tgtEl>
+                                        <p:attrNameLst>
+                                          <p:attrName>ppt_y</p:attrName>
+                                        </p:attrNameLst>
+                                      </p:cBhvr>
+                                      <p:tavLst>
+                                        <p:tav tm="0">
+                                          <p:val>
+                                            <p:strVal val="#ppt_y+.1"/>
+                                          </p:val>
+                                        </p:tav>
+                                        <p:tav tm="100000">
+                                          <p:val>
+                                            <p:strVal val="#ppt_y"/>
+                                          </p:val>
+                                        </p:tav>
+                                      </p:tavLst>
+                                    </p:anim>
+                                  </p:childTnLst>
+                                </p:cTn>
+                              </p:par>
+                            </p:childTnLst>
+                          </p:cTn>
+                        </p:par>
+                      </p:childTnLst>
+                    </p:cTn>
+                  </p:par>
+                </p:childTnLst>
+              </p:cTn>
+              <p:prevCondLst>
+                <p:cond evt="onPrev" delay="0">
+                  <p:tgtEl>
+                    <p:sldTgt/>
+                  </p:tgtEl>
+                </p:cond>
+              </p:prevCondLst>
+              <p:nextCondLst>
+                <p:cond evt="onNext" delay="0">
+                  <p:tgtEl>
+                    <p:sldTgt/>
+                  </p:tgtEl>
+                </p:cond>
+              </p:nextCondLst>
+            </p:seq>
+          </p:childTnLst>
+        </p:cTn>
       </p:par>
     </p:tnLst>
   </p:timing>
@@ -6334,9 +6824,259 @@
   <p:timing>
     <p:tnLst>
       <p:par>
-        <p:cTn id="1" dur="indefinite" restart="never" nodeType="tmRoot"/>
+        <p:cTn id="1" dur="indefinite" restart="never" nodeType="tmRoot">
+          <p:childTnLst>
+            <p:seq concurrent="1" nextAc="seek">
+              <p:cTn id="2" dur="indefinite" nodeType="mainSeq">
+                <p:childTnLst>
+                  <p:par>
+                    <p:cTn id="3" fill="hold">
+                      <p:stCondLst>
+                        <p:cond delay="indefinite"/>
+                        <p:cond evt="onBegin" delay="0">
+                          <p:tn val="2"/>
+                        </p:cond>
+                      </p:stCondLst>
+                      <p:childTnLst>
+                        <p:par>
+                          <p:cTn id="4" fill="hold">
+                            <p:stCondLst>
+                              <p:cond delay="0"/>
+                            </p:stCondLst>
+                            <p:childTnLst>
+                              <p:par>
+                                <p:cTn id="5" presetID="6" presetClass="entr" presetSubtype="16" fill="hold" grpId="0" nodeType="withEffect">
+                                  <p:stCondLst>
+                                    <p:cond delay="0"/>
+                                  </p:stCondLst>
+                                  <p:childTnLst>
+                                    <p:set>
+                                      <p:cBhvr>
+                                        <p:cTn id="6" dur="1" fill="hold">
+                                          <p:stCondLst>
+                                            <p:cond delay="0"/>
+                                          </p:stCondLst>
+                                        </p:cTn>
+                                        <p:tgtEl>
+                                          <p:spTgt spid="3">
+                                            <p:txEl>
+                                              <p:pRg st="0" end="0"/>
+                                            </p:txEl>
+                                          </p:spTgt>
+                                        </p:tgtEl>
+                                        <p:attrNameLst>
+                                          <p:attrName>style.visibility</p:attrName>
+                                        </p:attrNameLst>
+                                      </p:cBhvr>
+                                      <p:to>
+                                        <p:strVal val="visible"/>
+                                      </p:to>
+                                    </p:set>
+                                    <p:animEffect transition="in" filter="circle(in)">
+                                      <p:cBhvr>
+                                        <p:cTn id="7" dur="10"/>
+                                        <p:tgtEl>
+                                          <p:spTgt spid="3">
+                                            <p:txEl>
+                                              <p:pRg st="0" end="0"/>
+                                            </p:txEl>
+                                          </p:spTgt>
+                                        </p:tgtEl>
+                                      </p:cBhvr>
+                                    </p:animEffect>
+                                  </p:childTnLst>
+                                </p:cTn>
+                              </p:par>
+                            </p:childTnLst>
+                          </p:cTn>
+                        </p:par>
+                      </p:childTnLst>
+                    </p:cTn>
+                  </p:par>
+                  <p:par>
+                    <p:cTn id="8" fill="hold">
+                      <p:stCondLst>
+                        <p:cond delay="indefinite"/>
+                      </p:stCondLst>
+                      <p:childTnLst>
+                        <p:par>
+                          <p:cTn id="9" fill="hold">
+                            <p:stCondLst>
+                              <p:cond delay="0"/>
+                            </p:stCondLst>
+                            <p:childTnLst>
+                              <p:par>
+                                <p:cTn id="10" presetID="42" presetClass="entr" presetSubtype="0" fill="hold" nodeType="clickEffect">
+                                  <p:stCondLst>
+                                    <p:cond delay="0"/>
+                                  </p:stCondLst>
+                                  <p:childTnLst>
+                                    <p:set>
+                                      <p:cBhvr>
+                                        <p:cTn id="11" dur="1" fill="hold">
+                                          <p:stCondLst>
+                                            <p:cond delay="0"/>
+                                          </p:stCondLst>
+                                        </p:cTn>
+                                        <p:tgtEl>
+                                          <p:spTgt spid="1026"/>
+                                        </p:tgtEl>
+                                        <p:attrNameLst>
+                                          <p:attrName>style.visibility</p:attrName>
+                                        </p:attrNameLst>
+                                      </p:cBhvr>
+                                      <p:to>
+                                        <p:strVal val="visible"/>
+                                      </p:to>
+                                    </p:set>
+                                    <p:animEffect transition="in" filter="fade">
+                                      <p:cBhvr>
+                                        <p:cTn id="12" dur="500"/>
+                                        <p:tgtEl>
+                                          <p:spTgt spid="1026"/>
+                                        </p:tgtEl>
+                                      </p:cBhvr>
+                                    </p:animEffect>
+                                    <p:anim calcmode="lin" valueType="num">
+                                      <p:cBhvr>
+                                        <p:cTn id="13" dur="500" fill="hold"/>
+                                        <p:tgtEl>
+                                          <p:spTgt spid="1026"/>
+                                        </p:tgtEl>
+                                        <p:attrNameLst>
+                                          <p:attrName>ppt_x</p:attrName>
+                                        </p:attrNameLst>
+                                      </p:cBhvr>
+                                      <p:tavLst>
+                                        <p:tav tm="0">
+                                          <p:val>
+                                            <p:strVal val="#ppt_x"/>
+                                          </p:val>
+                                        </p:tav>
+                                        <p:tav tm="100000">
+                                          <p:val>
+                                            <p:strVal val="#ppt_x"/>
+                                          </p:val>
+                                        </p:tav>
+                                      </p:tavLst>
+                                    </p:anim>
+                                    <p:anim calcmode="lin" valueType="num">
+                                      <p:cBhvr>
+                                        <p:cTn id="14" dur="500" fill="hold"/>
+                                        <p:tgtEl>
+                                          <p:spTgt spid="1026"/>
+                                        </p:tgtEl>
+                                        <p:attrNameLst>
+                                          <p:attrName>ppt_y</p:attrName>
+                                        </p:attrNameLst>
+                                      </p:cBhvr>
+                                      <p:tavLst>
+                                        <p:tav tm="0">
+                                          <p:val>
+                                            <p:strVal val="#ppt_y+.1"/>
+                                          </p:val>
+                                        </p:tav>
+                                        <p:tav tm="100000">
+                                          <p:val>
+                                            <p:strVal val="#ppt_y"/>
+                                          </p:val>
+                                        </p:tav>
+                                      </p:tavLst>
+                                    </p:anim>
+                                  </p:childTnLst>
+                                </p:cTn>
+                              </p:par>
+                            </p:childTnLst>
+                          </p:cTn>
+                        </p:par>
+                      </p:childTnLst>
+                    </p:cTn>
+                  </p:par>
+                  <p:par>
+                    <p:cTn id="15" fill="hold">
+                      <p:stCondLst>
+                        <p:cond delay="indefinite"/>
+                      </p:stCondLst>
+                      <p:childTnLst>
+                        <p:par>
+                          <p:cTn id="16" fill="hold">
+                            <p:stCondLst>
+                              <p:cond delay="0"/>
+                            </p:stCondLst>
+                            <p:childTnLst>
+                              <p:par>
+                                <p:cTn id="17" presetID="22" presetClass="entr" presetSubtype="4" fill="hold" grpId="0" nodeType="clickEffect">
+                                  <p:stCondLst>
+                                    <p:cond delay="0"/>
+                                  </p:stCondLst>
+                                  <p:childTnLst>
+                                    <p:set>
+                                      <p:cBhvr>
+                                        <p:cTn id="18" dur="1" fill="hold">
+                                          <p:stCondLst>
+                                            <p:cond delay="0"/>
+                                          </p:stCondLst>
+                                        </p:cTn>
+                                        <p:tgtEl>
+                                          <p:spTgt spid="3">
+                                            <p:txEl>
+                                              <p:pRg st="4" end="4"/>
+                                            </p:txEl>
+                                          </p:spTgt>
+                                        </p:tgtEl>
+                                        <p:attrNameLst>
+                                          <p:attrName>style.visibility</p:attrName>
+                                        </p:attrNameLst>
+                                      </p:cBhvr>
+                                      <p:to>
+                                        <p:strVal val="visible"/>
+                                      </p:to>
+                                    </p:set>
+                                    <p:animEffect transition="in" filter="wipe(down)">
+                                      <p:cBhvr>
+                                        <p:cTn id="19" dur="500"/>
+                                        <p:tgtEl>
+                                          <p:spTgt spid="3">
+                                            <p:txEl>
+                                              <p:pRg st="4" end="4"/>
+                                            </p:txEl>
+                                          </p:spTgt>
+                                        </p:tgtEl>
+                                      </p:cBhvr>
+                                    </p:animEffect>
+                                  </p:childTnLst>
+                                </p:cTn>
+                              </p:par>
+                            </p:childTnLst>
+                          </p:cTn>
+                        </p:par>
+                      </p:childTnLst>
+                    </p:cTn>
+                  </p:par>
+                </p:childTnLst>
+              </p:cTn>
+              <p:prevCondLst>
+                <p:cond evt="onPrev" delay="0">
+                  <p:tgtEl>
+                    <p:sldTgt/>
+                  </p:tgtEl>
+                </p:cond>
+              </p:prevCondLst>
+              <p:nextCondLst>
+                <p:cond evt="onNext" delay="0">
+                  <p:tgtEl>
+                    <p:sldTgt/>
+                  </p:tgtEl>
+                </p:cond>
+              </p:nextCondLst>
+            </p:seq>
+          </p:childTnLst>
+        </p:cTn>
       </p:par>
     </p:tnLst>
+    <p:bldLst>
+      <p:bldP spid="3" grpId="0" uiExpand="1" build="p"/>
+    </p:bldLst>
   </p:timing>
 </p:sld>
 </file>
@@ -6424,7 +7164,7 @@
       </p:sp>
       <p:pic>
         <p:nvPicPr>
-          <p:cNvPr id="2050" name="Picture 2"/>
+          <p:cNvPr id="1028" name="Picture 4"/>
           <p:cNvPicPr>
             <a:picLocks noChangeAspect="1" noChangeArrowheads="1"/>
           </p:cNvPicPr>
@@ -6445,8 +7185,72 @@
         </p:blipFill>
         <p:spPr bwMode="auto">
           <a:xfrm>
-            <a:off x="990600" y="3124200"/>
+            <a:off x="964660" y="3171825"/>
             <a:ext cx="5667375" cy="1571625"/>
+          </a:xfrm>
+          <a:prstGeom prst="rect">
+            <a:avLst/>
+          </a:prstGeom>
+          <a:noFill/>
+          <a:ln>
+            <a:noFill/>
+          </a:ln>
+          <a:effectLst/>
+          <a:extLst>
+            <a:ext uri="{909E8E84-426E-40DD-AFC4-6F175D3DCCD1}">
+              <a14:hiddenFill xmlns:a14="http://schemas.microsoft.com/office/drawing/2010/main">
+                <a:solidFill>
+                  <a:schemeClr val="accent1"/>
+                </a:solidFill>
+              </a14:hiddenFill>
+            </a:ext>
+            <a:ext uri="{91240B29-F687-4F45-9708-019B960494DF}">
+              <a14:hiddenLine xmlns:a14="http://schemas.microsoft.com/office/drawing/2010/main" w="9525">
+                <a:solidFill>
+                  <a:schemeClr val="tx1"/>
+                </a:solidFill>
+                <a:miter lim="800000"/>
+                <a:headEnd/>
+                <a:tailEnd/>
+              </a14:hiddenLine>
+            </a:ext>
+            <a:ext uri="{AF507438-7753-43E0-B8FC-AC1667EBCBE1}">
+              <a14:hiddenEffects xmlns:a14="http://schemas.microsoft.com/office/drawing/2010/main">
+                <a:effectLst>
+                  <a:outerShdw dist="35921" dir="2700000" algn="ctr" rotWithShape="0">
+                    <a:schemeClr val="bg2"/>
+                  </a:outerShdw>
+                </a:effectLst>
+              </a14:hiddenEffects>
+            </a:ext>
+          </a:extLst>
+        </p:spPr>
+      </p:pic>
+      <p:pic>
+        <p:nvPicPr>
+          <p:cNvPr id="1026" name="Picture 2"/>
+          <p:cNvPicPr>
+            <a:picLocks noChangeAspect="1" noChangeArrowheads="1"/>
+          </p:cNvPicPr>
+          <p:nvPr/>
+        </p:nvPicPr>
+        <p:blipFill>
+          <a:blip r:embed="rId3">
+            <a:extLst>
+              <a:ext uri="{28A0092B-C50C-407E-A947-70E740481C1C}">
+                <a14:useLocalDpi xmlns:a14="http://schemas.microsoft.com/office/drawing/2010/main" val="0"/>
+              </a:ext>
+            </a:extLst>
+          </a:blip>
+          <a:srcRect/>
+          <a:stretch>
+            <a:fillRect/>
+          </a:stretch>
+        </p:blipFill>
+        <p:spPr bwMode="auto">
+          <a:xfrm>
+            <a:off x="1437059" y="3429000"/>
+            <a:ext cx="5162550" cy="933450"/>
           </a:xfrm>
           <a:prstGeom prst="rect">
             <a:avLst/>
@@ -6502,7 +7306,228 @@
   <p:timing>
     <p:tnLst>
       <p:par>
-        <p:cTn id="1" dur="indefinite" restart="never" nodeType="tmRoot"/>
+        <p:cTn id="1" dur="indefinite" restart="never" nodeType="tmRoot">
+          <p:childTnLst>
+            <p:seq concurrent="1" nextAc="seek">
+              <p:cTn id="2" dur="indefinite" nodeType="mainSeq">
+                <p:childTnLst>
+                  <p:par>
+                    <p:cTn id="3" fill="hold">
+                      <p:stCondLst>
+                        <p:cond delay="indefinite"/>
+                      </p:stCondLst>
+                      <p:childTnLst>
+                        <p:par>
+                          <p:cTn id="4" fill="hold">
+                            <p:stCondLst>
+                              <p:cond delay="0"/>
+                            </p:stCondLst>
+                            <p:childTnLst>
+                              <p:par>
+                                <p:cTn id="5" presetID="42" presetClass="entr" presetSubtype="0" fill="hold" nodeType="clickEffect">
+                                  <p:stCondLst>
+                                    <p:cond delay="0"/>
+                                  </p:stCondLst>
+                                  <p:childTnLst>
+                                    <p:set>
+                                      <p:cBhvr>
+                                        <p:cTn id="6" dur="1" fill="hold">
+                                          <p:stCondLst>
+                                            <p:cond delay="0"/>
+                                          </p:stCondLst>
+                                        </p:cTn>
+                                        <p:tgtEl>
+                                          <p:spTgt spid="1028"/>
+                                        </p:tgtEl>
+                                        <p:attrNameLst>
+                                          <p:attrName>style.visibility</p:attrName>
+                                        </p:attrNameLst>
+                                      </p:cBhvr>
+                                      <p:to>
+                                        <p:strVal val="visible"/>
+                                      </p:to>
+                                    </p:set>
+                                    <p:animEffect transition="in" filter="fade">
+                                      <p:cBhvr>
+                                        <p:cTn id="7" dur="1000"/>
+                                        <p:tgtEl>
+                                          <p:spTgt spid="1028"/>
+                                        </p:tgtEl>
+                                      </p:cBhvr>
+                                    </p:animEffect>
+                                    <p:anim calcmode="lin" valueType="num">
+                                      <p:cBhvr>
+                                        <p:cTn id="8" dur="1000" fill="hold"/>
+                                        <p:tgtEl>
+                                          <p:spTgt spid="1028"/>
+                                        </p:tgtEl>
+                                        <p:attrNameLst>
+                                          <p:attrName>ppt_x</p:attrName>
+                                        </p:attrNameLst>
+                                      </p:cBhvr>
+                                      <p:tavLst>
+                                        <p:tav tm="0">
+                                          <p:val>
+                                            <p:strVal val="#ppt_x"/>
+                                          </p:val>
+                                        </p:tav>
+                                        <p:tav tm="100000">
+                                          <p:val>
+                                            <p:strVal val="#ppt_x"/>
+                                          </p:val>
+                                        </p:tav>
+                                      </p:tavLst>
+                                    </p:anim>
+                                    <p:anim calcmode="lin" valueType="num">
+                                      <p:cBhvr>
+                                        <p:cTn id="9" dur="1000" fill="hold"/>
+                                        <p:tgtEl>
+                                          <p:spTgt spid="1028"/>
+                                        </p:tgtEl>
+                                        <p:attrNameLst>
+                                          <p:attrName>ppt_y</p:attrName>
+                                        </p:attrNameLst>
+                                      </p:cBhvr>
+                                      <p:tavLst>
+                                        <p:tav tm="0">
+                                          <p:val>
+                                            <p:strVal val="#ppt_y+.1"/>
+                                          </p:val>
+                                        </p:tav>
+                                        <p:tav tm="100000">
+                                          <p:val>
+                                            <p:strVal val="#ppt_y"/>
+                                          </p:val>
+                                        </p:tav>
+                                      </p:tavLst>
+                                    </p:anim>
+                                  </p:childTnLst>
+                                </p:cTn>
+                              </p:par>
+                            </p:childTnLst>
+                          </p:cTn>
+                        </p:par>
+                      </p:childTnLst>
+                    </p:cTn>
+                  </p:par>
+                  <p:par>
+                    <p:cTn id="10" fill="hold">
+                      <p:stCondLst>
+                        <p:cond delay="indefinite"/>
+                      </p:stCondLst>
+                      <p:childTnLst>
+                        <p:par>
+                          <p:cTn id="11" fill="hold">
+                            <p:stCondLst>
+                              <p:cond delay="0"/>
+                            </p:stCondLst>
+                            <p:childTnLst>
+                              <p:par>
+                                <p:cTn id="12" presetID="42" presetClass="entr" presetSubtype="0" fill="hold" nodeType="clickEffect">
+                                  <p:stCondLst>
+                                    <p:cond delay="0"/>
+                                  </p:stCondLst>
+                                  <p:childTnLst>
+                                    <p:set>
+                                      <p:cBhvr>
+                                        <p:cTn id="13" dur="1" fill="hold">
+                                          <p:stCondLst>
+                                            <p:cond delay="0"/>
+                                          </p:stCondLst>
+                                        </p:cTn>
+                                        <p:tgtEl>
+                                          <p:spTgt spid="1026"/>
+                                        </p:tgtEl>
+                                        <p:attrNameLst>
+                                          <p:attrName>style.visibility</p:attrName>
+                                        </p:attrNameLst>
+                                      </p:cBhvr>
+                                      <p:to>
+                                        <p:strVal val="visible"/>
+                                      </p:to>
+                                    </p:set>
+                                    <p:animEffect transition="in" filter="fade">
+                                      <p:cBhvr>
+                                        <p:cTn id="14" dur="1000"/>
+                                        <p:tgtEl>
+                                          <p:spTgt spid="1026"/>
+                                        </p:tgtEl>
+                                      </p:cBhvr>
+                                    </p:animEffect>
+                                    <p:anim calcmode="lin" valueType="num">
+                                      <p:cBhvr>
+                                        <p:cTn id="15" dur="1000" fill="hold"/>
+                                        <p:tgtEl>
+                                          <p:spTgt spid="1026"/>
+                                        </p:tgtEl>
+                                        <p:attrNameLst>
+                                          <p:attrName>ppt_x</p:attrName>
+                                        </p:attrNameLst>
+                                      </p:cBhvr>
+                                      <p:tavLst>
+                                        <p:tav tm="0">
+                                          <p:val>
+                                            <p:strVal val="#ppt_x"/>
+                                          </p:val>
+                                        </p:tav>
+                                        <p:tav tm="100000">
+                                          <p:val>
+                                            <p:strVal val="#ppt_x"/>
+                                          </p:val>
+                                        </p:tav>
+                                      </p:tavLst>
+                                    </p:anim>
+                                    <p:anim calcmode="lin" valueType="num">
+                                      <p:cBhvr>
+                                        <p:cTn id="16" dur="1000" fill="hold"/>
+                                        <p:tgtEl>
+                                          <p:spTgt spid="1026"/>
+                                        </p:tgtEl>
+                                        <p:attrNameLst>
+                                          <p:attrName>ppt_y</p:attrName>
+                                        </p:attrNameLst>
+                                      </p:cBhvr>
+                                      <p:tavLst>
+                                        <p:tav tm="0">
+                                          <p:val>
+                                            <p:strVal val="#ppt_y+.1"/>
+                                          </p:val>
+                                        </p:tav>
+                                        <p:tav tm="100000">
+                                          <p:val>
+                                            <p:strVal val="#ppt_y"/>
+                                          </p:val>
+                                        </p:tav>
+                                      </p:tavLst>
+                                    </p:anim>
+                                  </p:childTnLst>
+                                </p:cTn>
+                              </p:par>
+                            </p:childTnLst>
+                          </p:cTn>
+                        </p:par>
+                      </p:childTnLst>
+                    </p:cTn>
+                  </p:par>
+                </p:childTnLst>
+              </p:cTn>
+              <p:prevCondLst>
+                <p:cond evt="onPrev" delay="0">
+                  <p:tgtEl>
+                    <p:sldTgt/>
+                  </p:tgtEl>
+                </p:cond>
+              </p:prevCondLst>
+              <p:nextCondLst>
+                <p:cond evt="onNext" delay="0">
+                  <p:tgtEl>
+                    <p:sldTgt/>
+                  </p:tgtEl>
+                </p:cond>
+              </p:nextCondLst>
+            </p:seq>
+          </p:childTnLst>
+        </p:cTn>
       </p:par>
     </p:tnLst>
   </p:timing>
@@ -6629,7 +7654,148 @@
   <p:timing>
     <p:tnLst>
       <p:par>
-        <p:cTn id="1" dur="indefinite" restart="never" nodeType="tmRoot"/>
+        <p:cTn id="1" dur="indefinite" restart="never" nodeType="tmRoot">
+          <p:childTnLst>
+            <p:seq concurrent="1" nextAc="seek">
+              <p:cTn id="2" dur="indefinite" nodeType="mainSeq">
+                <p:childTnLst>
+                  <p:par>
+                    <p:cTn id="3" fill="hold">
+                      <p:stCondLst>
+                        <p:cond delay="indefinite"/>
+                        <p:cond evt="onBegin" delay="0">
+                          <p:tn val="2"/>
+                        </p:cond>
+                      </p:stCondLst>
+                      <p:childTnLst>
+                        <p:par>
+                          <p:cTn id="4" fill="hold">
+                            <p:stCondLst>
+                              <p:cond delay="0"/>
+                            </p:stCondLst>
+                            <p:childTnLst>
+                              <p:par>
+                                <p:cTn id="5" presetID="42" presetClass="entr" presetSubtype="0" fill="hold" nodeType="withEffect">
+                                  <p:stCondLst>
+                                    <p:cond delay="0"/>
+                                  </p:stCondLst>
+                                  <p:childTnLst>
+                                    <p:set>
+                                      <p:cBhvr>
+                                        <p:cTn id="6" dur="1" fill="hold">
+                                          <p:stCondLst>
+                                            <p:cond delay="0"/>
+                                          </p:stCondLst>
+                                        </p:cTn>
+                                        <p:tgtEl>
+                                          <p:spTgt spid="3">
+                                            <p:txEl>
+                                              <p:pRg st="0" end="0"/>
+                                            </p:txEl>
+                                          </p:spTgt>
+                                        </p:tgtEl>
+                                        <p:attrNameLst>
+                                          <p:attrName>style.visibility</p:attrName>
+                                        </p:attrNameLst>
+                                      </p:cBhvr>
+                                      <p:to>
+                                        <p:strVal val="visible"/>
+                                      </p:to>
+                                    </p:set>
+                                    <p:animEffect transition="in" filter="fade">
+                                      <p:cBhvr>
+                                        <p:cTn id="7" dur="1000"/>
+                                        <p:tgtEl>
+                                          <p:spTgt spid="3">
+                                            <p:txEl>
+                                              <p:pRg st="0" end="0"/>
+                                            </p:txEl>
+                                          </p:spTgt>
+                                        </p:tgtEl>
+                                      </p:cBhvr>
+                                    </p:animEffect>
+                                    <p:anim calcmode="lin" valueType="num">
+                                      <p:cBhvr>
+                                        <p:cTn id="8" dur="1000" fill="hold"/>
+                                        <p:tgtEl>
+                                          <p:spTgt spid="3">
+                                            <p:txEl>
+                                              <p:pRg st="0" end="0"/>
+                                            </p:txEl>
+                                          </p:spTgt>
+                                        </p:tgtEl>
+                                        <p:attrNameLst>
+                                          <p:attrName>ppt_x</p:attrName>
+                                        </p:attrNameLst>
+                                      </p:cBhvr>
+                                      <p:tavLst>
+                                        <p:tav tm="0">
+                                          <p:val>
+                                            <p:strVal val="#ppt_x"/>
+                                          </p:val>
+                                        </p:tav>
+                                        <p:tav tm="100000">
+                                          <p:val>
+                                            <p:strVal val="#ppt_x"/>
+                                          </p:val>
+                                        </p:tav>
+                                      </p:tavLst>
+                                    </p:anim>
+                                    <p:anim calcmode="lin" valueType="num">
+                                      <p:cBhvr>
+                                        <p:cTn id="9" dur="1000" fill="hold"/>
+                                        <p:tgtEl>
+                                          <p:spTgt spid="3">
+                                            <p:txEl>
+                                              <p:pRg st="0" end="0"/>
+                                            </p:txEl>
+                                          </p:spTgt>
+                                        </p:tgtEl>
+                                        <p:attrNameLst>
+                                          <p:attrName>ppt_y</p:attrName>
+                                        </p:attrNameLst>
+                                      </p:cBhvr>
+                                      <p:tavLst>
+                                        <p:tav tm="0">
+                                          <p:val>
+                                            <p:strVal val="#ppt_y+.1"/>
+                                          </p:val>
+                                        </p:tav>
+                                        <p:tav tm="100000">
+                                          <p:val>
+                                            <p:strVal val="#ppt_y"/>
+                                          </p:val>
+                                        </p:tav>
+                                      </p:tavLst>
+                                    </p:anim>
+                                  </p:childTnLst>
+                                </p:cTn>
+                              </p:par>
+                            </p:childTnLst>
+                          </p:cTn>
+                        </p:par>
+                      </p:childTnLst>
+                    </p:cTn>
+                  </p:par>
+                </p:childTnLst>
+              </p:cTn>
+              <p:prevCondLst>
+                <p:cond evt="onPrev" delay="0">
+                  <p:tgtEl>
+                    <p:sldTgt/>
+                  </p:tgtEl>
+                </p:cond>
+              </p:prevCondLst>
+              <p:nextCondLst>
+                <p:cond evt="onNext" delay="0">
+                  <p:tgtEl>
+                    <p:sldTgt/>
+                  </p:tgtEl>
+                </p:cond>
+              </p:nextCondLst>
+            </p:seq>
+          </p:childTnLst>
+        </p:cTn>
       </p:par>
     </p:tnLst>
   </p:timing>
@@ -7091,7 +8257,863 @@
   <p:timing>
     <p:tnLst>
       <p:par>
-        <p:cTn id="1" dur="indefinite" restart="never" nodeType="tmRoot"/>
+        <p:cTn id="1" dur="indefinite" restart="never" nodeType="tmRoot">
+          <p:childTnLst>
+            <p:seq concurrent="1" nextAc="seek">
+              <p:cTn id="2" dur="indefinite" nodeType="mainSeq">
+                <p:childTnLst>
+                  <p:par>
+                    <p:cTn id="3" fill="hold">
+                      <p:stCondLst>
+                        <p:cond delay="indefinite"/>
+                        <p:cond evt="onBegin" delay="0">
+                          <p:tn val="2"/>
+                        </p:cond>
+                      </p:stCondLst>
+                      <p:childTnLst>
+                        <p:par>
+                          <p:cTn id="4" fill="hold">
+                            <p:stCondLst>
+                              <p:cond delay="0"/>
+                            </p:stCondLst>
+                            <p:childTnLst>
+                              <p:par>
+                                <p:cTn id="5" presetID="42" presetClass="entr" presetSubtype="0" fill="hold" nodeType="withEffect">
+                                  <p:stCondLst>
+                                    <p:cond delay="0"/>
+                                  </p:stCondLst>
+                                  <p:childTnLst>
+                                    <p:set>
+                                      <p:cBhvr>
+                                        <p:cTn id="6" dur="1" fill="hold">
+                                          <p:stCondLst>
+                                            <p:cond delay="0"/>
+                                          </p:stCondLst>
+                                        </p:cTn>
+                                        <p:tgtEl>
+                                          <p:spTgt spid="3">
+                                            <p:txEl>
+                                              <p:pRg st="0" end="0"/>
+                                            </p:txEl>
+                                          </p:spTgt>
+                                        </p:tgtEl>
+                                        <p:attrNameLst>
+                                          <p:attrName>style.visibility</p:attrName>
+                                        </p:attrNameLst>
+                                      </p:cBhvr>
+                                      <p:to>
+                                        <p:strVal val="visible"/>
+                                      </p:to>
+                                    </p:set>
+                                    <p:animEffect transition="in" filter="fade">
+                                      <p:cBhvr>
+                                        <p:cTn id="7" dur="1000"/>
+                                        <p:tgtEl>
+                                          <p:spTgt spid="3">
+                                            <p:txEl>
+                                              <p:pRg st="0" end="0"/>
+                                            </p:txEl>
+                                          </p:spTgt>
+                                        </p:tgtEl>
+                                      </p:cBhvr>
+                                    </p:animEffect>
+                                    <p:anim calcmode="lin" valueType="num">
+                                      <p:cBhvr>
+                                        <p:cTn id="8" dur="1000" fill="hold"/>
+                                        <p:tgtEl>
+                                          <p:spTgt spid="3">
+                                            <p:txEl>
+                                              <p:pRg st="0" end="0"/>
+                                            </p:txEl>
+                                          </p:spTgt>
+                                        </p:tgtEl>
+                                        <p:attrNameLst>
+                                          <p:attrName>ppt_x</p:attrName>
+                                        </p:attrNameLst>
+                                      </p:cBhvr>
+                                      <p:tavLst>
+                                        <p:tav tm="0">
+                                          <p:val>
+                                            <p:strVal val="#ppt_x"/>
+                                          </p:val>
+                                        </p:tav>
+                                        <p:tav tm="100000">
+                                          <p:val>
+                                            <p:strVal val="#ppt_x"/>
+                                          </p:val>
+                                        </p:tav>
+                                      </p:tavLst>
+                                    </p:anim>
+                                    <p:anim calcmode="lin" valueType="num">
+                                      <p:cBhvr>
+                                        <p:cTn id="9" dur="1000" fill="hold"/>
+                                        <p:tgtEl>
+                                          <p:spTgt spid="3">
+                                            <p:txEl>
+                                              <p:pRg st="0" end="0"/>
+                                            </p:txEl>
+                                          </p:spTgt>
+                                        </p:tgtEl>
+                                        <p:attrNameLst>
+                                          <p:attrName>ppt_y</p:attrName>
+                                        </p:attrNameLst>
+                                      </p:cBhvr>
+                                      <p:tavLst>
+                                        <p:tav tm="0">
+                                          <p:val>
+                                            <p:strVal val="#ppt_y+.1"/>
+                                          </p:val>
+                                        </p:tav>
+                                        <p:tav tm="100000">
+                                          <p:val>
+                                            <p:strVal val="#ppt_y"/>
+                                          </p:val>
+                                        </p:tav>
+                                      </p:tavLst>
+                                    </p:anim>
+                                  </p:childTnLst>
+                                </p:cTn>
+                              </p:par>
+                            </p:childTnLst>
+                          </p:cTn>
+                        </p:par>
+                      </p:childTnLst>
+                    </p:cTn>
+                  </p:par>
+                  <p:par>
+                    <p:cTn id="10" fill="hold">
+                      <p:stCondLst>
+                        <p:cond delay="indefinite"/>
+                      </p:stCondLst>
+                      <p:childTnLst>
+                        <p:par>
+                          <p:cTn id="11" fill="hold">
+                            <p:stCondLst>
+                              <p:cond delay="0"/>
+                            </p:stCondLst>
+                            <p:childTnLst>
+                              <p:par>
+                                <p:cTn id="12" presetID="42" presetClass="entr" presetSubtype="0" fill="hold" nodeType="clickEffect">
+                                  <p:stCondLst>
+                                    <p:cond delay="0"/>
+                                  </p:stCondLst>
+                                  <p:childTnLst>
+                                    <p:set>
+                                      <p:cBhvr>
+                                        <p:cTn id="13" dur="1" fill="hold">
+                                          <p:stCondLst>
+                                            <p:cond delay="0"/>
+                                          </p:stCondLst>
+                                        </p:cTn>
+                                        <p:tgtEl>
+                                          <p:spTgt spid="3">
+                                            <p:txEl>
+                                              <p:pRg st="1" end="1"/>
+                                            </p:txEl>
+                                          </p:spTgt>
+                                        </p:tgtEl>
+                                        <p:attrNameLst>
+                                          <p:attrName>style.visibility</p:attrName>
+                                        </p:attrNameLst>
+                                      </p:cBhvr>
+                                      <p:to>
+                                        <p:strVal val="visible"/>
+                                      </p:to>
+                                    </p:set>
+                                    <p:animEffect transition="in" filter="fade">
+                                      <p:cBhvr>
+                                        <p:cTn id="14" dur="1000"/>
+                                        <p:tgtEl>
+                                          <p:spTgt spid="3">
+                                            <p:txEl>
+                                              <p:pRg st="1" end="1"/>
+                                            </p:txEl>
+                                          </p:spTgt>
+                                        </p:tgtEl>
+                                      </p:cBhvr>
+                                    </p:animEffect>
+                                    <p:anim calcmode="lin" valueType="num">
+                                      <p:cBhvr>
+                                        <p:cTn id="15" dur="1000" fill="hold"/>
+                                        <p:tgtEl>
+                                          <p:spTgt spid="3">
+                                            <p:txEl>
+                                              <p:pRg st="1" end="1"/>
+                                            </p:txEl>
+                                          </p:spTgt>
+                                        </p:tgtEl>
+                                        <p:attrNameLst>
+                                          <p:attrName>ppt_x</p:attrName>
+                                        </p:attrNameLst>
+                                      </p:cBhvr>
+                                      <p:tavLst>
+                                        <p:tav tm="0">
+                                          <p:val>
+                                            <p:strVal val="#ppt_x"/>
+                                          </p:val>
+                                        </p:tav>
+                                        <p:tav tm="100000">
+                                          <p:val>
+                                            <p:strVal val="#ppt_x"/>
+                                          </p:val>
+                                        </p:tav>
+                                      </p:tavLst>
+                                    </p:anim>
+                                    <p:anim calcmode="lin" valueType="num">
+                                      <p:cBhvr>
+                                        <p:cTn id="16" dur="1000" fill="hold"/>
+                                        <p:tgtEl>
+                                          <p:spTgt spid="3">
+                                            <p:txEl>
+                                              <p:pRg st="1" end="1"/>
+                                            </p:txEl>
+                                          </p:spTgt>
+                                        </p:tgtEl>
+                                        <p:attrNameLst>
+                                          <p:attrName>ppt_y</p:attrName>
+                                        </p:attrNameLst>
+                                      </p:cBhvr>
+                                      <p:tavLst>
+                                        <p:tav tm="0">
+                                          <p:val>
+                                            <p:strVal val="#ppt_y+.1"/>
+                                          </p:val>
+                                        </p:tav>
+                                        <p:tav tm="100000">
+                                          <p:val>
+                                            <p:strVal val="#ppt_y"/>
+                                          </p:val>
+                                        </p:tav>
+                                      </p:tavLst>
+                                    </p:anim>
+                                  </p:childTnLst>
+                                </p:cTn>
+                              </p:par>
+                            </p:childTnLst>
+                          </p:cTn>
+                        </p:par>
+                      </p:childTnLst>
+                    </p:cTn>
+                  </p:par>
+                  <p:par>
+                    <p:cTn id="17" fill="hold">
+                      <p:stCondLst>
+                        <p:cond delay="indefinite"/>
+                      </p:stCondLst>
+                      <p:childTnLst>
+                        <p:par>
+                          <p:cTn id="18" fill="hold">
+                            <p:stCondLst>
+                              <p:cond delay="0"/>
+                            </p:stCondLst>
+                            <p:childTnLst>
+                              <p:par>
+                                <p:cTn id="19" presetID="42" presetClass="entr" presetSubtype="0" fill="hold" nodeType="clickEffect">
+                                  <p:stCondLst>
+                                    <p:cond delay="0"/>
+                                  </p:stCondLst>
+                                  <p:childTnLst>
+                                    <p:set>
+                                      <p:cBhvr>
+                                        <p:cTn id="20" dur="1" fill="hold">
+                                          <p:stCondLst>
+                                            <p:cond delay="0"/>
+                                          </p:stCondLst>
+                                        </p:cTn>
+                                        <p:tgtEl>
+                                          <p:spTgt spid="3">
+                                            <p:txEl>
+                                              <p:pRg st="2" end="2"/>
+                                            </p:txEl>
+                                          </p:spTgt>
+                                        </p:tgtEl>
+                                        <p:attrNameLst>
+                                          <p:attrName>style.visibility</p:attrName>
+                                        </p:attrNameLst>
+                                      </p:cBhvr>
+                                      <p:to>
+                                        <p:strVal val="visible"/>
+                                      </p:to>
+                                    </p:set>
+                                    <p:animEffect transition="in" filter="fade">
+                                      <p:cBhvr>
+                                        <p:cTn id="21" dur="1000"/>
+                                        <p:tgtEl>
+                                          <p:spTgt spid="3">
+                                            <p:txEl>
+                                              <p:pRg st="2" end="2"/>
+                                            </p:txEl>
+                                          </p:spTgt>
+                                        </p:tgtEl>
+                                      </p:cBhvr>
+                                    </p:animEffect>
+                                    <p:anim calcmode="lin" valueType="num">
+                                      <p:cBhvr>
+                                        <p:cTn id="22" dur="1000" fill="hold"/>
+                                        <p:tgtEl>
+                                          <p:spTgt spid="3">
+                                            <p:txEl>
+                                              <p:pRg st="2" end="2"/>
+                                            </p:txEl>
+                                          </p:spTgt>
+                                        </p:tgtEl>
+                                        <p:attrNameLst>
+                                          <p:attrName>ppt_x</p:attrName>
+                                        </p:attrNameLst>
+                                      </p:cBhvr>
+                                      <p:tavLst>
+                                        <p:tav tm="0">
+                                          <p:val>
+                                            <p:strVal val="#ppt_x"/>
+                                          </p:val>
+                                        </p:tav>
+                                        <p:tav tm="100000">
+                                          <p:val>
+                                            <p:strVal val="#ppt_x"/>
+                                          </p:val>
+                                        </p:tav>
+                                      </p:tavLst>
+                                    </p:anim>
+                                    <p:anim calcmode="lin" valueType="num">
+                                      <p:cBhvr>
+                                        <p:cTn id="23" dur="1000" fill="hold"/>
+                                        <p:tgtEl>
+                                          <p:spTgt spid="3">
+                                            <p:txEl>
+                                              <p:pRg st="2" end="2"/>
+                                            </p:txEl>
+                                          </p:spTgt>
+                                        </p:tgtEl>
+                                        <p:attrNameLst>
+                                          <p:attrName>ppt_y</p:attrName>
+                                        </p:attrNameLst>
+                                      </p:cBhvr>
+                                      <p:tavLst>
+                                        <p:tav tm="0">
+                                          <p:val>
+                                            <p:strVal val="#ppt_y+.1"/>
+                                          </p:val>
+                                        </p:tav>
+                                        <p:tav tm="100000">
+                                          <p:val>
+                                            <p:strVal val="#ppt_y"/>
+                                          </p:val>
+                                        </p:tav>
+                                      </p:tavLst>
+                                    </p:anim>
+                                  </p:childTnLst>
+                                </p:cTn>
+                              </p:par>
+                              <p:par>
+                                <p:cTn id="24" presetID="42" presetClass="entr" presetSubtype="0" fill="hold" nodeType="withEffect">
+                                  <p:stCondLst>
+                                    <p:cond delay="0"/>
+                                  </p:stCondLst>
+                                  <p:childTnLst>
+                                    <p:set>
+                                      <p:cBhvr>
+                                        <p:cTn id="25" dur="1" fill="hold">
+                                          <p:stCondLst>
+                                            <p:cond delay="0"/>
+                                          </p:stCondLst>
+                                        </p:cTn>
+                                        <p:tgtEl>
+                                          <p:spTgt spid="3">
+                                            <p:txEl>
+                                              <p:pRg st="3" end="3"/>
+                                            </p:txEl>
+                                          </p:spTgt>
+                                        </p:tgtEl>
+                                        <p:attrNameLst>
+                                          <p:attrName>style.visibility</p:attrName>
+                                        </p:attrNameLst>
+                                      </p:cBhvr>
+                                      <p:to>
+                                        <p:strVal val="visible"/>
+                                      </p:to>
+                                    </p:set>
+                                    <p:animEffect transition="in" filter="fade">
+                                      <p:cBhvr>
+                                        <p:cTn id="26" dur="1000"/>
+                                        <p:tgtEl>
+                                          <p:spTgt spid="3">
+                                            <p:txEl>
+                                              <p:pRg st="3" end="3"/>
+                                            </p:txEl>
+                                          </p:spTgt>
+                                        </p:tgtEl>
+                                      </p:cBhvr>
+                                    </p:animEffect>
+                                    <p:anim calcmode="lin" valueType="num">
+                                      <p:cBhvr>
+                                        <p:cTn id="27" dur="1000" fill="hold"/>
+                                        <p:tgtEl>
+                                          <p:spTgt spid="3">
+                                            <p:txEl>
+                                              <p:pRg st="3" end="3"/>
+                                            </p:txEl>
+                                          </p:spTgt>
+                                        </p:tgtEl>
+                                        <p:attrNameLst>
+                                          <p:attrName>ppt_x</p:attrName>
+                                        </p:attrNameLst>
+                                      </p:cBhvr>
+                                      <p:tavLst>
+                                        <p:tav tm="0">
+                                          <p:val>
+                                            <p:strVal val="#ppt_x"/>
+                                          </p:val>
+                                        </p:tav>
+                                        <p:tav tm="100000">
+                                          <p:val>
+                                            <p:strVal val="#ppt_x"/>
+                                          </p:val>
+                                        </p:tav>
+                                      </p:tavLst>
+                                    </p:anim>
+                                    <p:anim calcmode="lin" valueType="num">
+                                      <p:cBhvr>
+                                        <p:cTn id="28" dur="1000" fill="hold"/>
+                                        <p:tgtEl>
+                                          <p:spTgt spid="3">
+                                            <p:txEl>
+                                              <p:pRg st="3" end="3"/>
+                                            </p:txEl>
+                                          </p:spTgt>
+                                        </p:tgtEl>
+                                        <p:attrNameLst>
+                                          <p:attrName>ppt_y</p:attrName>
+                                        </p:attrNameLst>
+                                      </p:cBhvr>
+                                      <p:tavLst>
+                                        <p:tav tm="0">
+                                          <p:val>
+                                            <p:strVal val="#ppt_y+.1"/>
+                                          </p:val>
+                                        </p:tav>
+                                        <p:tav tm="100000">
+                                          <p:val>
+                                            <p:strVal val="#ppt_y"/>
+                                          </p:val>
+                                        </p:tav>
+                                      </p:tavLst>
+                                    </p:anim>
+                                  </p:childTnLst>
+                                </p:cTn>
+                              </p:par>
+                              <p:par>
+                                <p:cTn id="29" presetID="42" presetClass="entr" presetSubtype="0" fill="hold" nodeType="withEffect">
+                                  <p:stCondLst>
+                                    <p:cond delay="0"/>
+                                  </p:stCondLst>
+                                  <p:childTnLst>
+                                    <p:set>
+                                      <p:cBhvr>
+                                        <p:cTn id="30" dur="1" fill="hold">
+                                          <p:stCondLst>
+                                            <p:cond delay="0"/>
+                                          </p:stCondLst>
+                                        </p:cTn>
+                                        <p:tgtEl>
+                                          <p:spTgt spid="3">
+                                            <p:txEl>
+                                              <p:pRg st="4" end="4"/>
+                                            </p:txEl>
+                                          </p:spTgt>
+                                        </p:tgtEl>
+                                        <p:attrNameLst>
+                                          <p:attrName>style.visibility</p:attrName>
+                                        </p:attrNameLst>
+                                      </p:cBhvr>
+                                      <p:to>
+                                        <p:strVal val="visible"/>
+                                      </p:to>
+                                    </p:set>
+                                    <p:animEffect transition="in" filter="fade">
+                                      <p:cBhvr>
+                                        <p:cTn id="31" dur="1000"/>
+                                        <p:tgtEl>
+                                          <p:spTgt spid="3">
+                                            <p:txEl>
+                                              <p:pRg st="4" end="4"/>
+                                            </p:txEl>
+                                          </p:spTgt>
+                                        </p:tgtEl>
+                                      </p:cBhvr>
+                                    </p:animEffect>
+                                    <p:anim calcmode="lin" valueType="num">
+                                      <p:cBhvr>
+                                        <p:cTn id="32" dur="1000" fill="hold"/>
+                                        <p:tgtEl>
+                                          <p:spTgt spid="3">
+                                            <p:txEl>
+                                              <p:pRg st="4" end="4"/>
+                                            </p:txEl>
+                                          </p:spTgt>
+                                        </p:tgtEl>
+                                        <p:attrNameLst>
+                                          <p:attrName>ppt_x</p:attrName>
+                                        </p:attrNameLst>
+                                      </p:cBhvr>
+                                      <p:tavLst>
+                                        <p:tav tm="0">
+                                          <p:val>
+                                            <p:strVal val="#ppt_x"/>
+                                          </p:val>
+                                        </p:tav>
+                                        <p:tav tm="100000">
+                                          <p:val>
+                                            <p:strVal val="#ppt_x"/>
+                                          </p:val>
+                                        </p:tav>
+                                      </p:tavLst>
+                                    </p:anim>
+                                    <p:anim calcmode="lin" valueType="num">
+                                      <p:cBhvr>
+                                        <p:cTn id="33" dur="1000" fill="hold"/>
+                                        <p:tgtEl>
+                                          <p:spTgt spid="3">
+                                            <p:txEl>
+                                              <p:pRg st="4" end="4"/>
+                                            </p:txEl>
+                                          </p:spTgt>
+                                        </p:tgtEl>
+                                        <p:attrNameLst>
+                                          <p:attrName>ppt_y</p:attrName>
+                                        </p:attrNameLst>
+                                      </p:cBhvr>
+                                      <p:tavLst>
+                                        <p:tav tm="0">
+                                          <p:val>
+                                            <p:strVal val="#ppt_y+.1"/>
+                                          </p:val>
+                                        </p:tav>
+                                        <p:tav tm="100000">
+                                          <p:val>
+                                            <p:strVal val="#ppt_y"/>
+                                          </p:val>
+                                        </p:tav>
+                                      </p:tavLst>
+                                    </p:anim>
+                                  </p:childTnLst>
+                                </p:cTn>
+                              </p:par>
+                              <p:par>
+                                <p:cTn id="34" presetID="42" presetClass="entr" presetSubtype="0" fill="hold" nodeType="withEffect">
+                                  <p:stCondLst>
+                                    <p:cond delay="0"/>
+                                  </p:stCondLst>
+                                  <p:childTnLst>
+                                    <p:set>
+                                      <p:cBhvr>
+                                        <p:cTn id="35" dur="1" fill="hold">
+                                          <p:stCondLst>
+                                            <p:cond delay="0"/>
+                                          </p:stCondLst>
+                                        </p:cTn>
+                                        <p:tgtEl>
+                                          <p:spTgt spid="3">
+                                            <p:txEl>
+                                              <p:pRg st="5" end="5"/>
+                                            </p:txEl>
+                                          </p:spTgt>
+                                        </p:tgtEl>
+                                        <p:attrNameLst>
+                                          <p:attrName>style.visibility</p:attrName>
+                                        </p:attrNameLst>
+                                      </p:cBhvr>
+                                      <p:to>
+                                        <p:strVal val="visible"/>
+                                      </p:to>
+                                    </p:set>
+                                    <p:animEffect transition="in" filter="fade">
+                                      <p:cBhvr>
+                                        <p:cTn id="36" dur="1000"/>
+                                        <p:tgtEl>
+                                          <p:spTgt spid="3">
+                                            <p:txEl>
+                                              <p:pRg st="5" end="5"/>
+                                            </p:txEl>
+                                          </p:spTgt>
+                                        </p:tgtEl>
+                                      </p:cBhvr>
+                                    </p:animEffect>
+                                    <p:anim calcmode="lin" valueType="num">
+                                      <p:cBhvr>
+                                        <p:cTn id="37" dur="1000" fill="hold"/>
+                                        <p:tgtEl>
+                                          <p:spTgt spid="3">
+                                            <p:txEl>
+                                              <p:pRg st="5" end="5"/>
+                                            </p:txEl>
+                                          </p:spTgt>
+                                        </p:tgtEl>
+                                        <p:attrNameLst>
+                                          <p:attrName>ppt_x</p:attrName>
+                                        </p:attrNameLst>
+                                      </p:cBhvr>
+                                      <p:tavLst>
+                                        <p:tav tm="0">
+                                          <p:val>
+                                            <p:strVal val="#ppt_x"/>
+                                          </p:val>
+                                        </p:tav>
+                                        <p:tav tm="100000">
+                                          <p:val>
+                                            <p:strVal val="#ppt_x"/>
+                                          </p:val>
+                                        </p:tav>
+                                      </p:tavLst>
+                                    </p:anim>
+                                    <p:anim calcmode="lin" valueType="num">
+                                      <p:cBhvr>
+                                        <p:cTn id="38" dur="1000" fill="hold"/>
+                                        <p:tgtEl>
+                                          <p:spTgt spid="3">
+                                            <p:txEl>
+                                              <p:pRg st="5" end="5"/>
+                                            </p:txEl>
+                                          </p:spTgt>
+                                        </p:tgtEl>
+                                        <p:attrNameLst>
+                                          <p:attrName>ppt_y</p:attrName>
+                                        </p:attrNameLst>
+                                      </p:cBhvr>
+                                      <p:tavLst>
+                                        <p:tav tm="0">
+                                          <p:val>
+                                            <p:strVal val="#ppt_y+.1"/>
+                                          </p:val>
+                                        </p:tav>
+                                        <p:tav tm="100000">
+                                          <p:val>
+                                            <p:strVal val="#ppt_y"/>
+                                          </p:val>
+                                        </p:tav>
+                                      </p:tavLst>
+                                    </p:anim>
+                                  </p:childTnLst>
+                                </p:cTn>
+                              </p:par>
+                              <p:par>
+                                <p:cTn id="39" presetID="42" presetClass="entr" presetSubtype="0" fill="hold" nodeType="withEffect">
+                                  <p:stCondLst>
+                                    <p:cond delay="0"/>
+                                  </p:stCondLst>
+                                  <p:childTnLst>
+                                    <p:set>
+                                      <p:cBhvr>
+                                        <p:cTn id="40" dur="1" fill="hold">
+                                          <p:stCondLst>
+                                            <p:cond delay="0"/>
+                                          </p:stCondLst>
+                                        </p:cTn>
+                                        <p:tgtEl>
+                                          <p:spTgt spid="3">
+                                            <p:txEl>
+                                              <p:pRg st="6" end="6"/>
+                                            </p:txEl>
+                                          </p:spTgt>
+                                        </p:tgtEl>
+                                        <p:attrNameLst>
+                                          <p:attrName>style.visibility</p:attrName>
+                                        </p:attrNameLst>
+                                      </p:cBhvr>
+                                      <p:to>
+                                        <p:strVal val="visible"/>
+                                      </p:to>
+                                    </p:set>
+                                    <p:animEffect transition="in" filter="fade">
+                                      <p:cBhvr>
+                                        <p:cTn id="41" dur="1000"/>
+                                        <p:tgtEl>
+                                          <p:spTgt spid="3">
+                                            <p:txEl>
+                                              <p:pRg st="6" end="6"/>
+                                            </p:txEl>
+                                          </p:spTgt>
+                                        </p:tgtEl>
+                                      </p:cBhvr>
+                                    </p:animEffect>
+                                    <p:anim calcmode="lin" valueType="num">
+                                      <p:cBhvr>
+                                        <p:cTn id="42" dur="1000" fill="hold"/>
+                                        <p:tgtEl>
+                                          <p:spTgt spid="3">
+                                            <p:txEl>
+                                              <p:pRg st="6" end="6"/>
+                                            </p:txEl>
+                                          </p:spTgt>
+                                        </p:tgtEl>
+                                        <p:attrNameLst>
+                                          <p:attrName>ppt_x</p:attrName>
+                                        </p:attrNameLst>
+                                      </p:cBhvr>
+                                      <p:tavLst>
+                                        <p:tav tm="0">
+                                          <p:val>
+                                            <p:strVal val="#ppt_x"/>
+                                          </p:val>
+                                        </p:tav>
+                                        <p:tav tm="100000">
+                                          <p:val>
+                                            <p:strVal val="#ppt_x"/>
+                                          </p:val>
+                                        </p:tav>
+                                      </p:tavLst>
+                                    </p:anim>
+                                    <p:anim calcmode="lin" valueType="num">
+                                      <p:cBhvr>
+                                        <p:cTn id="43" dur="1000" fill="hold"/>
+                                        <p:tgtEl>
+                                          <p:spTgt spid="3">
+                                            <p:txEl>
+                                              <p:pRg st="6" end="6"/>
+                                            </p:txEl>
+                                          </p:spTgt>
+                                        </p:tgtEl>
+                                        <p:attrNameLst>
+                                          <p:attrName>ppt_y</p:attrName>
+                                        </p:attrNameLst>
+                                      </p:cBhvr>
+                                      <p:tavLst>
+                                        <p:tav tm="0">
+                                          <p:val>
+                                            <p:strVal val="#ppt_y+.1"/>
+                                          </p:val>
+                                        </p:tav>
+                                        <p:tav tm="100000">
+                                          <p:val>
+                                            <p:strVal val="#ppt_y"/>
+                                          </p:val>
+                                        </p:tav>
+                                      </p:tavLst>
+                                    </p:anim>
+                                  </p:childTnLst>
+                                </p:cTn>
+                              </p:par>
+                              <p:par>
+                                <p:cTn id="44" presetID="42" presetClass="entr" presetSubtype="0" fill="hold" nodeType="withEffect">
+                                  <p:stCondLst>
+                                    <p:cond delay="0"/>
+                                  </p:stCondLst>
+                                  <p:childTnLst>
+                                    <p:set>
+                                      <p:cBhvr>
+                                        <p:cTn id="45" dur="1" fill="hold">
+                                          <p:stCondLst>
+                                            <p:cond delay="0"/>
+                                          </p:stCondLst>
+                                        </p:cTn>
+                                        <p:tgtEl>
+                                          <p:spTgt spid="3">
+                                            <p:txEl>
+                                              <p:pRg st="7" end="7"/>
+                                            </p:txEl>
+                                          </p:spTgt>
+                                        </p:tgtEl>
+                                        <p:attrNameLst>
+                                          <p:attrName>style.visibility</p:attrName>
+                                        </p:attrNameLst>
+                                      </p:cBhvr>
+                                      <p:to>
+                                        <p:strVal val="visible"/>
+                                      </p:to>
+                                    </p:set>
+                                    <p:animEffect transition="in" filter="fade">
+                                      <p:cBhvr>
+                                        <p:cTn id="46" dur="1000"/>
+                                        <p:tgtEl>
+                                          <p:spTgt spid="3">
+                                            <p:txEl>
+                                              <p:pRg st="7" end="7"/>
+                                            </p:txEl>
+                                          </p:spTgt>
+                                        </p:tgtEl>
+                                      </p:cBhvr>
+                                    </p:animEffect>
+                                    <p:anim calcmode="lin" valueType="num">
+                                      <p:cBhvr>
+                                        <p:cTn id="47" dur="1000" fill="hold"/>
+                                        <p:tgtEl>
+                                          <p:spTgt spid="3">
+                                            <p:txEl>
+                                              <p:pRg st="7" end="7"/>
+                                            </p:txEl>
+                                          </p:spTgt>
+                                        </p:tgtEl>
+                                        <p:attrNameLst>
+                                          <p:attrName>ppt_x</p:attrName>
+                                        </p:attrNameLst>
+                                      </p:cBhvr>
+                                      <p:tavLst>
+                                        <p:tav tm="0">
+                                          <p:val>
+                                            <p:strVal val="#ppt_x"/>
+                                          </p:val>
+                                        </p:tav>
+                                        <p:tav tm="100000">
+                                          <p:val>
+                                            <p:strVal val="#ppt_x"/>
+                                          </p:val>
+                                        </p:tav>
+                                      </p:tavLst>
+                                    </p:anim>
+                                    <p:anim calcmode="lin" valueType="num">
+                                      <p:cBhvr>
+                                        <p:cTn id="48" dur="1000" fill="hold"/>
+                                        <p:tgtEl>
+                                          <p:spTgt spid="3">
+                                            <p:txEl>
+                                              <p:pRg st="7" end="7"/>
+                                            </p:txEl>
+                                          </p:spTgt>
+                                        </p:tgtEl>
+                                        <p:attrNameLst>
+                                          <p:attrName>ppt_y</p:attrName>
+                                        </p:attrNameLst>
+                                      </p:cBhvr>
+                                      <p:tavLst>
+                                        <p:tav tm="0">
+                                          <p:val>
+                                            <p:strVal val="#ppt_y+.1"/>
+                                          </p:val>
+                                        </p:tav>
+                                        <p:tav tm="100000">
+                                          <p:val>
+                                            <p:strVal val="#ppt_y"/>
+                                          </p:val>
+                                        </p:tav>
+                                      </p:tavLst>
+                                    </p:anim>
+                                  </p:childTnLst>
+                                </p:cTn>
+                              </p:par>
+                            </p:childTnLst>
+                          </p:cTn>
+                        </p:par>
+                      </p:childTnLst>
+                    </p:cTn>
+                  </p:par>
+                </p:childTnLst>
+              </p:cTn>
+              <p:prevCondLst>
+                <p:cond evt="onPrev" delay="0">
+                  <p:tgtEl>
+                    <p:sldTgt/>
+                  </p:tgtEl>
+                </p:cond>
+              </p:prevCondLst>
+              <p:nextCondLst>
+                <p:cond evt="onNext" delay="0">
+                  <p:tgtEl>
+                    <p:sldTgt/>
+                  </p:tgtEl>
+                </p:cond>
+              </p:nextCondLst>
+            </p:seq>
+          </p:childTnLst>
+        </p:cTn>
       </p:par>
     </p:tnLst>
   </p:timing>
@@ -7212,7 +9234,145 @@
   <p:timing>
     <p:tnLst>
       <p:par>
-        <p:cTn id="1" dur="indefinite" restart="never" nodeType="tmRoot"/>
+        <p:cTn id="1" dur="indefinite" restart="never" nodeType="tmRoot">
+          <p:childTnLst>
+            <p:seq concurrent="1" nextAc="seek">
+              <p:cTn id="2" dur="indefinite" nodeType="mainSeq">
+                <p:childTnLst>
+                  <p:par>
+                    <p:cTn id="3" fill="hold">
+                      <p:stCondLst>
+                        <p:cond delay="indefinite"/>
+                      </p:stCondLst>
+                      <p:childTnLst>
+                        <p:par>
+                          <p:cTn id="4" fill="hold">
+                            <p:stCondLst>
+                              <p:cond delay="0"/>
+                            </p:stCondLst>
+                            <p:childTnLst>
+                              <p:par>
+                                <p:cTn id="5" presetID="42" presetClass="entr" presetSubtype="0" fill="hold" nodeType="clickEffect">
+                                  <p:stCondLst>
+                                    <p:cond delay="0"/>
+                                  </p:stCondLst>
+                                  <p:childTnLst>
+                                    <p:set>
+                                      <p:cBhvr>
+                                        <p:cTn id="6" dur="1" fill="hold">
+                                          <p:stCondLst>
+                                            <p:cond delay="0"/>
+                                          </p:stCondLst>
+                                        </p:cTn>
+                                        <p:tgtEl>
+                                          <p:spTgt spid="3">
+                                            <p:txEl>
+                                              <p:pRg st="1" end="1"/>
+                                            </p:txEl>
+                                          </p:spTgt>
+                                        </p:tgtEl>
+                                        <p:attrNameLst>
+                                          <p:attrName>style.visibility</p:attrName>
+                                        </p:attrNameLst>
+                                      </p:cBhvr>
+                                      <p:to>
+                                        <p:strVal val="visible"/>
+                                      </p:to>
+                                    </p:set>
+                                    <p:animEffect transition="in" filter="fade">
+                                      <p:cBhvr>
+                                        <p:cTn id="7" dur="1000"/>
+                                        <p:tgtEl>
+                                          <p:spTgt spid="3">
+                                            <p:txEl>
+                                              <p:pRg st="1" end="1"/>
+                                            </p:txEl>
+                                          </p:spTgt>
+                                        </p:tgtEl>
+                                      </p:cBhvr>
+                                    </p:animEffect>
+                                    <p:anim calcmode="lin" valueType="num">
+                                      <p:cBhvr>
+                                        <p:cTn id="8" dur="1000" fill="hold"/>
+                                        <p:tgtEl>
+                                          <p:spTgt spid="3">
+                                            <p:txEl>
+                                              <p:pRg st="1" end="1"/>
+                                            </p:txEl>
+                                          </p:spTgt>
+                                        </p:tgtEl>
+                                        <p:attrNameLst>
+                                          <p:attrName>ppt_x</p:attrName>
+                                        </p:attrNameLst>
+                                      </p:cBhvr>
+                                      <p:tavLst>
+                                        <p:tav tm="0">
+                                          <p:val>
+                                            <p:strVal val="#ppt_x"/>
+                                          </p:val>
+                                        </p:tav>
+                                        <p:tav tm="100000">
+                                          <p:val>
+                                            <p:strVal val="#ppt_x"/>
+                                          </p:val>
+                                        </p:tav>
+                                      </p:tavLst>
+                                    </p:anim>
+                                    <p:anim calcmode="lin" valueType="num">
+                                      <p:cBhvr>
+                                        <p:cTn id="9" dur="1000" fill="hold"/>
+                                        <p:tgtEl>
+                                          <p:spTgt spid="3">
+                                            <p:txEl>
+                                              <p:pRg st="1" end="1"/>
+                                            </p:txEl>
+                                          </p:spTgt>
+                                        </p:tgtEl>
+                                        <p:attrNameLst>
+                                          <p:attrName>ppt_y</p:attrName>
+                                        </p:attrNameLst>
+                                      </p:cBhvr>
+                                      <p:tavLst>
+                                        <p:tav tm="0">
+                                          <p:val>
+                                            <p:strVal val="#ppt_y+.1"/>
+                                          </p:val>
+                                        </p:tav>
+                                        <p:tav tm="100000">
+                                          <p:val>
+                                            <p:strVal val="#ppt_y"/>
+                                          </p:val>
+                                        </p:tav>
+                                      </p:tavLst>
+                                    </p:anim>
+                                  </p:childTnLst>
+                                </p:cTn>
+                              </p:par>
+                            </p:childTnLst>
+                          </p:cTn>
+                        </p:par>
+                      </p:childTnLst>
+                    </p:cTn>
+                  </p:par>
+                </p:childTnLst>
+              </p:cTn>
+              <p:prevCondLst>
+                <p:cond evt="onPrev" delay="0">
+                  <p:tgtEl>
+                    <p:sldTgt/>
+                  </p:tgtEl>
+                </p:cond>
+              </p:prevCondLst>
+              <p:nextCondLst>
+                <p:cond evt="onNext" delay="0">
+                  <p:tgtEl>
+                    <p:sldTgt/>
+                  </p:tgtEl>
+                </p:cond>
+              </p:nextCondLst>
+            </p:seq>
+          </p:childTnLst>
+        </p:cTn>
       </p:par>
     </p:tnLst>
   </p:timing>
@@ -7328,7 +9488,145 @@
   <p:timing>
     <p:tnLst>
       <p:par>
-        <p:cTn id="1" dur="indefinite" restart="never" nodeType="tmRoot"/>
+        <p:cTn id="1" dur="indefinite" restart="never" nodeType="tmRoot">
+          <p:childTnLst>
+            <p:seq concurrent="1" nextAc="seek">
+              <p:cTn id="2" dur="indefinite" nodeType="mainSeq">
+                <p:childTnLst>
+                  <p:par>
+                    <p:cTn id="3" fill="hold">
+                      <p:stCondLst>
+                        <p:cond delay="indefinite"/>
+                      </p:stCondLst>
+                      <p:childTnLst>
+                        <p:par>
+                          <p:cTn id="4" fill="hold">
+                            <p:stCondLst>
+                              <p:cond delay="0"/>
+                            </p:stCondLst>
+                            <p:childTnLst>
+                              <p:par>
+                                <p:cTn id="5" presetID="42" presetClass="entr" presetSubtype="0" fill="hold" nodeType="clickEffect">
+                                  <p:stCondLst>
+                                    <p:cond delay="0"/>
+                                  </p:stCondLst>
+                                  <p:childTnLst>
+                                    <p:set>
+                                      <p:cBhvr>
+                                        <p:cTn id="6" dur="1" fill="hold">
+                                          <p:stCondLst>
+                                            <p:cond delay="0"/>
+                                          </p:stCondLst>
+                                        </p:cTn>
+                                        <p:tgtEl>
+                                          <p:spTgt spid="3">
+                                            <p:txEl>
+                                              <p:pRg st="1" end="1"/>
+                                            </p:txEl>
+                                          </p:spTgt>
+                                        </p:tgtEl>
+                                        <p:attrNameLst>
+                                          <p:attrName>style.visibility</p:attrName>
+                                        </p:attrNameLst>
+                                      </p:cBhvr>
+                                      <p:to>
+                                        <p:strVal val="visible"/>
+                                      </p:to>
+                                    </p:set>
+                                    <p:animEffect transition="in" filter="fade">
+                                      <p:cBhvr>
+                                        <p:cTn id="7" dur="1000"/>
+                                        <p:tgtEl>
+                                          <p:spTgt spid="3">
+                                            <p:txEl>
+                                              <p:pRg st="1" end="1"/>
+                                            </p:txEl>
+                                          </p:spTgt>
+                                        </p:tgtEl>
+                                      </p:cBhvr>
+                                    </p:animEffect>
+                                    <p:anim calcmode="lin" valueType="num">
+                                      <p:cBhvr>
+                                        <p:cTn id="8" dur="1000" fill="hold"/>
+                                        <p:tgtEl>
+                                          <p:spTgt spid="3">
+                                            <p:txEl>
+                                              <p:pRg st="1" end="1"/>
+                                            </p:txEl>
+                                          </p:spTgt>
+                                        </p:tgtEl>
+                                        <p:attrNameLst>
+                                          <p:attrName>ppt_x</p:attrName>
+                                        </p:attrNameLst>
+                                      </p:cBhvr>
+                                      <p:tavLst>
+                                        <p:tav tm="0">
+                                          <p:val>
+                                            <p:strVal val="#ppt_x"/>
+                                          </p:val>
+                                        </p:tav>
+                                        <p:tav tm="100000">
+                                          <p:val>
+                                            <p:strVal val="#ppt_x"/>
+                                          </p:val>
+                                        </p:tav>
+                                      </p:tavLst>
+                                    </p:anim>
+                                    <p:anim calcmode="lin" valueType="num">
+                                      <p:cBhvr>
+                                        <p:cTn id="9" dur="1000" fill="hold"/>
+                                        <p:tgtEl>
+                                          <p:spTgt spid="3">
+                                            <p:txEl>
+                                              <p:pRg st="1" end="1"/>
+                                            </p:txEl>
+                                          </p:spTgt>
+                                        </p:tgtEl>
+                                        <p:attrNameLst>
+                                          <p:attrName>ppt_y</p:attrName>
+                                        </p:attrNameLst>
+                                      </p:cBhvr>
+                                      <p:tavLst>
+                                        <p:tav tm="0">
+                                          <p:val>
+                                            <p:strVal val="#ppt_y+.1"/>
+                                          </p:val>
+                                        </p:tav>
+                                        <p:tav tm="100000">
+                                          <p:val>
+                                            <p:strVal val="#ppt_y"/>
+                                          </p:val>
+                                        </p:tav>
+                                      </p:tavLst>
+                                    </p:anim>
+                                  </p:childTnLst>
+                                </p:cTn>
+                              </p:par>
+                            </p:childTnLst>
+                          </p:cTn>
+                        </p:par>
+                      </p:childTnLst>
+                    </p:cTn>
+                  </p:par>
+                </p:childTnLst>
+              </p:cTn>
+              <p:prevCondLst>
+                <p:cond evt="onPrev" delay="0">
+                  <p:tgtEl>
+                    <p:sldTgt/>
+                  </p:tgtEl>
+                </p:cond>
+              </p:prevCondLst>
+              <p:nextCondLst>
+                <p:cond evt="onNext" delay="0">
+                  <p:tgtEl>
+                    <p:sldTgt/>
+                  </p:tgtEl>
+                </p:cond>
+              </p:nextCondLst>
+            </p:seq>
+          </p:childTnLst>
+        </p:cTn>
       </p:par>
     </p:tnLst>
   </p:timing>
@@ -7459,7 +9757,145 @@
   <p:timing>
     <p:tnLst>
       <p:par>
-        <p:cTn id="1" dur="indefinite" restart="never" nodeType="tmRoot"/>
+        <p:cTn id="1" dur="indefinite" restart="never" nodeType="tmRoot">
+          <p:childTnLst>
+            <p:seq concurrent="1" nextAc="seek">
+              <p:cTn id="2" dur="indefinite" nodeType="mainSeq">
+                <p:childTnLst>
+                  <p:par>
+                    <p:cTn id="3" fill="hold">
+                      <p:stCondLst>
+                        <p:cond delay="indefinite"/>
+                      </p:stCondLst>
+                      <p:childTnLst>
+                        <p:par>
+                          <p:cTn id="4" fill="hold">
+                            <p:stCondLst>
+                              <p:cond delay="0"/>
+                            </p:stCondLst>
+                            <p:childTnLst>
+                              <p:par>
+                                <p:cTn id="5" presetID="42" presetClass="entr" presetSubtype="0" fill="hold" nodeType="clickEffect">
+                                  <p:stCondLst>
+                                    <p:cond delay="0"/>
+                                  </p:stCondLst>
+                                  <p:childTnLst>
+                                    <p:set>
+                                      <p:cBhvr>
+                                        <p:cTn id="6" dur="1" fill="hold">
+                                          <p:stCondLst>
+                                            <p:cond delay="0"/>
+                                          </p:stCondLst>
+                                        </p:cTn>
+                                        <p:tgtEl>
+                                          <p:spTgt spid="3">
+                                            <p:txEl>
+                                              <p:pRg st="1" end="1"/>
+                                            </p:txEl>
+                                          </p:spTgt>
+                                        </p:tgtEl>
+                                        <p:attrNameLst>
+                                          <p:attrName>style.visibility</p:attrName>
+                                        </p:attrNameLst>
+                                      </p:cBhvr>
+                                      <p:to>
+                                        <p:strVal val="visible"/>
+                                      </p:to>
+                                    </p:set>
+                                    <p:animEffect transition="in" filter="fade">
+                                      <p:cBhvr>
+                                        <p:cTn id="7" dur="1000"/>
+                                        <p:tgtEl>
+                                          <p:spTgt spid="3">
+                                            <p:txEl>
+                                              <p:pRg st="1" end="1"/>
+                                            </p:txEl>
+                                          </p:spTgt>
+                                        </p:tgtEl>
+                                      </p:cBhvr>
+                                    </p:animEffect>
+                                    <p:anim calcmode="lin" valueType="num">
+                                      <p:cBhvr>
+                                        <p:cTn id="8" dur="1000" fill="hold"/>
+                                        <p:tgtEl>
+                                          <p:spTgt spid="3">
+                                            <p:txEl>
+                                              <p:pRg st="1" end="1"/>
+                                            </p:txEl>
+                                          </p:spTgt>
+                                        </p:tgtEl>
+                                        <p:attrNameLst>
+                                          <p:attrName>ppt_x</p:attrName>
+                                        </p:attrNameLst>
+                                      </p:cBhvr>
+                                      <p:tavLst>
+                                        <p:tav tm="0">
+                                          <p:val>
+                                            <p:strVal val="#ppt_x"/>
+                                          </p:val>
+                                        </p:tav>
+                                        <p:tav tm="100000">
+                                          <p:val>
+                                            <p:strVal val="#ppt_x"/>
+                                          </p:val>
+                                        </p:tav>
+                                      </p:tavLst>
+                                    </p:anim>
+                                    <p:anim calcmode="lin" valueType="num">
+                                      <p:cBhvr>
+                                        <p:cTn id="9" dur="1000" fill="hold"/>
+                                        <p:tgtEl>
+                                          <p:spTgt spid="3">
+                                            <p:txEl>
+                                              <p:pRg st="1" end="1"/>
+                                            </p:txEl>
+                                          </p:spTgt>
+                                        </p:tgtEl>
+                                        <p:attrNameLst>
+                                          <p:attrName>ppt_y</p:attrName>
+                                        </p:attrNameLst>
+                                      </p:cBhvr>
+                                      <p:tavLst>
+                                        <p:tav tm="0">
+                                          <p:val>
+                                            <p:strVal val="#ppt_y+.1"/>
+                                          </p:val>
+                                        </p:tav>
+                                        <p:tav tm="100000">
+                                          <p:val>
+                                            <p:strVal val="#ppt_y"/>
+                                          </p:val>
+                                        </p:tav>
+                                      </p:tavLst>
+                                    </p:anim>
+                                  </p:childTnLst>
+                                </p:cTn>
+                              </p:par>
+                            </p:childTnLst>
+                          </p:cTn>
+                        </p:par>
+                      </p:childTnLst>
+                    </p:cTn>
+                  </p:par>
+                </p:childTnLst>
+              </p:cTn>
+              <p:prevCondLst>
+                <p:cond evt="onPrev" delay="0">
+                  <p:tgtEl>
+                    <p:sldTgt/>
+                  </p:tgtEl>
+                </p:cond>
+              </p:prevCondLst>
+              <p:nextCondLst>
+                <p:cond evt="onNext" delay="0">
+                  <p:tgtEl>
+                    <p:sldTgt/>
+                  </p:tgtEl>
+                </p:cond>
+              </p:nextCondLst>
+            </p:seq>
+          </p:childTnLst>
+        </p:cTn>
       </p:par>
     </p:tnLst>
   </p:timing>
@@ -7592,7 +10028,375 @@
   <p:timing>
     <p:tnLst>
       <p:par>
-        <p:cTn id="1" dur="indefinite" restart="never" nodeType="tmRoot"/>
+        <p:cTn id="1" dur="indefinite" restart="never" nodeType="tmRoot">
+          <p:childTnLst>
+            <p:seq concurrent="1" nextAc="seek">
+              <p:cTn id="2" dur="indefinite" nodeType="mainSeq">
+                <p:childTnLst>
+                  <p:par>
+                    <p:cTn id="3" fill="hold">
+                      <p:stCondLst>
+                        <p:cond delay="indefinite"/>
+                      </p:stCondLst>
+                      <p:childTnLst>
+                        <p:par>
+                          <p:cTn id="4" fill="hold">
+                            <p:stCondLst>
+                              <p:cond delay="0"/>
+                            </p:stCondLst>
+                            <p:childTnLst>
+                              <p:par>
+                                <p:cTn id="5" presetID="42" presetClass="entr" presetSubtype="0" fill="hold" nodeType="clickEffect">
+                                  <p:stCondLst>
+                                    <p:cond delay="0"/>
+                                  </p:stCondLst>
+                                  <p:childTnLst>
+                                    <p:set>
+                                      <p:cBhvr>
+                                        <p:cTn id="6" dur="1" fill="hold">
+                                          <p:stCondLst>
+                                            <p:cond delay="0"/>
+                                          </p:stCondLst>
+                                        </p:cTn>
+                                        <p:tgtEl>
+                                          <p:spTgt spid="3">
+                                            <p:txEl>
+                                              <p:pRg st="1" end="1"/>
+                                            </p:txEl>
+                                          </p:spTgt>
+                                        </p:tgtEl>
+                                        <p:attrNameLst>
+                                          <p:attrName>style.visibility</p:attrName>
+                                        </p:attrNameLst>
+                                      </p:cBhvr>
+                                      <p:to>
+                                        <p:strVal val="visible"/>
+                                      </p:to>
+                                    </p:set>
+                                    <p:animEffect transition="in" filter="fade">
+                                      <p:cBhvr>
+                                        <p:cTn id="7" dur="1000"/>
+                                        <p:tgtEl>
+                                          <p:spTgt spid="3">
+                                            <p:txEl>
+                                              <p:pRg st="1" end="1"/>
+                                            </p:txEl>
+                                          </p:spTgt>
+                                        </p:tgtEl>
+                                      </p:cBhvr>
+                                    </p:animEffect>
+                                    <p:anim calcmode="lin" valueType="num">
+                                      <p:cBhvr>
+                                        <p:cTn id="8" dur="1000" fill="hold"/>
+                                        <p:tgtEl>
+                                          <p:spTgt spid="3">
+                                            <p:txEl>
+                                              <p:pRg st="1" end="1"/>
+                                            </p:txEl>
+                                          </p:spTgt>
+                                        </p:tgtEl>
+                                        <p:attrNameLst>
+                                          <p:attrName>ppt_x</p:attrName>
+                                        </p:attrNameLst>
+                                      </p:cBhvr>
+                                      <p:tavLst>
+                                        <p:tav tm="0">
+                                          <p:val>
+                                            <p:strVal val="#ppt_x"/>
+                                          </p:val>
+                                        </p:tav>
+                                        <p:tav tm="100000">
+                                          <p:val>
+                                            <p:strVal val="#ppt_x"/>
+                                          </p:val>
+                                        </p:tav>
+                                      </p:tavLst>
+                                    </p:anim>
+                                    <p:anim calcmode="lin" valueType="num">
+                                      <p:cBhvr>
+                                        <p:cTn id="9" dur="1000" fill="hold"/>
+                                        <p:tgtEl>
+                                          <p:spTgt spid="3">
+                                            <p:txEl>
+                                              <p:pRg st="1" end="1"/>
+                                            </p:txEl>
+                                          </p:spTgt>
+                                        </p:tgtEl>
+                                        <p:attrNameLst>
+                                          <p:attrName>ppt_y</p:attrName>
+                                        </p:attrNameLst>
+                                      </p:cBhvr>
+                                      <p:tavLst>
+                                        <p:tav tm="0">
+                                          <p:val>
+                                            <p:strVal val="#ppt_y+.1"/>
+                                          </p:val>
+                                        </p:tav>
+                                        <p:tav tm="100000">
+                                          <p:val>
+                                            <p:strVal val="#ppt_y"/>
+                                          </p:val>
+                                        </p:tav>
+                                      </p:tavLst>
+                                    </p:anim>
+                                  </p:childTnLst>
+                                </p:cTn>
+                              </p:par>
+                            </p:childTnLst>
+                          </p:cTn>
+                        </p:par>
+                      </p:childTnLst>
+                    </p:cTn>
+                  </p:par>
+                  <p:par>
+                    <p:cTn id="10" fill="hold">
+                      <p:stCondLst>
+                        <p:cond delay="indefinite"/>
+                      </p:stCondLst>
+                      <p:childTnLst>
+                        <p:par>
+                          <p:cTn id="11" fill="hold">
+                            <p:stCondLst>
+                              <p:cond delay="0"/>
+                            </p:stCondLst>
+                            <p:childTnLst>
+                              <p:par>
+                                <p:cTn id="12" presetID="42" presetClass="entr" presetSubtype="0" fill="hold" nodeType="clickEffect">
+                                  <p:stCondLst>
+                                    <p:cond delay="0"/>
+                                  </p:stCondLst>
+                                  <p:childTnLst>
+                                    <p:set>
+                                      <p:cBhvr>
+                                        <p:cTn id="13" dur="1" fill="hold">
+                                          <p:stCondLst>
+                                            <p:cond delay="0"/>
+                                          </p:stCondLst>
+                                        </p:cTn>
+                                        <p:tgtEl>
+                                          <p:spTgt spid="3">
+                                            <p:txEl>
+                                              <p:pRg st="2" end="2"/>
+                                            </p:txEl>
+                                          </p:spTgt>
+                                        </p:tgtEl>
+                                        <p:attrNameLst>
+                                          <p:attrName>style.visibility</p:attrName>
+                                        </p:attrNameLst>
+                                      </p:cBhvr>
+                                      <p:to>
+                                        <p:strVal val="visible"/>
+                                      </p:to>
+                                    </p:set>
+                                    <p:animEffect transition="in" filter="fade">
+                                      <p:cBhvr>
+                                        <p:cTn id="14" dur="1000"/>
+                                        <p:tgtEl>
+                                          <p:spTgt spid="3">
+                                            <p:txEl>
+                                              <p:pRg st="2" end="2"/>
+                                            </p:txEl>
+                                          </p:spTgt>
+                                        </p:tgtEl>
+                                      </p:cBhvr>
+                                    </p:animEffect>
+                                    <p:anim calcmode="lin" valueType="num">
+                                      <p:cBhvr>
+                                        <p:cTn id="15" dur="1000" fill="hold"/>
+                                        <p:tgtEl>
+                                          <p:spTgt spid="3">
+                                            <p:txEl>
+                                              <p:pRg st="2" end="2"/>
+                                            </p:txEl>
+                                          </p:spTgt>
+                                        </p:tgtEl>
+                                        <p:attrNameLst>
+                                          <p:attrName>ppt_x</p:attrName>
+                                        </p:attrNameLst>
+                                      </p:cBhvr>
+                                      <p:tavLst>
+                                        <p:tav tm="0">
+                                          <p:val>
+                                            <p:strVal val="#ppt_x"/>
+                                          </p:val>
+                                        </p:tav>
+                                        <p:tav tm="100000">
+                                          <p:val>
+                                            <p:strVal val="#ppt_x"/>
+                                          </p:val>
+                                        </p:tav>
+                                      </p:tavLst>
+                                    </p:anim>
+                                    <p:anim calcmode="lin" valueType="num">
+                                      <p:cBhvr>
+                                        <p:cTn id="16" dur="1000" fill="hold"/>
+                                        <p:tgtEl>
+                                          <p:spTgt spid="3">
+                                            <p:txEl>
+                                              <p:pRg st="2" end="2"/>
+                                            </p:txEl>
+                                          </p:spTgt>
+                                        </p:tgtEl>
+                                        <p:attrNameLst>
+                                          <p:attrName>ppt_y</p:attrName>
+                                        </p:attrNameLst>
+                                      </p:cBhvr>
+                                      <p:tavLst>
+                                        <p:tav tm="0">
+                                          <p:val>
+                                            <p:strVal val="#ppt_y+.1"/>
+                                          </p:val>
+                                        </p:tav>
+                                        <p:tav tm="100000">
+                                          <p:val>
+                                            <p:strVal val="#ppt_y"/>
+                                          </p:val>
+                                        </p:tav>
+                                      </p:tavLst>
+                                    </p:anim>
+                                  </p:childTnLst>
+                                </p:cTn>
+                              </p:par>
+                            </p:childTnLst>
+                          </p:cTn>
+                        </p:par>
+                      </p:childTnLst>
+                    </p:cTn>
+                  </p:par>
+                  <p:par>
+                    <p:cTn id="17" fill="hold">
+                      <p:stCondLst>
+                        <p:cond delay="indefinite"/>
+                      </p:stCondLst>
+                      <p:childTnLst>
+                        <p:par>
+                          <p:cTn id="18" fill="hold">
+                            <p:stCondLst>
+                              <p:cond delay="0"/>
+                            </p:stCondLst>
+                            <p:childTnLst>
+                              <p:par>
+                                <p:cTn id="19" presetID="42" presetClass="entr" presetSubtype="0" fill="hold" nodeType="clickEffect">
+                                  <p:stCondLst>
+                                    <p:cond delay="0"/>
+                                  </p:stCondLst>
+                                  <p:childTnLst>
+                                    <p:set>
+                                      <p:cBhvr>
+                                        <p:cTn id="20" dur="1" fill="hold">
+                                          <p:stCondLst>
+                                            <p:cond delay="0"/>
+                                          </p:stCondLst>
+                                        </p:cTn>
+                                        <p:tgtEl>
+                                          <p:spTgt spid="3">
+                                            <p:txEl>
+                                              <p:pRg st="3" end="3"/>
+                                            </p:txEl>
+                                          </p:spTgt>
+                                        </p:tgtEl>
+                                        <p:attrNameLst>
+                                          <p:attrName>style.visibility</p:attrName>
+                                        </p:attrNameLst>
+                                      </p:cBhvr>
+                                      <p:to>
+                                        <p:strVal val="visible"/>
+                                      </p:to>
+                                    </p:set>
+                                    <p:animEffect transition="in" filter="fade">
+                                      <p:cBhvr>
+                                        <p:cTn id="21" dur="1000"/>
+                                        <p:tgtEl>
+                                          <p:spTgt spid="3">
+                                            <p:txEl>
+                                              <p:pRg st="3" end="3"/>
+                                            </p:txEl>
+                                          </p:spTgt>
+                                        </p:tgtEl>
+                                      </p:cBhvr>
+                                    </p:animEffect>
+                                    <p:anim calcmode="lin" valueType="num">
+                                      <p:cBhvr>
+                                        <p:cTn id="22" dur="1000" fill="hold"/>
+                                        <p:tgtEl>
+                                          <p:spTgt spid="3">
+                                            <p:txEl>
+                                              <p:pRg st="3" end="3"/>
+                                            </p:txEl>
+                                          </p:spTgt>
+                                        </p:tgtEl>
+                                        <p:attrNameLst>
+                                          <p:attrName>ppt_x</p:attrName>
+                                        </p:attrNameLst>
+                                      </p:cBhvr>
+                                      <p:tavLst>
+                                        <p:tav tm="0">
+                                          <p:val>
+                                            <p:strVal val="#ppt_x"/>
+                                          </p:val>
+                                        </p:tav>
+                                        <p:tav tm="100000">
+                                          <p:val>
+                                            <p:strVal val="#ppt_x"/>
+                                          </p:val>
+                                        </p:tav>
+                                      </p:tavLst>
+                                    </p:anim>
+                                    <p:anim calcmode="lin" valueType="num">
+                                      <p:cBhvr>
+                                        <p:cTn id="23" dur="1000" fill="hold"/>
+                                        <p:tgtEl>
+                                          <p:spTgt spid="3">
+                                            <p:txEl>
+                                              <p:pRg st="3" end="3"/>
+                                            </p:txEl>
+                                          </p:spTgt>
+                                        </p:tgtEl>
+                                        <p:attrNameLst>
+                                          <p:attrName>ppt_y</p:attrName>
+                                        </p:attrNameLst>
+                                      </p:cBhvr>
+                                      <p:tavLst>
+                                        <p:tav tm="0">
+                                          <p:val>
+                                            <p:strVal val="#ppt_y+.1"/>
+                                          </p:val>
+                                        </p:tav>
+                                        <p:tav tm="100000">
+                                          <p:val>
+                                            <p:strVal val="#ppt_y"/>
+                                          </p:val>
+                                        </p:tav>
+                                      </p:tavLst>
+                                    </p:anim>
+                                  </p:childTnLst>
+                                </p:cTn>
+                              </p:par>
+                            </p:childTnLst>
+                          </p:cTn>
+                        </p:par>
+                      </p:childTnLst>
+                    </p:cTn>
+                  </p:par>
+                </p:childTnLst>
+              </p:cTn>
+              <p:prevCondLst>
+                <p:cond evt="onPrev" delay="0">
+                  <p:tgtEl>
+                    <p:sldTgt/>
+                  </p:tgtEl>
+                </p:cond>
+              </p:prevCondLst>
+              <p:nextCondLst>
+                <p:cond evt="onNext" delay="0">
+                  <p:tgtEl>
+                    <p:sldTgt/>
+                  </p:tgtEl>
+                </p:cond>
+              </p:nextCondLst>
+            </p:seq>
+          </p:childTnLst>
+        </p:cTn>
       </p:par>
     </p:tnLst>
   </p:timing>
@@ -7700,7 +10504,145 @@
   <p:timing>
     <p:tnLst>
       <p:par>
-        <p:cTn id="1" dur="indefinite" restart="never" nodeType="tmRoot"/>
+        <p:cTn id="1" dur="indefinite" restart="never" nodeType="tmRoot">
+          <p:childTnLst>
+            <p:seq concurrent="1" nextAc="seek">
+              <p:cTn id="2" dur="indefinite" nodeType="mainSeq">
+                <p:childTnLst>
+                  <p:par>
+                    <p:cTn id="3" fill="hold">
+                      <p:stCondLst>
+                        <p:cond delay="indefinite"/>
+                      </p:stCondLst>
+                      <p:childTnLst>
+                        <p:par>
+                          <p:cTn id="4" fill="hold">
+                            <p:stCondLst>
+                              <p:cond delay="0"/>
+                            </p:stCondLst>
+                            <p:childTnLst>
+                              <p:par>
+                                <p:cTn id="5" presetID="42" presetClass="entr" presetSubtype="0" fill="hold" nodeType="clickEffect">
+                                  <p:stCondLst>
+                                    <p:cond delay="0"/>
+                                  </p:stCondLst>
+                                  <p:childTnLst>
+                                    <p:set>
+                                      <p:cBhvr>
+                                        <p:cTn id="6" dur="1" fill="hold">
+                                          <p:stCondLst>
+                                            <p:cond delay="0"/>
+                                          </p:stCondLst>
+                                        </p:cTn>
+                                        <p:tgtEl>
+                                          <p:spTgt spid="3">
+                                            <p:txEl>
+                                              <p:pRg st="1" end="1"/>
+                                            </p:txEl>
+                                          </p:spTgt>
+                                        </p:tgtEl>
+                                        <p:attrNameLst>
+                                          <p:attrName>style.visibility</p:attrName>
+                                        </p:attrNameLst>
+                                      </p:cBhvr>
+                                      <p:to>
+                                        <p:strVal val="visible"/>
+                                      </p:to>
+                                    </p:set>
+                                    <p:animEffect transition="in" filter="fade">
+                                      <p:cBhvr>
+                                        <p:cTn id="7" dur="1000"/>
+                                        <p:tgtEl>
+                                          <p:spTgt spid="3">
+                                            <p:txEl>
+                                              <p:pRg st="1" end="1"/>
+                                            </p:txEl>
+                                          </p:spTgt>
+                                        </p:tgtEl>
+                                      </p:cBhvr>
+                                    </p:animEffect>
+                                    <p:anim calcmode="lin" valueType="num">
+                                      <p:cBhvr>
+                                        <p:cTn id="8" dur="1000" fill="hold"/>
+                                        <p:tgtEl>
+                                          <p:spTgt spid="3">
+                                            <p:txEl>
+                                              <p:pRg st="1" end="1"/>
+                                            </p:txEl>
+                                          </p:spTgt>
+                                        </p:tgtEl>
+                                        <p:attrNameLst>
+                                          <p:attrName>ppt_x</p:attrName>
+                                        </p:attrNameLst>
+                                      </p:cBhvr>
+                                      <p:tavLst>
+                                        <p:tav tm="0">
+                                          <p:val>
+                                            <p:strVal val="#ppt_x"/>
+                                          </p:val>
+                                        </p:tav>
+                                        <p:tav tm="100000">
+                                          <p:val>
+                                            <p:strVal val="#ppt_x"/>
+                                          </p:val>
+                                        </p:tav>
+                                      </p:tavLst>
+                                    </p:anim>
+                                    <p:anim calcmode="lin" valueType="num">
+                                      <p:cBhvr>
+                                        <p:cTn id="9" dur="1000" fill="hold"/>
+                                        <p:tgtEl>
+                                          <p:spTgt spid="3">
+                                            <p:txEl>
+                                              <p:pRg st="1" end="1"/>
+                                            </p:txEl>
+                                          </p:spTgt>
+                                        </p:tgtEl>
+                                        <p:attrNameLst>
+                                          <p:attrName>ppt_y</p:attrName>
+                                        </p:attrNameLst>
+                                      </p:cBhvr>
+                                      <p:tavLst>
+                                        <p:tav tm="0">
+                                          <p:val>
+                                            <p:strVal val="#ppt_y+.1"/>
+                                          </p:val>
+                                        </p:tav>
+                                        <p:tav tm="100000">
+                                          <p:val>
+                                            <p:strVal val="#ppt_y"/>
+                                          </p:val>
+                                        </p:tav>
+                                      </p:tavLst>
+                                    </p:anim>
+                                  </p:childTnLst>
+                                </p:cTn>
+                              </p:par>
+                            </p:childTnLst>
+                          </p:cTn>
+                        </p:par>
+                      </p:childTnLst>
+                    </p:cTn>
+                  </p:par>
+                </p:childTnLst>
+              </p:cTn>
+              <p:prevCondLst>
+                <p:cond evt="onPrev" delay="0">
+                  <p:tgtEl>
+                    <p:sldTgt/>
+                  </p:tgtEl>
+                </p:cond>
+              </p:prevCondLst>
+              <p:nextCondLst>
+                <p:cond evt="onNext" delay="0">
+                  <p:tgtEl>
+                    <p:sldTgt/>
+                  </p:tgtEl>
+                </p:cond>
+              </p:nextCondLst>
+            </p:seq>
+          </p:childTnLst>
+        </p:cTn>
       </p:par>
     </p:tnLst>
   </p:timing>
@@ -7808,7 +10750,145 @@
   <p:timing>
     <p:tnLst>
       <p:par>
-        <p:cTn id="1" dur="indefinite" restart="never" nodeType="tmRoot"/>
+        <p:cTn id="1" dur="indefinite" restart="never" nodeType="tmRoot">
+          <p:childTnLst>
+            <p:seq concurrent="1" nextAc="seek">
+              <p:cTn id="2" dur="indefinite" nodeType="mainSeq">
+                <p:childTnLst>
+                  <p:par>
+                    <p:cTn id="3" fill="hold">
+                      <p:stCondLst>
+                        <p:cond delay="indefinite"/>
+                      </p:stCondLst>
+                      <p:childTnLst>
+                        <p:par>
+                          <p:cTn id="4" fill="hold">
+                            <p:stCondLst>
+                              <p:cond delay="0"/>
+                            </p:stCondLst>
+                            <p:childTnLst>
+                              <p:par>
+                                <p:cTn id="5" presetID="42" presetClass="entr" presetSubtype="0" fill="hold" nodeType="clickEffect">
+                                  <p:stCondLst>
+                                    <p:cond delay="0"/>
+                                  </p:stCondLst>
+                                  <p:childTnLst>
+                                    <p:set>
+                                      <p:cBhvr>
+                                        <p:cTn id="6" dur="1" fill="hold">
+                                          <p:stCondLst>
+                                            <p:cond delay="0"/>
+                                          </p:stCondLst>
+                                        </p:cTn>
+                                        <p:tgtEl>
+                                          <p:spTgt spid="3">
+                                            <p:txEl>
+                                              <p:pRg st="1" end="1"/>
+                                            </p:txEl>
+                                          </p:spTgt>
+                                        </p:tgtEl>
+                                        <p:attrNameLst>
+                                          <p:attrName>style.visibility</p:attrName>
+                                        </p:attrNameLst>
+                                      </p:cBhvr>
+                                      <p:to>
+                                        <p:strVal val="visible"/>
+                                      </p:to>
+                                    </p:set>
+                                    <p:animEffect transition="in" filter="fade">
+                                      <p:cBhvr>
+                                        <p:cTn id="7" dur="1000"/>
+                                        <p:tgtEl>
+                                          <p:spTgt spid="3">
+                                            <p:txEl>
+                                              <p:pRg st="1" end="1"/>
+                                            </p:txEl>
+                                          </p:spTgt>
+                                        </p:tgtEl>
+                                      </p:cBhvr>
+                                    </p:animEffect>
+                                    <p:anim calcmode="lin" valueType="num">
+                                      <p:cBhvr>
+                                        <p:cTn id="8" dur="1000" fill="hold"/>
+                                        <p:tgtEl>
+                                          <p:spTgt spid="3">
+                                            <p:txEl>
+                                              <p:pRg st="1" end="1"/>
+                                            </p:txEl>
+                                          </p:spTgt>
+                                        </p:tgtEl>
+                                        <p:attrNameLst>
+                                          <p:attrName>ppt_x</p:attrName>
+                                        </p:attrNameLst>
+                                      </p:cBhvr>
+                                      <p:tavLst>
+                                        <p:tav tm="0">
+                                          <p:val>
+                                            <p:strVal val="#ppt_x"/>
+                                          </p:val>
+                                        </p:tav>
+                                        <p:tav tm="100000">
+                                          <p:val>
+                                            <p:strVal val="#ppt_x"/>
+                                          </p:val>
+                                        </p:tav>
+                                      </p:tavLst>
+                                    </p:anim>
+                                    <p:anim calcmode="lin" valueType="num">
+                                      <p:cBhvr>
+                                        <p:cTn id="9" dur="1000" fill="hold"/>
+                                        <p:tgtEl>
+                                          <p:spTgt spid="3">
+                                            <p:txEl>
+                                              <p:pRg st="1" end="1"/>
+                                            </p:txEl>
+                                          </p:spTgt>
+                                        </p:tgtEl>
+                                        <p:attrNameLst>
+                                          <p:attrName>ppt_y</p:attrName>
+                                        </p:attrNameLst>
+                                      </p:cBhvr>
+                                      <p:tavLst>
+                                        <p:tav tm="0">
+                                          <p:val>
+                                            <p:strVal val="#ppt_y+.1"/>
+                                          </p:val>
+                                        </p:tav>
+                                        <p:tav tm="100000">
+                                          <p:val>
+                                            <p:strVal val="#ppt_y"/>
+                                          </p:val>
+                                        </p:tav>
+                                      </p:tavLst>
+                                    </p:anim>
+                                  </p:childTnLst>
+                                </p:cTn>
+                              </p:par>
+                            </p:childTnLst>
+                          </p:cTn>
+                        </p:par>
+                      </p:childTnLst>
+                    </p:cTn>
+                  </p:par>
+                </p:childTnLst>
+              </p:cTn>
+              <p:prevCondLst>
+                <p:cond evt="onPrev" delay="0">
+                  <p:tgtEl>
+                    <p:sldTgt/>
+                  </p:tgtEl>
+                </p:cond>
+              </p:prevCondLst>
+              <p:nextCondLst>
+                <p:cond evt="onNext" delay="0">
+                  <p:tgtEl>
+                    <p:sldTgt/>
+                  </p:tgtEl>
+                </p:cond>
+              </p:nextCondLst>
+            </p:seq>
+          </p:childTnLst>
+        </p:cTn>
       </p:par>
     </p:tnLst>
   </p:timing>

--- a/Advanced Javascript Day-2.pptx
+++ b/Advanced Javascript Day-2.pptx
@@ -207,7 +207,8 @@
           <a:p>
             <a:fld id="{26151B0D-99E5-4A1B-9DBD-0880C37D7AC7}" type="datetimeFigureOut">
               <a:rPr lang="en-US" smtClean="0"/>
-              <a:t>2/20/2014</a:t>
+              <a:pPr/>
+              <a:t>2/23/2014</a:t>
             </a:fld>
             <a:endParaRPr lang="en-US"/>
           </a:p>
@@ -368,6 +369,7 @@
           <a:p>
             <a:fld id="{DAFC96DD-25AF-4AD9-9932-5ADB8ED1397D}" type="slidenum">
               <a:rPr lang="en-US" smtClean="0"/>
+              <a:pPr/>
               <a:t>‹#›</a:t>
             </a:fld>
             <a:endParaRPr lang="en-US"/>
@@ -377,7 +379,7 @@
     </p:spTree>
     <p:extLst>
       <p:ext uri="{BB962C8B-B14F-4D97-AF65-F5344CB8AC3E}">
-        <p14:creationId xmlns:p14="http://schemas.microsoft.com/office/powerpoint/2010/main" val="2962217361"/>
+        <p14:creationId xmlns:p14="http://schemas.microsoft.com/office/powerpoint/2010/main" xmlns="" val="2962217361"/>
       </p:ext>
     </p:extLst>
   </p:cSld>
@@ -769,7 +771,7 @@
             <a:fld id="{30EFA729-0062-401D-B7BF-B91E3DD8EF4A}" type="datetimeFigureOut">
               <a:rPr lang="en-US" smtClean="0"/>
               <a:pPr/>
-              <a:t>2/20/2014</a:t>
+              <a:t>2/23/2014</a:t>
             </a:fld>
             <a:endParaRPr lang="en-US"/>
           </a:p>
@@ -965,7 +967,7 @@
             <a:fld id="{30EFA729-0062-401D-B7BF-B91E3DD8EF4A}" type="datetimeFigureOut">
               <a:rPr lang="en-US" smtClean="0"/>
               <a:pPr/>
-              <a:t>2/20/2014</a:t>
+              <a:t>2/23/2014</a:t>
             </a:fld>
             <a:endParaRPr lang="en-US"/>
           </a:p>
@@ -1155,7 +1157,7 @@
             <a:fld id="{30EFA729-0062-401D-B7BF-B91E3DD8EF4A}" type="datetimeFigureOut">
               <a:rPr lang="en-US" smtClean="0"/>
               <a:pPr/>
-              <a:t>2/20/2014</a:t>
+              <a:t>2/23/2014</a:t>
             </a:fld>
             <a:endParaRPr lang="en-US"/>
           </a:p>
@@ -1423,7 +1425,7 @@
             <a:fld id="{30EFA729-0062-401D-B7BF-B91E3DD8EF4A}" type="datetimeFigureOut">
               <a:rPr lang="en-US" smtClean="0"/>
               <a:pPr/>
-              <a:t>2/20/2014</a:t>
+              <a:t>2/23/2014</a:t>
             </a:fld>
             <a:endParaRPr lang="en-US"/>
           </a:p>
@@ -1851,7 +1853,7 @@
             <a:fld id="{30EFA729-0062-401D-B7BF-B91E3DD8EF4A}" type="datetimeFigureOut">
               <a:rPr lang="en-US" smtClean="0"/>
               <a:pPr/>
-              <a:t>2/20/2014</a:t>
+              <a:t>2/23/2014</a:t>
             </a:fld>
             <a:endParaRPr lang="en-US"/>
           </a:p>
@@ -2098,7 +2100,7 @@
             <a:fld id="{30EFA729-0062-401D-B7BF-B91E3DD8EF4A}" type="datetimeFigureOut">
               <a:rPr lang="en-US" smtClean="0"/>
               <a:pPr/>
-              <a:t>2/20/2014</a:t>
+              <a:t>2/23/2014</a:t>
             </a:fld>
             <a:endParaRPr lang="en-US"/>
           </a:p>
@@ -2339,7 +2341,7 @@
             <a:fld id="{30EFA729-0062-401D-B7BF-B91E3DD8EF4A}" type="datetimeFigureOut">
               <a:rPr lang="en-US" smtClean="0"/>
               <a:pPr/>
-              <a:t>2/20/2014</a:t>
+              <a:t>2/23/2014</a:t>
             </a:fld>
             <a:endParaRPr lang="en-US"/>
           </a:p>
@@ -2539,7 +2541,7 @@
             <a:fld id="{30EFA729-0062-401D-B7BF-B91E3DD8EF4A}" type="datetimeFigureOut">
               <a:rPr lang="en-US" smtClean="0"/>
               <a:pPr/>
-              <a:t>2/20/2014</a:t>
+              <a:t>2/23/2014</a:t>
             </a:fld>
             <a:endParaRPr lang="en-US"/>
           </a:p>
@@ -2642,7 +2644,7 @@
             <a:fld id="{30EFA729-0062-401D-B7BF-B91E3DD8EF4A}" type="datetimeFigureOut">
               <a:rPr lang="en-US" smtClean="0"/>
               <a:pPr/>
-              <a:t>2/20/2014</a:t>
+              <a:t>2/23/2014</a:t>
             </a:fld>
             <a:endParaRPr lang="en-US"/>
           </a:p>
@@ -2783,7 +2785,7 @@
             <a:fld id="{30EFA729-0062-401D-B7BF-B91E3DD8EF4A}" type="datetimeFigureOut">
               <a:rPr lang="en-US" smtClean="0"/>
               <a:pPr/>
-              <a:t>2/20/2014</a:t>
+              <a:t>2/23/2014</a:t>
             </a:fld>
             <a:endParaRPr lang="en-US"/>
           </a:p>
@@ -3306,7 +3308,7 @@
             <a:fld id="{30EFA729-0062-401D-B7BF-B91E3DD8EF4A}" type="datetimeFigureOut">
               <a:rPr lang="en-US" smtClean="0"/>
               <a:pPr/>
-              <a:t>2/20/2014</a:t>
+              <a:t>2/23/2014</a:t>
             </a:fld>
             <a:endParaRPr lang="en-US"/>
           </a:p>
@@ -3572,7 +3574,7 @@
             <a:fld id="{30EFA729-0062-401D-B7BF-B91E3DD8EF4A}" type="datetimeFigureOut">
               <a:rPr lang="en-US" smtClean="0"/>
               <a:pPr/>
-              <a:t>2/20/2014</a:t>
+              <a:t>2/23/2014</a:t>
             </a:fld>
             <a:endParaRPr lang="en-US"/>
           </a:p>
@@ -4226,7 +4228,7 @@
           <p:nvPr>
             <p:extLst>
               <p:ext uri="{D42A27DB-BD31-4B8C-83A1-F6EECF244321}">
-                <p14:modId xmlns:p14="http://schemas.microsoft.com/office/powerpoint/2010/main" val="933136991"/>
+                <p14:modId xmlns:p14="http://schemas.microsoft.com/office/powerpoint/2010/main" xmlns="" val="933136991"/>
               </p:ext>
             </p:extLst>
           </p:nvPr>
@@ -5976,7 +5978,7 @@
     </p:spTree>
     <p:extLst>
       <p:ext uri="{BB962C8B-B14F-4D97-AF65-F5344CB8AC3E}">
-        <p14:creationId xmlns:p14="http://schemas.microsoft.com/office/powerpoint/2010/main" val="3476849033"/>
+        <p14:creationId xmlns:p14="http://schemas.microsoft.com/office/powerpoint/2010/main" xmlns="" val="3476849033"/>
       </p:ext>
     </p:extLst>
   </p:cSld>
@@ -6241,7 +6243,7 @@
     </p:spTree>
     <p:extLst>
       <p:ext uri="{BB962C8B-B14F-4D97-AF65-F5344CB8AC3E}">
-        <p14:creationId xmlns:p14="http://schemas.microsoft.com/office/powerpoint/2010/main" val="4220575253"/>
+        <p14:creationId xmlns:p14="http://schemas.microsoft.com/office/powerpoint/2010/main" xmlns="" val="4220575253"/>
       </p:ext>
     </p:extLst>
   </p:cSld>
@@ -6756,7 +6758,7 @@
           <a:blip r:embed="rId2">
             <a:extLst>
               <a:ext uri="{28A0092B-C50C-407E-A947-70E740481C1C}">
-                <a14:useLocalDpi xmlns:a14="http://schemas.microsoft.com/office/drawing/2010/main" val="0"/>
+                <a14:useLocalDpi xmlns:a14="http://schemas.microsoft.com/office/drawing/2010/main" xmlns="" val="0"/>
               </a:ext>
             </a:extLst>
           </a:blip>
@@ -6780,14 +6782,14 @@
           <a:effectLst/>
           <a:extLst>
             <a:ext uri="{909E8E84-426E-40DD-AFC4-6F175D3DCCD1}">
-              <a14:hiddenFill xmlns:a14="http://schemas.microsoft.com/office/drawing/2010/main">
+              <a14:hiddenFill xmlns:a14="http://schemas.microsoft.com/office/drawing/2010/main" xmlns="">
                 <a:solidFill>
                   <a:schemeClr val="accent1"/>
                 </a:solidFill>
               </a14:hiddenFill>
             </a:ext>
             <a:ext uri="{91240B29-F687-4F45-9708-019B960494DF}">
-              <a14:hiddenLine xmlns:a14="http://schemas.microsoft.com/office/drawing/2010/main" w="9525">
+              <a14:hiddenLine xmlns:a14="http://schemas.microsoft.com/office/drawing/2010/main" xmlns="" w="9525">
                 <a:solidFill>
                   <a:schemeClr val="tx1"/>
                 </a:solidFill>
@@ -6797,7 +6799,7 @@
               </a14:hiddenLine>
             </a:ext>
             <a:ext uri="{AF507438-7753-43E0-B8FC-AC1667EBCBE1}">
-              <a14:hiddenEffects xmlns:a14="http://schemas.microsoft.com/office/drawing/2010/main">
+              <a14:hiddenEffects xmlns:a14="http://schemas.microsoft.com/office/drawing/2010/main" xmlns="">
                 <a:effectLst>
                   <a:outerShdw dist="35921" dir="2700000" algn="ctr" rotWithShape="0">
                     <a:schemeClr val="bg2"/>
@@ -6811,7 +6813,7 @@
     </p:spTree>
     <p:extLst>
       <p:ext uri="{BB962C8B-B14F-4D97-AF65-F5344CB8AC3E}">
-        <p14:creationId xmlns:p14="http://schemas.microsoft.com/office/powerpoint/2010/main" val="2514446162"/>
+        <p14:creationId xmlns:p14="http://schemas.microsoft.com/office/powerpoint/2010/main" xmlns="" val="2514446162"/>
       </p:ext>
     </p:extLst>
   </p:cSld>
@@ -7174,7 +7176,7 @@
           <a:blip r:embed="rId2">
             <a:extLst>
               <a:ext uri="{28A0092B-C50C-407E-A947-70E740481C1C}">
-                <a14:useLocalDpi xmlns:a14="http://schemas.microsoft.com/office/drawing/2010/main" val="0"/>
+                <a14:useLocalDpi xmlns:a14="http://schemas.microsoft.com/office/drawing/2010/main" xmlns="" val="0"/>
               </a:ext>
             </a:extLst>
           </a:blip>
@@ -7198,14 +7200,14 @@
           <a:effectLst/>
           <a:extLst>
             <a:ext uri="{909E8E84-426E-40DD-AFC4-6F175D3DCCD1}">
-              <a14:hiddenFill xmlns:a14="http://schemas.microsoft.com/office/drawing/2010/main">
+              <a14:hiddenFill xmlns:a14="http://schemas.microsoft.com/office/drawing/2010/main" xmlns="">
                 <a:solidFill>
                   <a:schemeClr val="accent1"/>
                 </a:solidFill>
               </a14:hiddenFill>
             </a:ext>
             <a:ext uri="{91240B29-F687-4F45-9708-019B960494DF}">
-              <a14:hiddenLine xmlns:a14="http://schemas.microsoft.com/office/drawing/2010/main" w="9525">
+              <a14:hiddenLine xmlns:a14="http://schemas.microsoft.com/office/drawing/2010/main" xmlns="" w="9525">
                 <a:solidFill>
                   <a:schemeClr val="tx1"/>
                 </a:solidFill>
@@ -7215,7 +7217,7 @@
               </a14:hiddenLine>
             </a:ext>
             <a:ext uri="{AF507438-7753-43E0-B8FC-AC1667EBCBE1}">
-              <a14:hiddenEffects xmlns:a14="http://schemas.microsoft.com/office/drawing/2010/main">
+              <a14:hiddenEffects xmlns:a14="http://schemas.microsoft.com/office/drawing/2010/main" xmlns="">
                 <a:effectLst>
                   <a:outerShdw dist="35921" dir="2700000" algn="ctr" rotWithShape="0">
                     <a:schemeClr val="bg2"/>
@@ -7238,7 +7240,7 @@
           <a:blip r:embed="rId3">
             <a:extLst>
               <a:ext uri="{28A0092B-C50C-407E-A947-70E740481C1C}">
-                <a14:useLocalDpi xmlns:a14="http://schemas.microsoft.com/office/drawing/2010/main" val="0"/>
+                <a14:useLocalDpi xmlns:a14="http://schemas.microsoft.com/office/drawing/2010/main" xmlns="" val="0"/>
               </a:ext>
             </a:extLst>
           </a:blip>
@@ -7262,14 +7264,14 @@
           <a:effectLst/>
           <a:extLst>
             <a:ext uri="{909E8E84-426E-40DD-AFC4-6F175D3DCCD1}">
-              <a14:hiddenFill xmlns:a14="http://schemas.microsoft.com/office/drawing/2010/main">
+              <a14:hiddenFill xmlns:a14="http://schemas.microsoft.com/office/drawing/2010/main" xmlns="">
                 <a:solidFill>
                   <a:schemeClr val="accent1"/>
                 </a:solidFill>
               </a14:hiddenFill>
             </a:ext>
             <a:ext uri="{91240B29-F687-4F45-9708-019B960494DF}">
-              <a14:hiddenLine xmlns:a14="http://schemas.microsoft.com/office/drawing/2010/main" w="9525">
+              <a14:hiddenLine xmlns:a14="http://schemas.microsoft.com/office/drawing/2010/main" xmlns="" w="9525">
                 <a:solidFill>
                   <a:schemeClr val="tx1"/>
                 </a:solidFill>
@@ -7279,7 +7281,7 @@
               </a14:hiddenLine>
             </a:ext>
             <a:ext uri="{AF507438-7753-43E0-B8FC-AC1667EBCBE1}">
-              <a14:hiddenEffects xmlns:a14="http://schemas.microsoft.com/office/drawing/2010/main">
+              <a14:hiddenEffects xmlns:a14="http://schemas.microsoft.com/office/drawing/2010/main" xmlns="">
                 <a:effectLst>
                   <a:outerShdw dist="35921" dir="2700000" algn="ctr" rotWithShape="0">
                     <a:schemeClr val="bg2"/>
@@ -7293,7 +7295,7 @@
     </p:spTree>
     <p:extLst>
       <p:ext uri="{BB962C8B-B14F-4D97-AF65-F5344CB8AC3E}">
-        <p14:creationId xmlns:p14="http://schemas.microsoft.com/office/powerpoint/2010/main" val="116977610"/>
+        <p14:creationId xmlns:p14="http://schemas.microsoft.com/office/powerpoint/2010/main" xmlns="" val="116977610"/>
       </p:ext>
     </p:extLst>
   </p:cSld>
@@ -7641,7 +7643,7 @@
     </p:spTree>
     <p:extLst>
       <p:ext uri="{BB962C8B-B14F-4D97-AF65-F5344CB8AC3E}">
-        <p14:creationId xmlns:p14="http://schemas.microsoft.com/office/powerpoint/2010/main" val="3991184505"/>
+        <p14:creationId xmlns:p14="http://schemas.microsoft.com/office/powerpoint/2010/main" xmlns="" val="3991184505"/>
       </p:ext>
     </p:extLst>
   </p:cSld>
@@ -7873,7 +7875,7 @@
     </p:spTree>
     <p:extLst>
       <p:ext uri="{BB962C8B-B14F-4D97-AF65-F5344CB8AC3E}">
-        <p14:creationId xmlns:p14="http://schemas.microsoft.com/office/powerpoint/2010/main" val="4168714796"/>
+        <p14:creationId xmlns:p14="http://schemas.microsoft.com/office/powerpoint/2010/main" xmlns="" val="4168714796"/>
       </p:ext>
     </p:extLst>
   </p:cSld>
@@ -7964,7 +7966,7 @@
     </p:spTree>
     <p:extLst>
       <p:ext uri="{BB962C8B-B14F-4D97-AF65-F5344CB8AC3E}">
-        <p14:creationId xmlns:p14="http://schemas.microsoft.com/office/powerpoint/2010/main" val="2498152336"/>
+        <p14:creationId xmlns:p14="http://schemas.microsoft.com/office/powerpoint/2010/main" xmlns="" val="2498152336"/>
       </p:ext>
     </p:extLst>
   </p:cSld>
@@ -8075,7 +8077,7 @@
     </p:spTree>
     <p:extLst>
       <p:ext uri="{BB962C8B-B14F-4D97-AF65-F5344CB8AC3E}">
-        <p14:creationId xmlns:p14="http://schemas.microsoft.com/office/powerpoint/2010/main" val="2270295392"/>
+        <p14:creationId xmlns:p14="http://schemas.microsoft.com/office/powerpoint/2010/main" xmlns="" val="2270295392"/>
       </p:ext>
     </p:extLst>
   </p:cSld>
@@ -8244,7 +8246,7 @@
     </p:spTree>
     <p:extLst>
       <p:ext uri="{BB962C8B-B14F-4D97-AF65-F5344CB8AC3E}">
-        <p14:creationId xmlns:p14="http://schemas.microsoft.com/office/powerpoint/2010/main" val="2374481149"/>
+        <p14:creationId xmlns:p14="http://schemas.microsoft.com/office/powerpoint/2010/main" xmlns="" val="2374481149"/>
       </p:ext>
     </p:extLst>
   </p:cSld>
@@ -9221,7 +9223,7 @@
     </p:spTree>
     <p:extLst>
       <p:ext uri="{BB962C8B-B14F-4D97-AF65-F5344CB8AC3E}">
-        <p14:creationId xmlns:p14="http://schemas.microsoft.com/office/powerpoint/2010/main" val="2984974954"/>
+        <p14:creationId xmlns:p14="http://schemas.microsoft.com/office/powerpoint/2010/main" xmlns="" val="2984974954"/>
       </p:ext>
     </p:extLst>
   </p:cSld>
@@ -9475,7 +9477,7 @@
     </p:spTree>
     <p:extLst>
       <p:ext uri="{BB962C8B-B14F-4D97-AF65-F5344CB8AC3E}">
-        <p14:creationId xmlns:p14="http://schemas.microsoft.com/office/powerpoint/2010/main" val="4021993604"/>
+        <p14:creationId xmlns:p14="http://schemas.microsoft.com/office/powerpoint/2010/main" xmlns="" val="4021993604"/>
       </p:ext>
     </p:extLst>
   </p:cSld>
@@ -9744,7 +9746,7 @@
     </p:spTree>
     <p:extLst>
       <p:ext uri="{BB962C8B-B14F-4D97-AF65-F5344CB8AC3E}">
-        <p14:creationId xmlns:p14="http://schemas.microsoft.com/office/powerpoint/2010/main" val="1218042876"/>
+        <p14:creationId xmlns:p14="http://schemas.microsoft.com/office/powerpoint/2010/main" xmlns="" val="1218042876"/>
       </p:ext>
     </p:extLst>
   </p:cSld>
@@ -10015,7 +10017,7 @@
     </p:spTree>
     <p:extLst>
       <p:ext uri="{BB962C8B-B14F-4D97-AF65-F5344CB8AC3E}">
-        <p14:creationId xmlns:p14="http://schemas.microsoft.com/office/powerpoint/2010/main" val="2227863129"/>
+        <p14:creationId xmlns:p14="http://schemas.microsoft.com/office/powerpoint/2010/main" xmlns="" val="2227863129"/>
       </p:ext>
     </p:extLst>
   </p:cSld>
@@ -10491,7 +10493,7 @@
     </p:spTree>
     <p:extLst>
       <p:ext uri="{BB962C8B-B14F-4D97-AF65-F5344CB8AC3E}">
-        <p14:creationId xmlns:p14="http://schemas.microsoft.com/office/powerpoint/2010/main" val="1643471531"/>
+        <p14:creationId xmlns:p14="http://schemas.microsoft.com/office/powerpoint/2010/main" xmlns="" val="1643471531"/>
       </p:ext>
     </p:extLst>
   </p:cSld>
@@ -10737,7 +10739,7 @@
     </p:spTree>
     <p:extLst>
       <p:ext uri="{BB962C8B-B14F-4D97-AF65-F5344CB8AC3E}">
-        <p14:creationId xmlns:p14="http://schemas.microsoft.com/office/powerpoint/2010/main" val="859670407"/>
+        <p14:creationId xmlns:p14="http://schemas.microsoft.com/office/powerpoint/2010/main" xmlns="" val="859670407"/>
       </p:ext>
     </p:extLst>
   </p:cSld>

--- a/Advanced Javascript Day-2.pptx
+++ b/Advanced Javascript Day-2.pptx
@@ -207,7 +207,8 @@
           <a:p>
             <a:fld id="{26151B0D-99E5-4A1B-9DBD-0880C37D7AC7}" type="datetimeFigureOut">
               <a:rPr lang="en-US" smtClean="0"/>
-              <a:t>2/20/2014</a:t>
+              <a:pPr/>
+              <a:t>2/24/2014</a:t>
             </a:fld>
             <a:endParaRPr lang="en-US"/>
           </a:p>
@@ -368,6 +369,7 @@
           <a:p>
             <a:fld id="{DAFC96DD-25AF-4AD9-9932-5ADB8ED1397D}" type="slidenum">
               <a:rPr lang="en-US" smtClean="0"/>
+              <a:pPr/>
               <a:t>‹#›</a:t>
             </a:fld>
             <a:endParaRPr lang="en-US"/>
@@ -769,7 +771,7 @@
             <a:fld id="{30EFA729-0062-401D-B7BF-B91E3DD8EF4A}" type="datetimeFigureOut">
               <a:rPr lang="en-US" smtClean="0"/>
               <a:pPr/>
-              <a:t>2/20/2014</a:t>
+              <a:t>2/24/2014</a:t>
             </a:fld>
             <a:endParaRPr lang="en-US"/>
           </a:p>
@@ -965,7 +967,7 @@
             <a:fld id="{30EFA729-0062-401D-B7BF-B91E3DD8EF4A}" type="datetimeFigureOut">
               <a:rPr lang="en-US" smtClean="0"/>
               <a:pPr/>
-              <a:t>2/20/2014</a:t>
+              <a:t>2/24/2014</a:t>
             </a:fld>
             <a:endParaRPr lang="en-US"/>
           </a:p>
@@ -1155,7 +1157,7 @@
             <a:fld id="{30EFA729-0062-401D-B7BF-B91E3DD8EF4A}" type="datetimeFigureOut">
               <a:rPr lang="en-US" smtClean="0"/>
               <a:pPr/>
-              <a:t>2/20/2014</a:t>
+              <a:t>2/24/2014</a:t>
             </a:fld>
             <a:endParaRPr lang="en-US"/>
           </a:p>
@@ -1423,7 +1425,7 @@
             <a:fld id="{30EFA729-0062-401D-B7BF-B91E3DD8EF4A}" type="datetimeFigureOut">
               <a:rPr lang="en-US" smtClean="0"/>
               <a:pPr/>
-              <a:t>2/20/2014</a:t>
+              <a:t>2/24/2014</a:t>
             </a:fld>
             <a:endParaRPr lang="en-US"/>
           </a:p>
@@ -1851,7 +1853,7 @@
             <a:fld id="{30EFA729-0062-401D-B7BF-B91E3DD8EF4A}" type="datetimeFigureOut">
               <a:rPr lang="en-US" smtClean="0"/>
               <a:pPr/>
-              <a:t>2/20/2014</a:t>
+              <a:t>2/24/2014</a:t>
             </a:fld>
             <a:endParaRPr lang="en-US"/>
           </a:p>
@@ -2098,7 +2100,7 @@
             <a:fld id="{30EFA729-0062-401D-B7BF-B91E3DD8EF4A}" type="datetimeFigureOut">
               <a:rPr lang="en-US" smtClean="0"/>
               <a:pPr/>
-              <a:t>2/20/2014</a:t>
+              <a:t>2/24/2014</a:t>
             </a:fld>
             <a:endParaRPr lang="en-US"/>
           </a:p>
@@ -2339,7 +2341,7 @@
             <a:fld id="{30EFA729-0062-401D-B7BF-B91E3DD8EF4A}" type="datetimeFigureOut">
               <a:rPr lang="en-US" smtClean="0"/>
               <a:pPr/>
-              <a:t>2/20/2014</a:t>
+              <a:t>2/24/2014</a:t>
             </a:fld>
             <a:endParaRPr lang="en-US"/>
           </a:p>
@@ -2539,7 +2541,7 @@
             <a:fld id="{30EFA729-0062-401D-B7BF-B91E3DD8EF4A}" type="datetimeFigureOut">
               <a:rPr lang="en-US" smtClean="0"/>
               <a:pPr/>
-              <a:t>2/20/2014</a:t>
+              <a:t>2/24/2014</a:t>
             </a:fld>
             <a:endParaRPr lang="en-US"/>
           </a:p>
@@ -2642,7 +2644,7 @@
             <a:fld id="{30EFA729-0062-401D-B7BF-B91E3DD8EF4A}" type="datetimeFigureOut">
               <a:rPr lang="en-US" smtClean="0"/>
               <a:pPr/>
-              <a:t>2/20/2014</a:t>
+              <a:t>2/24/2014</a:t>
             </a:fld>
             <a:endParaRPr lang="en-US"/>
           </a:p>
@@ -2783,7 +2785,7 @@
             <a:fld id="{30EFA729-0062-401D-B7BF-B91E3DD8EF4A}" type="datetimeFigureOut">
               <a:rPr lang="en-US" smtClean="0"/>
               <a:pPr/>
-              <a:t>2/20/2014</a:t>
+              <a:t>2/24/2014</a:t>
             </a:fld>
             <a:endParaRPr lang="en-US"/>
           </a:p>
@@ -3306,7 +3308,7 @@
             <a:fld id="{30EFA729-0062-401D-B7BF-B91E3DD8EF4A}" type="datetimeFigureOut">
               <a:rPr lang="en-US" smtClean="0"/>
               <a:pPr/>
-              <a:t>2/20/2014</a:t>
+              <a:t>2/24/2014</a:t>
             </a:fld>
             <a:endParaRPr lang="en-US"/>
           </a:p>
@@ -3572,7 +3574,7 @@
             <a:fld id="{30EFA729-0062-401D-B7BF-B91E3DD8EF4A}" type="datetimeFigureOut">
               <a:rPr lang="en-US" smtClean="0"/>
               <a:pPr/>
-              <a:t>2/20/2014</a:t>
+              <a:t>2/24/2014</a:t>
             </a:fld>
             <a:endParaRPr lang="en-US"/>
           </a:p>
@@ -4134,25 +4136,6 @@
               <a:rPr lang="en-US" dirty="0" smtClean="0"/>
               <a:t>Advanced JavaScript Day-2</a:t>
             </a:r>
-            <a:endParaRPr lang="en-US" dirty="0"/>
-          </a:p>
-        </p:txBody>
-      </p:sp>
-      <p:sp>
-        <p:nvSpPr>
-          <p:cNvPr id="3" name="Subtitle 2"/>
-          <p:cNvSpPr>
-            <a:spLocks noGrp="1"/>
-          </p:cNvSpPr>
-          <p:nvPr>
-            <p:ph type="subTitle" idx="1"/>
-          </p:nvPr>
-        </p:nvSpPr>
-        <p:spPr/>
-        <p:txBody>
-          <a:bodyPr/>
-          <a:lstStyle/>
-          <a:p>
             <a:endParaRPr lang="en-US" dirty="0"/>
           </a:p>
         </p:txBody>

--- a/Advanced Javascript Day-2.pptx
+++ b/Advanced Javascript Day-2.pptx
@@ -5,7 +5,7 @@
     <p:sldMasterId id="2147483792" r:id="rId1"/>
   </p:sldMasterIdLst>
   <p:notesMasterIdLst>
-    <p:notesMasterId r:id="rId18"/>
+    <p:notesMasterId r:id="rId19"/>
   </p:notesMasterIdLst>
   <p:sldIdLst>
     <p:sldId id="256" r:id="rId2"/>
@@ -15,15 +15,16 @@
     <p:sldId id="312" r:id="rId6"/>
     <p:sldId id="321" r:id="rId7"/>
     <p:sldId id="315" r:id="rId8"/>
-    <p:sldId id="320" r:id="rId9"/>
-    <p:sldId id="316" r:id="rId10"/>
-    <p:sldId id="318" r:id="rId11"/>
-    <p:sldId id="294" r:id="rId12"/>
-    <p:sldId id="295" r:id="rId13"/>
-    <p:sldId id="296" r:id="rId14"/>
-    <p:sldId id="297" r:id="rId15"/>
-    <p:sldId id="322" r:id="rId16"/>
-    <p:sldId id="323" r:id="rId17"/>
+    <p:sldId id="325" r:id="rId9"/>
+    <p:sldId id="320" r:id="rId10"/>
+    <p:sldId id="316" r:id="rId11"/>
+    <p:sldId id="318" r:id="rId12"/>
+    <p:sldId id="294" r:id="rId13"/>
+    <p:sldId id="295" r:id="rId14"/>
+    <p:sldId id="296" r:id="rId15"/>
+    <p:sldId id="297" r:id="rId16"/>
+    <p:sldId id="322" r:id="rId17"/>
+    <p:sldId id="323" r:id="rId18"/>
   </p:sldIdLst>
   <p:sldSz cx="9144000" cy="6858000" type="screen4x3"/>
   <p:notesSz cx="6858000" cy="9144000"/>
@@ -208,7 +209,7 @@
             <a:fld id="{26151B0D-99E5-4A1B-9DBD-0880C37D7AC7}" type="datetimeFigureOut">
               <a:rPr lang="en-US" smtClean="0"/>
               <a:pPr/>
-              <a:t>2/23/2014</a:t>
+              <a:t>2/24/2014</a:t>
             </a:fld>
             <a:endParaRPr lang="en-US"/>
           </a:p>
@@ -379,7 +380,7 @@
     </p:spTree>
     <p:extLst>
       <p:ext uri="{BB962C8B-B14F-4D97-AF65-F5344CB8AC3E}">
-        <p14:creationId xmlns:p14="http://schemas.microsoft.com/office/powerpoint/2010/main" xmlns="" val="2962217361"/>
+        <p14:creationId xmlns:p14="http://schemas.microsoft.com/office/powerpoint/2010/main" val="2962217361"/>
       </p:ext>
     </p:extLst>
   </p:cSld>
@@ -771,7 +772,7 @@
             <a:fld id="{30EFA729-0062-401D-B7BF-B91E3DD8EF4A}" type="datetimeFigureOut">
               <a:rPr lang="en-US" smtClean="0"/>
               <a:pPr/>
-              <a:t>2/23/2014</a:t>
+              <a:t>2/24/2014</a:t>
             </a:fld>
             <a:endParaRPr lang="en-US"/>
           </a:p>
@@ -967,7 +968,7 @@
             <a:fld id="{30EFA729-0062-401D-B7BF-B91E3DD8EF4A}" type="datetimeFigureOut">
               <a:rPr lang="en-US" smtClean="0"/>
               <a:pPr/>
-              <a:t>2/23/2014</a:t>
+              <a:t>2/24/2014</a:t>
             </a:fld>
             <a:endParaRPr lang="en-US"/>
           </a:p>
@@ -1157,7 +1158,7 @@
             <a:fld id="{30EFA729-0062-401D-B7BF-B91E3DD8EF4A}" type="datetimeFigureOut">
               <a:rPr lang="en-US" smtClean="0"/>
               <a:pPr/>
-              <a:t>2/23/2014</a:t>
+              <a:t>2/24/2014</a:t>
             </a:fld>
             <a:endParaRPr lang="en-US"/>
           </a:p>
@@ -1425,7 +1426,7 @@
             <a:fld id="{30EFA729-0062-401D-B7BF-B91E3DD8EF4A}" type="datetimeFigureOut">
               <a:rPr lang="en-US" smtClean="0"/>
               <a:pPr/>
-              <a:t>2/23/2014</a:t>
+              <a:t>2/24/2014</a:t>
             </a:fld>
             <a:endParaRPr lang="en-US"/>
           </a:p>
@@ -1853,7 +1854,7 @@
             <a:fld id="{30EFA729-0062-401D-B7BF-B91E3DD8EF4A}" type="datetimeFigureOut">
               <a:rPr lang="en-US" smtClean="0"/>
               <a:pPr/>
-              <a:t>2/23/2014</a:t>
+              <a:t>2/24/2014</a:t>
             </a:fld>
             <a:endParaRPr lang="en-US"/>
           </a:p>
@@ -2100,7 +2101,7 @@
             <a:fld id="{30EFA729-0062-401D-B7BF-B91E3DD8EF4A}" type="datetimeFigureOut">
               <a:rPr lang="en-US" smtClean="0"/>
               <a:pPr/>
-              <a:t>2/23/2014</a:t>
+              <a:t>2/24/2014</a:t>
             </a:fld>
             <a:endParaRPr lang="en-US"/>
           </a:p>
@@ -2341,7 +2342,7 @@
             <a:fld id="{30EFA729-0062-401D-B7BF-B91E3DD8EF4A}" type="datetimeFigureOut">
               <a:rPr lang="en-US" smtClean="0"/>
               <a:pPr/>
-              <a:t>2/23/2014</a:t>
+              <a:t>2/24/2014</a:t>
             </a:fld>
             <a:endParaRPr lang="en-US"/>
           </a:p>
@@ -2541,7 +2542,7 @@
             <a:fld id="{30EFA729-0062-401D-B7BF-B91E3DD8EF4A}" type="datetimeFigureOut">
               <a:rPr lang="en-US" smtClean="0"/>
               <a:pPr/>
-              <a:t>2/23/2014</a:t>
+              <a:t>2/24/2014</a:t>
             </a:fld>
             <a:endParaRPr lang="en-US"/>
           </a:p>
@@ -2644,7 +2645,7 @@
             <a:fld id="{30EFA729-0062-401D-B7BF-B91E3DD8EF4A}" type="datetimeFigureOut">
               <a:rPr lang="en-US" smtClean="0"/>
               <a:pPr/>
-              <a:t>2/23/2014</a:t>
+              <a:t>2/24/2014</a:t>
             </a:fld>
             <a:endParaRPr lang="en-US"/>
           </a:p>
@@ -2785,7 +2786,7 @@
             <a:fld id="{30EFA729-0062-401D-B7BF-B91E3DD8EF4A}" type="datetimeFigureOut">
               <a:rPr lang="en-US" smtClean="0"/>
               <a:pPr/>
-              <a:t>2/23/2014</a:t>
+              <a:t>2/24/2014</a:t>
             </a:fld>
             <a:endParaRPr lang="en-US"/>
           </a:p>
@@ -3308,7 +3309,7 @@
             <a:fld id="{30EFA729-0062-401D-B7BF-B91E3DD8EF4A}" type="datetimeFigureOut">
               <a:rPr lang="en-US" smtClean="0"/>
               <a:pPr/>
-              <a:t>2/23/2014</a:t>
+              <a:t>2/24/2014</a:t>
             </a:fld>
             <a:endParaRPr lang="en-US"/>
           </a:p>
@@ -3574,7 +3575,7 @@
             <a:fld id="{30EFA729-0062-401D-B7BF-B91E3DD8EF4A}" type="datetimeFigureOut">
               <a:rPr lang="en-US" smtClean="0"/>
               <a:pPr/>
-              <a:t>2/23/2014</a:t>
+              <a:t>2/24/2014</a:t>
             </a:fld>
             <a:endParaRPr lang="en-US"/>
           </a:p>
@@ -4140,25 +4141,6 @@
           </a:p>
         </p:txBody>
       </p:sp>
-      <p:sp>
-        <p:nvSpPr>
-          <p:cNvPr id="3" name="Subtitle 2"/>
-          <p:cNvSpPr>
-            <a:spLocks noGrp="1"/>
-          </p:cNvSpPr>
-          <p:nvPr>
-            <p:ph type="subTitle" idx="1"/>
-          </p:nvPr>
-        </p:nvSpPr>
-        <p:spPr/>
-        <p:txBody>
-          <a:bodyPr/>
-          <a:lstStyle/>
-          <a:p>
-            <a:endParaRPr lang="en-US" dirty="0"/>
-          </a:p>
-        </p:txBody>
-      </p:sp>
     </p:spTree>
   </p:cSld>
   <p:clrMapOvr>
@@ -4219,6 +4201,252 @@
           </a:p>
         </p:txBody>
       </p:sp>
+      <p:sp>
+        <p:nvSpPr>
+          <p:cNvPr id="3" name="Content Placeholder 2"/>
+          <p:cNvSpPr>
+            <a:spLocks noGrp="1"/>
+          </p:cNvSpPr>
+          <p:nvPr>
+            <p:ph sz="quarter" idx="1"/>
+          </p:nvPr>
+        </p:nvSpPr>
+        <p:spPr>
+          <a:xfrm>
+            <a:off x="609600" y="1752600"/>
+            <a:ext cx="8153400" cy="4495800"/>
+          </a:xfrm>
+        </p:spPr>
+        <p:txBody>
+          <a:bodyPr>
+            <a:normAutofit/>
+          </a:bodyPr>
+          <a:lstStyle/>
+          <a:p>
+            <a:pPr marL="0" indent="0">
+              <a:buNone/>
+            </a:pPr>
+            <a:r>
+              <a:rPr lang="en-US" b="1" dirty="0"/>
+              <a:t>Deferred </a:t>
+            </a:r>
+            <a:r>
+              <a:rPr lang="en-US" b="1" dirty="0" smtClean="0"/>
+              <a:t>Object:</a:t>
+            </a:r>
+            <a:endParaRPr lang="en-US" b="1" dirty="0"/>
+          </a:p>
+          <a:p>
+            <a:r>
+              <a:rPr lang="en-US" dirty="0"/>
+              <a:t>It can register multiple callbacks into callback queues, invoke callback queues, and relay the success or failure state of any synchronous or asynchronous function.</a:t>
+            </a:r>
+          </a:p>
+        </p:txBody>
+      </p:sp>
+    </p:spTree>
+    <p:extLst>
+      <p:ext uri="{BB962C8B-B14F-4D97-AF65-F5344CB8AC3E}">
+        <p14:creationId xmlns:p14="http://schemas.microsoft.com/office/powerpoint/2010/main" val="859670407"/>
+      </p:ext>
+    </p:extLst>
+  </p:cSld>
+  <p:clrMapOvr>
+    <a:masterClrMapping/>
+  </p:clrMapOvr>
+  <p:transition spd="slow">
+    <p:wipe/>
+  </p:transition>
+  <p:timing>
+    <p:tnLst>
+      <p:par>
+        <p:cTn id="1" dur="indefinite" restart="never" nodeType="tmRoot">
+          <p:childTnLst>
+            <p:seq concurrent="1" nextAc="seek">
+              <p:cTn id="2" dur="indefinite" nodeType="mainSeq">
+                <p:childTnLst>
+                  <p:par>
+                    <p:cTn id="3" fill="hold">
+                      <p:stCondLst>
+                        <p:cond delay="indefinite"/>
+                      </p:stCondLst>
+                      <p:childTnLst>
+                        <p:par>
+                          <p:cTn id="4" fill="hold">
+                            <p:stCondLst>
+                              <p:cond delay="0"/>
+                            </p:stCondLst>
+                            <p:childTnLst>
+                              <p:par>
+                                <p:cTn id="5" presetID="42" presetClass="entr" presetSubtype="0" fill="hold" nodeType="clickEffect">
+                                  <p:stCondLst>
+                                    <p:cond delay="0"/>
+                                  </p:stCondLst>
+                                  <p:childTnLst>
+                                    <p:set>
+                                      <p:cBhvr>
+                                        <p:cTn id="6" dur="1" fill="hold">
+                                          <p:stCondLst>
+                                            <p:cond delay="0"/>
+                                          </p:stCondLst>
+                                        </p:cTn>
+                                        <p:tgtEl>
+                                          <p:spTgt spid="3">
+                                            <p:txEl>
+                                              <p:pRg st="1" end="1"/>
+                                            </p:txEl>
+                                          </p:spTgt>
+                                        </p:tgtEl>
+                                        <p:attrNameLst>
+                                          <p:attrName>style.visibility</p:attrName>
+                                        </p:attrNameLst>
+                                      </p:cBhvr>
+                                      <p:to>
+                                        <p:strVal val="visible"/>
+                                      </p:to>
+                                    </p:set>
+                                    <p:animEffect transition="in" filter="fade">
+                                      <p:cBhvr>
+                                        <p:cTn id="7" dur="1000"/>
+                                        <p:tgtEl>
+                                          <p:spTgt spid="3">
+                                            <p:txEl>
+                                              <p:pRg st="1" end="1"/>
+                                            </p:txEl>
+                                          </p:spTgt>
+                                        </p:tgtEl>
+                                      </p:cBhvr>
+                                    </p:animEffect>
+                                    <p:anim calcmode="lin" valueType="num">
+                                      <p:cBhvr>
+                                        <p:cTn id="8" dur="1000" fill="hold"/>
+                                        <p:tgtEl>
+                                          <p:spTgt spid="3">
+                                            <p:txEl>
+                                              <p:pRg st="1" end="1"/>
+                                            </p:txEl>
+                                          </p:spTgt>
+                                        </p:tgtEl>
+                                        <p:attrNameLst>
+                                          <p:attrName>ppt_x</p:attrName>
+                                        </p:attrNameLst>
+                                      </p:cBhvr>
+                                      <p:tavLst>
+                                        <p:tav tm="0">
+                                          <p:val>
+                                            <p:strVal val="#ppt_x"/>
+                                          </p:val>
+                                        </p:tav>
+                                        <p:tav tm="100000">
+                                          <p:val>
+                                            <p:strVal val="#ppt_x"/>
+                                          </p:val>
+                                        </p:tav>
+                                      </p:tavLst>
+                                    </p:anim>
+                                    <p:anim calcmode="lin" valueType="num">
+                                      <p:cBhvr>
+                                        <p:cTn id="9" dur="1000" fill="hold"/>
+                                        <p:tgtEl>
+                                          <p:spTgt spid="3">
+                                            <p:txEl>
+                                              <p:pRg st="1" end="1"/>
+                                            </p:txEl>
+                                          </p:spTgt>
+                                        </p:tgtEl>
+                                        <p:attrNameLst>
+                                          <p:attrName>ppt_y</p:attrName>
+                                        </p:attrNameLst>
+                                      </p:cBhvr>
+                                      <p:tavLst>
+                                        <p:tav tm="0">
+                                          <p:val>
+                                            <p:strVal val="#ppt_y+.1"/>
+                                          </p:val>
+                                        </p:tav>
+                                        <p:tav tm="100000">
+                                          <p:val>
+                                            <p:strVal val="#ppt_y"/>
+                                          </p:val>
+                                        </p:tav>
+                                      </p:tavLst>
+                                    </p:anim>
+                                  </p:childTnLst>
+                                </p:cTn>
+                              </p:par>
+                            </p:childTnLst>
+                          </p:cTn>
+                        </p:par>
+                      </p:childTnLst>
+                    </p:cTn>
+                  </p:par>
+                </p:childTnLst>
+              </p:cTn>
+              <p:prevCondLst>
+                <p:cond evt="onPrev" delay="0">
+                  <p:tgtEl>
+                    <p:sldTgt/>
+                  </p:tgtEl>
+                </p:cond>
+              </p:prevCondLst>
+              <p:nextCondLst>
+                <p:cond evt="onNext" delay="0">
+                  <p:tgtEl>
+                    <p:sldTgt/>
+                  </p:tgtEl>
+                </p:cond>
+              </p:nextCondLst>
+            </p:seq>
+          </p:childTnLst>
+        </p:cTn>
+      </p:par>
+    </p:tnLst>
+  </p:timing>
+</p:sld>
+</file>
+
+<file path=ppt/slides/slide11.xml><?xml version="1.0" encoding="utf-8"?>
+<p:sld xmlns:a="http://schemas.openxmlformats.org/drawingml/2006/main" xmlns:r="http://schemas.openxmlformats.org/officeDocument/2006/relationships" xmlns:p="http://schemas.openxmlformats.org/presentationml/2006/main">
+  <p:cSld>
+    <p:spTree>
+      <p:nvGrpSpPr>
+        <p:cNvPr id="1" name=""/>
+        <p:cNvGrpSpPr/>
+        <p:nvPr/>
+      </p:nvGrpSpPr>
+      <p:grpSpPr>
+        <a:xfrm>
+          <a:off x="0" y="0"/>
+          <a:ext cx="0" cy="0"/>
+          <a:chOff x="0" y="0"/>
+          <a:chExt cx="0" cy="0"/>
+        </a:xfrm>
+      </p:grpSpPr>
+      <p:sp>
+        <p:nvSpPr>
+          <p:cNvPr id="2" name="Title 1"/>
+          <p:cNvSpPr>
+            <a:spLocks noGrp="1"/>
+          </p:cNvSpPr>
+          <p:nvPr>
+            <p:ph type="title"/>
+          </p:nvPr>
+        </p:nvSpPr>
+        <p:spPr/>
+        <p:txBody>
+          <a:bodyPr>
+            <a:normAutofit/>
+          </a:bodyPr>
+          <a:lstStyle/>
+          <a:p>
+            <a:pPr lvl="0"/>
+            <a:r>
+              <a:rPr lang="en-IN" dirty="0"/>
+              <a:t>Jquery</a:t>
+            </a:r>
+          </a:p>
+        </p:txBody>
+      </p:sp>
       <p:graphicFrame>
         <p:nvGraphicFramePr>
           <p:cNvPr id="4" name="Table 3"/>
@@ -4228,14 +4456,14 @@
           <p:nvPr>
             <p:extLst>
               <p:ext uri="{D42A27DB-BD31-4B8C-83A1-F6EECF244321}">
-                <p14:modId xmlns:p14="http://schemas.microsoft.com/office/powerpoint/2010/main" xmlns="" val="933136991"/>
+                <p14:modId xmlns:p14="http://schemas.microsoft.com/office/powerpoint/2010/main" val="3192446018"/>
               </p:ext>
             </p:extLst>
           </p:nvPr>
         </p:nvGraphicFramePr>
         <p:xfrm>
           <a:off x="228600" y="2042734"/>
-          <a:ext cx="8763000" cy="4677787"/>
+          <a:ext cx="8763000" cy="4662865"/>
         </p:xfrm>
         <a:graphic>
           <a:graphicData uri="http://schemas.openxmlformats.org/drawingml/2006/table">
@@ -5978,7 +6206,7 @@
     </p:spTree>
     <p:extLst>
       <p:ext uri="{BB962C8B-B14F-4D97-AF65-F5344CB8AC3E}">
-        <p14:creationId xmlns:p14="http://schemas.microsoft.com/office/powerpoint/2010/main" xmlns="" val="3476849033"/>
+        <p14:creationId xmlns:p14="http://schemas.microsoft.com/office/powerpoint/2010/main" val="3476849033"/>
       </p:ext>
     </p:extLst>
   </p:cSld>
@@ -6120,7 +6348,7 @@
 </p:sld>
 </file>
 
-<file path=ppt/slides/slide11.xml><?xml version="1.0" encoding="utf-8"?>
+<file path=ppt/slides/slide12.xml><?xml version="1.0" encoding="utf-8"?>
 <p:sld xmlns:a="http://schemas.openxmlformats.org/drawingml/2006/main" xmlns:r="http://schemas.openxmlformats.org/officeDocument/2006/relationships" xmlns:p="http://schemas.openxmlformats.org/presentationml/2006/main">
   <p:cSld>
     <p:spTree>
@@ -6243,7 +6471,7 @@
     </p:spTree>
     <p:extLst>
       <p:ext uri="{BB962C8B-B14F-4D97-AF65-F5344CB8AC3E}">
-        <p14:creationId xmlns:p14="http://schemas.microsoft.com/office/powerpoint/2010/main" xmlns="" val="4220575253"/>
+        <p14:creationId xmlns:p14="http://schemas.microsoft.com/office/powerpoint/2010/main" val="4220575253"/>
       </p:ext>
     </p:extLst>
   </p:cSld>
@@ -6631,7 +6859,7 @@
 </p:sld>
 </file>
 
-<file path=ppt/slides/slide12.xml><?xml version="1.0" encoding="utf-8"?>
+<file path=ppt/slides/slide13.xml><?xml version="1.0" encoding="utf-8"?>
 <p:sld xmlns:a="http://schemas.openxmlformats.org/drawingml/2006/main" xmlns:r="http://schemas.openxmlformats.org/officeDocument/2006/relationships" xmlns:p="http://schemas.openxmlformats.org/presentationml/2006/main">
   <p:cSld>
     <p:spTree>
@@ -6758,7 +6986,7 @@
           <a:blip r:embed="rId2">
             <a:extLst>
               <a:ext uri="{28A0092B-C50C-407E-A947-70E740481C1C}">
-                <a14:useLocalDpi xmlns:a14="http://schemas.microsoft.com/office/drawing/2010/main" xmlns="" val="0"/>
+                <a14:useLocalDpi xmlns:a14="http://schemas.microsoft.com/office/drawing/2010/main" val="0"/>
               </a:ext>
             </a:extLst>
           </a:blip>
@@ -6782,14 +7010,14 @@
           <a:effectLst/>
           <a:extLst>
             <a:ext uri="{909E8E84-426E-40DD-AFC4-6F175D3DCCD1}">
-              <a14:hiddenFill xmlns:a14="http://schemas.microsoft.com/office/drawing/2010/main" xmlns="">
+              <a14:hiddenFill xmlns:a14="http://schemas.microsoft.com/office/drawing/2010/main">
                 <a:solidFill>
                   <a:schemeClr val="accent1"/>
                 </a:solidFill>
               </a14:hiddenFill>
             </a:ext>
             <a:ext uri="{91240B29-F687-4F45-9708-019B960494DF}">
-              <a14:hiddenLine xmlns:a14="http://schemas.microsoft.com/office/drawing/2010/main" xmlns="" w="9525">
+              <a14:hiddenLine xmlns:a14="http://schemas.microsoft.com/office/drawing/2010/main" w="9525">
                 <a:solidFill>
                   <a:schemeClr val="tx1"/>
                 </a:solidFill>
@@ -6799,7 +7027,7 @@
               </a14:hiddenLine>
             </a:ext>
             <a:ext uri="{AF507438-7753-43E0-B8FC-AC1667EBCBE1}">
-              <a14:hiddenEffects xmlns:a14="http://schemas.microsoft.com/office/drawing/2010/main" xmlns="">
+              <a14:hiddenEffects xmlns:a14="http://schemas.microsoft.com/office/drawing/2010/main">
                 <a:effectLst>
                   <a:outerShdw dist="35921" dir="2700000" algn="ctr" rotWithShape="0">
                     <a:schemeClr val="bg2"/>
@@ -6813,7 +7041,7 @@
     </p:spTree>
     <p:extLst>
       <p:ext uri="{BB962C8B-B14F-4D97-AF65-F5344CB8AC3E}">
-        <p14:creationId xmlns:p14="http://schemas.microsoft.com/office/powerpoint/2010/main" xmlns="" val="2514446162"/>
+        <p14:creationId xmlns:p14="http://schemas.microsoft.com/office/powerpoint/2010/main" val="2514446162"/>
       </p:ext>
     </p:extLst>
   </p:cSld>
@@ -7083,7 +7311,7 @@
 </p:sld>
 </file>
 
-<file path=ppt/slides/slide13.xml><?xml version="1.0" encoding="utf-8"?>
+<file path=ppt/slides/slide14.xml><?xml version="1.0" encoding="utf-8"?>
 <p:sld xmlns:a="http://schemas.openxmlformats.org/drawingml/2006/main" xmlns:r="http://schemas.openxmlformats.org/officeDocument/2006/relationships" xmlns:p="http://schemas.openxmlformats.org/presentationml/2006/main">
   <p:cSld>
     <p:spTree>
@@ -7176,7 +7404,7 @@
           <a:blip r:embed="rId2">
             <a:extLst>
               <a:ext uri="{28A0092B-C50C-407E-A947-70E740481C1C}">
-                <a14:useLocalDpi xmlns:a14="http://schemas.microsoft.com/office/drawing/2010/main" xmlns="" val="0"/>
+                <a14:useLocalDpi xmlns:a14="http://schemas.microsoft.com/office/drawing/2010/main" val="0"/>
               </a:ext>
             </a:extLst>
           </a:blip>
@@ -7200,14 +7428,14 @@
           <a:effectLst/>
           <a:extLst>
             <a:ext uri="{909E8E84-426E-40DD-AFC4-6F175D3DCCD1}">
-              <a14:hiddenFill xmlns:a14="http://schemas.microsoft.com/office/drawing/2010/main" xmlns="">
+              <a14:hiddenFill xmlns:a14="http://schemas.microsoft.com/office/drawing/2010/main">
                 <a:solidFill>
                   <a:schemeClr val="accent1"/>
                 </a:solidFill>
               </a14:hiddenFill>
             </a:ext>
             <a:ext uri="{91240B29-F687-4F45-9708-019B960494DF}">
-              <a14:hiddenLine xmlns:a14="http://schemas.microsoft.com/office/drawing/2010/main" xmlns="" w="9525">
+              <a14:hiddenLine xmlns:a14="http://schemas.microsoft.com/office/drawing/2010/main" w="9525">
                 <a:solidFill>
                   <a:schemeClr val="tx1"/>
                 </a:solidFill>
@@ -7217,7 +7445,7 @@
               </a14:hiddenLine>
             </a:ext>
             <a:ext uri="{AF507438-7753-43E0-B8FC-AC1667EBCBE1}">
-              <a14:hiddenEffects xmlns:a14="http://schemas.microsoft.com/office/drawing/2010/main" xmlns="">
+              <a14:hiddenEffects xmlns:a14="http://schemas.microsoft.com/office/drawing/2010/main">
                 <a:effectLst>
                   <a:outerShdw dist="35921" dir="2700000" algn="ctr" rotWithShape="0">
                     <a:schemeClr val="bg2"/>
@@ -7240,7 +7468,7 @@
           <a:blip r:embed="rId3">
             <a:extLst>
               <a:ext uri="{28A0092B-C50C-407E-A947-70E740481C1C}">
-                <a14:useLocalDpi xmlns:a14="http://schemas.microsoft.com/office/drawing/2010/main" xmlns="" val="0"/>
+                <a14:useLocalDpi xmlns:a14="http://schemas.microsoft.com/office/drawing/2010/main" val="0"/>
               </a:ext>
             </a:extLst>
           </a:blip>
@@ -7264,14 +7492,14 @@
           <a:effectLst/>
           <a:extLst>
             <a:ext uri="{909E8E84-426E-40DD-AFC4-6F175D3DCCD1}">
-              <a14:hiddenFill xmlns:a14="http://schemas.microsoft.com/office/drawing/2010/main" xmlns="">
+              <a14:hiddenFill xmlns:a14="http://schemas.microsoft.com/office/drawing/2010/main">
                 <a:solidFill>
                   <a:schemeClr val="accent1"/>
                 </a:solidFill>
               </a14:hiddenFill>
             </a:ext>
             <a:ext uri="{91240B29-F687-4F45-9708-019B960494DF}">
-              <a14:hiddenLine xmlns:a14="http://schemas.microsoft.com/office/drawing/2010/main" xmlns="" w="9525">
+              <a14:hiddenLine xmlns:a14="http://schemas.microsoft.com/office/drawing/2010/main" w="9525">
                 <a:solidFill>
                   <a:schemeClr val="tx1"/>
                 </a:solidFill>
@@ -7281,7 +7509,7 @@
               </a14:hiddenLine>
             </a:ext>
             <a:ext uri="{AF507438-7753-43E0-B8FC-AC1667EBCBE1}">
-              <a14:hiddenEffects xmlns:a14="http://schemas.microsoft.com/office/drawing/2010/main" xmlns="">
+              <a14:hiddenEffects xmlns:a14="http://schemas.microsoft.com/office/drawing/2010/main">
                 <a:effectLst>
                   <a:outerShdw dist="35921" dir="2700000" algn="ctr" rotWithShape="0">
                     <a:schemeClr val="bg2"/>
@@ -7295,7 +7523,7 @@
     </p:spTree>
     <p:extLst>
       <p:ext uri="{BB962C8B-B14F-4D97-AF65-F5344CB8AC3E}">
-        <p14:creationId xmlns:p14="http://schemas.microsoft.com/office/powerpoint/2010/main" xmlns="" val="116977610"/>
+        <p14:creationId xmlns:p14="http://schemas.microsoft.com/office/powerpoint/2010/main" val="116977610"/>
       </p:ext>
     </p:extLst>
   </p:cSld>
@@ -7536,7 +7764,7 @@
 </p:sld>
 </file>
 
-<file path=ppt/slides/slide14.xml><?xml version="1.0" encoding="utf-8"?>
+<file path=ppt/slides/slide15.xml><?xml version="1.0" encoding="utf-8"?>
 <p:sld xmlns:a="http://schemas.openxmlformats.org/drawingml/2006/main" xmlns:r="http://schemas.openxmlformats.org/officeDocument/2006/relationships" xmlns:p="http://schemas.openxmlformats.org/presentationml/2006/main">
   <p:cSld>
     <p:spTree>
@@ -7634,16 +7862,89 @@
             </a:r>
             <a:r>
               <a:rPr lang="en-US" dirty="0" smtClean="0"/>
-              <a:t>3</a:t>
+              <a:t>3.</a:t>
+            </a:r>
+          </a:p>
+          <a:p>
+            <a:pPr marL="0" indent="0">
+              <a:buNone/>
+            </a:pPr>
+            <a:r>
+              <a:rPr lang="en-US" dirty="0" smtClean="0"/>
+              <a:t>Ex:</a:t>
             </a:r>
             <a:endParaRPr lang="en-US" dirty="0"/>
           </a:p>
         </p:txBody>
       </p:sp>
+      <p:pic>
+        <p:nvPicPr>
+          <p:cNvPr id="1026" name="Picture 2"/>
+          <p:cNvPicPr>
+            <a:picLocks noChangeAspect="1" noChangeArrowheads="1"/>
+          </p:cNvPicPr>
+          <p:nvPr/>
+        </p:nvPicPr>
+        <p:blipFill>
+          <a:blip r:embed="rId2">
+            <a:extLst>
+              <a:ext uri="{28A0092B-C50C-407E-A947-70E740481C1C}">
+                <a14:useLocalDpi xmlns:a14="http://schemas.microsoft.com/office/drawing/2010/main" val="0"/>
+              </a:ext>
+            </a:extLst>
+          </a:blip>
+          <a:srcRect/>
+          <a:stretch>
+            <a:fillRect/>
+          </a:stretch>
+        </p:blipFill>
+        <p:spPr bwMode="auto">
+          <a:xfrm>
+            <a:off x="1371600" y="3733800"/>
+            <a:ext cx="3638550" cy="1057275"/>
+          </a:xfrm>
+          <a:prstGeom prst="rect">
+            <a:avLst/>
+          </a:prstGeom>
+          <a:noFill/>
+          <a:ln>
+            <a:noFill/>
+          </a:ln>
+          <a:effectLst/>
+          <a:extLst>
+            <a:ext uri="{909E8E84-426E-40DD-AFC4-6F175D3DCCD1}">
+              <a14:hiddenFill xmlns:a14="http://schemas.microsoft.com/office/drawing/2010/main">
+                <a:solidFill>
+                  <a:schemeClr val="accent1"/>
+                </a:solidFill>
+              </a14:hiddenFill>
+            </a:ext>
+            <a:ext uri="{91240B29-F687-4F45-9708-019B960494DF}">
+              <a14:hiddenLine xmlns:a14="http://schemas.microsoft.com/office/drawing/2010/main" w="9525">
+                <a:solidFill>
+                  <a:schemeClr val="tx1"/>
+                </a:solidFill>
+                <a:miter lim="800000"/>
+                <a:headEnd/>
+                <a:tailEnd/>
+              </a14:hiddenLine>
+            </a:ext>
+            <a:ext uri="{AF507438-7753-43E0-B8FC-AC1667EBCBE1}">
+              <a14:hiddenEffects xmlns:a14="http://schemas.microsoft.com/office/drawing/2010/main">
+                <a:effectLst>
+                  <a:outerShdw dist="35921" dir="2700000" algn="ctr" rotWithShape="0">
+                    <a:schemeClr val="bg2"/>
+                  </a:outerShdw>
+                </a:effectLst>
+              </a14:hiddenEffects>
+            </a:ext>
+          </a:extLst>
+        </p:spPr>
+      </p:pic>
     </p:spTree>
     <p:extLst>
       <p:ext uri="{BB962C8B-B14F-4D97-AF65-F5344CB8AC3E}">
-        <p14:creationId xmlns:p14="http://schemas.microsoft.com/office/powerpoint/2010/main" xmlns="" val="3991184505"/>
+        <p14:creationId xmlns:p14="http://schemas.microsoft.com/office/powerpoint/2010/main" val="3991184505"/>
       </p:ext>
     </p:extLst>
   </p:cSld>
@@ -7779,6 +8080,202 @@
                       </p:childTnLst>
                     </p:cTn>
                   </p:par>
+                  <p:par>
+                    <p:cTn id="10" fill="hold">
+                      <p:stCondLst>
+                        <p:cond delay="indefinite"/>
+                      </p:stCondLst>
+                      <p:childTnLst>
+                        <p:par>
+                          <p:cTn id="11" fill="hold">
+                            <p:stCondLst>
+                              <p:cond delay="0"/>
+                            </p:stCondLst>
+                            <p:childTnLst>
+                              <p:par>
+                                <p:cTn id="12" presetID="42" presetClass="entr" presetSubtype="0" fill="hold" nodeType="clickEffect">
+                                  <p:stCondLst>
+                                    <p:cond delay="0"/>
+                                  </p:stCondLst>
+                                  <p:childTnLst>
+                                    <p:set>
+                                      <p:cBhvr>
+                                        <p:cTn id="13" dur="1" fill="hold">
+                                          <p:stCondLst>
+                                            <p:cond delay="0"/>
+                                          </p:stCondLst>
+                                        </p:cTn>
+                                        <p:tgtEl>
+                                          <p:spTgt spid="1026"/>
+                                        </p:tgtEl>
+                                        <p:attrNameLst>
+                                          <p:attrName>style.visibility</p:attrName>
+                                        </p:attrNameLst>
+                                      </p:cBhvr>
+                                      <p:to>
+                                        <p:strVal val="visible"/>
+                                      </p:to>
+                                    </p:set>
+                                    <p:animEffect transition="in" filter="fade">
+                                      <p:cBhvr>
+                                        <p:cTn id="14" dur="1000"/>
+                                        <p:tgtEl>
+                                          <p:spTgt spid="1026"/>
+                                        </p:tgtEl>
+                                      </p:cBhvr>
+                                    </p:animEffect>
+                                    <p:anim calcmode="lin" valueType="num">
+                                      <p:cBhvr>
+                                        <p:cTn id="15" dur="1000" fill="hold"/>
+                                        <p:tgtEl>
+                                          <p:spTgt spid="1026"/>
+                                        </p:tgtEl>
+                                        <p:attrNameLst>
+                                          <p:attrName>ppt_x</p:attrName>
+                                        </p:attrNameLst>
+                                      </p:cBhvr>
+                                      <p:tavLst>
+                                        <p:tav tm="0">
+                                          <p:val>
+                                            <p:strVal val="#ppt_x"/>
+                                          </p:val>
+                                        </p:tav>
+                                        <p:tav tm="100000">
+                                          <p:val>
+                                            <p:strVal val="#ppt_x"/>
+                                          </p:val>
+                                        </p:tav>
+                                      </p:tavLst>
+                                    </p:anim>
+                                    <p:anim calcmode="lin" valueType="num">
+                                      <p:cBhvr>
+                                        <p:cTn id="16" dur="1000" fill="hold"/>
+                                        <p:tgtEl>
+                                          <p:spTgt spid="1026"/>
+                                        </p:tgtEl>
+                                        <p:attrNameLst>
+                                          <p:attrName>ppt_y</p:attrName>
+                                        </p:attrNameLst>
+                                      </p:cBhvr>
+                                      <p:tavLst>
+                                        <p:tav tm="0">
+                                          <p:val>
+                                            <p:strVal val="#ppt_y+.1"/>
+                                          </p:val>
+                                        </p:tav>
+                                        <p:tav tm="100000">
+                                          <p:val>
+                                            <p:strVal val="#ppt_y"/>
+                                          </p:val>
+                                        </p:tav>
+                                      </p:tavLst>
+                                    </p:anim>
+                                  </p:childTnLst>
+                                </p:cTn>
+                              </p:par>
+                              <p:par>
+                                <p:cTn id="17" presetID="42" presetClass="entr" presetSubtype="0" fill="hold" nodeType="withEffect">
+                                  <p:stCondLst>
+                                    <p:cond delay="0"/>
+                                  </p:stCondLst>
+                                  <p:childTnLst>
+                                    <p:set>
+                                      <p:cBhvr>
+                                        <p:cTn id="18" dur="1" fill="hold">
+                                          <p:stCondLst>
+                                            <p:cond delay="0"/>
+                                          </p:stCondLst>
+                                        </p:cTn>
+                                        <p:tgtEl>
+                                          <p:spTgt spid="3">
+                                            <p:txEl>
+                                              <p:pRg st="1" end="1"/>
+                                            </p:txEl>
+                                          </p:spTgt>
+                                        </p:tgtEl>
+                                        <p:attrNameLst>
+                                          <p:attrName>style.visibility</p:attrName>
+                                        </p:attrNameLst>
+                                      </p:cBhvr>
+                                      <p:to>
+                                        <p:strVal val="visible"/>
+                                      </p:to>
+                                    </p:set>
+                                    <p:animEffect transition="in" filter="fade">
+                                      <p:cBhvr>
+                                        <p:cTn id="19" dur="1000"/>
+                                        <p:tgtEl>
+                                          <p:spTgt spid="3">
+                                            <p:txEl>
+                                              <p:pRg st="1" end="1"/>
+                                            </p:txEl>
+                                          </p:spTgt>
+                                        </p:tgtEl>
+                                      </p:cBhvr>
+                                    </p:animEffect>
+                                    <p:anim calcmode="lin" valueType="num">
+                                      <p:cBhvr>
+                                        <p:cTn id="20" dur="1000" fill="hold"/>
+                                        <p:tgtEl>
+                                          <p:spTgt spid="3">
+                                            <p:txEl>
+                                              <p:pRg st="1" end="1"/>
+                                            </p:txEl>
+                                          </p:spTgt>
+                                        </p:tgtEl>
+                                        <p:attrNameLst>
+                                          <p:attrName>ppt_x</p:attrName>
+                                        </p:attrNameLst>
+                                      </p:cBhvr>
+                                      <p:tavLst>
+                                        <p:tav tm="0">
+                                          <p:val>
+                                            <p:strVal val="#ppt_x"/>
+                                          </p:val>
+                                        </p:tav>
+                                        <p:tav tm="100000">
+                                          <p:val>
+                                            <p:strVal val="#ppt_x"/>
+                                          </p:val>
+                                        </p:tav>
+                                      </p:tavLst>
+                                    </p:anim>
+                                    <p:anim calcmode="lin" valueType="num">
+                                      <p:cBhvr>
+                                        <p:cTn id="21" dur="1000" fill="hold"/>
+                                        <p:tgtEl>
+                                          <p:spTgt spid="3">
+                                            <p:txEl>
+                                              <p:pRg st="1" end="1"/>
+                                            </p:txEl>
+                                          </p:spTgt>
+                                        </p:tgtEl>
+                                        <p:attrNameLst>
+                                          <p:attrName>ppt_y</p:attrName>
+                                        </p:attrNameLst>
+                                      </p:cBhvr>
+                                      <p:tavLst>
+                                        <p:tav tm="0">
+                                          <p:val>
+                                            <p:strVal val="#ppt_y+.1"/>
+                                          </p:val>
+                                        </p:tav>
+                                        <p:tav tm="100000">
+                                          <p:val>
+                                            <p:strVal val="#ppt_y"/>
+                                          </p:val>
+                                        </p:tav>
+                                      </p:tavLst>
+                                    </p:anim>
+                                  </p:childTnLst>
+                                </p:cTn>
+                              </p:par>
+                            </p:childTnLst>
+                          </p:cTn>
+                        </p:par>
+                      </p:childTnLst>
+                    </p:cTn>
+                  </p:par>
                 </p:childTnLst>
               </p:cTn>
               <p:prevCondLst>
@@ -7798,97 +8295,6 @@
             </p:seq>
           </p:childTnLst>
         </p:cTn>
-      </p:par>
-    </p:tnLst>
-  </p:timing>
-</p:sld>
-</file>
-
-<file path=ppt/slides/slide15.xml><?xml version="1.0" encoding="utf-8"?>
-<p:sld xmlns:a="http://schemas.openxmlformats.org/drawingml/2006/main" xmlns:r="http://schemas.openxmlformats.org/officeDocument/2006/relationships" xmlns:p="http://schemas.openxmlformats.org/presentationml/2006/main">
-  <p:cSld>
-    <p:spTree>
-      <p:nvGrpSpPr>
-        <p:cNvPr id="1" name=""/>
-        <p:cNvGrpSpPr/>
-        <p:nvPr/>
-      </p:nvGrpSpPr>
-      <p:grpSpPr>
-        <a:xfrm>
-          <a:off x="0" y="0"/>
-          <a:ext cx="0" cy="0"/>
-          <a:chOff x="0" y="0"/>
-          <a:chExt cx="0" cy="0"/>
-        </a:xfrm>
-      </p:grpSpPr>
-      <p:sp>
-        <p:nvSpPr>
-          <p:cNvPr id="3" name="Content Placeholder 2"/>
-          <p:cNvSpPr>
-            <a:spLocks noGrp="1"/>
-          </p:cNvSpPr>
-          <p:nvPr>
-            <p:ph sz="quarter" idx="1"/>
-          </p:nvPr>
-        </p:nvSpPr>
-        <p:spPr>
-          <a:xfrm>
-            <a:off x="609600" y="1752600"/>
-            <a:ext cx="8153400" cy="4495800"/>
-          </a:xfrm>
-        </p:spPr>
-        <p:txBody>
-          <a:bodyPr>
-            <a:normAutofit/>
-          </a:bodyPr>
-          <a:lstStyle/>
-          <a:p>
-            <a:pPr marL="0" indent="0" algn="ctr">
-              <a:buNone/>
-            </a:pPr>
-            <a:endParaRPr lang="en-IN" dirty="0" smtClean="0"/>
-          </a:p>
-          <a:p>
-            <a:pPr marL="0" indent="0" algn="ctr">
-              <a:buNone/>
-            </a:pPr>
-            <a:endParaRPr lang="en-IN" dirty="0"/>
-          </a:p>
-          <a:p>
-            <a:pPr marL="0" indent="0" algn="ctr">
-              <a:buNone/>
-            </a:pPr>
-            <a:endParaRPr lang="en-IN" dirty="0" smtClean="0"/>
-          </a:p>
-          <a:p>
-            <a:pPr marL="0" indent="0" algn="ctr">
-              <a:buNone/>
-            </a:pPr>
-            <a:r>
-              <a:rPr lang="en-IN" b="1" dirty="0" smtClean="0"/>
-              <a:t>Questions?</a:t>
-            </a:r>
-            <a:endParaRPr lang="en-US" b="1" dirty="0"/>
-          </a:p>
-        </p:txBody>
-      </p:sp>
-    </p:spTree>
-    <p:extLst>
-      <p:ext uri="{BB962C8B-B14F-4D97-AF65-F5344CB8AC3E}">
-        <p14:creationId xmlns:p14="http://schemas.microsoft.com/office/powerpoint/2010/main" xmlns="" val="4168714796"/>
-      </p:ext>
-    </p:extLst>
-  </p:cSld>
-  <p:clrMapOvr>
-    <a:masterClrMapping/>
-  </p:clrMapOvr>
-  <p:transition spd="slow">
-    <p:wipe/>
-  </p:transition>
-  <p:timing>
-    <p:tnLst>
-      <p:par>
-        <p:cTn id="1" dur="indefinite" restart="never" nodeType="tmRoot"/>
       </p:par>
     </p:tnLst>
   </p:timing>
@@ -7957,7 +8363,7 @@
             </a:pPr>
             <a:r>
               <a:rPr lang="en-IN" b="1" dirty="0" smtClean="0"/>
-              <a:t>Thank You</a:t>
+              <a:t>Questions?</a:t>
             </a:r>
             <a:endParaRPr lang="en-US" b="1" dirty="0"/>
           </a:p>
@@ -7966,7 +8372,98 @@
     </p:spTree>
     <p:extLst>
       <p:ext uri="{BB962C8B-B14F-4D97-AF65-F5344CB8AC3E}">
-        <p14:creationId xmlns:p14="http://schemas.microsoft.com/office/powerpoint/2010/main" xmlns="" val="2498152336"/>
+        <p14:creationId xmlns:p14="http://schemas.microsoft.com/office/powerpoint/2010/main" val="4168714796"/>
+      </p:ext>
+    </p:extLst>
+  </p:cSld>
+  <p:clrMapOvr>
+    <a:masterClrMapping/>
+  </p:clrMapOvr>
+  <p:transition spd="slow">
+    <p:wipe/>
+  </p:transition>
+  <p:timing>
+    <p:tnLst>
+      <p:par>
+        <p:cTn id="1" dur="indefinite" restart="never" nodeType="tmRoot"/>
+      </p:par>
+    </p:tnLst>
+  </p:timing>
+</p:sld>
+</file>
+
+<file path=ppt/slides/slide17.xml><?xml version="1.0" encoding="utf-8"?>
+<p:sld xmlns:a="http://schemas.openxmlformats.org/drawingml/2006/main" xmlns:r="http://schemas.openxmlformats.org/officeDocument/2006/relationships" xmlns:p="http://schemas.openxmlformats.org/presentationml/2006/main">
+  <p:cSld>
+    <p:spTree>
+      <p:nvGrpSpPr>
+        <p:cNvPr id="1" name=""/>
+        <p:cNvGrpSpPr/>
+        <p:nvPr/>
+      </p:nvGrpSpPr>
+      <p:grpSpPr>
+        <a:xfrm>
+          <a:off x="0" y="0"/>
+          <a:ext cx="0" cy="0"/>
+          <a:chOff x="0" y="0"/>
+          <a:chExt cx="0" cy="0"/>
+        </a:xfrm>
+      </p:grpSpPr>
+      <p:sp>
+        <p:nvSpPr>
+          <p:cNvPr id="3" name="Content Placeholder 2"/>
+          <p:cNvSpPr>
+            <a:spLocks noGrp="1"/>
+          </p:cNvSpPr>
+          <p:nvPr>
+            <p:ph sz="quarter" idx="1"/>
+          </p:nvPr>
+        </p:nvSpPr>
+        <p:spPr>
+          <a:xfrm>
+            <a:off x="609600" y="1752600"/>
+            <a:ext cx="8153400" cy="4495800"/>
+          </a:xfrm>
+        </p:spPr>
+        <p:txBody>
+          <a:bodyPr>
+            <a:normAutofit/>
+          </a:bodyPr>
+          <a:lstStyle/>
+          <a:p>
+            <a:pPr marL="0" indent="0" algn="ctr">
+              <a:buNone/>
+            </a:pPr>
+            <a:endParaRPr lang="en-IN" dirty="0" smtClean="0"/>
+          </a:p>
+          <a:p>
+            <a:pPr marL="0" indent="0" algn="ctr">
+              <a:buNone/>
+            </a:pPr>
+            <a:endParaRPr lang="en-IN" dirty="0"/>
+          </a:p>
+          <a:p>
+            <a:pPr marL="0" indent="0" algn="ctr">
+              <a:buNone/>
+            </a:pPr>
+            <a:endParaRPr lang="en-IN" dirty="0" smtClean="0"/>
+          </a:p>
+          <a:p>
+            <a:pPr marL="0" indent="0" algn="ctr">
+              <a:buNone/>
+            </a:pPr>
+            <a:r>
+              <a:rPr lang="en-IN" b="1" dirty="0" smtClean="0"/>
+              <a:t>Thank You</a:t>
+            </a:r>
+            <a:endParaRPr lang="en-US" b="1" dirty="0"/>
+          </a:p>
+        </p:txBody>
+      </p:sp>
+    </p:spTree>
+    <p:extLst>
+      <p:ext uri="{BB962C8B-B14F-4D97-AF65-F5344CB8AC3E}">
+        <p14:creationId xmlns:p14="http://schemas.microsoft.com/office/powerpoint/2010/main" val="2498152336"/>
       </p:ext>
     </p:extLst>
   </p:cSld>
@@ -8077,7 +8574,7 @@
     </p:spTree>
     <p:extLst>
       <p:ext uri="{BB962C8B-B14F-4D97-AF65-F5344CB8AC3E}">
-        <p14:creationId xmlns:p14="http://schemas.microsoft.com/office/powerpoint/2010/main" xmlns="" val="2270295392"/>
+        <p14:creationId xmlns:p14="http://schemas.microsoft.com/office/powerpoint/2010/main" val="2270295392"/>
       </p:ext>
     </p:extLst>
   </p:cSld>
@@ -8246,7 +8743,7 @@
     </p:spTree>
     <p:extLst>
       <p:ext uri="{BB962C8B-B14F-4D97-AF65-F5344CB8AC3E}">
-        <p14:creationId xmlns:p14="http://schemas.microsoft.com/office/powerpoint/2010/main" xmlns="" val="2374481149"/>
+        <p14:creationId xmlns:p14="http://schemas.microsoft.com/office/powerpoint/2010/main" val="2374481149"/>
       </p:ext>
     </p:extLst>
   </p:cSld>
@@ -9223,7 +9720,7 @@
     </p:spTree>
     <p:extLst>
       <p:ext uri="{BB962C8B-B14F-4D97-AF65-F5344CB8AC3E}">
-        <p14:creationId xmlns:p14="http://schemas.microsoft.com/office/powerpoint/2010/main" xmlns="" val="2984974954"/>
+        <p14:creationId xmlns:p14="http://schemas.microsoft.com/office/powerpoint/2010/main" val="2984974954"/>
       </p:ext>
     </p:extLst>
   </p:cSld>
@@ -9477,7 +9974,7 @@
     </p:spTree>
     <p:extLst>
       <p:ext uri="{BB962C8B-B14F-4D97-AF65-F5344CB8AC3E}">
-        <p14:creationId xmlns:p14="http://schemas.microsoft.com/office/powerpoint/2010/main" xmlns="" val="4021993604"/>
+        <p14:creationId xmlns:p14="http://schemas.microsoft.com/office/powerpoint/2010/main" val="4021993604"/>
       </p:ext>
     </p:extLst>
   </p:cSld>
@@ -9746,7 +10243,7 @@
     </p:spTree>
     <p:extLst>
       <p:ext uri="{BB962C8B-B14F-4D97-AF65-F5344CB8AC3E}">
-        <p14:creationId xmlns:p14="http://schemas.microsoft.com/office/powerpoint/2010/main" xmlns="" val="1218042876"/>
+        <p14:creationId xmlns:p14="http://schemas.microsoft.com/office/powerpoint/2010/main" val="1218042876"/>
       </p:ext>
     </p:extLst>
   </p:cSld>
@@ -10017,7 +10514,7 @@
     </p:spTree>
     <p:extLst>
       <p:ext uri="{BB962C8B-B14F-4D97-AF65-F5344CB8AC3E}">
-        <p14:creationId xmlns:p14="http://schemas.microsoft.com/office/powerpoint/2010/main" xmlns="" val="2227863129"/>
+        <p14:creationId xmlns:p14="http://schemas.microsoft.com/office/powerpoint/2010/main" val="2227863129"/>
       </p:ext>
     </p:extLst>
   </p:cSld>
@@ -10447,9 +10944,951 @@
           </a:p>
         </p:txBody>
       </p:sp>
+      <p:graphicFrame>
+        <p:nvGraphicFramePr>
+          <p:cNvPr id="4" name="Table 3"/>
+          <p:cNvGraphicFramePr>
+            <a:graphicFrameLocks noGrp="1"/>
+          </p:cNvGraphicFramePr>
+          <p:nvPr>
+            <p:extLst>
+              <p:ext uri="{D42A27DB-BD31-4B8C-83A1-F6EECF244321}">
+                <p14:modId xmlns:p14="http://schemas.microsoft.com/office/powerpoint/2010/main" val="1303046869"/>
+              </p:ext>
+            </p:extLst>
+          </p:nvPr>
+        </p:nvGraphicFramePr>
+        <p:xfrm>
+          <a:off x="228600" y="2042734"/>
+          <a:ext cx="8763000" cy="3172881"/>
+        </p:xfrm>
+        <a:graphic>
+          <a:graphicData uri="http://schemas.openxmlformats.org/drawingml/2006/table">
+            <a:tbl>
+              <a:tblPr firstRow="1" firstCol="1" bandRow="1">
+                <a:tableStyleId>{5C22544A-7EE6-4342-B048-85BDC9FD1C3A}</a:tableStyleId>
+              </a:tblPr>
+              <a:tblGrid>
+                <a:gridCol w="2514600"/>
+                <a:gridCol w="6248400"/>
+              </a:tblGrid>
+              <a:tr h="238174">
+                <a:tc>
+                  <a:txBody>
+                    <a:bodyPr/>
+                    <a:lstStyle/>
+                    <a:p>
+                      <a:pPr marL="0" marR="0" algn="l">
+                        <a:lnSpc>
+                          <a:spcPct val="115000"/>
+                        </a:lnSpc>
+                        <a:spcBef>
+                          <a:spcPts val="0"/>
+                        </a:spcBef>
+                        <a:spcAft>
+                          <a:spcPts val="1000"/>
+                        </a:spcAft>
+                      </a:pPr>
+                      <a:r>
+                        <a:rPr kumimoji="0" lang="en-US" sz="1000" b="1" i="0" kern="1200" dirty="0" smtClean="0">
+                          <a:solidFill>
+                            <a:schemeClr val="lt1"/>
+                          </a:solidFill>
+                          <a:effectLst/>
+                          <a:latin typeface="+mn-lt"/>
+                          <a:ea typeface="+mn-ea"/>
+                          <a:cs typeface="+mn-cs"/>
+                        </a:rPr>
+                        <a:t>Method</a:t>
+                      </a:r>
+                      <a:endParaRPr lang="en-US" sz="1100" dirty="0">
+                        <a:effectLst/>
+                        <a:latin typeface="Calibri"/>
+                        <a:ea typeface="Calibri"/>
+                        <a:cs typeface="Times New Roman"/>
+                      </a:endParaRPr>
+                    </a:p>
+                  </a:txBody>
+                  <a:tcPr marL="28575" marR="28575" marT="28575" marB="28575"/>
+                </a:tc>
+                <a:tc>
+                  <a:txBody>
+                    <a:bodyPr/>
+                    <a:lstStyle/>
+                    <a:p>
+                      <a:pPr marL="0" marR="0" algn="l">
+                        <a:lnSpc>
+                          <a:spcPct val="115000"/>
+                        </a:lnSpc>
+                        <a:spcBef>
+                          <a:spcPts val="0"/>
+                        </a:spcBef>
+                        <a:spcAft>
+                          <a:spcPts val="1000"/>
+                        </a:spcAft>
+                      </a:pPr>
+                      <a:r>
+                        <a:rPr kumimoji="0" lang="en-US" sz="1000" b="1" i="0" kern="1200" dirty="0" smtClean="0">
+                          <a:solidFill>
+                            <a:schemeClr val="lt1"/>
+                          </a:solidFill>
+                          <a:effectLst/>
+                          <a:latin typeface="+mn-lt"/>
+                          <a:ea typeface="+mn-ea"/>
+                          <a:cs typeface="+mn-cs"/>
+                        </a:rPr>
+                        <a:t>Description</a:t>
+                      </a:r>
+                      <a:endParaRPr lang="en-US" sz="1100" dirty="0">
+                        <a:effectLst/>
+                        <a:latin typeface="Calibri"/>
+                        <a:ea typeface="Calibri"/>
+                        <a:cs typeface="Times New Roman"/>
+                      </a:endParaRPr>
+                    </a:p>
+                  </a:txBody>
+                  <a:tcPr marL="28575" marR="28575" marT="28575" marB="28575"/>
+                </a:tc>
+              </a:tr>
+              <a:tr h="305851">
+                <a:tc>
+                  <a:txBody>
+                    <a:bodyPr/>
+                    <a:lstStyle/>
+                    <a:p>
+                      <a:pPr marL="0" marR="0" indent="0" algn="l" defTabSz="914400" rtl="0" eaLnBrk="1" fontAlgn="auto" latinLnBrk="0" hangingPunct="1">
+                        <a:lnSpc>
+                          <a:spcPct val="100000"/>
+                        </a:lnSpc>
+                        <a:spcBef>
+                          <a:spcPts val="0"/>
+                        </a:spcBef>
+                        <a:spcAft>
+                          <a:spcPts val="0"/>
+                        </a:spcAft>
+                        <a:buClrTx/>
+                        <a:buSzTx/>
+                        <a:buFontTx/>
+                        <a:buNone/>
+                        <a:tabLst/>
+                        <a:defRPr/>
+                      </a:pPr>
+                      <a:r>
+                        <a:rPr kumimoji="0" lang="en-US" sz="1000" b="1" u="sng" kern="1200" dirty="0" err="1" smtClean="0">
+                          <a:solidFill>
+                            <a:srgbClr val="000000"/>
+                          </a:solidFill>
+                          <a:effectLst/>
+                          <a:latin typeface="Verdana"/>
+                          <a:ea typeface="Calibri"/>
+                          <a:cs typeface="Times New Roman"/>
+                          <a:hlinkClick r:id="rId2" tooltip="Permalink to jQuery.parseJSON()"/>
+                        </a:rPr>
+                        <a:t>jQuery.parseJSON</a:t>
+                      </a:r>
+                      <a:r>
+                        <a:rPr kumimoji="0" lang="en-US" sz="1000" b="1" u="sng" kern="1200" dirty="0" smtClean="0">
+                          <a:solidFill>
+                            <a:srgbClr val="000000"/>
+                          </a:solidFill>
+                          <a:effectLst/>
+                          <a:latin typeface="Verdana"/>
+                          <a:ea typeface="Calibri"/>
+                          <a:cs typeface="Times New Roman"/>
+                          <a:hlinkClick r:id="rId2" tooltip="Permalink to jQuery.parseJSON()"/>
+                        </a:rPr>
+                        <a:t>()</a:t>
+                      </a:r>
+                      <a:endParaRPr kumimoji="0" lang="en-US" sz="1000" b="1" u="sng" kern="1200" dirty="0" smtClean="0">
+                        <a:solidFill>
+                          <a:srgbClr val="000000"/>
+                        </a:solidFill>
+                        <a:effectLst/>
+                        <a:latin typeface="Verdana"/>
+                        <a:ea typeface="Calibri"/>
+                        <a:cs typeface="Times New Roman"/>
+                      </a:endParaRPr>
+                    </a:p>
+                  </a:txBody>
+                  <a:tcPr marL="47625" marR="47625" marT="66675" marB="66675"/>
+                </a:tc>
+                <a:tc>
+                  <a:txBody>
+                    <a:bodyPr/>
+                    <a:lstStyle/>
+                    <a:p>
+                      <a:pPr marL="0" marR="0">
+                        <a:lnSpc>
+                          <a:spcPts val="1265"/>
+                        </a:lnSpc>
+                        <a:spcBef>
+                          <a:spcPts val="0"/>
+                        </a:spcBef>
+                        <a:spcAft>
+                          <a:spcPts val="1000"/>
+                        </a:spcAft>
+                      </a:pPr>
+                      <a:r>
+                        <a:rPr kumimoji="0" lang="en-US" sz="1000" b="0" u="none" kern="1200" dirty="0" smtClean="0">
+                          <a:solidFill>
+                            <a:srgbClr val="000000"/>
+                          </a:solidFill>
+                          <a:effectLst/>
+                          <a:latin typeface="Verdana"/>
+                          <a:ea typeface="Calibri"/>
+                          <a:cs typeface="Times New Roman"/>
+                        </a:rPr>
+                        <a:t>Takes a well-formed JSON string and returns the resulting JavaScript object.</a:t>
+                      </a:r>
+                      <a:endParaRPr kumimoji="0" lang="en-US" sz="1000" b="0" u="none" kern="1200" dirty="0">
+                        <a:solidFill>
+                          <a:srgbClr val="000000"/>
+                        </a:solidFill>
+                        <a:effectLst/>
+                        <a:latin typeface="Verdana"/>
+                        <a:ea typeface="Calibri"/>
+                        <a:cs typeface="Times New Roman"/>
+                      </a:endParaRPr>
+                    </a:p>
+                  </a:txBody>
+                  <a:tcPr marL="47625" marR="47625" marT="66675" marB="66675"/>
+                </a:tc>
+              </a:tr>
+              <a:tr h="305851">
+                <a:tc>
+                  <a:txBody>
+                    <a:bodyPr/>
+                    <a:lstStyle/>
+                    <a:p>
+                      <a:pPr marL="0" marR="0" indent="0" algn="l" defTabSz="914400" rtl="0" eaLnBrk="1" fontAlgn="auto" latinLnBrk="0" hangingPunct="1">
+                        <a:lnSpc>
+                          <a:spcPts val="1265"/>
+                        </a:lnSpc>
+                        <a:spcBef>
+                          <a:spcPts val="0"/>
+                        </a:spcBef>
+                        <a:spcAft>
+                          <a:spcPts val="1000"/>
+                        </a:spcAft>
+                        <a:buClrTx/>
+                        <a:buSzTx/>
+                        <a:buFontTx/>
+                        <a:buNone/>
+                        <a:tabLst/>
+                        <a:defRPr/>
+                      </a:pPr>
+                      <a:r>
+                        <a:rPr kumimoji="0" lang="en-US" sz="1000" b="1" u="sng" kern="1200" dirty="0" err="1" smtClean="0">
+                          <a:solidFill>
+                            <a:srgbClr val="000000"/>
+                          </a:solidFill>
+                          <a:effectLst/>
+                          <a:latin typeface="Verdana"/>
+                          <a:ea typeface="Calibri"/>
+                          <a:cs typeface="Times New Roman"/>
+                          <a:hlinkClick r:id="rId3" tooltip="Permalink to jQuery.trim()"/>
+                        </a:rPr>
+                        <a:t>jQuery.trim</a:t>
+                      </a:r>
+                      <a:r>
+                        <a:rPr kumimoji="0" lang="en-US" sz="1000" b="1" u="sng" kern="1200" dirty="0" smtClean="0">
+                          <a:solidFill>
+                            <a:srgbClr val="000000"/>
+                          </a:solidFill>
+                          <a:effectLst/>
+                          <a:latin typeface="Verdana"/>
+                          <a:ea typeface="Calibri"/>
+                          <a:cs typeface="Times New Roman"/>
+                          <a:hlinkClick r:id="rId3" tooltip="Permalink to jQuery.trim()"/>
+                        </a:rPr>
+                        <a:t>()</a:t>
+                      </a:r>
+                      <a:endParaRPr kumimoji="0" lang="en-US" sz="1000" b="1" u="sng" kern="1200" dirty="0" smtClean="0">
+                        <a:solidFill>
+                          <a:srgbClr val="000000"/>
+                        </a:solidFill>
+                        <a:effectLst/>
+                        <a:latin typeface="Verdana"/>
+                        <a:ea typeface="Calibri"/>
+                        <a:cs typeface="Times New Roman"/>
+                      </a:endParaRPr>
+                    </a:p>
+                  </a:txBody>
+                  <a:tcPr marL="47625" marR="47625" marT="66675" marB="66675"/>
+                </a:tc>
+                <a:tc>
+                  <a:txBody>
+                    <a:bodyPr/>
+                    <a:lstStyle/>
+                    <a:p>
+                      <a:pPr marL="0" marR="0">
+                        <a:lnSpc>
+                          <a:spcPts val="1265"/>
+                        </a:lnSpc>
+                        <a:spcBef>
+                          <a:spcPts val="0"/>
+                        </a:spcBef>
+                        <a:spcAft>
+                          <a:spcPts val="1000"/>
+                        </a:spcAft>
+                      </a:pPr>
+                      <a:r>
+                        <a:rPr kumimoji="0" lang="en-US" sz="1000" b="0" u="none" kern="1200" dirty="0" smtClean="0">
+                          <a:solidFill>
+                            <a:srgbClr val="000000"/>
+                          </a:solidFill>
+                          <a:effectLst/>
+                          <a:latin typeface="Verdana"/>
+                          <a:ea typeface="Calibri"/>
+                          <a:cs typeface="Times New Roman"/>
+                        </a:rPr>
+                        <a:t>Remove the whitespace from the beginning and end of a string.</a:t>
+                      </a:r>
+                      <a:endParaRPr kumimoji="0" lang="en-US" sz="1000" b="0" u="none" kern="1200" dirty="0">
+                        <a:solidFill>
+                          <a:srgbClr val="000000"/>
+                        </a:solidFill>
+                        <a:effectLst/>
+                        <a:latin typeface="Verdana"/>
+                        <a:ea typeface="Calibri"/>
+                        <a:cs typeface="Times New Roman"/>
+                      </a:endParaRPr>
+                    </a:p>
+                  </a:txBody>
+                  <a:tcPr marL="47625" marR="47625" marT="66675" marB="66675"/>
+                </a:tc>
+              </a:tr>
+              <a:tr h="305851">
+                <a:tc>
+                  <a:txBody>
+                    <a:bodyPr/>
+                    <a:lstStyle/>
+                    <a:p>
+                      <a:pPr marL="0" marR="0" indent="0" algn="l" defTabSz="914400" rtl="0" eaLnBrk="1" fontAlgn="auto" latinLnBrk="0" hangingPunct="1">
+                        <a:lnSpc>
+                          <a:spcPts val="1265"/>
+                        </a:lnSpc>
+                        <a:spcBef>
+                          <a:spcPts val="0"/>
+                        </a:spcBef>
+                        <a:spcAft>
+                          <a:spcPts val="1000"/>
+                        </a:spcAft>
+                        <a:buClrTx/>
+                        <a:buSzTx/>
+                        <a:buFontTx/>
+                        <a:buNone/>
+                        <a:tabLst/>
+                        <a:defRPr/>
+                      </a:pPr>
+                      <a:r>
+                        <a:rPr kumimoji="0" lang="en-US" sz="1000" b="1" u="sng" kern="1200" dirty="0" err="1" smtClean="0">
+                          <a:solidFill>
+                            <a:srgbClr val="000000"/>
+                          </a:solidFill>
+                          <a:effectLst/>
+                          <a:latin typeface="Verdana"/>
+                          <a:ea typeface="Calibri"/>
+                          <a:cs typeface="Times New Roman"/>
+                          <a:hlinkClick r:id="rId4" tooltip="Permalink to jQuery.isNumeric()"/>
+                        </a:rPr>
+                        <a:t>jQuery.isNumeric</a:t>
+                      </a:r>
+                      <a:r>
+                        <a:rPr kumimoji="0" lang="en-US" sz="1000" b="1" u="sng" kern="1200" dirty="0" smtClean="0">
+                          <a:solidFill>
+                            <a:srgbClr val="000000"/>
+                          </a:solidFill>
+                          <a:effectLst/>
+                          <a:latin typeface="Verdana"/>
+                          <a:ea typeface="Calibri"/>
+                          <a:cs typeface="Times New Roman"/>
+                          <a:hlinkClick r:id="rId4" tooltip="Permalink to jQuery.isNumeric()"/>
+                        </a:rPr>
+                        <a:t>()</a:t>
+                      </a:r>
+                      <a:endParaRPr kumimoji="0" lang="en-US" sz="1000" b="1" u="sng" kern="1200" dirty="0" smtClean="0">
+                        <a:solidFill>
+                          <a:srgbClr val="000000"/>
+                        </a:solidFill>
+                        <a:effectLst/>
+                        <a:latin typeface="Verdana"/>
+                        <a:ea typeface="Calibri"/>
+                        <a:cs typeface="Times New Roman"/>
+                      </a:endParaRPr>
+                    </a:p>
+                  </a:txBody>
+                  <a:tcPr marL="47625" marR="47625" marT="66675" marB="66675"/>
+                </a:tc>
+                <a:tc>
+                  <a:txBody>
+                    <a:bodyPr/>
+                    <a:lstStyle/>
+                    <a:p>
+                      <a:pPr marL="0" marR="0">
+                        <a:lnSpc>
+                          <a:spcPts val="1265"/>
+                        </a:lnSpc>
+                        <a:spcBef>
+                          <a:spcPts val="0"/>
+                        </a:spcBef>
+                        <a:spcAft>
+                          <a:spcPts val="1000"/>
+                        </a:spcAft>
+                      </a:pPr>
+                      <a:r>
+                        <a:rPr kumimoji="0" lang="en-US" sz="1000" b="0" u="none" kern="1200" dirty="0" smtClean="0">
+                          <a:solidFill>
+                            <a:srgbClr val="000000"/>
+                          </a:solidFill>
+                          <a:effectLst/>
+                          <a:latin typeface="Verdana"/>
+                          <a:ea typeface="Calibri"/>
+                          <a:cs typeface="Times New Roman"/>
+                        </a:rPr>
+                        <a:t>Determines whether its argument is a number.</a:t>
+                      </a:r>
+                      <a:endParaRPr kumimoji="0" lang="en-US" sz="1000" b="0" u="none" kern="1200" dirty="0">
+                        <a:solidFill>
+                          <a:srgbClr val="000000"/>
+                        </a:solidFill>
+                        <a:effectLst/>
+                        <a:latin typeface="Verdana"/>
+                        <a:ea typeface="Calibri"/>
+                        <a:cs typeface="Times New Roman"/>
+                      </a:endParaRPr>
+                    </a:p>
+                  </a:txBody>
+                  <a:tcPr marL="47625" marR="47625" marT="66675" marB="66675"/>
+                </a:tc>
+              </a:tr>
+              <a:tr h="305851">
+                <a:tc>
+                  <a:txBody>
+                    <a:bodyPr/>
+                    <a:lstStyle/>
+                    <a:p>
+                      <a:pPr marL="0" marR="0" indent="0" algn="l" defTabSz="914400" rtl="0" eaLnBrk="1" fontAlgn="auto" latinLnBrk="0" hangingPunct="1">
+                        <a:lnSpc>
+                          <a:spcPts val="1265"/>
+                        </a:lnSpc>
+                        <a:spcBef>
+                          <a:spcPts val="0"/>
+                        </a:spcBef>
+                        <a:spcAft>
+                          <a:spcPts val="1000"/>
+                        </a:spcAft>
+                        <a:buClrTx/>
+                        <a:buSzTx/>
+                        <a:buFontTx/>
+                        <a:buNone/>
+                        <a:tabLst/>
+                        <a:defRPr/>
+                      </a:pPr>
+                      <a:r>
+                        <a:rPr kumimoji="0" lang="en-US" sz="1000" b="1" u="sng" kern="1200" dirty="0" err="1" smtClean="0">
+                          <a:solidFill>
+                            <a:srgbClr val="000000"/>
+                          </a:solidFill>
+                          <a:effectLst/>
+                          <a:latin typeface="Verdana"/>
+                          <a:ea typeface="Calibri"/>
+                          <a:cs typeface="Times New Roman"/>
+                          <a:hlinkClick r:id="rId5" tooltip="Permalink to jQuery.isFunction()"/>
+                        </a:rPr>
+                        <a:t>jQuery.isFunction</a:t>
+                      </a:r>
+                      <a:r>
+                        <a:rPr kumimoji="0" lang="en-US" sz="1000" b="1" u="sng" kern="1200" dirty="0" smtClean="0">
+                          <a:solidFill>
+                            <a:srgbClr val="000000"/>
+                          </a:solidFill>
+                          <a:effectLst/>
+                          <a:latin typeface="Verdana"/>
+                          <a:ea typeface="Calibri"/>
+                          <a:cs typeface="Times New Roman"/>
+                          <a:hlinkClick r:id="rId5" tooltip="Permalink to jQuery.isFunction()"/>
+                        </a:rPr>
+                        <a:t>()</a:t>
+                      </a:r>
+                      <a:endParaRPr kumimoji="0" lang="en-US" sz="1000" b="1" u="sng" kern="1200" dirty="0" smtClean="0">
+                        <a:solidFill>
+                          <a:srgbClr val="000000"/>
+                        </a:solidFill>
+                        <a:effectLst/>
+                        <a:latin typeface="Verdana"/>
+                        <a:ea typeface="Calibri"/>
+                        <a:cs typeface="Times New Roman"/>
+                      </a:endParaRPr>
+                    </a:p>
+                  </a:txBody>
+                  <a:tcPr marL="47625" marR="47625" marT="66675" marB="66675"/>
+                </a:tc>
+                <a:tc>
+                  <a:txBody>
+                    <a:bodyPr/>
+                    <a:lstStyle/>
+                    <a:p>
+                      <a:pPr marL="0" marR="0">
+                        <a:lnSpc>
+                          <a:spcPts val="1265"/>
+                        </a:lnSpc>
+                        <a:spcBef>
+                          <a:spcPts val="0"/>
+                        </a:spcBef>
+                        <a:spcAft>
+                          <a:spcPts val="1000"/>
+                        </a:spcAft>
+                      </a:pPr>
+                      <a:r>
+                        <a:rPr kumimoji="0" lang="en-US" sz="1000" b="0" u="none" kern="1200" dirty="0" smtClean="0">
+                          <a:solidFill>
+                            <a:srgbClr val="000000"/>
+                          </a:solidFill>
+                          <a:effectLst/>
+                          <a:latin typeface="Verdana"/>
+                          <a:ea typeface="Calibri"/>
+                          <a:cs typeface="Times New Roman"/>
+                        </a:rPr>
+                        <a:t>Determine if the argument passed is a JavaScript function object.</a:t>
+                      </a:r>
+                      <a:endParaRPr kumimoji="0" lang="en-US" sz="1000" b="0" u="none" kern="1200" dirty="0">
+                        <a:solidFill>
+                          <a:srgbClr val="000000"/>
+                        </a:solidFill>
+                        <a:effectLst/>
+                        <a:latin typeface="Verdana"/>
+                        <a:ea typeface="Calibri"/>
+                        <a:cs typeface="Times New Roman"/>
+                      </a:endParaRPr>
+                    </a:p>
+                  </a:txBody>
+                  <a:tcPr marL="47625" marR="47625" marT="66675" marB="66675"/>
+                </a:tc>
+              </a:tr>
+              <a:tr h="305851">
+                <a:tc>
+                  <a:txBody>
+                    <a:bodyPr/>
+                    <a:lstStyle/>
+                    <a:p>
+                      <a:pPr marL="0" marR="0" indent="0" algn="l" defTabSz="914400" rtl="0" eaLnBrk="1" fontAlgn="auto" latinLnBrk="0" hangingPunct="1">
+                        <a:lnSpc>
+                          <a:spcPts val="1265"/>
+                        </a:lnSpc>
+                        <a:spcBef>
+                          <a:spcPts val="0"/>
+                        </a:spcBef>
+                        <a:spcAft>
+                          <a:spcPts val="1000"/>
+                        </a:spcAft>
+                        <a:buClrTx/>
+                        <a:buSzTx/>
+                        <a:buFontTx/>
+                        <a:buNone/>
+                        <a:tabLst/>
+                        <a:defRPr/>
+                      </a:pPr>
+                      <a:r>
+                        <a:rPr kumimoji="0" lang="en-US" sz="1000" b="1" u="sng" kern="1200" dirty="0" err="1" smtClean="0">
+                          <a:solidFill>
+                            <a:srgbClr val="000000"/>
+                          </a:solidFill>
+                          <a:effectLst/>
+                          <a:latin typeface="Verdana"/>
+                          <a:ea typeface="Calibri"/>
+                          <a:cs typeface="Times New Roman"/>
+                          <a:hlinkClick r:id="rId6" tooltip="Permalink to jQuery.isArray()"/>
+                        </a:rPr>
+                        <a:t>jQuery.isArray</a:t>
+                      </a:r>
+                      <a:r>
+                        <a:rPr kumimoji="0" lang="en-US" sz="1000" b="1" u="sng" kern="1200" dirty="0" smtClean="0">
+                          <a:solidFill>
+                            <a:srgbClr val="000000"/>
+                          </a:solidFill>
+                          <a:effectLst/>
+                          <a:latin typeface="Verdana"/>
+                          <a:ea typeface="Calibri"/>
+                          <a:cs typeface="Times New Roman"/>
+                          <a:hlinkClick r:id="rId6" tooltip="Permalink to jQuery.isArray()"/>
+                        </a:rPr>
+                        <a:t>()</a:t>
+                      </a:r>
+                      <a:endParaRPr kumimoji="0" lang="en-US" sz="1000" b="1" u="sng" kern="1200" dirty="0" smtClean="0">
+                        <a:solidFill>
+                          <a:srgbClr val="000000"/>
+                        </a:solidFill>
+                        <a:effectLst/>
+                        <a:latin typeface="Verdana"/>
+                        <a:ea typeface="Calibri"/>
+                        <a:cs typeface="Times New Roman"/>
+                      </a:endParaRPr>
+                    </a:p>
+                  </a:txBody>
+                  <a:tcPr marL="47625" marR="47625" marT="66675" marB="66675"/>
+                </a:tc>
+                <a:tc>
+                  <a:txBody>
+                    <a:bodyPr/>
+                    <a:lstStyle/>
+                    <a:p>
+                      <a:pPr marL="0" marR="0">
+                        <a:lnSpc>
+                          <a:spcPts val="1265"/>
+                        </a:lnSpc>
+                        <a:spcBef>
+                          <a:spcPts val="0"/>
+                        </a:spcBef>
+                        <a:spcAft>
+                          <a:spcPts val="1000"/>
+                        </a:spcAft>
+                      </a:pPr>
+                      <a:r>
+                        <a:rPr kumimoji="0" lang="en-US" sz="1000" b="0" u="none" kern="1200" dirty="0" smtClean="0">
+                          <a:solidFill>
+                            <a:srgbClr val="000000"/>
+                          </a:solidFill>
+                          <a:effectLst/>
+                          <a:latin typeface="Verdana"/>
+                          <a:ea typeface="Calibri"/>
+                          <a:cs typeface="Times New Roman"/>
+                        </a:rPr>
+                        <a:t>Determine whether the argument is an array.</a:t>
+                      </a:r>
+                      <a:endParaRPr kumimoji="0" lang="en-US" sz="1000" b="0" u="none" kern="1200" dirty="0">
+                        <a:solidFill>
+                          <a:srgbClr val="000000"/>
+                        </a:solidFill>
+                        <a:effectLst/>
+                        <a:latin typeface="Verdana"/>
+                        <a:ea typeface="Calibri"/>
+                        <a:cs typeface="Times New Roman"/>
+                      </a:endParaRPr>
+                    </a:p>
+                  </a:txBody>
+                  <a:tcPr marL="47625" marR="47625" marT="66675" marB="66675"/>
+                </a:tc>
+              </a:tr>
+              <a:tr h="305851">
+                <a:tc>
+                  <a:txBody>
+                    <a:bodyPr/>
+                    <a:lstStyle/>
+                    <a:p>
+                      <a:pPr marL="0" marR="0" indent="0" algn="l" defTabSz="914400" rtl="0" eaLnBrk="1" fontAlgn="auto" latinLnBrk="0" hangingPunct="1">
+                        <a:lnSpc>
+                          <a:spcPts val="1265"/>
+                        </a:lnSpc>
+                        <a:spcBef>
+                          <a:spcPts val="0"/>
+                        </a:spcBef>
+                        <a:spcAft>
+                          <a:spcPts val="1000"/>
+                        </a:spcAft>
+                        <a:buClrTx/>
+                        <a:buSzTx/>
+                        <a:buFontTx/>
+                        <a:buNone/>
+                        <a:tabLst/>
+                        <a:defRPr/>
+                      </a:pPr>
+                      <a:r>
+                        <a:rPr kumimoji="0" lang="en-US" sz="1000" b="1" u="sng" kern="1200" dirty="0" err="1" smtClean="0">
+                          <a:solidFill>
+                            <a:srgbClr val="000000"/>
+                          </a:solidFill>
+                          <a:effectLst/>
+                          <a:latin typeface="Verdana"/>
+                          <a:ea typeface="Calibri"/>
+                          <a:cs typeface="Times New Roman"/>
+                          <a:hlinkClick r:id="rId7" tooltip="Permalink to jQuery.inArray()"/>
+                        </a:rPr>
+                        <a:t>jQuery.inArray</a:t>
+                      </a:r>
+                      <a:r>
+                        <a:rPr kumimoji="0" lang="en-US" sz="1000" b="1" u="sng" kern="1200" dirty="0" smtClean="0">
+                          <a:solidFill>
+                            <a:srgbClr val="000000"/>
+                          </a:solidFill>
+                          <a:effectLst/>
+                          <a:latin typeface="Verdana"/>
+                          <a:ea typeface="Calibri"/>
+                          <a:cs typeface="Times New Roman"/>
+                          <a:hlinkClick r:id="rId7" tooltip="Permalink to jQuery.inArray()"/>
+                        </a:rPr>
+                        <a:t>()</a:t>
+                      </a:r>
+                      <a:endParaRPr kumimoji="0" lang="en-US" sz="1000" b="1" u="sng" kern="1200" dirty="0" smtClean="0">
+                        <a:solidFill>
+                          <a:srgbClr val="000000"/>
+                        </a:solidFill>
+                        <a:effectLst/>
+                        <a:latin typeface="Verdana"/>
+                        <a:ea typeface="Calibri"/>
+                        <a:cs typeface="Times New Roman"/>
+                      </a:endParaRPr>
+                    </a:p>
+                  </a:txBody>
+                  <a:tcPr marL="47625" marR="47625" marT="66675" marB="66675"/>
+                </a:tc>
+                <a:tc>
+                  <a:txBody>
+                    <a:bodyPr/>
+                    <a:lstStyle/>
+                    <a:p>
+                      <a:pPr marL="0" marR="0">
+                        <a:lnSpc>
+                          <a:spcPts val="1265"/>
+                        </a:lnSpc>
+                        <a:spcBef>
+                          <a:spcPts val="0"/>
+                        </a:spcBef>
+                        <a:spcAft>
+                          <a:spcPts val="1000"/>
+                        </a:spcAft>
+                      </a:pPr>
+                      <a:r>
+                        <a:rPr kumimoji="0" lang="en-US" sz="1000" b="0" u="none" kern="1200" dirty="0" smtClean="0">
+                          <a:solidFill>
+                            <a:srgbClr val="000000"/>
+                          </a:solidFill>
+                          <a:effectLst/>
+                          <a:latin typeface="Verdana"/>
+                          <a:ea typeface="Calibri"/>
+                          <a:cs typeface="Times New Roman"/>
+                        </a:rPr>
+                        <a:t>Search for a specified value within an array and return its index (or -1 if not found).</a:t>
+                      </a:r>
+                      <a:endParaRPr kumimoji="0" lang="en-US" sz="1000" b="0" u="none" kern="1200" dirty="0">
+                        <a:solidFill>
+                          <a:srgbClr val="000000"/>
+                        </a:solidFill>
+                        <a:effectLst/>
+                        <a:latin typeface="Verdana"/>
+                        <a:ea typeface="Calibri"/>
+                        <a:cs typeface="Times New Roman"/>
+                      </a:endParaRPr>
+                    </a:p>
+                  </a:txBody>
+                  <a:tcPr marL="47625" marR="47625" marT="66675" marB="66675"/>
+                </a:tc>
+              </a:tr>
+              <a:tr h="305851">
+                <a:tc>
+                  <a:txBody>
+                    <a:bodyPr/>
+                    <a:lstStyle/>
+                    <a:p>
+                      <a:pPr marL="0" marR="0" indent="0" algn="l" defTabSz="914400" rtl="0" eaLnBrk="1" fontAlgn="auto" latinLnBrk="0" hangingPunct="1">
+                        <a:lnSpc>
+                          <a:spcPts val="1265"/>
+                        </a:lnSpc>
+                        <a:spcBef>
+                          <a:spcPts val="0"/>
+                        </a:spcBef>
+                        <a:spcAft>
+                          <a:spcPts val="1000"/>
+                        </a:spcAft>
+                        <a:buClrTx/>
+                        <a:buSzTx/>
+                        <a:buFontTx/>
+                        <a:buNone/>
+                        <a:tabLst/>
+                        <a:defRPr/>
+                      </a:pPr>
+                      <a:r>
+                        <a:rPr kumimoji="0" lang="en-US" sz="1000" b="1" u="sng" kern="1200" dirty="0" err="1" smtClean="0">
+                          <a:solidFill>
+                            <a:srgbClr val="000000"/>
+                          </a:solidFill>
+                          <a:effectLst/>
+                          <a:latin typeface="Verdana"/>
+                          <a:ea typeface="Calibri"/>
+                          <a:cs typeface="Times New Roman"/>
+                          <a:hlinkClick r:id="rId8" tooltip="Permalink to jQuery.extend()"/>
+                        </a:rPr>
+                        <a:t>jQuery.extend</a:t>
+                      </a:r>
+                      <a:r>
+                        <a:rPr kumimoji="0" lang="en-US" sz="1000" b="1" u="sng" kern="1200" dirty="0" smtClean="0">
+                          <a:solidFill>
+                            <a:srgbClr val="000000"/>
+                          </a:solidFill>
+                          <a:effectLst/>
+                          <a:latin typeface="Verdana"/>
+                          <a:ea typeface="Calibri"/>
+                          <a:cs typeface="Times New Roman"/>
+                          <a:hlinkClick r:id="rId8" tooltip="Permalink to jQuery.extend()"/>
+                        </a:rPr>
+                        <a:t>()</a:t>
+                      </a:r>
+                      <a:endParaRPr kumimoji="0" lang="en-US" sz="1000" b="1" u="sng" kern="1200" dirty="0" smtClean="0">
+                        <a:solidFill>
+                          <a:srgbClr val="000000"/>
+                        </a:solidFill>
+                        <a:effectLst/>
+                        <a:latin typeface="Verdana"/>
+                        <a:ea typeface="Calibri"/>
+                        <a:cs typeface="Times New Roman"/>
+                      </a:endParaRPr>
+                    </a:p>
+                  </a:txBody>
+                  <a:tcPr marL="47625" marR="47625" marT="66675" marB="66675"/>
+                </a:tc>
+                <a:tc>
+                  <a:txBody>
+                    <a:bodyPr/>
+                    <a:lstStyle/>
+                    <a:p>
+                      <a:pPr marL="0" marR="0">
+                        <a:lnSpc>
+                          <a:spcPts val="1265"/>
+                        </a:lnSpc>
+                        <a:spcBef>
+                          <a:spcPts val="0"/>
+                        </a:spcBef>
+                        <a:spcAft>
+                          <a:spcPts val="1000"/>
+                        </a:spcAft>
+                      </a:pPr>
+                      <a:r>
+                        <a:rPr kumimoji="0" lang="en-US" sz="1000" b="0" u="none" kern="1200" dirty="0" smtClean="0">
+                          <a:solidFill>
+                            <a:srgbClr val="000000"/>
+                          </a:solidFill>
+                          <a:effectLst/>
+                          <a:latin typeface="Verdana"/>
+                          <a:ea typeface="Calibri"/>
+                          <a:cs typeface="Times New Roman"/>
+                        </a:rPr>
+                        <a:t>Merge the contents of two or more objects together into the first object.</a:t>
+                      </a:r>
+                      <a:endParaRPr kumimoji="0" lang="en-US" sz="1000" b="0" u="none" kern="1200" dirty="0">
+                        <a:solidFill>
+                          <a:srgbClr val="000000"/>
+                        </a:solidFill>
+                        <a:effectLst/>
+                        <a:latin typeface="Verdana"/>
+                        <a:ea typeface="Calibri"/>
+                        <a:cs typeface="Times New Roman"/>
+                      </a:endParaRPr>
+                    </a:p>
+                  </a:txBody>
+                  <a:tcPr marL="47625" marR="47625" marT="66675" marB="66675"/>
+                </a:tc>
+              </a:tr>
+              <a:tr h="305851">
+                <a:tc>
+                  <a:txBody>
+                    <a:bodyPr/>
+                    <a:lstStyle/>
+                    <a:p>
+                      <a:pPr marL="0" marR="0" indent="0" algn="l" defTabSz="914400" rtl="0" eaLnBrk="1" fontAlgn="auto" latinLnBrk="0" hangingPunct="1">
+                        <a:lnSpc>
+                          <a:spcPts val="1265"/>
+                        </a:lnSpc>
+                        <a:spcBef>
+                          <a:spcPts val="0"/>
+                        </a:spcBef>
+                        <a:spcAft>
+                          <a:spcPts val="1000"/>
+                        </a:spcAft>
+                        <a:buClrTx/>
+                        <a:buSzTx/>
+                        <a:buFontTx/>
+                        <a:buNone/>
+                        <a:tabLst/>
+                        <a:defRPr/>
+                      </a:pPr>
+                      <a:r>
+                        <a:rPr kumimoji="0" lang="en-US" sz="1000" b="1" u="sng" kern="1200" dirty="0" err="1" smtClean="0">
+                          <a:solidFill>
+                            <a:srgbClr val="000000"/>
+                          </a:solidFill>
+                          <a:effectLst/>
+                          <a:latin typeface="Verdana"/>
+                          <a:ea typeface="Calibri"/>
+                          <a:cs typeface="Times New Roman"/>
+                          <a:hlinkClick r:id="rId9" tooltip="Permalink to jQuery.each()"/>
+                        </a:rPr>
+                        <a:t>jQuery.each</a:t>
+                      </a:r>
+                      <a:r>
+                        <a:rPr kumimoji="0" lang="en-US" sz="1000" b="1" u="sng" kern="1200" dirty="0" smtClean="0">
+                          <a:solidFill>
+                            <a:srgbClr val="000000"/>
+                          </a:solidFill>
+                          <a:effectLst/>
+                          <a:latin typeface="Verdana"/>
+                          <a:ea typeface="Calibri"/>
+                          <a:cs typeface="Times New Roman"/>
+                          <a:hlinkClick r:id="rId9" tooltip="Permalink to jQuery.each()"/>
+                        </a:rPr>
+                        <a:t>()</a:t>
+                      </a:r>
+                      <a:endParaRPr kumimoji="0" lang="en-US" sz="1000" b="1" u="sng" kern="1200" dirty="0" smtClean="0">
+                        <a:solidFill>
+                          <a:srgbClr val="000000"/>
+                        </a:solidFill>
+                        <a:effectLst/>
+                        <a:latin typeface="Verdana"/>
+                        <a:ea typeface="Calibri"/>
+                        <a:cs typeface="Times New Roman"/>
+                      </a:endParaRPr>
+                    </a:p>
+                  </a:txBody>
+                  <a:tcPr marL="47625" marR="47625" marT="66675" marB="66675"/>
+                </a:tc>
+                <a:tc>
+                  <a:txBody>
+                    <a:bodyPr/>
+                    <a:lstStyle/>
+                    <a:p>
+                      <a:pPr marL="0" marR="0">
+                        <a:lnSpc>
+                          <a:spcPts val="1265"/>
+                        </a:lnSpc>
+                        <a:spcBef>
+                          <a:spcPts val="0"/>
+                        </a:spcBef>
+                        <a:spcAft>
+                          <a:spcPts val="1000"/>
+                        </a:spcAft>
+                      </a:pPr>
+                      <a:r>
+                        <a:rPr kumimoji="0" lang="en-US" sz="1000" b="0" u="none" kern="1200" dirty="0" smtClean="0">
+                          <a:solidFill>
+                            <a:srgbClr val="000000"/>
+                          </a:solidFill>
+                          <a:effectLst/>
+                          <a:latin typeface="Verdana"/>
+                          <a:ea typeface="Calibri"/>
+                          <a:cs typeface="Times New Roman"/>
+                        </a:rPr>
+                        <a:t>A generic iterator function, which can be used to seamlessly iterate over both objects and arrays. Arrays and array-like objects with a length property (such as a function’s arguments object) are iterated by numeric index, from 0 to length-1. Other objects are iterated via their named properties.</a:t>
+                      </a:r>
+                      <a:endParaRPr kumimoji="0" lang="en-US" sz="1000" b="0" u="none" kern="1200" dirty="0">
+                        <a:solidFill>
+                          <a:srgbClr val="000000"/>
+                        </a:solidFill>
+                        <a:effectLst/>
+                        <a:latin typeface="Verdana"/>
+                        <a:ea typeface="Calibri"/>
+                        <a:cs typeface="Times New Roman"/>
+                      </a:endParaRPr>
+                    </a:p>
+                  </a:txBody>
+                  <a:tcPr marL="47625" marR="47625" marT="66675" marB="66675"/>
+                </a:tc>
+              </a:tr>
+            </a:tbl>
+          </a:graphicData>
+        </a:graphic>
+      </p:graphicFrame>
       <p:sp>
         <p:nvSpPr>
-          <p:cNvPr id="3" name="Content Placeholder 2"/>
+          <p:cNvPr id="5" name="Content Placeholder 2"/>
           <p:cNvSpPr>
             <a:spLocks noGrp="1"/>
           </p:cNvSpPr>
@@ -10459,41 +11898,44 @@
         </p:nvSpPr>
         <p:spPr>
           <a:xfrm>
-            <a:off x="609600" y="1752600"/>
-            <a:ext cx="8153400" cy="4495800"/>
+            <a:off x="228600" y="1524000"/>
+            <a:ext cx="8915400" cy="381000"/>
           </a:xfrm>
         </p:spPr>
         <p:txBody>
           <a:bodyPr>
-            <a:normAutofit/>
+            <a:normAutofit fontScale="85000" lnSpcReduction="20000"/>
           </a:bodyPr>
           <a:lstStyle/>
           <a:p>
-            <a:pPr marL="0" indent="0">
+            <a:pPr marL="0" lvl="1" indent="0">
+              <a:spcBef>
+                <a:spcPts val="700"/>
+              </a:spcBef>
+              <a:buClr>
+                <a:schemeClr val="accent2"/>
+              </a:buClr>
+              <a:buSzPct val="60000"/>
               <a:buNone/>
             </a:pPr>
             <a:r>
-              <a:rPr lang="en-US" b="1" dirty="0" smtClean="0"/>
-              <a:t>Promise Object:</a:t>
-            </a:r>
-            <a:endParaRPr lang="en-US" b="1" dirty="0"/>
-          </a:p>
-          <a:p>
-            <a:r>
-              <a:rPr lang="en-US" dirty="0" smtClean="0"/>
-              <a:t>Return </a:t>
-            </a:r>
-            <a:r>
-              <a:rPr lang="en-US" dirty="0"/>
-              <a:t>a Promise object to observe when all actions of a certain type bound to the collection, queued or not, have finished.</a:t>
-            </a:r>
+              <a:rPr lang="en-US" b="1" dirty="0"/>
+              <a:t>Utilities:</a:t>
+            </a:r>
+            <a:endParaRPr lang="en-US" dirty="0"/>
+          </a:p>
+          <a:p>
+            <a:pPr marL="365760" lvl="1" indent="0">
+              <a:buNone/>
+            </a:pPr>
+            <a:endParaRPr lang="en-US" dirty="0"/>
           </a:p>
         </p:txBody>
       </p:sp>
     </p:spTree>
     <p:extLst>
       <p:ext uri="{BB962C8B-B14F-4D97-AF65-F5344CB8AC3E}">
-        <p14:creationId xmlns:p14="http://schemas.microsoft.com/office/powerpoint/2010/main" xmlns="" val="1643471531"/>
+        <p14:creationId xmlns:p14="http://schemas.microsoft.com/office/powerpoint/2010/main" val="1315870544"/>
       </p:ext>
     </p:extLst>
   </p:cSld>
@@ -10537,11 +11979,7 @@
                                           </p:stCondLst>
                                         </p:cTn>
                                         <p:tgtEl>
-                                          <p:spTgt spid="3">
-                                            <p:txEl>
-                                              <p:pRg st="1" end="1"/>
-                                            </p:txEl>
-                                          </p:spTgt>
+                                          <p:spTgt spid="4"/>
                                         </p:tgtEl>
                                         <p:attrNameLst>
                                           <p:attrName>style.visibility</p:attrName>
@@ -10555,11 +11993,7 @@
                                       <p:cBhvr>
                                         <p:cTn id="7" dur="1000"/>
                                         <p:tgtEl>
-                                          <p:spTgt spid="3">
-                                            <p:txEl>
-                                              <p:pRg st="1" end="1"/>
-                                            </p:txEl>
-                                          </p:spTgt>
+                                          <p:spTgt spid="4"/>
                                         </p:tgtEl>
                                       </p:cBhvr>
                                     </p:animEffect>
@@ -10567,11 +12001,7 @@
                                       <p:cBhvr>
                                         <p:cTn id="8" dur="1000" fill="hold"/>
                                         <p:tgtEl>
-                                          <p:spTgt spid="3">
-                                            <p:txEl>
-                                              <p:pRg st="1" end="1"/>
-                                            </p:txEl>
-                                          </p:spTgt>
+                                          <p:spTgt spid="4"/>
                                         </p:tgtEl>
                                         <p:attrNameLst>
                                           <p:attrName>ppt_x</p:attrName>
@@ -10594,11 +12024,7 @@
                                       <p:cBhvr>
                                         <p:cTn id="9" dur="1000" fill="hold"/>
                                         <p:tgtEl>
-                                          <p:spTgt spid="3">
-                                            <p:txEl>
-                                              <p:pRg st="1" end="1"/>
-                                            </p:txEl>
-                                          </p:spTgt>
+                                          <p:spTgt spid="4"/>
                                         </p:tgtEl>
                                         <p:attrNameLst>
                                           <p:attrName>ppt_y</p:attrName>
@@ -10719,19 +12145,19 @@
               <a:buNone/>
             </a:pPr>
             <a:r>
-              <a:rPr lang="en-US" b="1" dirty="0"/>
-              <a:t>Deferred </a:t>
-            </a:r>
-            <a:r>
               <a:rPr lang="en-US" b="1" dirty="0" smtClean="0"/>
-              <a:t>Object:</a:t>
+              <a:t>Promise Object:</a:t>
             </a:r>
             <a:endParaRPr lang="en-US" b="1" dirty="0"/>
           </a:p>
           <a:p>
             <a:r>
+              <a:rPr lang="en-US" dirty="0" smtClean="0"/>
+              <a:t>Return </a:t>
+            </a:r>
+            <a:r>
               <a:rPr lang="en-US" dirty="0"/>
-              <a:t>It can register multiple callbacks into callback queues, invoke callback queues, and relay the success or failure state of any synchronous or asynchronous function.</a:t>
+              <a:t>a Promise object to observe when all actions of a certain type bound to the collection, queued or not, have finished.</a:t>
             </a:r>
           </a:p>
         </p:txBody>
@@ -10739,7 +12165,7 @@
     </p:spTree>
     <p:extLst>
       <p:ext uri="{BB962C8B-B14F-4D97-AF65-F5344CB8AC3E}">
-        <p14:creationId xmlns:p14="http://schemas.microsoft.com/office/powerpoint/2010/main" xmlns="" val="859670407"/>
+        <p14:creationId xmlns:p14="http://schemas.microsoft.com/office/powerpoint/2010/main" val="1643471531"/>
       </p:ext>
     </p:extLst>
   </p:cSld>
